--- a/CollCompBiol.pptx
+++ b/CollCompBiol.pptx
@@ -1448,757 +1448,6 @@
       <dsp:cNvGrpSpPr/>
     </dsp:nvGrpSpPr>
     <dsp:grpSpPr/>
-    <dsp:sp modelId="{B5AB1BF9-4ACD-4891-81A7-FE6469FA1B42}">
-      <dsp:nvSpPr>
-        <dsp:cNvPr id="0" name=""/>
-        <dsp:cNvSpPr/>
-      </dsp:nvSpPr>
-      <dsp:spPr>
-        <a:xfrm>
-          <a:off x="0" y="0"/>
-          <a:ext cx="4133226" cy="698616"/>
-        </a:xfrm>
-        <a:prstGeom prst="roundRect">
-          <a:avLst>
-            <a:gd name="adj" fmla="val 10000"/>
-          </a:avLst>
-        </a:prstGeom>
-        <a:solidFill>
-          <a:schemeClr val="accent1">
-            <a:hueOff val="0"/>
-            <a:satOff val="0"/>
-            <a:lumOff val="0"/>
-            <a:alphaOff val="0"/>
-          </a:schemeClr>
-        </a:solidFill>
-        <a:ln w="19050" cap="rnd" cmpd="sng" algn="ctr">
-          <a:solidFill>
-            <a:schemeClr val="lt1">
-              <a:hueOff val="0"/>
-              <a:satOff val="0"/>
-              <a:lumOff val="0"/>
-              <a:alphaOff val="0"/>
-            </a:schemeClr>
-          </a:solidFill>
-          <a:prstDash val="solid"/>
-        </a:ln>
-        <a:effectLst/>
-      </dsp:spPr>
-      <dsp:style>
-        <a:lnRef idx="2">
-          <a:scrgbClr r="0" g="0" b="0"/>
-        </a:lnRef>
-        <a:fillRef idx="1">
-          <a:scrgbClr r="0" g="0" b="0"/>
-        </a:fillRef>
-        <a:effectRef idx="0">
-          <a:scrgbClr r="0" g="0" b="0"/>
-        </a:effectRef>
-        <a:fontRef idx="minor">
-          <a:schemeClr val="lt1"/>
-        </a:fontRef>
-      </dsp:style>
-      <dsp:txBody>
-        <a:bodyPr spcFirstLastPara="0" vert="horz" wrap="square" lIns="80010" tIns="80010" rIns="80010" bIns="80010" numCol="1" spcCol="1270" anchor="ctr" anchorCtr="0">
-          <a:noAutofit/>
-        </a:bodyPr>
-        <a:lstStyle/>
-        <a:p>
-          <a:pPr lvl="0" algn="l" defTabSz="933450">
-            <a:lnSpc>
-              <a:spcPct val="90000"/>
-            </a:lnSpc>
-            <a:spcBef>
-              <a:spcPct val="0"/>
-            </a:spcBef>
-            <a:spcAft>
-              <a:spcPct val="35000"/>
-            </a:spcAft>
-          </a:pPr>
-          <a:r>
-            <a:rPr lang="en-US" sz="2100" kern="1200" dirty="0" smtClean="0">
-              <a:solidFill>
-                <a:schemeClr val="bg1"/>
-              </a:solidFill>
-            </a:rPr>
-            <a:t>EV and cell collection</a:t>
-          </a:r>
-          <a:endParaRPr lang="en-AU" sz="2100" kern="1200" dirty="0">
-            <a:solidFill>
-              <a:schemeClr val="bg1"/>
-            </a:solidFill>
-          </a:endParaRPr>
-        </a:p>
-      </dsp:txBody>
-      <dsp:txXfrm>
-        <a:off x="20462" y="20462"/>
-        <a:ext cx="3297626" cy="657692"/>
-      </dsp:txXfrm>
-    </dsp:sp>
-    <dsp:sp modelId="{142466EF-5655-42A9-8BF0-F1624F077F06}">
-      <dsp:nvSpPr>
-        <dsp:cNvPr id="0" name=""/>
-        <dsp:cNvSpPr/>
-      </dsp:nvSpPr>
-      <dsp:spPr>
-        <a:xfrm>
-          <a:off x="308650" y="795646"/>
-          <a:ext cx="4133226" cy="698616"/>
-        </a:xfrm>
-        <a:prstGeom prst="roundRect">
-          <a:avLst>
-            <a:gd name="adj" fmla="val 10000"/>
-          </a:avLst>
-        </a:prstGeom>
-        <a:solidFill>
-          <a:schemeClr val="accent1">
-            <a:hueOff val="0"/>
-            <a:satOff val="0"/>
-            <a:lumOff val="0"/>
-            <a:alphaOff val="0"/>
-          </a:schemeClr>
-        </a:solidFill>
-        <a:ln w="19050" cap="rnd" cmpd="sng" algn="ctr">
-          <a:solidFill>
-            <a:schemeClr val="lt1">
-              <a:hueOff val="0"/>
-              <a:satOff val="0"/>
-              <a:lumOff val="0"/>
-              <a:alphaOff val="0"/>
-            </a:schemeClr>
-          </a:solidFill>
-          <a:prstDash val="solid"/>
-        </a:ln>
-        <a:effectLst/>
-      </dsp:spPr>
-      <dsp:style>
-        <a:lnRef idx="2">
-          <a:scrgbClr r="0" g="0" b="0"/>
-        </a:lnRef>
-        <a:fillRef idx="1">
-          <a:scrgbClr r="0" g="0" b="0"/>
-        </a:fillRef>
-        <a:effectRef idx="0">
-          <a:scrgbClr r="0" g="0" b="0"/>
-        </a:effectRef>
-        <a:fontRef idx="minor">
-          <a:schemeClr val="lt1"/>
-        </a:fontRef>
-      </dsp:style>
-      <dsp:txBody>
-        <a:bodyPr spcFirstLastPara="0" vert="horz" wrap="square" lIns="80010" tIns="80010" rIns="80010" bIns="80010" numCol="1" spcCol="1270" anchor="ctr" anchorCtr="0">
-          <a:noAutofit/>
-        </a:bodyPr>
-        <a:lstStyle/>
-        <a:p>
-          <a:pPr lvl="0" algn="l" defTabSz="933450">
-            <a:lnSpc>
-              <a:spcPct val="90000"/>
-            </a:lnSpc>
-            <a:spcBef>
-              <a:spcPct val="0"/>
-            </a:spcBef>
-            <a:spcAft>
-              <a:spcPct val="35000"/>
-            </a:spcAft>
-          </a:pPr>
-          <a:r>
-            <a:rPr lang="en-US" sz="2100" kern="1200" dirty="0" smtClean="0">
-              <a:solidFill>
-                <a:schemeClr val="bg1"/>
-              </a:solidFill>
-            </a:rPr>
-            <a:t>RNA extraction</a:t>
-          </a:r>
-          <a:endParaRPr lang="en-AU" sz="2100" kern="1200" dirty="0">
-            <a:solidFill>
-              <a:schemeClr val="bg1"/>
-            </a:solidFill>
-          </a:endParaRPr>
-        </a:p>
-      </dsp:txBody>
-      <dsp:txXfrm>
-        <a:off x="329112" y="816108"/>
-        <a:ext cx="3329551" cy="657692"/>
-      </dsp:txXfrm>
-    </dsp:sp>
-    <dsp:sp modelId="{537E957E-2D49-43EA-8008-F973EA99ED84}">
-      <dsp:nvSpPr>
-        <dsp:cNvPr id="0" name=""/>
-        <dsp:cNvSpPr/>
-      </dsp:nvSpPr>
-      <dsp:spPr>
-        <a:xfrm>
-          <a:off x="617300" y="1591293"/>
-          <a:ext cx="4133226" cy="698616"/>
-        </a:xfrm>
-        <a:prstGeom prst="roundRect">
-          <a:avLst>
-            <a:gd name="adj" fmla="val 10000"/>
-          </a:avLst>
-        </a:prstGeom>
-        <a:solidFill>
-          <a:schemeClr val="accent1">
-            <a:hueOff val="0"/>
-            <a:satOff val="0"/>
-            <a:lumOff val="0"/>
-            <a:alphaOff val="0"/>
-          </a:schemeClr>
-        </a:solidFill>
-        <a:ln w="19050" cap="rnd" cmpd="sng" algn="ctr">
-          <a:solidFill>
-            <a:schemeClr val="lt1">
-              <a:hueOff val="0"/>
-              <a:satOff val="0"/>
-              <a:lumOff val="0"/>
-              <a:alphaOff val="0"/>
-            </a:schemeClr>
-          </a:solidFill>
-          <a:prstDash val="solid"/>
-        </a:ln>
-        <a:effectLst/>
-      </dsp:spPr>
-      <dsp:style>
-        <a:lnRef idx="2">
-          <a:scrgbClr r="0" g="0" b="0"/>
-        </a:lnRef>
-        <a:fillRef idx="1">
-          <a:scrgbClr r="0" g="0" b="0"/>
-        </a:fillRef>
-        <a:effectRef idx="0">
-          <a:scrgbClr r="0" g="0" b="0"/>
-        </a:effectRef>
-        <a:fontRef idx="minor">
-          <a:schemeClr val="lt1"/>
-        </a:fontRef>
-      </dsp:style>
-      <dsp:txBody>
-        <a:bodyPr spcFirstLastPara="0" vert="horz" wrap="square" lIns="80010" tIns="80010" rIns="80010" bIns="80010" numCol="1" spcCol="1270" anchor="ctr" anchorCtr="0">
-          <a:noAutofit/>
-        </a:bodyPr>
-        <a:lstStyle/>
-        <a:p>
-          <a:pPr lvl="0" algn="l" defTabSz="933450">
-            <a:lnSpc>
-              <a:spcPct val="90000"/>
-            </a:lnSpc>
-            <a:spcBef>
-              <a:spcPct val="0"/>
-            </a:spcBef>
-            <a:spcAft>
-              <a:spcPct val="35000"/>
-            </a:spcAft>
-          </a:pPr>
-          <a:r>
-            <a:rPr lang="en-US" sz="2100" kern="1200" dirty="0" smtClean="0">
-              <a:solidFill>
-                <a:schemeClr val="bg1"/>
-              </a:solidFill>
-            </a:rPr>
-            <a:t>cDNA and poly-A tailing</a:t>
-          </a:r>
-          <a:endParaRPr lang="en-AU" sz="2100" kern="1200" dirty="0">
-            <a:solidFill>
-              <a:schemeClr val="bg1"/>
-            </a:solidFill>
-          </a:endParaRPr>
-        </a:p>
-      </dsp:txBody>
-      <dsp:txXfrm>
-        <a:off x="637762" y="1611755"/>
-        <a:ext cx="3329551" cy="657692"/>
-      </dsp:txXfrm>
-    </dsp:sp>
-    <dsp:sp modelId="{6EF6A664-D7FA-4909-AC1A-B05262E61B69}">
-      <dsp:nvSpPr>
-        <dsp:cNvPr id="0" name=""/>
-        <dsp:cNvSpPr/>
-      </dsp:nvSpPr>
-      <dsp:spPr>
-        <a:xfrm>
-          <a:off x="925950" y="2386940"/>
-          <a:ext cx="4133226" cy="698616"/>
-        </a:xfrm>
-        <a:prstGeom prst="roundRect">
-          <a:avLst>
-            <a:gd name="adj" fmla="val 10000"/>
-          </a:avLst>
-        </a:prstGeom>
-        <a:solidFill>
-          <a:schemeClr val="accent1">
-            <a:hueOff val="0"/>
-            <a:satOff val="0"/>
-            <a:lumOff val="0"/>
-            <a:alphaOff val="0"/>
-          </a:schemeClr>
-        </a:solidFill>
-        <a:ln w="19050" cap="rnd" cmpd="sng" algn="ctr">
-          <a:solidFill>
-            <a:schemeClr val="lt1">
-              <a:hueOff val="0"/>
-              <a:satOff val="0"/>
-              <a:lumOff val="0"/>
-              <a:alphaOff val="0"/>
-            </a:schemeClr>
-          </a:solidFill>
-          <a:prstDash val="solid"/>
-        </a:ln>
-        <a:effectLst/>
-      </dsp:spPr>
-      <dsp:style>
-        <a:lnRef idx="2">
-          <a:scrgbClr r="0" g="0" b="0"/>
-        </a:lnRef>
-        <a:fillRef idx="1">
-          <a:scrgbClr r="0" g="0" b="0"/>
-        </a:fillRef>
-        <a:effectRef idx="0">
-          <a:scrgbClr r="0" g="0" b="0"/>
-        </a:effectRef>
-        <a:fontRef idx="minor">
-          <a:schemeClr val="lt1"/>
-        </a:fontRef>
-      </dsp:style>
-      <dsp:txBody>
-        <a:bodyPr spcFirstLastPara="0" vert="horz" wrap="square" lIns="80010" tIns="80010" rIns="80010" bIns="80010" numCol="1" spcCol="1270" anchor="ctr" anchorCtr="0">
-          <a:noAutofit/>
-        </a:bodyPr>
-        <a:lstStyle/>
-        <a:p>
-          <a:pPr lvl="0" algn="l" defTabSz="933450">
-            <a:lnSpc>
-              <a:spcPct val="90000"/>
-            </a:lnSpc>
-            <a:spcBef>
-              <a:spcPct val="0"/>
-            </a:spcBef>
-            <a:spcAft>
-              <a:spcPct val="35000"/>
-            </a:spcAft>
-          </a:pPr>
-          <a:r>
-            <a:rPr lang="en-US" sz="2100" kern="1200" dirty="0" smtClean="0">
-              <a:solidFill>
-                <a:schemeClr val="bg1"/>
-              </a:solidFill>
-            </a:rPr>
-            <a:t>RT-qPCR</a:t>
-          </a:r>
-          <a:endParaRPr lang="en-AU" sz="2100" kern="1200" dirty="0">
-            <a:solidFill>
-              <a:schemeClr val="bg1"/>
-            </a:solidFill>
-          </a:endParaRPr>
-        </a:p>
-      </dsp:txBody>
-      <dsp:txXfrm>
-        <a:off x="946412" y="2407402"/>
-        <a:ext cx="3329551" cy="657692"/>
-      </dsp:txXfrm>
-    </dsp:sp>
-    <dsp:sp modelId="{1F4391CF-DC44-49F5-9A28-B44F80DF4D55}">
-      <dsp:nvSpPr>
-        <dsp:cNvPr id="0" name=""/>
-        <dsp:cNvSpPr/>
-      </dsp:nvSpPr>
-      <dsp:spPr>
-        <a:xfrm>
-          <a:off x="1234600" y="3182587"/>
-          <a:ext cx="4133226" cy="698616"/>
-        </a:xfrm>
-        <a:prstGeom prst="roundRect">
-          <a:avLst>
-            <a:gd name="adj" fmla="val 10000"/>
-          </a:avLst>
-        </a:prstGeom>
-        <a:solidFill>
-          <a:schemeClr val="accent1">
-            <a:hueOff val="0"/>
-            <a:satOff val="0"/>
-            <a:lumOff val="0"/>
-            <a:alphaOff val="0"/>
-          </a:schemeClr>
-        </a:solidFill>
-        <a:ln w="19050" cap="rnd" cmpd="sng" algn="ctr">
-          <a:solidFill>
-            <a:schemeClr val="lt1">
-              <a:hueOff val="0"/>
-              <a:satOff val="0"/>
-              <a:lumOff val="0"/>
-              <a:alphaOff val="0"/>
-            </a:schemeClr>
-          </a:solidFill>
-          <a:prstDash val="solid"/>
-        </a:ln>
-        <a:effectLst/>
-      </dsp:spPr>
-      <dsp:style>
-        <a:lnRef idx="2">
-          <a:scrgbClr r="0" g="0" b="0"/>
-        </a:lnRef>
-        <a:fillRef idx="1">
-          <a:scrgbClr r="0" g="0" b="0"/>
-        </a:fillRef>
-        <a:effectRef idx="0">
-          <a:scrgbClr r="0" g="0" b="0"/>
-        </a:effectRef>
-        <a:fontRef idx="minor">
-          <a:schemeClr val="lt1"/>
-        </a:fontRef>
-      </dsp:style>
-      <dsp:txBody>
-        <a:bodyPr spcFirstLastPara="0" vert="horz" wrap="square" lIns="80010" tIns="80010" rIns="80010" bIns="80010" numCol="1" spcCol="1270" anchor="ctr" anchorCtr="0">
-          <a:noAutofit/>
-        </a:bodyPr>
-        <a:lstStyle/>
-        <a:p>
-          <a:pPr lvl="0" algn="l" defTabSz="933450">
-            <a:lnSpc>
-              <a:spcPct val="90000"/>
-            </a:lnSpc>
-            <a:spcBef>
-              <a:spcPct val="0"/>
-            </a:spcBef>
-            <a:spcAft>
-              <a:spcPct val="35000"/>
-            </a:spcAft>
-          </a:pPr>
-          <a:r>
-            <a:rPr lang="en-US" sz="2100" kern="1200" dirty="0" smtClean="0">
-              <a:solidFill>
-                <a:schemeClr val="bg1"/>
-              </a:solidFill>
-            </a:rPr>
-            <a:t>Delta </a:t>
-          </a:r>
-          <a:r>
-            <a:rPr lang="en-US" sz="2100" kern="1200" dirty="0" err="1" smtClean="0">
-              <a:solidFill>
-                <a:schemeClr val="bg1"/>
-              </a:solidFill>
-            </a:rPr>
-            <a:t>delta</a:t>
-          </a:r>
-          <a:r>
-            <a:rPr lang="en-US" sz="2100" kern="1200" dirty="0" smtClean="0">
-              <a:solidFill>
-                <a:schemeClr val="bg1"/>
-              </a:solidFill>
-            </a:rPr>
-            <a:t> CT analysis</a:t>
-          </a:r>
-          <a:endParaRPr lang="en-AU" sz="2100" kern="1200" dirty="0">
-            <a:solidFill>
-              <a:schemeClr val="bg1"/>
-            </a:solidFill>
-          </a:endParaRPr>
-        </a:p>
-      </dsp:txBody>
-      <dsp:txXfrm>
-        <a:off x="1255062" y="3203049"/>
-        <a:ext cx="3329551" cy="657692"/>
-      </dsp:txXfrm>
-    </dsp:sp>
-    <dsp:sp modelId="{7C7A3F0C-3A09-40A9-B3A8-9BCA2A046C7A}">
-      <dsp:nvSpPr>
-        <dsp:cNvPr id="0" name=""/>
-        <dsp:cNvSpPr/>
-      </dsp:nvSpPr>
-      <dsp:spPr>
-        <a:xfrm>
-          <a:off x="3679125" y="510378"/>
-          <a:ext cx="454100" cy="454100"/>
-        </a:xfrm>
-        <a:prstGeom prst="downArrow">
-          <a:avLst>
-            <a:gd name="adj1" fmla="val 55000"/>
-            <a:gd name="adj2" fmla="val 45000"/>
-          </a:avLst>
-        </a:prstGeom>
-        <a:solidFill>
-          <a:schemeClr val="bg2">
-            <a:lumMod val="50000"/>
-            <a:lumOff val="50000"/>
-            <a:alpha val="90000"/>
-          </a:schemeClr>
-        </a:solidFill>
-        <a:ln w="19050" cap="rnd" cmpd="sng" algn="ctr">
-          <a:solidFill>
-            <a:schemeClr val="accent1">
-              <a:alpha val="90000"/>
-              <a:tint val="40000"/>
-              <a:hueOff val="0"/>
-              <a:satOff val="0"/>
-              <a:lumOff val="0"/>
-              <a:alphaOff val="0"/>
-            </a:schemeClr>
-          </a:solidFill>
-          <a:prstDash val="solid"/>
-        </a:ln>
-        <a:effectLst/>
-      </dsp:spPr>
-      <dsp:style>
-        <a:lnRef idx="2">
-          <a:scrgbClr r="0" g="0" b="0"/>
-        </a:lnRef>
-        <a:fillRef idx="1">
-          <a:scrgbClr r="0" g="0" b="0"/>
-        </a:fillRef>
-        <a:effectRef idx="0">
-          <a:scrgbClr r="0" g="0" b="0"/>
-        </a:effectRef>
-        <a:fontRef idx="minor"/>
-      </dsp:style>
-      <dsp:txBody>
-        <a:bodyPr spcFirstLastPara="0" vert="horz" wrap="square" lIns="25400" tIns="25400" rIns="25400" bIns="25400" numCol="1" spcCol="1270" anchor="ctr" anchorCtr="0">
-          <a:noAutofit/>
-        </a:bodyPr>
-        <a:lstStyle/>
-        <a:p>
-          <a:pPr lvl="0" algn="ctr" defTabSz="889000">
-            <a:lnSpc>
-              <a:spcPct val="90000"/>
-            </a:lnSpc>
-            <a:spcBef>
-              <a:spcPct val="0"/>
-            </a:spcBef>
-            <a:spcAft>
-              <a:spcPct val="35000"/>
-            </a:spcAft>
-          </a:pPr>
-          <a:endParaRPr lang="en-AU" sz="2000" kern="1200"/>
-        </a:p>
-      </dsp:txBody>
-      <dsp:txXfrm>
-        <a:off x="3781297" y="510378"/>
-        <a:ext cx="249756" cy="341710"/>
-      </dsp:txXfrm>
-    </dsp:sp>
-    <dsp:sp modelId="{09B2B401-8928-462C-B29D-38127C77AA4D}">
-      <dsp:nvSpPr>
-        <dsp:cNvPr id="0" name=""/>
-        <dsp:cNvSpPr/>
-      </dsp:nvSpPr>
-      <dsp:spPr>
-        <a:xfrm>
-          <a:off x="3987775" y="1306025"/>
-          <a:ext cx="454100" cy="454100"/>
-        </a:xfrm>
-        <a:prstGeom prst="downArrow">
-          <a:avLst>
-            <a:gd name="adj1" fmla="val 55000"/>
-            <a:gd name="adj2" fmla="val 45000"/>
-          </a:avLst>
-        </a:prstGeom>
-        <a:solidFill>
-          <a:schemeClr val="bg2">
-            <a:lumMod val="50000"/>
-            <a:lumOff val="50000"/>
-            <a:alpha val="90000"/>
-          </a:schemeClr>
-        </a:solidFill>
-        <a:ln w="19050" cap="rnd" cmpd="sng" algn="ctr">
-          <a:solidFill>
-            <a:schemeClr val="accent1">
-              <a:alpha val="90000"/>
-              <a:tint val="40000"/>
-              <a:hueOff val="0"/>
-              <a:satOff val="0"/>
-              <a:lumOff val="0"/>
-              <a:alphaOff val="0"/>
-            </a:schemeClr>
-          </a:solidFill>
-          <a:prstDash val="solid"/>
-        </a:ln>
-        <a:effectLst/>
-      </dsp:spPr>
-      <dsp:style>
-        <a:lnRef idx="2">
-          <a:scrgbClr r="0" g="0" b="0"/>
-        </a:lnRef>
-        <a:fillRef idx="1">
-          <a:scrgbClr r="0" g="0" b="0"/>
-        </a:fillRef>
-        <a:effectRef idx="0">
-          <a:scrgbClr r="0" g="0" b="0"/>
-        </a:effectRef>
-        <a:fontRef idx="minor"/>
-      </dsp:style>
-      <dsp:txBody>
-        <a:bodyPr spcFirstLastPara="0" vert="horz" wrap="square" lIns="25400" tIns="25400" rIns="25400" bIns="25400" numCol="1" spcCol="1270" anchor="ctr" anchorCtr="0">
-          <a:noAutofit/>
-        </a:bodyPr>
-        <a:lstStyle/>
-        <a:p>
-          <a:pPr lvl="0" algn="ctr" defTabSz="889000">
-            <a:lnSpc>
-              <a:spcPct val="90000"/>
-            </a:lnSpc>
-            <a:spcBef>
-              <a:spcPct val="0"/>
-            </a:spcBef>
-            <a:spcAft>
-              <a:spcPct val="35000"/>
-            </a:spcAft>
-          </a:pPr>
-          <a:endParaRPr lang="en-AU" sz="2000" kern="1200"/>
-        </a:p>
-      </dsp:txBody>
-      <dsp:txXfrm>
-        <a:off x="4089947" y="1306025"/>
-        <a:ext cx="249756" cy="341710"/>
-      </dsp:txXfrm>
-    </dsp:sp>
-    <dsp:sp modelId="{94FDD53F-9ABA-4238-8C87-E414C334E987}">
-      <dsp:nvSpPr>
-        <dsp:cNvPr id="0" name=""/>
-        <dsp:cNvSpPr/>
-      </dsp:nvSpPr>
-      <dsp:spPr>
-        <a:xfrm>
-          <a:off x="4296426" y="2090028"/>
-          <a:ext cx="454100" cy="454100"/>
-        </a:xfrm>
-        <a:prstGeom prst="downArrow">
-          <a:avLst>
-            <a:gd name="adj1" fmla="val 55000"/>
-            <a:gd name="adj2" fmla="val 45000"/>
-          </a:avLst>
-        </a:prstGeom>
-        <a:solidFill>
-          <a:schemeClr val="bg2">
-            <a:lumMod val="50000"/>
-            <a:lumOff val="50000"/>
-            <a:alpha val="90000"/>
-          </a:schemeClr>
-        </a:solidFill>
-        <a:ln w="19050" cap="rnd" cmpd="sng" algn="ctr">
-          <a:solidFill>
-            <a:schemeClr val="accent1">
-              <a:alpha val="90000"/>
-              <a:tint val="40000"/>
-              <a:hueOff val="0"/>
-              <a:satOff val="0"/>
-              <a:lumOff val="0"/>
-              <a:alphaOff val="0"/>
-            </a:schemeClr>
-          </a:solidFill>
-          <a:prstDash val="solid"/>
-        </a:ln>
-        <a:effectLst/>
-      </dsp:spPr>
-      <dsp:style>
-        <a:lnRef idx="2">
-          <a:scrgbClr r="0" g="0" b="0"/>
-        </a:lnRef>
-        <a:fillRef idx="1">
-          <a:scrgbClr r="0" g="0" b="0"/>
-        </a:fillRef>
-        <a:effectRef idx="0">
-          <a:scrgbClr r="0" g="0" b="0"/>
-        </a:effectRef>
-        <a:fontRef idx="minor"/>
-      </dsp:style>
-      <dsp:txBody>
-        <a:bodyPr spcFirstLastPara="0" vert="horz" wrap="square" lIns="25400" tIns="25400" rIns="25400" bIns="25400" numCol="1" spcCol="1270" anchor="ctr" anchorCtr="0">
-          <a:noAutofit/>
-        </a:bodyPr>
-        <a:lstStyle/>
-        <a:p>
-          <a:pPr lvl="0" algn="ctr" defTabSz="889000">
-            <a:lnSpc>
-              <a:spcPct val="90000"/>
-            </a:lnSpc>
-            <a:spcBef>
-              <a:spcPct val="0"/>
-            </a:spcBef>
-            <a:spcAft>
-              <a:spcPct val="35000"/>
-            </a:spcAft>
-          </a:pPr>
-          <a:endParaRPr lang="en-AU" sz="2000" kern="1200"/>
-        </a:p>
-      </dsp:txBody>
-      <dsp:txXfrm>
-        <a:off x="4398598" y="2090028"/>
-        <a:ext cx="249756" cy="341710"/>
-      </dsp:txXfrm>
-    </dsp:sp>
-    <dsp:sp modelId="{112B86F2-18EA-41BC-AA1E-EB607F094174}">
-      <dsp:nvSpPr>
-        <dsp:cNvPr id="0" name=""/>
-        <dsp:cNvSpPr/>
-      </dsp:nvSpPr>
-      <dsp:spPr>
-        <a:xfrm>
-          <a:off x="4605076" y="2893437"/>
-          <a:ext cx="454100" cy="454100"/>
-        </a:xfrm>
-        <a:prstGeom prst="downArrow">
-          <a:avLst>
-            <a:gd name="adj1" fmla="val 55000"/>
-            <a:gd name="adj2" fmla="val 45000"/>
-          </a:avLst>
-        </a:prstGeom>
-        <a:solidFill>
-          <a:schemeClr val="bg2">
-            <a:lumMod val="50000"/>
-            <a:lumOff val="50000"/>
-            <a:alpha val="90000"/>
-          </a:schemeClr>
-        </a:solidFill>
-        <a:ln w="19050" cap="rnd" cmpd="sng" algn="ctr">
-          <a:solidFill>
-            <a:schemeClr val="accent1">
-              <a:alpha val="90000"/>
-              <a:tint val="40000"/>
-              <a:hueOff val="0"/>
-              <a:satOff val="0"/>
-              <a:lumOff val="0"/>
-              <a:alphaOff val="0"/>
-            </a:schemeClr>
-          </a:solidFill>
-          <a:prstDash val="solid"/>
-        </a:ln>
-        <a:effectLst/>
-      </dsp:spPr>
-      <dsp:style>
-        <a:lnRef idx="2">
-          <a:scrgbClr r="0" g="0" b="0"/>
-        </a:lnRef>
-        <a:fillRef idx="1">
-          <a:scrgbClr r="0" g="0" b="0"/>
-        </a:fillRef>
-        <a:effectRef idx="0">
-          <a:scrgbClr r="0" g="0" b="0"/>
-        </a:effectRef>
-        <a:fontRef idx="minor"/>
-      </dsp:style>
-      <dsp:txBody>
-        <a:bodyPr spcFirstLastPara="0" vert="horz" wrap="square" lIns="25400" tIns="25400" rIns="25400" bIns="25400" numCol="1" spcCol="1270" anchor="ctr" anchorCtr="0">
-          <a:noAutofit/>
-        </a:bodyPr>
-        <a:lstStyle/>
-        <a:p>
-          <a:pPr lvl="0" algn="ctr" defTabSz="889000">
-            <a:lnSpc>
-              <a:spcPct val="90000"/>
-            </a:lnSpc>
-            <a:spcBef>
-              <a:spcPct val="0"/>
-            </a:spcBef>
-            <a:spcAft>
-              <a:spcPct val="35000"/>
-            </a:spcAft>
-          </a:pPr>
-          <a:endParaRPr lang="en-AU" sz="2000" kern="1200"/>
-        </a:p>
-      </dsp:txBody>
-      <dsp:txXfrm>
-        <a:off x="4707248" y="2893437"/>
-        <a:ext cx="249756" cy="341710"/>
-      </dsp:txXfrm>
-    </dsp:sp>
   </dsp:spTree>
 </dsp:drawing>
 </file>
@@ -4545,7 +3794,7 @@
           <a:p>
             <a:fld id="{7DE09EE5-A3A6-46CD-82C4-C5653BD8F5FF}" type="datetimeFigureOut">
               <a:rPr lang="en-AU" smtClean="0"/>
-              <a:t>5/10/2016</a:t>
+              <a:t>26/10/2016</a:t>
             </a:fld>
             <a:endParaRPr lang="en-AU"/>
           </a:p>
@@ -7027,7 +6276,7 @@
           <a:p>
             <a:fld id="{1644BD7C-F7E4-4602-B4BA-7731E171C526}" type="datetimeFigureOut">
               <a:rPr lang="en-AU" smtClean="0"/>
-              <a:t>5/10/2016</a:t>
+              <a:t>26/10/2016</a:t>
             </a:fld>
             <a:endParaRPr lang="en-AU"/>
           </a:p>
@@ -7307,7 +6556,7 @@
           <a:p>
             <a:fld id="{1644BD7C-F7E4-4602-B4BA-7731E171C526}" type="datetimeFigureOut">
               <a:rPr lang="en-AU" smtClean="0"/>
-              <a:t>5/10/2016</a:t>
+              <a:t>26/10/2016</a:t>
             </a:fld>
             <a:endParaRPr lang="en-AU"/>
           </a:p>
@@ -7501,7 +6750,7 @@
           <a:p>
             <a:fld id="{1644BD7C-F7E4-4602-B4BA-7731E171C526}" type="datetimeFigureOut">
               <a:rPr lang="en-AU" smtClean="0"/>
-              <a:t>5/10/2016</a:t>
+              <a:t>26/10/2016</a:t>
             </a:fld>
             <a:endParaRPr lang="en-AU"/>
           </a:p>
@@ -7769,7 +7018,7 @@
           <a:p>
             <a:fld id="{1644BD7C-F7E4-4602-B4BA-7731E171C526}" type="datetimeFigureOut">
               <a:rPr lang="en-AU" smtClean="0"/>
-              <a:t>5/10/2016</a:t>
+              <a:t>26/10/2016</a:t>
             </a:fld>
             <a:endParaRPr lang="en-AU"/>
           </a:p>
@@ -8101,7 +7350,7 @@
           <a:p>
             <a:fld id="{1644BD7C-F7E4-4602-B4BA-7731E171C526}" type="datetimeFigureOut">
               <a:rPr lang="en-AU" smtClean="0"/>
-              <a:t>5/10/2016</a:t>
+              <a:t>26/10/2016</a:t>
             </a:fld>
             <a:endParaRPr lang="en-AU"/>
           </a:p>
@@ -8711,7 +7960,7 @@
           <a:p>
             <a:fld id="{1644BD7C-F7E4-4602-B4BA-7731E171C526}" type="datetimeFigureOut">
               <a:rPr lang="en-AU" smtClean="0"/>
-              <a:t>5/10/2016</a:t>
+              <a:t>26/10/2016</a:t>
             </a:fld>
             <a:endParaRPr lang="en-AU"/>
           </a:p>
@@ -9558,7 +8807,7 @@
           <a:p>
             <a:fld id="{1644BD7C-F7E4-4602-B4BA-7731E171C526}" type="datetimeFigureOut">
               <a:rPr lang="en-AU" smtClean="0"/>
-              <a:t>5/10/2016</a:t>
+              <a:t>26/10/2016</a:t>
             </a:fld>
             <a:endParaRPr lang="en-AU"/>
           </a:p>
@@ -9728,7 +8977,7 @@
           <a:p>
             <a:fld id="{1644BD7C-F7E4-4602-B4BA-7731E171C526}" type="datetimeFigureOut">
               <a:rPr lang="en-AU" smtClean="0"/>
-              <a:t>5/10/2016</a:t>
+              <a:t>26/10/2016</a:t>
             </a:fld>
             <a:endParaRPr lang="en-AU"/>
           </a:p>
@@ -9908,7 +9157,7 @@
           <a:p>
             <a:fld id="{1644BD7C-F7E4-4602-B4BA-7731E171C526}" type="datetimeFigureOut">
               <a:rPr lang="en-AU" smtClean="0"/>
-              <a:t>5/10/2016</a:t>
+              <a:t>26/10/2016</a:t>
             </a:fld>
             <a:endParaRPr lang="en-AU"/>
           </a:p>
@@ -10083,7 +9332,7 @@
           <a:p>
             <a:fld id="{1644BD7C-F7E4-4602-B4BA-7731E171C526}" type="datetimeFigureOut">
               <a:rPr lang="en-AU" smtClean="0"/>
-              <a:t>5/10/2016</a:t>
+              <a:t>26/10/2016</a:t>
             </a:fld>
             <a:endParaRPr lang="en-AU"/>
           </a:p>
@@ -10327,7 +9576,7 @@
           <a:p>
             <a:fld id="{1644BD7C-F7E4-4602-B4BA-7731E171C526}" type="datetimeFigureOut">
               <a:rPr lang="en-AU" smtClean="0"/>
-              <a:t>5/10/2016</a:t>
+              <a:t>26/10/2016</a:t>
             </a:fld>
             <a:endParaRPr lang="en-AU"/>
           </a:p>
@@ -10624,7 +9873,7 @@
           <a:p>
             <a:fld id="{1644BD7C-F7E4-4602-B4BA-7731E171C526}" type="datetimeFigureOut">
               <a:rPr lang="en-AU" smtClean="0"/>
-              <a:t>5/10/2016</a:t>
+              <a:t>26/10/2016</a:t>
             </a:fld>
             <a:endParaRPr lang="en-AU"/>
           </a:p>
@@ -11067,7 +10316,7 @@
           <a:p>
             <a:fld id="{1644BD7C-F7E4-4602-B4BA-7731E171C526}" type="datetimeFigureOut">
               <a:rPr lang="en-AU" smtClean="0"/>
-              <a:t>5/10/2016</a:t>
+              <a:t>26/10/2016</a:t>
             </a:fld>
             <a:endParaRPr lang="en-AU"/>
           </a:p>
@@ -11190,7 +10439,7 @@
           <a:p>
             <a:fld id="{1644BD7C-F7E4-4602-B4BA-7731E171C526}" type="datetimeFigureOut">
               <a:rPr lang="en-AU" smtClean="0"/>
-              <a:t>5/10/2016</a:t>
+              <a:t>26/10/2016</a:t>
             </a:fld>
             <a:endParaRPr lang="en-AU"/>
           </a:p>
@@ -11285,7 +10534,7 @@
           <a:p>
             <a:fld id="{1644BD7C-F7E4-4602-B4BA-7731E171C526}" type="datetimeFigureOut">
               <a:rPr lang="en-AU" smtClean="0"/>
-              <a:t>5/10/2016</a:t>
+              <a:t>26/10/2016</a:t>
             </a:fld>
             <a:endParaRPr lang="en-AU"/>
           </a:p>
@@ -11569,7 +10818,7 @@
           <a:p>
             <a:fld id="{1644BD7C-F7E4-4602-B4BA-7731E171C526}" type="datetimeFigureOut">
               <a:rPr lang="en-AU" smtClean="0"/>
-              <a:t>5/10/2016</a:t>
+              <a:t>26/10/2016</a:t>
             </a:fld>
             <a:endParaRPr lang="en-AU"/>
           </a:p>
@@ -11849,7 +11098,7 @@
           <a:p>
             <a:fld id="{1644BD7C-F7E4-4602-B4BA-7731E171C526}" type="datetimeFigureOut">
               <a:rPr lang="en-AU" smtClean="0"/>
-              <a:t>5/10/2016</a:t>
+              <a:t>26/10/2016</a:t>
             </a:fld>
             <a:endParaRPr lang="en-AU"/>
           </a:p>
@@ -12278,7 +11527,7 @@
           <a:p>
             <a:fld id="{1644BD7C-F7E4-4602-B4BA-7731E171C526}" type="datetimeFigureOut">
               <a:rPr lang="en-AU" smtClean="0"/>
-              <a:t>5/10/2016</a:t>
+              <a:t>26/10/2016</a:t>
             </a:fld>
             <a:endParaRPr lang="en-AU"/>
           </a:p>
@@ -12844,29 +12093,32 @@
           <a:p>
             <a:r>
               <a:rPr lang="en-US" cap="none" dirty="0" smtClean="0"/>
-              <a:t>Harley Robinson. Alex </a:t>
+              <a:t>Harley Robinson. </a:t>
+            </a:r>
+            <a:endParaRPr lang="en-US" cap="none" dirty="0" smtClean="0"/>
+          </a:p>
+          <a:p>
+            <a:r>
+              <a:rPr lang="en-US" cap="none" dirty="0" smtClean="0"/>
+              <a:t>Supervisor: </a:t>
+            </a:r>
+            <a:r>
+              <a:rPr lang="en-US" cap="none" dirty="0" err="1" smtClean="0"/>
+              <a:t>Assoc.Prof</a:t>
+            </a:r>
+            <a:r>
+              <a:rPr lang="en-US" cap="none" dirty="0" smtClean="0"/>
+              <a:t> Michelle Hill</a:t>
+            </a:r>
+          </a:p>
+          <a:p>
+            <a:r>
+              <a:rPr lang="en-US" cap="none" dirty="0" smtClean="0"/>
+              <a:t>Co-supervisor: Dr. Alexandre </a:t>
             </a:r>
             <a:r>
               <a:rPr lang="en-US" cap="none" dirty="0" err="1" smtClean="0"/>
               <a:t>Cristino</a:t>
-            </a:r>
-            <a:r>
-              <a:rPr lang="en-US" cap="none" dirty="0" smtClean="0"/>
-              <a:t>. Michelle Hill</a:t>
-            </a:r>
-          </a:p>
-          <a:p>
-            <a:r>
-              <a:rPr lang="en-US" cap="none" dirty="0" smtClean="0"/>
-              <a:t>Hill And </a:t>
-            </a:r>
-            <a:r>
-              <a:rPr lang="en-US" cap="none" dirty="0" err="1" smtClean="0"/>
-              <a:t>Cristino</a:t>
-            </a:r>
-            <a:r>
-              <a:rPr lang="en-US" cap="none" dirty="0" smtClean="0"/>
-              <a:t> Group.</a:t>
             </a:r>
             <a:endParaRPr lang="en-AU" cap="none" dirty="0"/>
           </a:p>
@@ -20107,13 +19359,8 @@
             </a:r>
             <a:r>
               <a:rPr lang="en-US" dirty="0" smtClean="0"/>
-              <a:t> of </a:t>
-            </a:r>
-            <a:r>
-              <a:rPr lang="en-US" dirty="0" smtClean="0"/>
-              <a:t>EVs</a:t>
-            </a:r>
-            <a:endParaRPr lang="en-US" dirty="0" smtClean="0"/>
+              <a:t> of EVs</a:t>
+            </a:r>
           </a:p>
           <a:p>
             <a:r>
@@ -20149,11 +19396,7 @@
             </a:r>
             <a:r>
               <a:rPr lang="en-US" dirty="0" smtClean="0"/>
-              <a:t>by Nicole </a:t>
-            </a:r>
-            <a:r>
-              <a:rPr lang="en-US" dirty="0" smtClean="0"/>
-              <a:t>Cloonan</a:t>
+              <a:t>by Nicole Cloonan</a:t>
             </a:r>
             <a:endParaRPr lang="en-US" dirty="0"/>
           </a:p>

--- a/CollCompBiol.pptx
+++ b/CollCompBiol.pptx
@@ -5,7 +5,7 @@
     <p:sldMasterId id="2147484232" r:id="rId1"/>
   </p:sldMasterIdLst>
   <p:notesMasterIdLst>
-    <p:notesMasterId r:id="rId27"/>
+    <p:notesMasterId r:id="rId26"/>
   </p:notesMasterIdLst>
   <p:sldIdLst>
     <p:sldId id="256" r:id="rId2"/>
@@ -13,26 +13,25 @@
     <p:sldId id="258" r:id="rId4"/>
     <p:sldId id="279" r:id="rId5"/>
     <p:sldId id="259" r:id="rId6"/>
-    <p:sldId id="280" r:id="rId7"/>
-    <p:sldId id="260" r:id="rId8"/>
-    <p:sldId id="261" r:id="rId9"/>
-    <p:sldId id="270" r:id="rId10"/>
-    <p:sldId id="262" r:id="rId11"/>
-    <p:sldId id="269" r:id="rId12"/>
-    <p:sldId id="263" r:id="rId13"/>
-    <p:sldId id="281" r:id="rId14"/>
-    <p:sldId id="271" r:id="rId15"/>
-    <p:sldId id="264" r:id="rId16"/>
-    <p:sldId id="272" r:id="rId17"/>
-    <p:sldId id="265" r:id="rId18"/>
-    <p:sldId id="273" r:id="rId19"/>
-    <p:sldId id="274" r:id="rId20"/>
-    <p:sldId id="275" r:id="rId21"/>
-    <p:sldId id="266" r:id="rId22"/>
-    <p:sldId id="277" r:id="rId23"/>
-    <p:sldId id="276" r:id="rId24"/>
-    <p:sldId id="267" r:id="rId25"/>
-    <p:sldId id="278" r:id="rId26"/>
+    <p:sldId id="260" r:id="rId7"/>
+    <p:sldId id="261" r:id="rId8"/>
+    <p:sldId id="270" r:id="rId9"/>
+    <p:sldId id="262" r:id="rId10"/>
+    <p:sldId id="269" r:id="rId11"/>
+    <p:sldId id="263" r:id="rId12"/>
+    <p:sldId id="281" r:id="rId13"/>
+    <p:sldId id="271" r:id="rId14"/>
+    <p:sldId id="264" r:id="rId15"/>
+    <p:sldId id="272" r:id="rId16"/>
+    <p:sldId id="265" r:id="rId17"/>
+    <p:sldId id="273" r:id="rId18"/>
+    <p:sldId id="274" r:id="rId19"/>
+    <p:sldId id="275" r:id="rId20"/>
+    <p:sldId id="266" r:id="rId21"/>
+    <p:sldId id="277" r:id="rId22"/>
+    <p:sldId id="276" r:id="rId23"/>
+    <p:sldId id="267" r:id="rId24"/>
+    <p:sldId id="278" r:id="rId25"/>
   </p:sldIdLst>
   <p:sldSz cx="12192000" cy="6858000"/>
   <p:notesSz cx="6858000" cy="9144000"/>
@@ -3794,7 +3793,7 @@
           <a:p>
             <a:fld id="{7DE09EE5-A3A6-46CD-82C4-C5653BD8F5FF}" type="datetimeFigureOut">
               <a:rPr lang="en-AU" smtClean="0"/>
-              <a:t>26/10/2016</a:t>
+              <a:t>27/10/2016</a:t>
             </a:fld>
             <a:endParaRPr lang="en-AU"/>
           </a:p>
@@ -4198,6 +4197,22 @@
           <a:bodyPr/>
           <a:lstStyle/>
           <a:p>
+            <a:r>
+              <a:rPr lang="en-US" dirty="0" smtClean="0"/>
+              <a:t>… We now</a:t>
+            </a:r>
+            <a:r>
+              <a:rPr lang="en-US" baseline="0" dirty="0" smtClean="0"/>
+              <a:t> know which </a:t>
+            </a:r>
+            <a:r>
+              <a:rPr lang="en-US" baseline="0" dirty="0" err="1" smtClean="0"/>
+              <a:t>micrornas</a:t>
+            </a:r>
+            <a:r>
+              <a:rPr lang="en-US" baseline="0" dirty="0" smtClean="0"/>
+              <a:t> are being selectively exported from this system, some of which are validated, that can be used to understand mechanism overall. Next we wanted to understand whether these microRNAs possess similarities to explain their export.  </a:t>
+            </a:r>
             <a:endParaRPr lang="en-AU" dirty="0"/>
           </a:p>
         </p:txBody>
@@ -4228,7 +4243,7 @@
     </p:spTree>
     <p:extLst>
       <p:ext uri="{BB962C8B-B14F-4D97-AF65-F5344CB8AC3E}">
-        <p14:creationId xmlns:p14="http://schemas.microsoft.com/office/powerpoint/2010/main" val="2059477075"/>
+        <p14:creationId xmlns:p14="http://schemas.microsoft.com/office/powerpoint/2010/main" val="1561023482"/>
       </p:ext>
     </p:extLst>
   </p:cSld>
@@ -4282,22 +4297,6 @@
           <a:bodyPr/>
           <a:lstStyle/>
           <a:p>
-            <a:r>
-              <a:rPr lang="en-US" dirty="0" smtClean="0"/>
-              <a:t>… We now</a:t>
-            </a:r>
-            <a:r>
-              <a:rPr lang="en-US" baseline="0" dirty="0" smtClean="0"/>
-              <a:t> know which </a:t>
-            </a:r>
-            <a:r>
-              <a:rPr lang="en-US" baseline="0" dirty="0" err="1" smtClean="0"/>
-              <a:t>micrornas</a:t>
-            </a:r>
-            <a:r>
-              <a:rPr lang="en-US" baseline="0" dirty="0" smtClean="0"/>
-              <a:t> are being selectively exported from this system, some of which are validated, that can be used to understand mechanism overall. Next we wanted to understand whether these microRNAs possess similarities to explain their export.  </a:t>
-            </a:r>
             <a:endParaRPr lang="en-AU" dirty="0"/>
           </a:p>
         </p:txBody>
@@ -4328,7 +4327,7 @@
     </p:spTree>
     <p:extLst>
       <p:ext uri="{BB962C8B-B14F-4D97-AF65-F5344CB8AC3E}">
-        <p14:creationId xmlns:p14="http://schemas.microsoft.com/office/powerpoint/2010/main" val="1561023482"/>
+        <p14:creationId xmlns:p14="http://schemas.microsoft.com/office/powerpoint/2010/main" val="2486399154"/>
       </p:ext>
     </p:extLst>
   </p:cSld>
@@ -4382,6 +4381,42 @@
           <a:bodyPr/>
           <a:lstStyle/>
           <a:p>
+            <a:r>
+              <a:rPr lang="en-US" dirty="0" smtClean="0"/>
+              <a:t>Used the 19 </a:t>
+            </a:r>
+            <a:r>
+              <a:rPr lang="en-US" dirty="0" err="1" smtClean="0"/>
+              <a:t>micrornas</a:t>
+            </a:r>
+            <a:r>
+              <a:rPr lang="en-US" dirty="0" smtClean="0"/>
+              <a:t> that were selectively</a:t>
+            </a:r>
+            <a:r>
+              <a:rPr lang="en-US" baseline="0" dirty="0" smtClean="0"/>
+              <a:t> exported, from last analysis. </a:t>
+            </a:r>
+          </a:p>
+          <a:p>
+            <a:r>
+              <a:rPr lang="en-US" baseline="0" dirty="0" smtClean="0"/>
+              <a:t>MEME: 4-10 nucleotides in length.</a:t>
+            </a:r>
+          </a:p>
+          <a:p>
+            <a:r>
+              <a:rPr lang="en-US" baseline="0" dirty="0" smtClean="0"/>
+              <a:t>x/19 is how many of the </a:t>
+            </a:r>
+            <a:r>
+              <a:rPr lang="en-US" baseline="0" dirty="0" err="1" smtClean="0"/>
+              <a:t>miRs</a:t>
+            </a:r>
+            <a:r>
+              <a:rPr lang="en-US" baseline="0" dirty="0" smtClean="0"/>
+              <a:t> contained that motif. </a:t>
+            </a:r>
             <a:endParaRPr lang="en-AU" dirty="0"/>
           </a:p>
         </p:txBody>
@@ -4412,7 +4447,7 @@
     </p:spTree>
     <p:extLst>
       <p:ext uri="{BB962C8B-B14F-4D97-AF65-F5344CB8AC3E}">
-        <p14:creationId xmlns:p14="http://schemas.microsoft.com/office/powerpoint/2010/main" val="2486399154"/>
+        <p14:creationId xmlns:p14="http://schemas.microsoft.com/office/powerpoint/2010/main" val="1012700514"/>
       </p:ext>
     </p:extLst>
   </p:cSld>
@@ -4468,39 +4503,19 @@
           <a:p>
             <a:r>
               <a:rPr lang="en-US" dirty="0" smtClean="0"/>
-              <a:t>Used the 19 </a:t>
-            </a:r>
-            <a:r>
-              <a:rPr lang="en-US" dirty="0" err="1" smtClean="0"/>
+              <a:t>Next we</a:t>
+            </a:r>
+            <a:r>
+              <a:rPr lang="en-US" baseline="0" dirty="0" smtClean="0"/>
+              <a:t> looked at potential proteins that could be interacting with those selectively exported </a:t>
+            </a:r>
+            <a:r>
+              <a:rPr lang="en-US" baseline="0" dirty="0" err="1" smtClean="0"/>
               <a:t>micrornas</a:t>
             </a:r>
             <a:r>
-              <a:rPr lang="en-US" dirty="0" smtClean="0"/>
-              <a:t> that were selectively</a:t>
-            </a:r>
-            <a:r>
               <a:rPr lang="en-US" baseline="0" dirty="0" smtClean="0"/>
-              <a:t> exported, from last analysis. </a:t>
-            </a:r>
-          </a:p>
-          <a:p>
-            <a:r>
-              <a:rPr lang="en-US" baseline="0" dirty="0" smtClean="0"/>
-              <a:t>MEME: 4-10 nucleotides in length.</a:t>
-            </a:r>
-          </a:p>
-          <a:p>
-            <a:r>
-              <a:rPr lang="en-US" baseline="0" dirty="0" smtClean="0"/>
-              <a:t>x/19 is how many of the </a:t>
-            </a:r>
-            <a:r>
-              <a:rPr lang="en-US" baseline="0" dirty="0" err="1" smtClean="0"/>
-              <a:t>miRs</a:t>
-            </a:r>
-            <a:r>
-              <a:rPr lang="en-US" baseline="0" dirty="0" smtClean="0"/>
-              <a:t> contained that motif. </a:t>
+              <a:t>… Based on this criteria… From this analysis we found 5 proteins that could be potential export proteins. We then assessed these further by looking into the literature to determine if any of these proteins are more suited for the position.    </a:t>
             </a:r>
             <a:endParaRPr lang="en-AU" dirty="0"/>
           </a:p>
@@ -4532,7 +4547,7 @@
     </p:spTree>
     <p:extLst>
       <p:ext uri="{BB962C8B-B14F-4D97-AF65-F5344CB8AC3E}">
-        <p14:creationId xmlns:p14="http://schemas.microsoft.com/office/powerpoint/2010/main" val="1012700514"/>
+        <p14:creationId xmlns:p14="http://schemas.microsoft.com/office/powerpoint/2010/main" val="3922168260"/>
       </p:ext>
     </p:extLst>
   </p:cSld>
@@ -4587,20 +4602,44 @@
           <a:lstStyle/>
           <a:p>
             <a:r>
-              <a:rPr lang="en-US" dirty="0" smtClean="0"/>
-              <a:t>Next we</a:t>
+              <a:rPr lang="en-US" dirty="0" err="1" smtClean="0"/>
+              <a:t>Memebers</a:t>
             </a:r>
             <a:r>
               <a:rPr lang="en-US" baseline="0" dirty="0" smtClean="0"/>
-              <a:t> looked at potential proteins that could be interacting with those selectively exported </a:t>
+              <a:t> of the </a:t>
             </a:r>
             <a:r>
               <a:rPr lang="en-US" baseline="0" dirty="0" err="1" smtClean="0"/>
-              <a:t>micrornas</a:t>
+              <a:t>hnRNP</a:t>
             </a:r>
             <a:r>
               <a:rPr lang="en-US" baseline="0" dirty="0" smtClean="0"/>
-              <a:t>… Based on this criteria… From this analysis we found 5 proteins that could be potential export proteins. We then assessed these further by looking into the literature to determine if any of these proteins are more suited for the position.    </a:t>
+              <a:t> family appear to be involved with the export of </a:t>
+            </a:r>
+            <a:r>
+              <a:rPr lang="en-US" baseline="0" dirty="0" err="1" smtClean="0"/>
+              <a:t>mirs</a:t>
+            </a:r>
+            <a:r>
+              <a:rPr lang="en-US" baseline="0" dirty="0" smtClean="0"/>
+              <a:t> in other cell lines, which indicates that FUS or </a:t>
+            </a:r>
+            <a:r>
+              <a:rPr lang="en-US" baseline="0" dirty="0" err="1" smtClean="0"/>
+              <a:t>hnrnpk</a:t>
+            </a:r>
+            <a:r>
+              <a:rPr lang="en-US" baseline="0" dirty="0" smtClean="0"/>
+              <a:t> may be better suited for this role… Linker: together, this indicates that </a:t>
+            </a:r>
+            <a:r>
+              <a:rPr lang="en-US" baseline="0" dirty="0" err="1" smtClean="0"/>
+              <a:t>hnRNPK</a:t>
+            </a:r>
+            <a:r>
+              <a:rPr lang="en-US" baseline="0" dirty="0" smtClean="0"/>
+              <a:t> fulfills the criteria for export protein. </a:t>
             </a:r>
             <a:endParaRPr lang="en-AU" dirty="0"/>
           </a:p>
@@ -4632,7 +4671,7 @@
     </p:spTree>
     <p:extLst>
       <p:ext uri="{BB962C8B-B14F-4D97-AF65-F5344CB8AC3E}">
-        <p14:creationId xmlns:p14="http://schemas.microsoft.com/office/powerpoint/2010/main" val="3922168260"/>
+        <p14:creationId xmlns:p14="http://schemas.microsoft.com/office/powerpoint/2010/main" val="2711405270"/>
       </p:ext>
     </p:extLst>
   </p:cSld>
@@ -4687,20 +4726,44 @@
           <a:lstStyle/>
           <a:p>
             <a:r>
-              <a:rPr lang="en-US" dirty="0" err="1" smtClean="0"/>
-              <a:t>Memebers</a:t>
+              <a:rPr lang="en-US" dirty="0" smtClean="0"/>
+              <a:t>So, here we wanted to identify or understand the</a:t>
             </a:r>
             <a:r>
               <a:rPr lang="en-US" baseline="0" dirty="0" smtClean="0"/>
-              <a:t> of the </a:t>
+              <a:t> activity of </a:t>
             </a:r>
             <a:r>
               <a:rPr lang="en-US" baseline="0" dirty="0" err="1" smtClean="0"/>
-              <a:t>hnRNP</a:t>
+              <a:t>hnRNPK</a:t>
             </a:r>
             <a:r>
               <a:rPr lang="en-US" baseline="0" dirty="0" smtClean="0"/>
-              <a:t> family appear to be involved with the export of </a:t>
+              <a:t> in these cell lines which may explain how and why it is able to mediate </a:t>
+            </a:r>
+            <a:r>
+              <a:rPr lang="en-US" baseline="0" dirty="0" err="1" smtClean="0"/>
+              <a:t>mir</a:t>
+            </a:r>
+            <a:r>
+              <a:rPr lang="en-US" baseline="0" dirty="0" smtClean="0"/>
+              <a:t> export..</a:t>
+            </a:r>
+            <a:r>
+              <a:rPr lang="en-US" dirty="0" smtClean="0"/>
+              <a:t> Used immunofluorescence</a:t>
+            </a:r>
+            <a:r>
+              <a:rPr lang="en-US" baseline="0" dirty="0" smtClean="0"/>
+              <a:t> on GFP transfected PC3 and GFP tagged cavin01 cell lines… Explain the method and results.. </a:t>
+            </a:r>
+            <a:r>
+              <a:rPr lang="en-US" baseline="0" dirty="0" err="1" smtClean="0"/>
+              <a:t>hnRNPK</a:t>
+            </a:r>
+            <a:r>
+              <a:rPr lang="en-US" baseline="0" dirty="0" smtClean="0"/>
+              <a:t> seems to change subcellular localization between cell lines, which may be the driving factor for the export of </a:t>
             </a:r>
             <a:r>
               <a:rPr lang="en-US" baseline="0" dirty="0" err="1" smtClean="0"/>
@@ -4708,23 +4771,7 @@
             </a:r>
             <a:r>
               <a:rPr lang="en-US" baseline="0" dirty="0" smtClean="0"/>
-              <a:t> in other cell lines, which indicates that FUS or </a:t>
-            </a:r>
-            <a:r>
-              <a:rPr lang="en-US" baseline="0" dirty="0" err="1" smtClean="0"/>
-              <a:t>hnrnpk</a:t>
-            </a:r>
-            <a:r>
-              <a:rPr lang="en-US" baseline="0" dirty="0" smtClean="0"/>
-              <a:t> may be better suited for this role… Linker: together, this indicates that </a:t>
-            </a:r>
-            <a:r>
-              <a:rPr lang="en-US" baseline="0" dirty="0" err="1" smtClean="0"/>
-              <a:t>hnRNPK</a:t>
-            </a:r>
-            <a:r>
-              <a:rPr lang="en-US" baseline="0" dirty="0" smtClean="0"/>
-              <a:t> fulfills the criteria for export protein. </a:t>
+              <a:t>. </a:t>
             </a:r>
             <a:endParaRPr lang="en-AU" dirty="0"/>
           </a:p>
@@ -4756,7 +4803,7 @@
     </p:spTree>
     <p:extLst>
       <p:ext uri="{BB962C8B-B14F-4D97-AF65-F5344CB8AC3E}">
-        <p14:creationId xmlns:p14="http://schemas.microsoft.com/office/powerpoint/2010/main" val="2711405270"/>
+        <p14:creationId xmlns:p14="http://schemas.microsoft.com/office/powerpoint/2010/main" val="148690799"/>
       </p:ext>
     </p:extLst>
   </p:cSld>
@@ -4812,11 +4859,11 @@
           <a:p>
             <a:r>
               <a:rPr lang="en-US" dirty="0" smtClean="0"/>
-              <a:t>So, here we wanted to identify or understand the</a:t>
+              <a:t>Next, we wanted to know what</a:t>
             </a:r>
             <a:r>
               <a:rPr lang="en-US" baseline="0" dirty="0" smtClean="0"/>
-              <a:t> activity of </a:t>
+              <a:t> those punctate structures were… CD9 is a common marker used to determine…. Here we found that </a:t>
             </a:r>
             <a:r>
               <a:rPr lang="en-US" baseline="0" dirty="0" err="1" smtClean="0"/>
@@ -4824,39 +4871,15 @@
             </a:r>
             <a:r>
               <a:rPr lang="en-US" baseline="0" dirty="0" smtClean="0"/>
-              <a:t> in these cell lines which may explain how and why it is able to mediate </a:t>
+              <a:t> is found somewhat in forming exosomes, the smaller of the EVs </a:t>
             </a:r>
             <a:r>
               <a:rPr lang="en-US" baseline="0" dirty="0" err="1" smtClean="0"/>
-              <a:t>mir</a:t>
+              <a:t>suppopulations</a:t>
             </a:r>
             <a:r>
               <a:rPr lang="en-US" baseline="0" dirty="0" smtClean="0"/>
-              <a:t> export..</a:t>
-            </a:r>
-            <a:r>
-              <a:rPr lang="en-US" dirty="0" smtClean="0"/>
-              <a:t> Used immunofluorescence</a:t>
-            </a:r>
-            <a:r>
-              <a:rPr lang="en-US" baseline="0" dirty="0" smtClean="0"/>
-              <a:t> on GFP transfected PC3 and GFP tagged cavin01 cell lines… Explain the method and results.. </a:t>
-            </a:r>
-            <a:r>
-              <a:rPr lang="en-US" baseline="0" dirty="0" err="1" smtClean="0"/>
-              <a:t>hnRNPK</a:t>
-            </a:r>
-            <a:r>
-              <a:rPr lang="en-US" baseline="0" dirty="0" smtClean="0"/>
-              <a:t> seems to change subcellular localization between cell lines, which may be the driving factor for the export of </a:t>
-            </a:r>
-            <a:r>
-              <a:rPr lang="en-US" baseline="0" dirty="0" err="1" smtClean="0"/>
-              <a:t>mirs</a:t>
-            </a:r>
-            <a:r>
-              <a:rPr lang="en-US" baseline="0" dirty="0" smtClean="0"/>
-              <a:t>. </a:t>
+              <a:t>, that is not occurring in the cavin-1 cell lines, consistent with what the mass spectrometry data indicated.  </a:t>
             </a:r>
             <a:endParaRPr lang="en-AU" dirty="0"/>
           </a:p>
@@ -4888,7 +4911,7 @@
     </p:spTree>
     <p:extLst>
       <p:ext uri="{BB962C8B-B14F-4D97-AF65-F5344CB8AC3E}">
-        <p14:creationId xmlns:p14="http://schemas.microsoft.com/office/powerpoint/2010/main" val="148690799"/>
+        <p14:creationId xmlns:p14="http://schemas.microsoft.com/office/powerpoint/2010/main" val="1321231369"/>
       </p:ext>
     </p:extLst>
   </p:cSld>
@@ -4944,11 +4967,11 @@
           <a:p>
             <a:r>
               <a:rPr lang="en-US" dirty="0" smtClean="0"/>
-              <a:t>Next, we wanted to know what</a:t>
+              <a:t>In fact, through further Immunofluorescence,</a:t>
             </a:r>
             <a:r>
               <a:rPr lang="en-US" baseline="0" dirty="0" smtClean="0"/>
-              <a:t> those punctate structures were… CD9 is a common marker used to determine…. Here we found that </a:t>
+              <a:t> it seems that the </a:t>
             </a:r>
             <a:r>
               <a:rPr lang="en-US" baseline="0" dirty="0" err="1" smtClean="0"/>
@@ -4956,15 +4979,23 @@
             </a:r>
             <a:r>
               <a:rPr lang="en-US" baseline="0" dirty="0" smtClean="0"/>
-              <a:t> is found somewhat in forming exosomes, the smaller of the EVs </a:t>
+              <a:t> in cavin-1 positive cells prefers to localize to the endoplasmic reticulum. This change may be what is changing the differential export of </a:t>
             </a:r>
             <a:r>
               <a:rPr lang="en-US" baseline="0" dirty="0" err="1" smtClean="0"/>
-              <a:t>suppopulations</a:t>
+              <a:t>hnRNPK</a:t>
             </a:r>
             <a:r>
               <a:rPr lang="en-US" baseline="0" dirty="0" smtClean="0"/>
-              <a:t>, that is not occurring in the cavin-1 cell lines, consistent with what the mass spectrometry data indicated.  </a:t>
+              <a:t>, and therefore selective export of </a:t>
+            </a:r>
+            <a:r>
+              <a:rPr lang="en-US" baseline="0" dirty="0" err="1" smtClean="0"/>
+              <a:t>mirs</a:t>
+            </a:r>
+            <a:r>
+              <a:rPr lang="en-US" baseline="0" dirty="0" smtClean="0"/>
+              <a:t>. </a:t>
             </a:r>
             <a:endParaRPr lang="en-AU" dirty="0"/>
           </a:p>
@@ -4996,7 +5027,7 @@
     </p:spTree>
     <p:extLst>
       <p:ext uri="{BB962C8B-B14F-4D97-AF65-F5344CB8AC3E}">
-        <p14:creationId xmlns:p14="http://schemas.microsoft.com/office/powerpoint/2010/main" val="1321231369"/>
+        <p14:creationId xmlns:p14="http://schemas.microsoft.com/office/powerpoint/2010/main" val="2840644385"/>
       </p:ext>
     </p:extLst>
   </p:cSld>
@@ -5052,11 +5083,11 @@
           <a:p>
             <a:r>
               <a:rPr lang="en-US" dirty="0" smtClean="0"/>
-              <a:t>In fact, through further Immunofluorescence,</a:t>
+              <a:t>Next, we</a:t>
             </a:r>
             <a:r>
               <a:rPr lang="en-US" baseline="0" dirty="0" smtClean="0"/>
-              <a:t> it seems that the </a:t>
+              <a:t> wanted to know and confirm that </a:t>
             </a:r>
             <a:r>
               <a:rPr lang="en-US" baseline="0" dirty="0" err="1" smtClean="0"/>
@@ -5064,23 +5095,23 @@
             </a:r>
             <a:r>
               <a:rPr lang="en-US" baseline="0" dirty="0" smtClean="0"/>
-              <a:t> in cavin-1 positive cells prefers to localize to the endoplasmic reticulum. This change may be what is changing the differential export of </a:t>
+              <a:t> actually interacts with its predicated targets. We attempted to do this in two separate ways: by looking at in situ </a:t>
             </a:r>
             <a:r>
               <a:rPr lang="en-US" baseline="0" dirty="0" err="1" smtClean="0"/>
-              <a:t>hnRNPK</a:t>
+              <a:t>colocalization</a:t>
             </a:r>
             <a:r>
               <a:rPr lang="en-US" baseline="0" dirty="0" smtClean="0"/>
-              <a:t>, and therefore selective export of </a:t>
+              <a:t>, and binding interaction. So first we used a </a:t>
             </a:r>
             <a:r>
               <a:rPr lang="en-US" baseline="0" dirty="0" err="1" smtClean="0"/>
-              <a:t>mirs</a:t>
+              <a:t>methology</a:t>
             </a:r>
             <a:r>
               <a:rPr lang="en-US" baseline="0" dirty="0" smtClean="0"/>
-              <a:t>. </a:t>
+              <a:t> similar in concept to FISH, but slightly modified.  </a:t>
             </a:r>
             <a:endParaRPr lang="en-AU" dirty="0"/>
           </a:p>
@@ -5112,7 +5143,7 @@
     </p:spTree>
     <p:extLst>
       <p:ext uri="{BB962C8B-B14F-4D97-AF65-F5344CB8AC3E}">
-        <p14:creationId xmlns:p14="http://schemas.microsoft.com/office/powerpoint/2010/main" val="2840644385"/>
+        <p14:creationId xmlns:p14="http://schemas.microsoft.com/office/powerpoint/2010/main" val="2730169577"/>
       </p:ext>
     </p:extLst>
   </p:cSld>
@@ -5166,38 +5197,6 @@
           <a:bodyPr/>
           <a:lstStyle/>
           <a:p>
-            <a:r>
-              <a:rPr lang="en-US" dirty="0" smtClean="0"/>
-              <a:t>Next, we</a:t>
-            </a:r>
-            <a:r>
-              <a:rPr lang="en-US" baseline="0" dirty="0" smtClean="0"/>
-              <a:t> wanted to know and confirm that </a:t>
-            </a:r>
-            <a:r>
-              <a:rPr lang="en-US" baseline="0" dirty="0" err="1" smtClean="0"/>
-              <a:t>hnRNPK</a:t>
-            </a:r>
-            <a:r>
-              <a:rPr lang="en-US" baseline="0" dirty="0" smtClean="0"/>
-              <a:t> actually interacts with its predicated targets. We attempted to do this in two separate ways: by looking at in situ </a:t>
-            </a:r>
-            <a:r>
-              <a:rPr lang="en-US" baseline="0" dirty="0" err="1" smtClean="0"/>
-              <a:t>colocalization</a:t>
-            </a:r>
-            <a:r>
-              <a:rPr lang="en-US" baseline="0" dirty="0" smtClean="0"/>
-              <a:t>, and binding interaction. So first we used a </a:t>
-            </a:r>
-            <a:r>
-              <a:rPr lang="en-US" baseline="0" dirty="0" err="1" smtClean="0"/>
-              <a:t>methology</a:t>
-            </a:r>
-            <a:r>
-              <a:rPr lang="en-US" baseline="0" dirty="0" smtClean="0"/>
-              <a:t> similar in concept to FISH, but slightly modified.  </a:t>
-            </a:r>
             <a:endParaRPr lang="en-AU" dirty="0"/>
           </a:p>
         </p:txBody>
@@ -5228,7 +5227,7 @@
     </p:spTree>
     <p:extLst>
       <p:ext uri="{BB962C8B-B14F-4D97-AF65-F5344CB8AC3E}">
-        <p14:creationId xmlns:p14="http://schemas.microsoft.com/office/powerpoint/2010/main" val="2730169577"/>
+        <p14:creationId xmlns:p14="http://schemas.microsoft.com/office/powerpoint/2010/main" val="4211983338"/>
       </p:ext>
     </p:extLst>
   </p:cSld>
@@ -5361,90 +5360,6 @@
     <p:extLst>
       <p:ext uri="{BB962C8B-B14F-4D97-AF65-F5344CB8AC3E}">
         <p14:creationId xmlns:p14="http://schemas.microsoft.com/office/powerpoint/2010/main" val="4129688597"/>
-      </p:ext>
-    </p:extLst>
-  </p:cSld>
-  <p:clrMapOvr>
-    <a:masterClrMapping/>
-  </p:clrMapOvr>
-</p:notes>
-</file>
-
-<file path=ppt/notesSlides/notesSlide20.xml><?xml version="1.0" encoding="utf-8"?>
-<p:notes xmlns:a="http://schemas.openxmlformats.org/drawingml/2006/main" xmlns:r="http://schemas.openxmlformats.org/officeDocument/2006/relationships" xmlns:p="http://schemas.openxmlformats.org/presentationml/2006/main">
-  <p:cSld>
-    <p:spTree>
-      <p:nvGrpSpPr>
-        <p:cNvPr id="1" name=""/>
-        <p:cNvGrpSpPr/>
-        <p:nvPr/>
-      </p:nvGrpSpPr>
-      <p:grpSpPr>
-        <a:xfrm>
-          <a:off x="0" y="0"/>
-          <a:ext cx="0" cy="0"/>
-          <a:chOff x="0" y="0"/>
-          <a:chExt cx="0" cy="0"/>
-        </a:xfrm>
-      </p:grpSpPr>
-      <p:sp>
-        <p:nvSpPr>
-          <p:cNvPr id="2" name="Slide Image Placeholder 1"/>
-          <p:cNvSpPr>
-            <a:spLocks noGrp="1" noRot="1" noChangeAspect="1"/>
-          </p:cNvSpPr>
-          <p:nvPr>
-            <p:ph type="sldImg"/>
-          </p:nvPr>
-        </p:nvSpPr>
-        <p:spPr/>
-      </p:sp>
-      <p:sp>
-        <p:nvSpPr>
-          <p:cNvPr id="3" name="Notes Placeholder 2"/>
-          <p:cNvSpPr>
-            <a:spLocks noGrp="1"/>
-          </p:cNvSpPr>
-          <p:nvPr>
-            <p:ph type="body" idx="1"/>
-          </p:nvPr>
-        </p:nvSpPr>
-        <p:spPr/>
-        <p:txBody>
-          <a:bodyPr/>
-          <a:lstStyle/>
-          <a:p>
-            <a:endParaRPr lang="en-AU" dirty="0"/>
-          </a:p>
-        </p:txBody>
-      </p:sp>
-      <p:sp>
-        <p:nvSpPr>
-          <p:cNvPr id="4" name="Slide Number Placeholder 3"/>
-          <p:cNvSpPr>
-            <a:spLocks noGrp="1"/>
-          </p:cNvSpPr>
-          <p:nvPr>
-            <p:ph type="sldNum" sz="quarter" idx="10"/>
-          </p:nvPr>
-        </p:nvSpPr>
-        <p:spPr/>
-        <p:txBody>
-          <a:bodyPr/>
-          <a:lstStyle/>
-          <a:p>
-            <a:fld id="{3879C5DC-A60F-40B4-9CE1-5FE03EE7A3A5}" type="slidenum">
-              <a:rPr lang="en-AU" smtClean="0"/>
-              <a:t>21</a:t>
-            </a:fld>
-            <a:endParaRPr lang="en-AU"/>
-          </a:p>
-        </p:txBody>
-      </p:sp>
-    </p:spTree>
-    <p:extLst>
-      <p:ext uri="{BB962C8B-B14F-4D97-AF65-F5344CB8AC3E}">
-        <p14:creationId xmlns:p14="http://schemas.microsoft.com/office/powerpoint/2010/main" val="4211983338"/>
       </p:ext>
     </p:extLst>
   </p:cSld>
@@ -5682,42 +5597,7 @@
           <a:bodyPr/>
           <a:lstStyle/>
           <a:p>
-            <a:r>
-              <a:rPr lang="en-AU" sz="800" baseline="0" dirty="0" smtClean="0"/>
-              <a:t>These small non-coding RNAs get processed into a hairpin, then shuttled out of the nucleus where after further maturation allows complimentary binding to protein transcripts. This results in their degradation….. As </a:t>
-            </a:r>
-            <a:r>
-              <a:rPr lang="en-AU" sz="800" baseline="0" dirty="0" err="1" smtClean="0"/>
-              <a:t>Micrornas</a:t>
-            </a:r>
-            <a:r>
-              <a:rPr lang="en-AU" sz="800" baseline="0" dirty="0" smtClean="0"/>
-              <a:t> can bind to hundreds of transcripts, thus mediating many pathways, tight temporal and spatial regulation is required to prevent dysregulation. However many of the details surrounding its regulation, such as compartmentalization in the cell, is mostly unknown. Originally, microRNAs were believed to only be contained with their host cell which was facilitated by </a:t>
-            </a:r>
-            <a:r>
-              <a:rPr lang="en-AU" sz="800" baseline="0" dirty="0" err="1" smtClean="0"/>
-              <a:t>RNAses</a:t>
-            </a:r>
-            <a:r>
-              <a:rPr lang="en-AU" sz="800" baseline="0" dirty="0" smtClean="0"/>
-              <a:t> in the intracellular space.  Yet fairly recent studies found that these </a:t>
-            </a:r>
-            <a:r>
-              <a:rPr lang="en-AU" sz="800" baseline="0" dirty="0" err="1" smtClean="0"/>
-              <a:t>miRs</a:t>
-            </a:r>
-            <a:r>
-              <a:rPr lang="en-AU" sz="800" baseline="0" dirty="0" smtClean="0"/>
-              <a:t> are able to be shuttled </a:t>
-            </a:r>
-            <a:r>
-              <a:rPr lang="en-AU" sz="800" baseline="0" dirty="0" err="1" smtClean="0"/>
-              <a:t>intercellularly</a:t>
-            </a:r>
-            <a:r>
-              <a:rPr lang="en-AU" sz="800" baseline="0" dirty="0" smtClean="0"/>
-              <a:t> via EVs</a:t>
-            </a:r>
+            <a:endParaRPr lang="en-AU" dirty="0"/>
           </a:p>
         </p:txBody>
       </p:sp>
@@ -5747,7 +5627,7 @@
     </p:spTree>
     <p:extLst>
       <p:ext uri="{BB962C8B-B14F-4D97-AF65-F5344CB8AC3E}">
-        <p14:creationId xmlns:p14="http://schemas.microsoft.com/office/powerpoint/2010/main" val="2447692188"/>
+        <p14:creationId xmlns:p14="http://schemas.microsoft.com/office/powerpoint/2010/main" val="3894200326"/>
       </p:ext>
     </p:extLst>
   </p:cSld>
@@ -5831,7 +5711,7 @@
     </p:spTree>
     <p:extLst>
       <p:ext uri="{BB962C8B-B14F-4D97-AF65-F5344CB8AC3E}">
-        <p14:creationId xmlns:p14="http://schemas.microsoft.com/office/powerpoint/2010/main" val="3894200326"/>
+        <p14:creationId xmlns:p14="http://schemas.microsoft.com/office/powerpoint/2010/main" val="347341928"/>
       </p:ext>
     </p:extLst>
   </p:cSld>
@@ -5915,7 +5795,7 @@
     </p:spTree>
     <p:extLst>
       <p:ext uri="{BB962C8B-B14F-4D97-AF65-F5344CB8AC3E}">
-        <p14:creationId xmlns:p14="http://schemas.microsoft.com/office/powerpoint/2010/main" val="347341928"/>
+        <p14:creationId xmlns:p14="http://schemas.microsoft.com/office/powerpoint/2010/main" val="125677710"/>
       </p:ext>
     </p:extLst>
   </p:cSld>
@@ -5999,7 +5879,7 @@
     </p:spTree>
     <p:extLst>
       <p:ext uri="{BB962C8B-B14F-4D97-AF65-F5344CB8AC3E}">
-        <p14:creationId xmlns:p14="http://schemas.microsoft.com/office/powerpoint/2010/main" val="125677710"/>
+        <p14:creationId xmlns:p14="http://schemas.microsoft.com/office/powerpoint/2010/main" val="2401803813"/>
       </p:ext>
     </p:extLst>
   </p:cSld>
@@ -6083,7 +5963,7 @@
     </p:spTree>
     <p:extLst>
       <p:ext uri="{BB962C8B-B14F-4D97-AF65-F5344CB8AC3E}">
-        <p14:creationId xmlns:p14="http://schemas.microsoft.com/office/powerpoint/2010/main" val="2401803813"/>
+        <p14:creationId xmlns:p14="http://schemas.microsoft.com/office/powerpoint/2010/main" val="2059477075"/>
       </p:ext>
     </p:extLst>
   </p:cSld>
@@ -6276,7 +6156,7 @@
           <a:p>
             <a:fld id="{1644BD7C-F7E4-4602-B4BA-7731E171C526}" type="datetimeFigureOut">
               <a:rPr lang="en-AU" smtClean="0"/>
-              <a:t>26/10/2016</a:t>
+              <a:t>27/10/2016</a:t>
             </a:fld>
             <a:endParaRPr lang="en-AU"/>
           </a:p>
@@ -6556,7 +6436,7 @@
           <a:p>
             <a:fld id="{1644BD7C-F7E4-4602-B4BA-7731E171C526}" type="datetimeFigureOut">
               <a:rPr lang="en-AU" smtClean="0"/>
-              <a:t>26/10/2016</a:t>
+              <a:t>27/10/2016</a:t>
             </a:fld>
             <a:endParaRPr lang="en-AU"/>
           </a:p>
@@ -6750,7 +6630,7 @@
           <a:p>
             <a:fld id="{1644BD7C-F7E4-4602-B4BA-7731E171C526}" type="datetimeFigureOut">
               <a:rPr lang="en-AU" smtClean="0"/>
-              <a:t>26/10/2016</a:t>
+              <a:t>27/10/2016</a:t>
             </a:fld>
             <a:endParaRPr lang="en-AU"/>
           </a:p>
@@ -7018,7 +6898,7 @@
           <a:p>
             <a:fld id="{1644BD7C-F7E4-4602-B4BA-7731E171C526}" type="datetimeFigureOut">
               <a:rPr lang="en-AU" smtClean="0"/>
-              <a:t>26/10/2016</a:t>
+              <a:t>27/10/2016</a:t>
             </a:fld>
             <a:endParaRPr lang="en-AU"/>
           </a:p>
@@ -7350,7 +7230,7 @@
           <a:p>
             <a:fld id="{1644BD7C-F7E4-4602-B4BA-7731E171C526}" type="datetimeFigureOut">
               <a:rPr lang="en-AU" smtClean="0"/>
-              <a:t>26/10/2016</a:t>
+              <a:t>27/10/2016</a:t>
             </a:fld>
             <a:endParaRPr lang="en-AU"/>
           </a:p>
@@ -7960,7 +7840,7 @@
           <a:p>
             <a:fld id="{1644BD7C-F7E4-4602-B4BA-7731E171C526}" type="datetimeFigureOut">
               <a:rPr lang="en-AU" smtClean="0"/>
-              <a:t>26/10/2016</a:t>
+              <a:t>27/10/2016</a:t>
             </a:fld>
             <a:endParaRPr lang="en-AU"/>
           </a:p>
@@ -8807,7 +8687,7 @@
           <a:p>
             <a:fld id="{1644BD7C-F7E4-4602-B4BA-7731E171C526}" type="datetimeFigureOut">
               <a:rPr lang="en-AU" smtClean="0"/>
-              <a:t>26/10/2016</a:t>
+              <a:t>27/10/2016</a:t>
             </a:fld>
             <a:endParaRPr lang="en-AU"/>
           </a:p>
@@ -8977,7 +8857,7 @@
           <a:p>
             <a:fld id="{1644BD7C-F7E4-4602-B4BA-7731E171C526}" type="datetimeFigureOut">
               <a:rPr lang="en-AU" smtClean="0"/>
-              <a:t>26/10/2016</a:t>
+              <a:t>27/10/2016</a:t>
             </a:fld>
             <a:endParaRPr lang="en-AU"/>
           </a:p>
@@ -9157,7 +9037,7 @@
           <a:p>
             <a:fld id="{1644BD7C-F7E4-4602-B4BA-7731E171C526}" type="datetimeFigureOut">
               <a:rPr lang="en-AU" smtClean="0"/>
-              <a:t>26/10/2016</a:t>
+              <a:t>27/10/2016</a:t>
             </a:fld>
             <a:endParaRPr lang="en-AU"/>
           </a:p>
@@ -9332,7 +9212,7 @@
           <a:p>
             <a:fld id="{1644BD7C-F7E4-4602-B4BA-7731E171C526}" type="datetimeFigureOut">
               <a:rPr lang="en-AU" smtClean="0"/>
-              <a:t>26/10/2016</a:t>
+              <a:t>27/10/2016</a:t>
             </a:fld>
             <a:endParaRPr lang="en-AU"/>
           </a:p>
@@ -9576,7 +9456,7 @@
           <a:p>
             <a:fld id="{1644BD7C-F7E4-4602-B4BA-7731E171C526}" type="datetimeFigureOut">
               <a:rPr lang="en-AU" smtClean="0"/>
-              <a:t>26/10/2016</a:t>
+              <a:t>27/10/2016</a:t>
             </a:fld>
             <a:endParaRPr lang="en-AU"/>
           </a:p>
@@ -9873,7 +9753,7 @@
           <a:p>
             <a:fld id="{1644BD7C-F7E4-4602-B4BA-7731E171C526}" type="datetimeFigureOut">
               <a:rPr lang="en-AU" smtClean="0"/>
-              <a:t>26/10/2016</a:t>
+              <a:t>27/10/2016</a:t>
             </a:fld>
             <a:endParaRPr lang="en-AU"/>
           </a:p>
@@ -10316,7 +10196,7 @@
           <a:p>
             <a:fld id="{1644BD7C-F7E4-4602-B4BA-7731E171C526}" type="datetimeFigureOut">
               <a:rPr lang="en-AU" smtClean="0"/>
-              <a:t>26/10/2016</a:t>
+              <a:t>27/10/2016</a:t>
             </a:fld>
             <a:endParaRPr lang="en-AU"/>
           </a:p>
@@ -10439,7 +10319,7 @@
           <a:p>
             <a:fld id="{1644BD7C-F7E4-4602-B4BA-7731E171C526}" type="datetimeFigureOut">
               <a:rPr lang="en-AU" smtClean="0"/>
-              <a:t>26/10/2016</a:t>
+              <a:t>27/10/2016</a:t>
             </a:fld>
             <a:endParaRPr lang="en-AU"/>
           </a:p>
@@ -10534,7 +10414,7 @@
           <a:p>
             <a:fld id="{1644BD7C-F7E4-4602-B4BA-7731E171C526}" type="datetimeFigureOut">
               <a:rPr lang="en-AU" smtClean="0"/>
-              <a:t>26/10/2016</a:t>
+              <a:t>27/10/2016</a:t>
             </a:fld>
             <a:endParaRPr lang="en-AU"/>
           </a:p>
@@ -10818,7 +10698,7 @@
           <a:p>
             <a:fld id="{1644BD7C-F7E4-4602-B4BA-7731E171C526}" type="datetimeFigureOut">
               <a:rPr lang="en-AU" smtClean="0"/>
-              <a:t>26/10/2016</a:t>
+              <a:t>27/10/2016</a:t>
             </a:fld>
             <a:endParaRPr lang="en-AU"/>
           </a:p>
@@ -11098,7 +10978,7 @@
           <a:p>
             <a:fld id="{1644BD7C-F7E4-4602-B4BA-7731E171C526}" type="datetimeFigureOut">
               <a:rPr lang="en-AU" smtClean="0"/>
-              <a:t>26/10/2016</a:t>
+              <a:t>27/10/2016</a:t>
             </a:fld>
             <a:endParaRPr lang="en-AU"/>
           </a:p>
@@ -11527,7 +11407,7 @@
           <a:p>
             <a:fld id="{1644BD7C-F7E4-4602-B4BA-7731E171C526}" type="datetimeFigureOut">
               <a:rPr lang="en-AU" smtClean="0"/>
-              <a:t>26/10/2016</a:t>
+              <a:t>27/10/2016</a:t>
             </a:fld>
             <a:endParaRPr lang="en-AU"/>
           </a:p>
@@ -12095,7 +11975,6 @@
               <a:rPr lang="en-US" cap="none" dirty="0" smtClean="0"/>
               <a:t>Harley Robinson. </a:t>
             </a:r>
-            <a:endParaRPr lang="en-US" cap="none" dirty="0" smtClean="0"/>
           </a:p>
           <a:p>
             <a:r>
@@ -12145,464 +12024,6 @@
 </file>
 
 <file path=ppt/slides/slide10.xml><?xml version="1.0" encoding="utf-8"?>
-<p:sld xmlns:a="http://schemas.openxmlformats.org/drawingml/2006/main" xmlns:r="http://schemas.openxmlformats.org/officeDocument/2006/relationships" xmlns:p="http://schemas.openxmlformats.org/presentationml/2006/main">
-  <p:cSld>
-    <p:spTree>
-      <p:nvGrpSpPr>
-        <p:cNvPr id="1" name=""/>
-        <p:cNvGrpSpPr/>
-        <p:nvPr/>
-      </p:nvGrpSpPr>
-      <p:grpSpPr>
-        <a:xfrm>
-          <a:off x="0" y="0"/>
-          <a:ext cx="0" cy="0"/>
-          <a:chOff x="0" y="0"/>
-          <a:chExt cx="0" cy="0"/>
-        </a:xfrm>
-      </p:grpSpPr>
-      <p:sp>
-        <p:nvSpPr>
-          <p:cNvPr id="2" name="Title 1"/>
-          <p:cNvSpPr>
-            <a:spLocks noGrp="1"/>
-          </p:cNvSpPr>
-          <p:nvPr>
-            <p:ph type="title"/>
-          </p:nvPr>
-        </p:nvSpPr>
-        <p:spPr>
-          <a:xfrm>
-            <a:off x="645130" y="364794"/>
-            <a:ext cx="9404723" cy="1400530"/>
-          </a:xfrm>
-        </p:spPr>
-        <p:txBody>
-          <a:bodyPr/>
-          <a:lstStyle/>
-          <a:p>
-            <a:r>
-              <a:rPr lang="en-AU" dirty="0" smtClean="0"/>
-              <a:t>MicroRNAs are selectively exported</a:t>
-            </a:r>
-            <a:endParaRPr lang="en-AU" dirty="0"/>
-          </a:p>
-        </p:txBody>
-      </p:sp>
-      <p:pic>
-        <p:nvPicPr>
-          <p:cNvPr id="4" name="Content Placeholder 3"/>
-          <p:cNvPicPr>
-            <a:picLocks noGrp="1"/>
-          </p:cNvPicPr>
-          <p:nvPr>
-            <p:ph idx="1"/>
-          </p:nvPr>
-        </p:nvPicPr>
-        <p:blipFill rotWithShape="1">
-          <a:blip r:embed="rId3">
-            <a:extLst>
-              <a:ext uri="{28A0092B-C50C-407E-A947-70E740481C1C}">
-                <a14:useLocalDpi xmlns:a14="http://schemas.microsoft.com/office/drawing/2010/main" val="0"/>
-              </a:ext>
-            </a:extLst>
-          </a:blip>
-          <a:srcRect r="47637"/>
-          <a:stretch/>
-        </p:blipFill>
-        <p:spPr>
-          <a:xfrm>
-            <a:off x="1246010" y="1765324"/>
-            <a:ext cx="4542332" cy="4106743"/>
-          </a:xfrm>
-          <a:prstGeom prst="rect">
-            <a:avLst/>
-          </a:prstGeom>
-        </p:spPr>
-      </p:pic>
-      <p:sp>
-        <p:nvSpPr>
-          <p:cNvPr id="5" name="TextBox 4"/>
-          <p:cNvSpPr txBox="1"/>
-          <p:nvPr/>
-        </p:nvSpPr>
-        <p:spPr>
-          <a:xfrm>
-            <a:off x="6108795" y="1682958"/>
-            <a:ext cx="4817659" cy="4555093"/>
-          </a:xfrm>
-          <a:prstGeom prst="rect">
-            <a:avLst/>
-          </a:prstGeom>
-          <a:noFill/>
-        </p:spPr>
-        <p:txBody>
-          <a:bodyPr wrap="square" rtlCol="0">
-            <a:spAutoFit/>
-          </a:bodyPr>
-          <a:lstStyle/>
-          <a:p>
-            <a:pPr marL="342900" lvl="0" indent="-342900" defTabSz="457200">
-              <a:spcBef>
-                <a:spcPts val="1000"/>
-              </a:spcBef>
-              <a:buClr>
-                <a:srgbClr val="DDDDDD"/>
-              </a:buClr>
-              <a:buSzPct val="80000"/>
-              <a:buFont typeface="Wingdings 3" charset="2"/>
-              <a:buChar char=""/>
-            </a:pPr>
-            <a:r>
-              <a:rPr lang="en-AU" sz="2000" dirty="0" smtClean="0">
-                <a:solidFill>
-                  <a:prstClr val="white"/>
-                </a:solidFill>
-                <a:ea typeface="+mj-ea"/>
-                <a:cs typeface="+mj-cs"/>
-              </a:rPr>
-              <a:t>95 </a:t>
-            </a:r>
-            <a:r>
-              <a:rPr lang="en-AU" sz="2000" dirty="0" err="1" smtClean="0">
-                <a:solidFill>
-                  <a:prstClr val="white"/>
-                </a:solidFill>
-                <a:ea typeface="+mj-ea"/>
-                <a:cs typeface="+mj-cs"/>
-              </a:rPr>
-              <a:t>miRs</a:t>
-            </a:r>
-            <a:r>
-              <a:rPr lang="en-AU" sz="2000" dirty="0" smtClean="0">
-                <a:solidFill>
-                  <a:prstClr val="white"/>
-                </a:solidFill>
-                <a:ea typeface="+mj-ea"/>
-                <a:cs typeface="+mj-cs"/>
-              </a:rPr>
-              <a:t> detected in EVs. </a:t>
-            </a:r>
-          </a:p>
-          <a:p>
-            <a:pPr marL="342900" lvl="0" indent="-342900" defTabSz="457200">
-              <a:spcBef>
-                <a:spcPts val="1000"/>
-              </a:spcBef>
-              <a:buClr>
-                <a:srgbClr val="DDDDDD"/>
-              </a:buClr>
-              <a:buSzPct val="80000"/>
-              <a:buFont typeface="Wingdings 3" charset="2"/>
-              <a:buChar char=""/>
-            </a:pPr>
-            <a:endParaRPr lang="en-AU" sz="2000" dirty="0" smtClean="0">
-              <a:solidFill>
-                <a:prstClr val="white"/>
-              </a:solidFill>
-              <a:ea typeface="+mj-ea"/>
-              <a:cs typeface="+mj-cs"/>
-            </a:endParaRPr>
-          </a:p>
-          <a:p>
-            <a:pPr marL="342900" lvl="0" indent="-342900" defTabSz="457200">
-              <a:spcBef>
-                <a:spcPts val="1000"/>
-              </a:spcBef>
-              <a:buClr>
-                <a:srgbClr val="DDDDDD"/>
-              </a:buClr>
-              <a:buSzPct val="80000"/>
-              <a:buFont typeface="Wingdings 3" charset="2"/>
-              <a:buChar char=""/>
-            </a:pPr>
-            <a:r>
-              <a:rPr lang="en-AU" sz="2000" dirty="0" smtClean="0">
-                <a:solidFill>
-                  <a:prstClr val="white"/>
-                </a:solidFill>
-                <a:ea typeface="+mj-ea"/>
-                <a:cs typeface="+mj-cs"/>
-              </a:rPr>
-              <a:t>12 </a:t>
-            </a:r>
-            <a:r>
-              <a:rPr lang="en-AU" sz="2000" dirty="0" err="1">
-                <a:solidFill>
-                  <a:prstClr val="white"/>
-                </a:solidFill>
-                <a:ea typeface="+mj-ea"/>
-                <a:cs typeface="+mj-cs"/>
-              </a:rPr>
-              <a:t>miRs</a:t>
-            </a:r>
-            <a:r>
-              <a:rPr lang="en-AU" sz="2000" dirty="0">
-                <a:solidFill>
-                  <a:prstClr val="white"/>
-                </a:solidFill>
-                <a:ea typeface="+mj-ea"/>
-                <a:cs typeface="+mj-cs"/>
-              </a:rPr>
-              <a:t> significantly modified </a:t>
-            </a:r>
-            <a:r>
-              <a:rPr lang="en-AU" sz="2000" dirty="0" smtClean="0">
-                <a:solidFill>
-                  <a:prstClr val="white"/>
-                </a:solidFill>
-                <a:ea typeface="+mj-ea"/>
-                <a:cs typeface="+mj-cs"/>
-              </a:rPr>
-              <a:t>in EVs by </a:t>
-            </a:r>
-            <a:r>
-              <a:rPr lang="en-AU" sz="2000" dirty="0">
-                <a:solidFill>
-                  <a:prstClr val="white"/>
-                </a:solidFill>
-                <a:ea typeface="+mj-ea"/>
-                <a:cs typeface="+mj-cs"/>
-              </a:rPr>
-              <a:t>cavin-1 </a:t>
-            </a:r>
-            <a:r>
-              <a:rPr lang="en-AU" sz="2000" dirty="0" smtClean="0">
-                <a:solidFill>
-                  <a:prstClr val="white"/>
-                </a:solidFill>
-                <a:ea typeface="+mj-ea"/>
-                <a:cs typeface="+mj-cs"/>
-              </a:rPr>
-              <a:t>expression. </a:t>
-            </a:r>
-          </a:p>
-          <a:p>
-            <a:pPr marL="342900" lvl="0" indent="-342900" defTabSz="457200">
-              <a:spcBef>
-                <a:spcPts val="1000"/>
-              </a:spcBef>
-              <a:buClr>
-                <a:srgbClr val="DDDDDD"/>
-              </a:buClr>
-              <a:buSzPct val="80000"/>
-              <a:buFont typeface="Wingdings 3" charset="2"/>
-              <a:buChar char=""/>
-            </a:pPr>
-            <a:endParaRPr lang="en-AU" sz="2000" dirty="0">
-              <a:solidFill>
-                <a:prstClr val="white"/>
-              </a:solidFill>
-              <a:ea typeface="+mj-ea"/>
-              <a:cs typeface="+mj-cs"/>
-            </a:endParaRPr>
-          </a:p>
-          <a:p>
-            <a:pPr marL="342900" lvl="0" indent="-342900" defTabSz="457200">
-              <a:spcBef>
-                <a:spcPts val="1000"/>
-              </a:spcBef>
-              <a:buClr>
-                <a:srgbClr val="DDDDDD"/>
-              </a:buClr>
-              <a:buSzPct val="80000"/>
-              <a:buFont typeface="Wingdings 3" charset="2"/>
-              <a:buChar char=""/>
-            </a:pPr>
-            <a:r>
-              <a:rPr lang="en-AU" sz="2000" dirty="0">
-                <a:solidFill>
-                  <a:prstClr val="white"/>
-                </a:solidFill>
-                <a:ea typeface="+mj-ea"/>
-                <a:cs typeface="+mj-cs"/>
-              </a:rPr>
-              <a:t>Presence in EVs due to sampling or selective </a:t>
-            </a:r>
-            <a:r>
-              <a:rPr lang="en-AU" sz="2000" dirty="0" smtClean="0">
-                <a:solidFill>
-                  <a:prstClr val="white"/>
-                </a:solidFill>
-                <a:ea typeface="+mj-ea"/>
-                <a:cs typeface="+mj-cs"/>
-              </a:rPr>
-              <a:t>export: predict by comparing to cell</a:t>
-            </a:r>
-          </a:p>
-          <a:p>
-            <a:pPr marL="342900" lvl="0" indent="-342900" defTabSz="457200">
-              <a:spcBef>
-                <a:spcPts val="1000"/>
-              </a:spcBef>
-              <a:buClr>
-                <a:srgbClr val="DDDDDD"/>
-              </a:buClr>
-              <a:buSzPct val="80000"/>
-              <a:buFont typeface="Wingdings 3" charset="2"/>
-              <a:buChar char=""/>
-            </a:pPr>
-            <a:endParaRPr lang="en-AU" sz="2000" dirty="0" smtClean="0">
-              <a:solidFill>
-                <a:prstClr val="white"/>
-              </a:solidFill>
-              <a:ea typeface="+mj-ea"/>
-              <a:cs typeface="+mj-cs"/>
-            </a:endParaRPr>
-          </a:p>
-          <a:p>
-            <a:pPr marL="342900" lvl="0" indent="-342900" defTabSz="457200">
-              <a:spcBef>
-                <a:spcPts val="1000"/>
-              </a:spcBef>
-              <a:buClr>
-                <a:srgbClr val="DDDDDD"/>
-              </a:buClr>
-              <a:buSzPct val="80000"/>
-              <a:buFont typeface="Wingdings 3" charset="2"/>
-              <a:buChar char=""/>
-            </a:pPr>
-            <a:r>
-              <a:rPr lang="en-US" sz="2000" b="1" dirty="0" smtClean="0">
-                <a:solidFill>
-                  <a:prstClr val="white"/>
-                </a:solidFill>
-                <a:ea typeface="+mj-ea"/>
-                <a:cs typeface="+mj-cs"/>
-              </a:rPr>
-              <a:t>5</a:t>
-            </a:r>
-            <a:r>
-              <a:rPr lang="en-US" sz="2000" dirty="0" smtClean="0">
-                <a:solidFill>
-                  <a:prstClr val="white"/>
-                </a:solidFill>
-                <a:ea typeface="+mj-ea"/>
-                <a:cs typeface="+mj-cs"/>
-              </a:rPr>
-              <a:t> </a:t>
-            </a:r>
-            <a:r>
-              <a:rPr lang="en-US" sz="2000" dirty="0" err="1" smtClean="0">
-                <a:solidFill>
-                  <a:prstClr val="white"/>
-                </a:solidFill>
-                <a:ea typeface="+mj-ea"/>
-                <a:cs typeface="+mj-cs"/>
-              </a:rPr>
-              <a:t>miRs</a:t>
-            </a:r>
-            <a:r>
-              <a:rPr lang="en-US" sz="2000" dirty="0" smtClean="0">
-                <a:solidFill>
-                  <a:prstClr val="white"/>
-                </a:solidFill>
-                <a:ea typeface="+mj-ea"/>
-                <a:cs typeface="+mj-cs"/>
-              </a:rPr>
-              <a:t> with reduced export by cavin-1, </a:t>
-            </a:r>
-            <a:r>
-              <a:rPr lang="en-US" sz="2000" b="1" dirty="0" smtClean="0">
-                <a:solidFill>
-                  <a:prstClr val="white"/>
-                </a:solidFill>
-                <a:ea typeface="+mj-ea"/>
-                <a:cs typeface="+mj-cs"/>
-              </a:rPr>
-              <a:t>6</a:t>
-            </a:r>
-            <a:r>
-              <a:rPr lang="en-US" sz="2000" dirty="0" smtClean="0">
-                <a:solidFill>
-                  <a:prstClr val="white"/>
-                </a:solidFill>
-                <a:ea typeface="+mj-ea"/>
-                <a:cs typeface="+mj-cs"/>
-              </a:rPr>
-              <a:t> </a:t>
-            </a:r>
-            <a:r>
-              <a:rPr lang="en-US" sz="2000" dirty="0" err="1" smtClean="0">
-                <a:solidFill>
-                  <a:prstClr val="white"/>
-                </a:solidFill>
-                <a:ea typeface="+mj-ea"/>
-                <a:cs typeface="+mj-cs"/>
-              </a:rPr>
-              <a:t>miRs</a:t>
-            </a:r>
-            <a:r>
-              <a:rPr lang="en-US" sz="2000" dirty="0" smtClean="0">
-                <a:solidFill>
-                  <a:prstClr val="white"/>
-                </a:solidFill>
-                <a:ea typeface="+mj-ea"/>
-                <a:cs typeface="+mj-cs"/>
-              </a:rPr>
-              <a:t> sampled and </a:t>
-            </a:r>
-            <a:r>
-              <a:rPr lang="en-US" sz="2000" b="1" dirty="0" smtClean="0">
-                <a:solidFill>
-                  <a:prstClr val="white"/>
-                </a:solidFill>
-                <a:ea typeface="+mj-ea"/>
-                <a:cs typeface="+mj-cs"/>
-              </a:rPr>
-              <a:t>1 </a:t>
-            </a:r>
-            <a:r>
-              <a:rPr lang="en-US" sz="2000" dirty="0" err="1" smtClean="0">
-                <a:solidFill>
-                  <a:prstClr val="white"/>
-                </a:solidFill>
-                <a:ea typeface="+mj-ea"/>
-                <a:cs typeface="+mj-cs"/>
-              </a:rPr>
-              <a:t>miR</a:t>
-            </a:r>
-            <a:r>
-              <a:rPr lang="en-US" sz="2000" dirty="0" smtClean="0">
-                <a:solidFill>
-                  <a:prstClr val="white"/>
-                </a:solidFill>
-                <a:ea typeface="+mj-ea"/>
-                <a:cs typeface="+mj-cs"/>
-              </a:rPr>
-              <a:t> induced export by cavin-1. </a:t>
-            </a:r>
-            <a:endParaRPr lang="en-AU" sz="2000" dirty="0">
-              <a:solidFill>
-                <a:prstClr val="white"/>
-              </a:solidFill>
-              <a:ea typeface="+mj-ea"/>
-              <a:cs typeface="+mj-cs"/>
-            </a:endParaRPr>
-          </a:p>
-        </p:txBody>
-      </p:sp>
-    </p:spTree>
-    <p:extLst>
-      <p:ext uri="{BB962C8B-B14F-4D97-AF65-F5344CB8AC3E}">
-        <p14:creationId xmlns:p14="http://schemas.microsoft.com/office/powerpoint/2010/main" val="1837289170"/>
-      </p:ext>
-    </p:extLst>
-  </p:cSld>
-  <p:clrMapOvr>
-    <a:masterClrMapping/>
-  </p:clrMapOvr>
-  <p:timing>
-    <p:tnLst>
-      <p:par>
-        <p:cTn id="1" dur="indefinite" restart="never" nodeType="tmRoot"/>
-      </p:par>
-    </p:tnLst>
-  </p:timing>
-</p:sld>
-</file>
-
-<file path=ppt/slides/slide11.xml><?xml version="1.0" encoding="utf-8"?>
 <p:sld xmlns:a="http://schemas.openxmlformats.org/drawingml/2006/main" xmlns:r="http://schemas.openxmlformats.org/officeDocument/2006/relationships" xmlns:p="http://schemas.openxmlformats.org/presentationml/2006/main">
   <p:cSld>
     <p:spTree>
@@ -12753,7 +12174,7 @@
 </p:sld>
 </file>
 
-<file path=ppt/slides/slide12.xml><?xml version="1.0" encoding="utf-8"?>
+<file path=ppt/slides/slide11.xml><?xml version="1.0" encoding="utf-8"?>
 <p:sld xmlns:a="http://schemas.openxmlformats.org/drawingml/2006/main" xmlns:r="http://schemas.openxmlformats.org/officeDocument/2006/relationships" xmlns:p="http://schemas.openxmlformats.org/presentationml/2006/main">
   <p:cSld>
     <p:spTree>
@@ -13457,7 +12878,7 @@
 </p:sld>
 </file>
 
-<file path=ppt/slides/slide13.xml><?xml version="1.0" encoding="utf-8"?>
+<file path=ppt/slides/slide12.xml><?xml version="1.0" encoding="utf-8"?>
 <p:sld xmlns:a="http://schemas.openxmlformats.org/drawingml/2006/main" xmlns:r="http://schemas.openxmlformats.org/officeDocument/2006/relationships" xmlns:p="http://schemas.openxmlformats.org/presentationml/2006/main">
   <p:cSld>
     <p:spTree>
@@ -13733,7 +13154,7 @@
 </p:sld>
 </file>
 
-<file path=ppt/slides/slide14.xml><?xml version="1.0" encoding="utf-8"?>
+<file path=ppt/slides/slide13.xml><?xml version="1.0" encoding="utf-8"?>
 <p:sld xmlns:a="http://schemas.openxmlformats.org/drawingml/2006/main" xmlns:r="http://schemas.openxmlformats.org/officeDocument/2006/relationships" xmlns:p="http://schemas.openxmlformats.org/presentationml/2006/main">
   <p:cSld>
     <p:spTree>
@@ -13980,7 +13401,7 @@
 </p:sld>
 </file>
 
-<file path=ppt/slides/slide15.xml><?xml version="1.0" encoding="utf-8"?>
+<file path=ppt/slides/slide14.xml><?xml version="1.0" encoding="utf-8"?>
 <p:sld xmlns:a="http://schemas.openxmlformats.org/drawingml/2006/main" xmlns:r="http://schemas.openxmlformats.org/officeDocument/2006/relationships" xmlns:p="http://schemas.openxmlformats.org/presentationml/2006/main">
   <p:cSld>
     <p:spTree>
@@ -14189,7 +13610,7 @@
 </p:sld>
 </file>
 
-<file path=ppt/slides/slide16.xml><?xml version="1.0" encoding="utf-8"?>
+<file path=ppt/slides/slide15.xml><?xml version="1.0" encoding="utf-8"?>
 <p:sld xmlns:a="http://schemas.openxmlformats.org/drawingml/2006/main" xmlns:r="http://schemas.openxmlformats.org/officeDocument/2006/relationships" xmlns:p="http://schemas.openxmlformats.org/presentationml/2006/main">
   <p:cSld>
     <p:spTree>
@@ -14411,7 +13832,7 @@
 </p:sld>
 </file>
 
-<file path=ppt/slides/slide17.xml><?xml version="1.0" encoding="utf-8"?>
+<file path=ppt/slides/slide16.xml><?xml version="1.0" encoding="utf-8"?>
 <p:sld xmlns:a="http://schemas.openxmlformats.org/drawingml/2006/main" xmlns:r="http://schemas.openxmlformats.org/officeDocument/2006/relationships" xmlns:p="http://schemas.openxmlformats.org/presentationml/2006/main">
   <p:cSld>
     <p:spTree>
@@ -14535,6 +13956,205 @@
 </p:sld>
 </file>
 
+<file path=ppt/slides/slide17.xml><?xml version="1.0" encoding="utf-8"?>
+<p:sld xmlns:a="http://schemas.openxmlformats.org/drawingml/2006/main" xmlns:r="http://schemas.openxmlformats.org/officeDocument/2006/relationships" xmlns:p="http://schemas.openxmlformats.org/presentationml/2006/main">
+  <p:cSld>
+    <p:spTree>
+      <p:nvGrpSpPr>
+        <p:cNvPr id="1" name=""/>
+        <p:cNvGrpSpPr/>
+        <p:nvPr/>
+      </p:nvGrpSpPr>
+      <p:grpSpPr>
+        <a:xfrm>
+          <a:off x="0" y="0"/>
+          <a:ext cx="0" cy="0"/>
+          <a:chOff x="0" y="0"/>
+          <a:chExt cx="0" cy="0"/>
+        </a:xfrm>
+      </p:grpSpPr>
+      <p:sp>
+        <p:nvSpPr>
+          <p:cNvPr id="2" name="Title 1"/>
+          <p:cNvSpPr>
+            <a:spLocks noGrp="1"/>
+          </p:cNvSpPr>
+          <p:nvPr>
+            <p:ph type="title"/>
+          </p:nvPr>
+        </p:nvSpPr>
+        <p:spPr/>
+        <p:txBody>
+          <a:bodyPr/>
+          <a:lstStyle/>
+          <a:p>
+            <a:r>
+              <a:rPr lang="en-US" dirty="0" err="1" smtClean="0"/>
+              <a:t>hnRNPK</a:t>
+            </a:r>
+            <a:r>
+              <a:rPr lang="en-US" dirty="0" smtClean="0"/>
+              <a:t> changes between MVB and ER</a:t>
+            </a:r>
+            <a:endParaRPr lang="en-AU" dirty="0"/>
+          </a:p>
+        </p:txBody>
+      </p:sp>
+      <p:pic>
+        <p:nvPicPr>
+          <p:cNvPr id="4" name="Content Placeholder 3"/>
+          <p:cNvPicPr>
+            <a:picLocks noGrp="1" noChangeAspect="1"/>
+          </p:cNvPicPr>
+          <p:nvPr>
+            <p:ph idx="1"/>
+          </p:nvPr>
+        </p:nvPicPr>
+        <p:blipFill>
+          <a:blip r:embed="rId3"/>
+          <a:stretch>
+            <a:fillRect/>
+          </a:stretch>
+        </p:blipFill>
+        <p:spPr>
+          <a:xfrm>
+            <a:off x="3075276" y="1285355"/>
+            <a:ext cx="7915108" cy="5102073"/>
+          </a:xfrm>
+          <a:prstGeom prst="rect">
+            <a:avLst/>
+          </a:prstGeom>
+        </p:spPr>
+      </p:pic>
+      <p:sp>
+        <p:nvSpPr>
+          <p:cNvPr id="3" name="TextBox 2"/>
+          <p:cNvSpPr txBox="1"/>
+          <p:nvPr/>
+        </p:nvSpPr>
+        <p:spPr>
+          <a:xfrm>
+            <a:off x="768087" y="3150841"/>
+            <a:ext cx="2185214" cy="646331"/>
+          </a:xfrm>
+          <a:prstGeom prst="rect">
+            <a:avLst/>
+          </a:prstGeom>
+          <a:noFill/>
+        </p:spPr>
+        <p:txBody>
+          <a:bodyPr wrap="none" rtlCol="0">
+            <a:spAutoFit/>
+          </a:bodyPr>
+          <a:lstStyle/>
+          <a:p>
+            <a:r>
+              <a:rPr lang="en-AU" dirty="0" smtClean="0"/>
+              <a:t>CD9 is a MVB and</a:t>
+            </a:r>
+          </a:p>
+          <a:p>
+            <a:r>
+              <a:rPr lang="en-AU" dirty="0" smtClean="0"/>
+              <a:t>exosome marker</a:t>
+            </a:r>
+            <a:endParaRPr lang="en-AU" dirty="0"/>
+          </a:p>
+        </p:txBody>
+      </p:sp>
+      <p:sp>
+        <p:nvSpPr>
+          <p:cNvPr id="5" name="TextBox 4"/>
+          <p:cNvSpPr txBox="1"/>
+          <p:nvPr/>
+        </p:nvSpPr>
+        <p:spPr>
+          <a:xfrm rot="16200000">
+            <a:off x="2941586" y="2501218"/>
+            <a:ext cx="636713" cy="369332"/>
+          </a:xfrm>
+          <a:prstGeom prst="rect">
+            <a:avLst/>
+          </a:prstGeom>
+          <a:solidFill>
+            <a:schemeClr val="tx1"/>
+          </a:solidFill>
+        </p:spPr>
+        <p:txBody>
+          <a:bodyPr wrap="none" rtlCol="0">
+            <a:spAutoFit/>
+          </a:bodyPr>
+          <a:lstStyle/>
+          <a:p>
+            <a:r>
+              <a:rPr lang="en-US" dirty="0" smtClean="0">
+                <a:solidFill>
+                  <a:schemeClr val="bg1"/>
+                </a:solidFill>
+              </a:rPr>
+              <a:t>PC3</a:t>
+            </a:r>
+            <a:endParaRPr lang="en-AU" dirty="0">
+              <a:solidFill>
+                <a:schemeClr val="bg1"/>
+              </a:solidFill>
+            </a:endParaRPr>
+          </a:p>
+        </p:txBody>
+      </p:sp>
+      <p:sp>
+        <p:nvSpPr>
+          <p:cNvPr id="7" name="TextBox 6"/>
+          <p:cNvSpPr txBox="1"/>
+          <p:nvPr/>
+        </p:nvSpPr>
+        <p:spPr>
+          <a:xfrm rot="16200000">
+            <a:off x="2492673" y="5095877"/>
+            <a:ext cx="1579278" cy="369332"/>
+          </a:xfrm>
+          <a:prstGeom prst="rect">
+            <a:avLst/>
+          </a:prstGeom>
+          <a:solidFill>
+            <a:schemeClr val="tx1"/>
+          </a:solidFill>
+        </p:spPr>
+        <p:txBody>
+          <a:bodyPr wrap="none" rtlCol="0">
+            <a:spAutoFit/>
+          </a:bodyPr>
+          <a:lstStyle/>
+          <a:p>
+            <a:r>
+              <a:rPr lang="en-US" dirty="0" smtClean="0">
+                <a:solidFill>
+                  <a:schemeClr val="bg1"/>
+                </a:solidFill>
+              </a:rPr>
+              <a:t>PC3-Cavin-1</a:t>
+            </a:r>
+            <a:endParaRPr lang="en-AU" dirty="0">
+              <a:solidFill>
+                <a:schemeClr val="bg1"/>
+              </a:solidFill>
+            </a:endParaRPr>
+          </a:p>
+        </p:txBody>
+      </p:sp>
+    </p:spTree>
+    <p:extLst>
+      <p:ext uri="{BB962C8B-B14F-4D97-AF65-F5344CB8AC3E}">
+        <p14:creationId xmlns:p14="http://schemas.microsoft.com/office/powerpoint/2010/main" val="3767449876"/>
+      </p:ext>
+    </p:extLst>
+  </p:cSld>
+  <p:clrMapOvr>
+    <a:masterClrMapping/>
+  </p:clrMapOvr>
+</p:sld>
+</file>
+
 <file path=ppt/slides/slide18.xml><?xml version="1.0" encoding="utf-8"?>
 <p:sld xmlns:a="http://schemas.openxmlformats.org/drawingml/2006/main" xmlns:r="http://schemas.openxmlformats.org/officeDocument/2006/relationships" xmlns:p="http://schemas.openxmlformats.org/presentationml/2006/main">
   <p:cSld>
@@ -14572,205 +14192,6 @@
               <a:t>hnRNPK</a:t>
             </a:r>
             <a:r>
-              <a:rPr lang="en-US" dirty="0" smtClean="0"/>
-              <a:t> changes between MVB and ER</a:t>
-            </a:r>
-            <a:endParaRPr lang="en-AU" dirty="0"/>
-          </a:p>
-        </p:txBody>
-      </p:sp>
-      <p:pic>
-        <p:nvPicPr>
-          <p:cNvPr id="4" name="Content Placeholder 3"/>
-          <p:cNvPicPr>
-            <a:picLocks noGrp="1" noChangeAspect="1"/>
-          </p:cNvPicPr>
-          <p:nvPr>
-            <p:ph idx="1"/>
-          </p:nvPr>
-        </p:nvPicPr>
-        <p:blipFill>
-          <a:blip r:embed="rId3"/>
-          <a:stretch>
-            <a:fillRect/>
-          </a:stretch>
-        </p:blipFill>
-        <p:spPr>
-          <a:xfrm>
-            <a:off x="3075276" y="1285355"/>
-            <a:ext cx="7915108" cy="5102073"/>
-          </a:xfrm>
-          <a:prstGeom prst="rect">
-            <a:avLst/>
-          </a:prstGeom>
-        </p:spPr>
-      </p:pic>
-      <p:sp>
-        <p:nvSpPr>
-          <p:cNvPr id="3" name="TextBox 2"/>
-          <p:cNvSpPr txBox="1"/>
-          <p:nvPr/>
-        </p:nvSpPr>
-        <p:spPr>
-          <a:xfrm>
-            <a:off x="768087" y="3150841"/>
-            <a:ext cx="2185214" cy="646331"/>
-          </a:xfrm>
-          <a:prstGeom prst="rect">
-            <a:avLst/>
-          </a:prstGeom>
-          <a:noFill/>
-        </p:spPr>
-        <p:txBody>
-          <a:bodyPr wrap="none" rtlCol="0">
-            <a:spAutoFit/>
-          </a:bodyPr>
-          <a:lstStyle/>
-          <a:p>
-            <a:r>
-              <a:rPr lang="en-AU" dirty="0" smtClean="0"/>
-              <a:t>CD9 is a MVB and</a:t>
-            </a:r>
-          </a:p>
-          <a:p>
-            <a:r>
-              <a:rPr lang="en-AU" dirty="0" smtClean="0"/>
-              <a:t>exosome marker</a:t>
-            </a:r>
-            <a:endParaRPr lang="en-AU" dirty="0"/>
-          </a:p>
-        </p:txBody>
-      </p:sp>
-      <p:sp>
-        <p:nvSpPr>
-          <p:cNvPr id="5" name="TextBox 4"/>
-          <p:cNvSpPr txBox="1"/>
-          <p:nvPr/>
-        </p:nvSpPr>
-        <p:spPr>
-          <a:xfrm rot="16200000">
-            <a:off x="2941586" y="2501218"/>
-            <a:ext cx="636713" cy="369332"/>
-          </a:xfrm>
-          <a:prstGeom prst="rect">
-            <a:avLst/>
-          </a:prstGeom>
-          <a:solidFill>
-            <a:schemeClr val="tx1"/>
-          </a:solidFill>
-        </p:spPr>
-        <p:txBody>
-          <a:bodyPr wrap="none" rtlCol="0">
-            <a:spAutoFit/>
-          </a:bodyPr>
-          <a:lstStyle/>
-          <a:p>
-            <a:r>
-              <a:rPr lang="en-US" dirty="0" smtClean="0">
-                <a:solidFill>
-                  <a:schemeClr val="bg1"/>
-                </a:solidFill>
-              </a:rPr>
-              <a:t>PC3</a:t>
-            </a:r>
-            <a:endParaRPr lang="en-AU" dirty="0">
-              <a:solidFill>
-                <a:schemeClr val="bg1"/>
-              </a:solidFill>
-            </a:endParaRPr>
-          </a:p>
-        </p:txBody>
-      </p:sp>
-      <p:sp>
-        <p:nvSpPr>
-          <p:cNvPr id="7" name="TextBox 6"/>
-          <p:cNvSpPr txBox="1"/>
-          <p:nvPr/>
-        </p:nvSpPr>
-        <p:spPr>
-          <a:xfrm rot="16200000">
-            <a:off x="2492673" y="5095877"/>
-            <a:ext cx="1579278" cy="369332"/>
-          </a:xfrm>
-          <a:prstGeom prst="rect">
-            <a:avLst/>
-          </a:prstGeom>
-          <a:solidFill>
-            <a:schemeClr val="tx1"/>
-          </a:solidFill>
-        </p:spPr>
-        <p:txBody>
-          <a:bodyPr wrap="none" rtlCol="0">
-            <a:spAutoFit/>
-          </a:bodyPr>
-          <a:lstStyle/>
-          <a:p>
-            <a:r>
-              <a:rPr lang="en-US" dirty="0" smtClean="0">
-                <a:solidFill>
-                  <a:schemeClr val="bg1"/>
-                </a:solidFill>
-              </a:rPr>
-              <a:t>PC3-Cavin-1</a:t>
-            </a:r>
-            <a:endParaRPr lang="en-AU" dirty="0">
-              <a:solidFill>
-                <a:schemeClr val="bg1"/>
-              </a:solidFill>
-            </a:endParaRPr>
-          </a:p>
-        </p:txBody>
-      </p:sp>
-    </p:spTree>
-    <p:extLst>
-      <p:ext uri="{BB962C8B-B14F-4D97-AF65-F5344CB8AC3E}">
-        <p14:creationId xmlns:p14="http://schemas.microsoft.com/office/powerpoint/2010/main" val="3767449876"/>
-      </p:ext>
-    </p:extLst>
-  </p:cSld>
-  <p:clrMapOvr>
-    <a:masterClrMapping/>
-  </p:clrMapOvr>
-</p:sld>
-</file>
-
-<file path=ppt/slides/slide19.xml><?xml version="1.0" encoding="utf-8"?>
-<p:sld xmlns:a="http://schemas.openxmlformats.org/drawingml/2006/main" xmlns:r="http://schemas.openxmlformats.org/officeDocument/2006/relationships" xmlns:p="http://schemas.openxmlformats.org/presentationml/2006/main">
-  <p:cSld>
-    <p:spTree>
-      <p:nvGrpSpPr>
-        <p:cNvPr id="1" name=""/>
-        <p:cNvGrpSpPr/>
-        <p:nvPr/>
-      </p:nvGrpSpPr>
-      <p:grpSpPr>
-        <a:xfrm>
-          <a:off x="0" y="0"/>
-          <a:ext cx="0" cy="0"/>
-          <a:chOff x="0" y="0"/>
-          <a:chExt cx="0" cy="0"/>
-        </a:xfrm>
-      </p:grpSpPr>
-      <p:sp>
-        <p:nvSpPr>
-          <p:cNvPr id="2" name="Title 1"/>
-          <p:cNvSpPr>
-            <a:spLocks noGrp="1"/>
-          </p:cNvSpPr>
-          <p:nvPr>
-            <p:ph type="title"/>
-          </p:nvPr>
-        </p:nvSpPr>
-        <p:spPr/>
-        <p:txBody>
-          <a:bodyPr/>
-          <a:lstStyle/>
-          <a:p>
-            <a:r>
-              <a:rPr lang="en-US" dirty="0" err="1" smtClean="0"/>
-              <a:t>hnRNPK</a:t>
-            </a:r>
-            <a:r>
               <a:rPr lang="en-US" dirty="0"/>
               <a:t> </a:t>
             </a:r>
@@ -14937,262 +14358,7 @@
 </p:sld>
 </file>
 
-<file path=ppt/slides/slide2.xml><?xml version="1.0" encoding="utf-8"?>
-<p:sld xmlns:a="http://schemas.openxmlformats.org/drawingml/2006/main" xmlns:r="http://schemas.openxmlformats.org/officeDocument/2006/relationships" xmlns:p="http://schemas.openxmlformats.org/presentationml/2006/main">
-  <p:cSld>
-    <p:spTree>
-      <p:nvGrpSpPr>
-        <p:cNvPr id="1" name=""/>
-        <p:cNvGrpSpPr/>
-        <p:nvPr/>
-      </p:nvGrpSpPr>
-      <p:grpSpPr>
-        <a:xfrm>
-          <a:off x="0" y="0"/>
-          <a:ext cx="0" cy="0"/>
-          <a:chOff x="0" y="0"/>
-          <a:chExt cx="0" cy="0"/>
-        </a:xfrm>
-      </p:grpSpPr>
-      <p:sp>
-        <p:nvSpPr>
-          <p:cNvPr id="2" name="Title 1"/>
-          <p:cNvSpPr>
-            <a:spLocks noGrp="1"/>
-          </p:cNvSpPr>
-          <p:nvPr>
-            <p:ph type="title"/>
-          </p:nvPr>
-        </p:nvSpPr>
-        <p:spPr/>
-        <p:txBody>
-          <a:bodyPr/>
-          <a:lstStyle/>
-          <a:p>
-            <a:pPr algn="l"/>
-            <a:r>
-              <a:rPr lang="en-AU" dirty="0" smtClean="0"/>
-              <a:t>Prostate Cancer</a:t>
-            </a:r>
-            <a:endParaRPr lang="en-AU" dirty="0"/>
-          </a:p>
-        </p:txBody>
-      </p:sp>
-      <p:sp>
-        <p:nvSpPr>
-          <p:cNvPr id="3" name="Content Placeholder 2"/>
-          <p:cNvSpPr>
-            <a:spLocks noGrp="1"/>
-          </p:cNvSpPr>
-          <p:nvPr>
-            <p:ph idx="1"/>
-          </p:nvPr>
-        </p:nvSpPr>
-        <p:spPr>
-          <a:xfrm>
-            <a:off x="646111" y="2006784"/>
-            <a:ext cx="6069014" cy="4058751"/>
-          </a:xfrm>
-        </p:spPr>
-        <p:txBody>
-          <a:bodyPr/>
-          <a:lstStyle/>
-          <a:p>
-            <a:r>
-              <a:rPr lang="en-AU" dirty="0" smtClean="0"/>
-              <a:t>2</a:t>
-            </a:r>
-            <a:r>
-              <a:rPr lang="en-AU" baseline="30000" dirty="0" smtClean="0"/>
-              <a:t>nd</a:t>
-            </a:r>
-            <a:r>
-              <a:rPr lang="en-AU" dirty="0" smtClean="0"/>
-              <a:t> highest </a:t>
-            </a:r>
-            <a:r>
-              <a:rPr lang="en-AU" dirty="0"/>
-              <a:t>diagnosed cancer in men </a:t>
-            </a:r>
-            <a:r>
-              <a:rPr lang="en-AU" dirty="0" smtClean="0"/>
-              <a:t>worldwide</a:t>
-            </a:r>
-          </a:p>
-          <a:p>
-            <a:pPr marL="3657600" lvl="8" indent="0">
-              <a:buNone/>
-            </a:pPr>
-            <a:r>
-              <a:rPr lang="en-US" dirty="0" smtClean="0"/>
-              <a:t>(SEER 2016)</a:t>
-            </a:r>
-            <a:endParaRPr lang="en-AU" dirty="0" smtClean="0"/>
-          </a:p>
-          <a:p>
-            <a:endParaRPr lang="en-AU" dirty="0"/>
-          </a:p>
-          <a:p>
-            <a:r>
-              <a:rPr lang="en-AU" dirty="0"/>
-              <a:t>Bone metastasis leads to poor outcome. </a:t>
-            </a:r>
-            <a:endParaRPr lang="en-AU" dirty="0" smtClean="0"/>
-          </a:p>
-          <a:p>
-            <a:pPr marL="3657600" lvl="8" indent="0">
-              <a:buNone/>
-            </a:pPr>
-            <a:r>
-              <a:rPr lang="en-US" dirty="0" smtClean="0"/>
-              <a:t>(Body </a:t>
-            </a:r>
-            <a:r>
-              <a:rPr lang="en-US" i="1" dirty="0" smtClean="0"/>
-              <a:t>et al </a:t>
-            </a:r>
-            <a:r>
-              <a:rPr lang="en-US" dirty="0" smtClean="0"/>
-              <a:t>2015)</a:t>
-            </a:r>
-            <a:endParaRPr lang="en-AU" dirty="0" smtClean="0"/>
-          </a:p>
-          <a:p>
-            <a:endParaRPr lang="en-AU" dirty="0"/>
-          </a:p>
-          <a:p>
-            <a:r>
-              <a:rPr lang="en-AU" dirty="0"/>
-              <a:t>Metastasis reduced 5 year survival to 29.3</a:t>
-            </a:r>
-            <a:r>
-              <a:rPr lang="en-AU" dirty="0" smtClean="0"/>
-              <a:t>% </a:t>
-            </a:r>
-          </a:p>
-          <a:p>
-            <a:pPr marL="3657600" lvl="8" indent="0">
-              <a:buNone/>
-            </a:pPr>
-            <a:r>
-              <a:rPr lang="en-AU" dirty="0" smtClean="0"/>
-              <a:t>(SEER 2016)</a:t>
-            </a:r>
-            <a:endParaRPr lang="en-AU" dirty="0"/>
-          </a:p>
-        </p:txBody>
-      </p:sp>
-      <p:pic>
-        <p:nvPicPr>
-          <p:cNvPr id="5" name="Picture 4"/>
-          <p:cNvPicPr>
-            <a:picLocks noChangeAspect="1"/>
-          </p:cNvPicPr>
-          <p:nvPr/>
-        </p:nvPicPr>
-        <p:blipFill>
-          <a:blip r:embed="rId3"/>
-          <a:stretch>
-            <a:fillRect/>
-          </a:stretch>
-        </p:blipFill>
-        <p:spPr>
-          <a:xfrm>
-            <a:off x="6938109" y="1853248"/>
-            <a:ext cx="4763126" cy="3637296"/>
-          </a:xfrm>
-          <a:prstGeom prst="rect">
-            <a:avLst/>
-          </a:prstGeom>
-        </p:spPr>
-      </p:pic>
-      <p:sp>
-        <p:nvSpPr>
-          <p:cNvPr id="6" name="TextBox 5"/>
-          <p:cNvSpPr txBox="1"/>
-          <p:nvPr/>
-        </p:nvSpPr>
-        <p:spPr>
-          <a:xfrm>
-            <a:off x="7617547" y="1063541"/>
-            <a:ext cx="5698920" cy="646331"/>
-          </a:xfrm>
-          <a:prstGeom prst="rect">
-            <a:avLst/>
-          </a:prstGeom>
-          <a:noFill/>
-        </p:spPr>
-        <p:txBody>
-          <a:bodyPr wrap="square" rtlCol="0">
-            <a:spAutoFit/>
-          </a:bodyPr>
-          <a:lstStyle/>
-          <a:p>
-            <a:r>
-              <a:rPr lang="en-US" dirty="0" smtClean="0"/>
-              <a:t>5 Year Relative Survival: </a:t>
-            </a:r>
-          </a:p>
-          <a:p>
-            <a:r>
-              <a:rPr lang="en-US" dirty="0" smtClean="0"/>
-              <a:t>Prostate cancer by stage</a:t>
-            </a:r>
-            <a:endParaRPr lang="en-AU" dirty="0"/>
-          </a:p>
-        </p:txBody>
-      </p:sp>
-      <p:sp>
-        <p:nvSpPr>
-          <p:cNvPr id="7" name="TextBox 6"/>
-          <p:cNvSpPr txBox="1"/>
-          <p:nvPr/>
-        </p:nvSpPr>
-        <p:spPr>
-          <a:xfrm>
-            <a:off x="10700988" y="5566923"/>
-            <a:ext cx="3976382" cy="253916"/>
-          </a:xfrm>
-          <a:prstGeom prst="rect">
-            <a:avLst/>
-          </a:prstGeom>
-          <a:noFill/>
-        </p:spPr>
-        <p:txBody>
-          <a:bodyPr wrap="square" rtlCol="0">
-            <a:spAutoFit/>
-          </a:bodyPr>
-          <a:lstStyle/>
-          <a:p>
-            <a:r>
-              <a:rPr lang="en-AU" sz="1050" dirty="0" smtClean="0"/>
-              <a:t>(SEER 2016)</a:t>
-            </a:r>
-            <a:endParaRPr lang="en-AU" sz="1050" dirty="0"/>
-          </a:p>
-        </p:txBody>
-      </p:sp>
-    </p:spTree>
-    <p:extLst>
-      <p:ext uri="{BB962C8B-B14F-4D97-AF65-F5344CB8AC3E}">
-        <p14:creationId xmlns:p14="http://schemas.microsoft.com/office/powerpoint/2010/main" val="299780832"/>
-      </p:ext>
-    </p:extLst>
-  </p:cSld>
-  <p:clrMapOvr>
-    <a:masterClrMapping/>
-  </p:clrMapOvr>
-  <p:timing>
-    <p:tnLst>
-      <p:par>
-        <p:cTn id="1" dur="indefinite" restart="never" nodeType="tmRoot"/>
-      </p:par>
-    </p:tnLst>
-  </p:timing>
-</p:sld>
-</file>
-
-<file path=ppt/slides/slide20.xml><?xml version="1.0" encoding="utf-8"?>
+<file path=ppt/slides/slide19.xml><?xml version="1.0" encoding="utf-8"?>
 <p:sld xmlns:a="http://schemas.openxmlformats.org/drawingml/2006/main" xmlns:r="http://schemas.openxmlformats.org/officeDocument/2006/relationships" xmlns:p="http://schemas.openxmlformats.org/presentationml/2006/main">
   <p:cSld>
     <p:spTree>
@@ -15350,7 +14516,262 @@
 </p:sld>
 </file>
 
-<file path=ppt/slides/slide21.xml><?xml version="1.0" encoding="utf-8"?>
+<file path=ppt/slides/slide2.xml><?xml version="1.0" encoding="utf-8"?>
+<p:sld xmlns:a="http://schemas.openxmlformats.org/drawingml/2006/main" xmlns:r="http://schemas.openxmlformats.org/officeDocument/2006/relationships" xmlns:p="http://schemas.openxmlformats.org/presentationml/2006/main">
+  <p:cSld>
+    <p:spTree>
+      <p:nvGrpSpPr>
+        <p:cNvPr id="1" name=""/>
+        <p:cNvGrpSpPr/>
+        <p:nvPr/>
+      </p:nvGrpSpPr>
+      <p:grpSpPr>
+        <a:xfrm>
+          <a:off x="0" y="0"/>
+          <a:ext cx="0" cy="0"/>
+          <a:chOff x="0" y="0"/>
+          <a:chExt cx="0" cy="0"/>
+        </a:xfrm>
+      </p:grpSpPr>
+      <p:sp>
+        <p:nvSpPr>
+          <p:cNvPr id="2" name="Title 1"/>
+          <p:cNvSpPr>
+            <a:spLocks noGrp="1"/>
+          </p:cNvSpPr>
+          <p:nvPr>
+            <p:ph type="title"/>
+          </p:nvPr>
+        </p:nvSpPr>
+        <p:spPr/>
+        <p:txBody>
+          <a:bodyPr/>
+          <a:lstStyle/>
+          <a:p>
+            <a:pPr algn="l"/>
+            <a:r>
+              <a:rPr lang="en-AU" dirty="0" smtClean="0"/>
+              <a:t>Prostate Cancer</a:t>
+            </a:r>
+            <a:endParaRPr lang="en-AU" dirty="0"/>
+          </a:p>
+        </p:txBody>
+      </p:sp>
+      <p:sp>
+        <p:nvSpPr>
+          <p:cNvPr id="3" name="Content Placeholder 2"/>
+          <p:cNvSpPr>
+            <a:spLocks noGrp="1"/>
+          </p:cNvSpPr>
+          <p:nvPr>
+            <p:ph idx="1"/>
+          </p:nvPr>
+        </p:nvSpPr>
+        <p:spPr>
+          <a:xfrm>
+            <a:off x="646111" y="2006784"/>
+            <a:ext cx="6069014" cy="4058751"/>
+          </a:xfrm>
+        </p:spPr>
+        <p:txBody>
+          <a:bodyPr/>
+          <a:lstStyle/>
+          <a:p>
+            <a:r>
+              <a:rPr lang="en-AU" dirty="0" smtClean="0"/>
+              <a:t>2</a:t>
+            </a:r>
+            <a:r>
+              <a:rPr lang="en-AU" baseline="30000" dirty="0" smtClean="0"/>
+              <a:t>nd</a:t>
+            </a:r>
+            <a:r>
+              <a:rPr lang="en-AU" dirty="0" smtClean="0"/>
+              <a:t> highest </a:t>
+            </a:r>
+            <a:r>
+              <a:rPr lang="en-AU" dirty="0"/>
+              <a:t>diagnosed cancer in men </a:t>
+            </a:r>
+            <a:r>
+              <a:rPr lang="en-AU" dirty="0" smtClean="0"/>
+              <a:t>worldwide</a:t>
+            </a:r>
+          </a:p>
+          <a:p>
+            <a:pPr marL="3657600" lvl="8" indent="0">
+              <a:buNone/>
+            </a:pPr>
+            <a:r>
+              <a:rPr lang="en-US" dirty="0" smtClean="0"/>
+              <a:t>(SEER 2016)</a:t>
+            </a:r>
+            <a:endParaRPr lang="en-AU" dirty="0" smtClean="0"/>
+          </a:p>
+          <a:p>
+            <a:endParaRPr lang="en-AU" dirty="0"/>
+          </a:p>
+          <a:p>
+            <a:r>
+              <a:rPr lang="en-AU" dirty="0"/>
+              <a:t>Bone metastasis leads to poor outcome. </a:t>
+            </a:r>
+            <a:endParaRPr lang="en-AU" dirty="0" smtClean="0"/>
+          </a:p>
+          <a:p>
+            <a:pPr marL="3657600" lvl="8" indent="0">
+              <a:buNone/>
+            </a:pPr>
+            <a:r>
+              <a:rPr lang="en-US" dirty="0" smtClean="0"/>
+              <a:t>(Body </a:t>
+            </a:r>
+            <a:r>
+              <a:rPr lang="en-US" i="1" dirty="0" smtClean="0"/>
+              <a:t>et al </a:t>
+            </a:r>
+            <a:r>
+              <a:rPr lang="en-US" dirty="0" smtClean="0"/>
+              <a:t>2015)</a:t>
+            </a:r>
+            <a:endParaRPr lang="en-AU" dirty="0" smtClean="0"/>
+          </a:p>
+          <a:p>
+            <a:endParaRPr lang="en-AU" dirty="0"/>
+          </a:p>
+          <a:p>
+            <a:r>
+              <a:rPr lang="en-AU" dirty="0"/>
+              <a:t>Metastasis reduced 5 year survival to 29.3</a:t>
+            </a:r>
+            <a:r>
+              <a:rPr lang="en-AU" dirty="0" smtClean="0"/>
+              <a:t>% </a:t>
+            </a:r>
+          </a:p>
+          <a:p>
+            <a:pPr marL="3657600" lvl="8" indent="0">
+              <a:buNone/>
+            </a:pPr>
+            <a:r>
+              <a:rPr lang="en-AU" dirty="0" smtClean="0"/>
+              <a:t>(SEER 2016)</a:t>
+            </a:r>
+            <a:endParaRPr lang="en-AU" dirty="0"/>
+          </a:p>
+        </p:txBody>
+      </p:sp>
+      <p:pic>
+        <p:nvPicPr>
+          <p:cNvPr id="5" name="Picture 4"/>
+          <p:cNvPicPr>
+            <a:picLocks noChangeAspect="1"/>
+          </p:cNvPicPr>
+          <p:nvPr/>
+        </p:nvPicPr>
+        <p:blipFill>
+          <a:blip r:embed="rId3"/>
+          <a:stretch>
+            <a:fillRect/>
+          </a:stretch>
+        </p:blipFill>
+        <p:spPr>
+          <a:xfrm>
+            <a:off x="6938109" y="1853248"/>
+            <a:ext cx="4763126" cy="3637296"/>
+          </a:xfrm>
+          <a:prstGeom prst="rect">
+            <a:avLst/>
+          </a:prstGeom>
+        </p:spPr>
+      </p:pic>
+      <p:sp>
+        <p:nvSpPr>
+          <p:cNvPr id="6" name="TextBox 5"/>
+          <p:cNvSpPr txBox="1"/>
+          <p:nvPr/>
+        </p:nvSpPr>
+        <p:spPr>
+          <a:xfrm>
+            <a:off x="7617547" y="1063541"/>
+            <a:ext cx="5698920" cy="646331"/>
+          </a:xfrm>
+          <a:prstGeom prst="rect">
+            <a:avLst/>
+          </a:prstGeom>
+          <a:noFill/>
+        </p:spPr>
+        <p:txBody>
+          <a:bodyPr wrap="square" rtlCol="0">
+            <a:spAutoFit/>
+          </a:bodyPr>
+          <a:lstStyle/>
+          <a:p>
+            <a:r>
+              <a:rPr lang="en-US" dirty="0" smtClean="0"/>
+              <a:t>5 Year Relative Survival: </a:t>
+            </a:r>
+          </a:p>
+          <a:p>
+            <a:r>
+              <a:rPr lang="en-US" dirty="0" smtClean="0"/>
+              <a:t>Prostate cancer by stage</a:t>
+            </a:r>
+            <a:endParaRPr lang="en-AU" dirty="0"/>
+          </a:p>
+        </p:txBody>
+      </p:sp>
+      <p:sp>
+        <p:nvSpPr>
+          <p:cNvPr id="7" name="TextBox 6"/>
+          <p:cNvSpPr txBox="1"/>
+          <p:nvPr/>
+        </p:nvSpPr>
+        <p:spPr>
+          <a:xfrm>
+            <a:off x="10700988" y="5566923"/>
+            <a:ext cx="3976382" cy="253916"/>
+          </a:xfrm>
+          <a:prstGeom prst="rect">
+            <a:avLst/>
+          </a:prstGeom>
+          <a:noFill/>
+        </p:spPr>
+        <p:txBody>
+          <a:bodyPr wrap="square" rtlCol="0">
+            <a:spAutoFit/>
+          </a:bodyPr>
+          <a:lstStyle/>
+          <a:p>
+            <a:r>
+              <a:rPr lang="en-AU" sz="1050" dirty="0" smtClean="0"/>
+              <a:t>(SEER 2016)</a:t>
+            </a:r>
+            <a:endParaRPr lang="en-AU" sz="1050" dirty="0"/>
+          </a:p>
+        </p:txBody>
+      </p:sp>
+    </p:spTree>
+    <p:extLst>
+      <p:ext uri="{BB962C8B-B14F-4D97-AF65-F5344CB8AC3E}">
+        <p14:creationId xmlns:p14="http://schemas.microsoft.com/office/powerpoint/2010/main" val="299780832"/>
+      </p:ext>
+    </p:extLst>
+  </p:cSld>
+  <p:clrMapOvr>
+    <a:masterClrMapping/>
+  </p:clrMapOvr>
+  <p:timing>
+    <p:tnLst>
+      <p:par>
+        <p:cTn id="1" dur="indefinite" restart="never" nodeType="tmRoot"/>
+      </p:par>
+    </p:tnLst>
+  </p:timing>
+</p:sld>
+</file>
+
+<file path=ppt/slides/slide20.xml><?xml version="1.0" encoding="utf-8"?>
 <p:sld xmlns:a="http://schemas.openxmlformats.org/drawingml/2006/main" xmlns:r="http://schemas.openxmlformats.org/officeDocument/2006/relationships" xmlns:p="http://schemas.openxmlformats.org/presentationml/2006/main">
   <p:cSld>
     <p:spTree>
@@ -15626,7 +15047,7 @@
 </p:sld>
 </file>
 
-<file path=ppt/slides/slide22.xml><?xml version="1.0" encoding="utf-8"?>
+<file path=ppt/slides/slide21.xml><?xml version="1.0" encoding="utf-8"?>
 <p:sld xmlns:a="http://schemas.openxmlformats.org/drawingml/2006/main" xmlns:r="http://schemas.openxmlformats.org/officeDocument/2006/relationships" xmlns:p="http://schemas.openxmlformats.org/presentationml/2006/main">
   <p:cSld>
     <p:spTree>
@@ -15886,7 +15307,7 @@
 </p:sld>
 </file>
 
-<file path=ppt/slides/slide23.xml><?xml version="1.0" encoding="utf-8"?>
+<file path=ppt/slides/slide22.xml><?xml version="1.0" encoding="utf-8"?>
 <p:sld xmlns:a="http://schemas.openxmlformats.org/drawingml/2006/main" xmlns:r="http://schemas.openxmlformats.org/officeDocument/2006/relationships" xmlns:p="http://schemas.openxmlformats.org/presentationml/2006/main">
   <p:cSld>
     <p:spTree>
@@ -16120,7 +15541,7 @@
 </p:sld>
 </file>
 
-<file path=ppt/slides/slide24.xml><?xml version="1.0" encoding="utf-8"?>
+<file path=ppt/slides/slide23.xml><?xml version="1.0" encoding="utf-8"?>
 <p:sld xmlns:a="http://schemas.openxmlformats.org/drawingml/2006/main" xmlns:r="http://schemas.openxmlformats.org/officeDocument/2006/relationships" xmlns:p="http://schemas.openxmlformats.org/presentationml/2006/main">
   <p:cSld>
     <p:spTree>
@@ -17357,7 +16778,7 @@
 </p:sld>
 </file>
 
-<file path=ppt/slides/slide25.xml><?xml version="1.0" encoding="utf-8"?>
+<file path=ppt/slides/slide24.xml><?xml version="1.0" encoding="utf-8"?>
 <p:sld xmlns:a="http://schemas.openxmlformats.org/drawingml/2006/main" xmlns:r="http://schemas.openxmlformats.org/officeDocument/2006/relationships" xmlns:p="http://schemas.openxmlformats.org/presentationml/2006/main">
   <p:cSld>
     <p:spTree>
@@ -18720,33 +18141,154 @@
           <a:lstStyle/>
           <a:p>
             <a:r>
-              <a:rPr lang="en-US" sz="4000" dirty="0" smtClean="0"/>
-              <a:t>MicroRNAs: biogenesis and function</a:t>
-            </a:r>
-            <a:endParaRPr lang="en-AU" sz="4000" dirty="0"/>
+              <a:rPr lang="en-AU" dirty="0" smtClean="0"/>
+              <a:t>MicroRNAs in EVs</a:t>
+            </a:r>
+            <a:endParaRPr lang="en-AU" dirty="0"/>
+          </a:p>
+        </p:txBody>
+      </p:sp>
+      <p:sp>
+        <p:nvSpPr>
+          <p:cNvPr id="3" name="Content Placeholder 2"/>
+          <p:cNvSpPr>
+            <a:spLocks noGrp="1"/>
+          </p:cNvSpPr>
+          <p:nvPr>
+            <p:ph idx="1"/>
+          </p:nvPr>
+        </p:nvSpPr>
+        <p:spPr>
+          <a:xfrm>
+            <a:off x="696593" y="1844881"/>
+            <a:ext cx="6038850" cy="4195481"/>
+          </a:xfrm>
+        </p:spPr>
+        <p:txBody>
+          <a:bodyPr>
+            <a:normAutofit fontScale="92500" lnSpcReduction="20000"/>
+          </a:bodyPr>
+          <a:lstStyle/>
+          <a:p>
+            <a:r>
+              <a:rPr lang="en-AU" dirty="0" smtClean="0"/>
+              <a:t>EVs have been proposed as vehicles for microRNAs. 						</a:t>
+            </a:r>
+            <a:r>
+              <a:rPr lang="en-AU" sz="1400" dirty="0" smtClean="0"/>
+              <a:t>(Cheng 2014)</a:t>
+            </a:r>
+          </a:p>
+          <a:p>
+            <a:endParaRPr lang="en-US" dirty="0" smtClean="0"/>
+          </a:p>
+          <a:p>
+            <a:r>
+              <a:rPr lang="en-US" dirty="0" smtClean="0"/>
+              <a:t>Alike protein, EV contained </a:t>
+            </a:r>
+            <a:r>
+              <a:rPr lang="en-US" dirty="0" err="1" smtClean="0"/>
+              <a:t>miRs</a:t>
+            </a:r>
+            <a:r>
+              <a:rPr lang="en-US" dirty="0" smtClean="0"/>
+              <a:t> facilitate modifications to the </a:t>
+            </a:r>
+            <a:r>
+              <a:rPr lang="en-AU" dirty="0" smtClean="0"/>
+              <a:t>tumour</a:t>
+            </a:r>
+            <a:r>
+              <a:rPr lang="en-US" dirty="0" smtClean="0"/>
+              <a:t> microenvironment and pre-metastatic niche formation.</a:t>
+            </a:r>
+          </a:p>
+          <a:p>
+            <a:pPr marL="3657600" lvl="8" indent="0">
+              <a:buNone/>
+            </a:pPr>
+            <a:r>
+              <a:rPr lang="en-US" dirty="0" smtClean="0"/>
+              <a:t>(</a:t>
+            </a:r>
+            <a:r>
+              <a:rPr lang="en-US" dirty="0" err="1" smtClean="0"/>
+              <a:t>Neviani</a:t>
+            </a:r>
+            <a:r>
+              <a:rPr lang="en-US" dirty="0" smtClean="0"/>
+              <a:t> </a:t>
+            </a:r>
+            <a:r>
+              <a:rPr lang="en-US" i="1" dirty="0" smtClean="0"/>
+              <a:t>et al </a:t>
+            </a:r>
+            <a:r>
+              <a:rPr lang="en-US" dirty="0" smtClean="0"/>
+              <a:t>2015)</a:t>
+            </a:r>
+          </a:p>
+          <a:p>
+            <a:endParaRPr lang="en-AU" dirty="0" smtClean="0"/>
+          </a:p>
+          <a:p>
+            <a:r>
+              <a:rPr lang="en-AU" dirty="0" smtClean="0"/>
+              <a:t>Cavin-1 reduced export of miR-148a with little change to cellular expression </a:t>
+            </a:r>
+          </a:p>
+          <a:p>
+            <a:endParaRPr lang="en-AU" dirty="0" smtClean="0"/>
+          </a:p>
+          <a:p>
+            <a:r>
+              <a:rPr lang="en-AU" dirty="0" smtClean="0"/>
+              <a:t>Indicates some form of export mechanism</a:t>
+            </a:r>
+          </a:p>
+          <a:p>
+            <a:pPr marL="0" indent="0">
+              <a:buNone/>
+            </a:pPr>
+            <a:r>
+              <a:rPr lang="en-AU" dirty="0"/>
+              <a:t>	</a:t>
+            </a:r>
+            <a:r>
+              <a:rPr lang="en-AU" dirty="0" smtClean="0"/>
+              <a:t>	rather than sampling. </a:t>
+            </a:r>
+          </a:p>
+          <a:p>
+            <a:endParaRPr lang="en-AU" dirty="0"/>
           </a:p>
         </p:txBody>
       </p:sp>
       <p:pic>
         <p:nvPicPr>
-          <p:cNvPr id="4" name="Content Placeholder 3"/>
+          <p:cNvPr id="4" name="Picture 3"/>
           <p:cNvPicPr>
-            <a:picLocks noGrp="1" noChangeAspect="1"/>
+            <a:picLocks noChangeAspect="1"/>
           </p:cNvPicPr>
-          <p:nvPr>
-            <p:ph idx="1"/>
-          </p:nvPr>
+          <p:nvPr/>
         </p:nvPicPr>
         <p:blipFill>
-          <a:blip r:embed="rId3"/>
+          <a:blip r:embed="rId3">
+            <a:extLst>
+              <a:ext uri="{28A0092B-C50C-407E-A947-70E740481C1C}">
+                <a14:useLocalDpi xmlns:a14="http://schemas.microsoft.com/office/drawing/2010/main" val="0"/>
+              </a:ext>
+            </a:extLst>
+          </a:blip>
           <a:stretch>
             <a:fillRect/>
           </a:stretch>
         </p:blipFill>
         <p:spPr>
           <a:xfrm>
-            <a:off x="1977372" y="1339943"/>
-            <a:ext cx="7554934" cy="5112172"/>
+            <a:off x="6785925" y="1677402"/>
+            <a:ext cx="4579972" cy="4055183"/>
           </a:xfrm>
           <a:prstGeom prst="rect">
             <a:avLst/>
@@ -18761,8 +18303,8 @@
         </p:nvSpPr>
         <p:spPr>
           <a:xfrm>
-            <a:off x="9532306" y="6082783"/>
-            <a:ext cx="1662635" cy="369332"/>
+            <a:off x="9794631" y="5732585"/>
+            <a:ext cx="1207382" cy="307777"/>
           </a:xfrm>
           <a:prstGeom prst="rect">
             <a:avLst/>
@@ -18776,17 +18318,25 @@
           <a:lstStyle/>
           <a:p>
             <a:r>
-              <a:rPr lang="en-AU" dirty="0" smtClean="0"/>
-              <a:t>Kai et al 2010</a:t>
-            </a:r>
-            <a:endParaRPr lang="en-AU" dirty="0"/>
+              <a:rPr lang="en-US" sz="1400" dirty="0" smtClean="0"/>
+              <a:t>(</a:t>
+            </a:r>
+            <a:r>
+              <a:rPr lang="en-US" sz="1400" dirty="0" err="1" smtClean="0"/>
+              <a:t>Inder</a:t>
+            </a:r>
+            <a:r>
+              <a:rPr lang="en-US" sz="1400" dirty="0" smtClean="0"/>
+              <a:t> 2014)</a:t>
+            </a:r>
+            <a:endParaRPr lang="en-AU" sz="1400" dirty="0"/>
           </a:p>
         </p:txBody>
       </p:sp>
     </p:spTree>
     <p:extLst>
       <p:ext uri="{BB962C8B-B14F-4D97-AF65-F5344CB8AC3E}">
-        <p14:creationId xmlns:p14="http://schemas.microsoft.com/office/powerpoint/2010/main" val="3091755065"/>
+        <p14:creationId xmlns:p14="http://schemas.microsoft.com/office/powerpoint/2010/main" val="1443629229"/>
       </p:ext>
     </p:extLst>
   </p:cSld>
@@ -18835,155 +18385,29 @@
           <a:bodyPr/>
           <a:lstStyle/>
           <a:p>
-            <a:r>
-              <a:rPr lang="en-AU" dirty="0" smtClean="0"/>
-              <a:t>MicroRNAs in EVs</a:t>
-            </a:r>
-            <a:endParaRPr lang="en-AU" dirty="0"/>
-          </a:p>
-        </p:txBody>
-      </p:sp>
-      <p:sp>
-        <p:nvSpPr>
-          <p:cNvPr id="3" name="Content Placeholder 2"/>
-          <p:cNvSpPr>
-            <a:spLocks noGrp="1"/>
-          </p:cNvSpPr>
-          <p:nvPr>
-            <p:ph idx="1"/>
-          </p:nvPr>
-        </p:nvSpPr>
-        <p:spPr>
-          <a:xfrm>
-            <a:off x="696593" y="1844881"/>
-            <a:ext cx="6038850" cy="4195481"/>
-          </a:xfrm>
-        </p:spPr>
-        <p:txBody>
-          <a:bodyPr>
-            <a:normAutofit fontScale="92500" lnSpcReduction="20000"/>
-          </a:bodyPr>
-          <a:lstStyle/>
-          <a:p>
-            <a:r>
-              <a:rPr lang="en-AU" dirty="0" smtClean="0"/>
-              <a:t>EVs have been proposed as vehicles for microRNAs. 						</a:t>
-            </a:r>
-            <a:r>
-              <a:rPr lang="en-AU" sz="1400" dirty="0" smtClean="0"/>
-              <a:t>(Cheng 2014)</a:t>
-            </a:r>
-          </a:p>
-          <a:p>
-            <a:endParaRPr lang="en-US" dirty="0" smtClean="0"/>
-          </a:p>
-          <a:p>
-            <a:r>
-              <a:rPr lang="en-US" dirty="0" smtClean="0"/>
-              <a:t>Alike protein, EV contained </a:t>
-            </a:r>
-            <a:r>
-              <a:rPr lang="en-US" dirty="0" err="1" smtClean="0"/>
-              <a:t>miRs</a:t>
-            </a:r>
-            <a:r>
-              <a:rPr lang="en-US" dirty="0" smtClean="0"/>
-              <a:t> facilitate modifications to the </a:t>
-            </a:r>
-            <a:r>
-              <a:rPr lang="en-AU" dirty="0" smtClean="0"/>
-              <a:t>tumour</a:t>
-            </a:r>
-            <a:r>
-              <a:rPr lang="en-US" dirty="0" smtClean="0"/>
-              <a:t> microenvironment and pre-metastatic niche formation.</a:t>
-            </a:r>
-          </a:p>
-          <a:p>
-            <a:pPr marL="3657600" lvl="8" indent="0">
-              <a:buNone/>
-            </a:pPr>
-            <a:r>
-              <a:rPr lang="en-US" dirty="0" smtClean="0"/>
-              <a:t>(</a:t>
-            </a:r>
-            <a:r>
-              <a:rPr lang="en-US" dirty="0" err="1" smtClean="0"/>
-              <a:t>Neviani</a:t>
-            </a:r>
-            <a:r>
-              <a:rPr lang="en-US" dirty="0" smtClean="0"/>
-              <a:t> </a:t>
-            </a:r>
-            <a:r>
-              <a:rPr lang="en-US" i="1" dirty="0" smtClean="0"/>
-              <a:t>et al </a:t>
-            </a:r>
-            <a:r>
-              <a:rPr lang="en-US" dirty="0" smtClean="0"/>
-              <a:t>2015)</a:t>
-            </a:r>
-          </a:p>
-          <a:p>
-            <a:endParaRPr lang="en-AU" dirty="0" smtClean="0"/>
-          </a:p>
-          <a:p>
-            <a:r>
-              <a:rPr lang="en-AU" dirty="0" smtClean="0"/>
-              <a:t>Cavin-1 reduced export of miR-148a with little change to cellular expression </a:t>
-            </a:r>
-          </a:p>
-          <a:p>
-            <a:endParaRPr lang="en-AU" dirty="0" smtClean="0"/>
-          </a:p>
-          <a:p>
-            <a:r>
-              <a:rPr lang="en-AU" dirty="0" smtClean="0"/>
-              <a:t>Indicates some form of export mechanism</a:t>
-            </a:r>
-          </a:p>
-          <a:p>
-            <a:pPr marL="0" indent="0">
-              <a:buNone/>
-            </a:pPr>
-            <a:r>
-              <a:rPr lang="en-AU" dirty="0"/>
-              <a:t>	</a:t>
-            </a:r>
-            <a:r>
-              <a:rPr lang="en-AU" dirty="0" smtClean="0"/>
-              <a:t>	rather than sampling. </a:t>
-            </a:r>
-          </a:p>
-          <a:p>
             <a:endParaRPr lang="en-AU" dirty="0"/>
           </a:p>
         </p:txBody>
       </p:sp>
       <p:pic>
         <p:nvPicPr>
-          <p:cNvPr id="4" name="Picture 3"/>
+          <p:cNvPr id="4" name="Content Placeholder 3"/>
           <p:cNvPicPr>
-            <a:picLocks noChangeAspect="1"/>
+            <a:picLocks noGrp="1" noChangeAspect="1"/>
           </p:cNvPicPr>
-          <p:nvPr/>
+          <p:nvPr>
+            <p:ph idx="1"/>
+          </p:nvPr>
         </p:nvPicPr>
-        <p:blipFill>
-          <a:blip r:embed="rId3">
-            <a:extLst>
-              <a:ext uri="{28A0092B-C50C-407E-A947-70E740481C1C}">
-                <a14:useLocalDpi xmlns:a14="http://schemas.microsoft.com/office/drawing/2010/main" val="0"/>
-              </a:ext>
-            </a:extLst>
-          </a:blip>
-          <a:stretch>
-            <a:fillRect/>
-          </a:stretch>
+        <p:blipFill rotWithShape="1">
+          <a:blip r:embed="rId3"/>
+          <a:srcRect l="5134" t="8537"/>
+          <a:stretch/>
         </p:blipFill>
         <p:spPr>
           <a:xfrm>
-            <a:off x="6785925" y="1677402"/>
-            <a:ext cx="4579972" cy="4055183"/>
+            <a:off x="646111" y="1404198"/>
+            <a:ext cx="4806355" cy="4332841"/>
           </a:xfrm>
           <a:prstGeom prst="rect">
             <a:avLst/>
@@ -18998,8 +18422,8 @@
         </p:nvSpPr>
         <p:spPr>
           <a:xfrm>
-            <a:off x="9794631" y="5732585"/>
-            <a:ext cx="1207382" cy="307777"/>
+            <a:off x="5653586" y="1108133"/>
+            <a:ext cx="5390866" cy="4832092"/>
           </a:xfrm>
           <a:prstGeom prst="rect">
             <a:avLst/>
@@ -19007,31 +18431,150 @@
           <a:noFill/>
         </p:spPr>
         <p:txBody>
+          <a:bodyPr wrap="square" rtlCol="0">
+            <a:spAutoFit/>
+          </a:bodyPr>
+          <a:lstStyle/>
+          <a:p>
+            <a:r>
+              <a:rPr lang="en-US" sz="2400" dirty="0" smtClean="0"/>
+              <a:t>Hypothesis: </a:t>
+            </a:r>
+          </a:p>
+          <a:p>
+            <a:endParaRPr lang="en-US" sz="2000" dirty="0" smtClean="0"/>
+          </a:p>
+          <a:p>
+            <a:pPr algn="ctr"/>
+            <a:r>
+              <a:rPr lang="en-AU" sz="2000" dirty="0"/>
+              <a:t>Cavin-1 expression in PC3 cell limits the </a:t>
+            </a:r>
+            <a:r>
+              <a:rPr lang="en-AU" sz="2000" dirty="0" smtClean="0"/>
+              <a:t>extracellular </a:t>
+            </a:r>
+            <a:r>
+              <a:rPr lang="en-AU" sz="2000" dirty="0"/>
+              <a:t>vesicle export of a subset of microRNAs by modulating the export of their RNA-binding </a:t>
+            </a:r>
+            <a:r>
+              <a:rPr lang="en-AU" sz="2000" dirty="0" smtClean="0"/>
+              <a:t>proteins</a:t>
+            </a:r>
+          </a:p>
+          <a:p>
+            <a:pPr algn="ctr"/>
+            <a:endParaRPr lang="en-US" sz="2000" dirty="0" smtClean="0"/>
+          </a:p>
+          <a:p>
+            <a:r>
+              <a:rPr lang="en-US" sz="2400" dirty="0" smtClean="0"/>
+              <a:t>Aims: </a:t>
+            </a:r>
+          </a:p>
+          <a:p>
+            <a:endParaRPr lang="en-US" sz="2000" dirty="0" smtClean="0"/>
+          </a:p>
+          <a:p>
+            <a:pPr marL="342900" indent="-342900">
+              <a:buAutoNum type="arabicPeriod"/>
+            </a:pPr>
+            <a:r>
+              <a:rPr lang="en-US" sz="2000" dirty="0" smtClean="0"/>
+              <a:t>Identify </a:t>
+            </a:r>
+            <a:r>
+              <a:rPr lang="en-US" sz="2000" dirty="0" err="1" smtClean="0"/>
+              <a:t>miRs</a:t>
+            </a:r>
+            <a:r>
+              <a:rPr lang="en-US" sz="2000" dirty="0" smtClean="0"/>
+              <a:t> exported in this system</a:t>
+            </a:r>
+          </a:p>
+          <a:p>
+            <a:pPr marL="342900" indent="-342900">
+              <a:buAutoNum type="arabicPeriod"/>
+            </a:pPr>
+            <a:endParaRPr lang="en-US" sz="2000" dirty="0" smtClean="0"/>
+          </a:p>
+          <a:p>
+            <a:pPr marL="342900" indent="-342900">
+              <a:buAutoNum type="arabicPeriod"/>
+            </a:pPr>
+            <a:r>
+              <a:rPr lang="en-US" sz="2000" dirty="0" smtClean="0"/>
+              <a:t>Identify candidate export protein</a:t>
+            </a:r>
+          </a:p>
+          <a:p>
+            <a:pPr marL="342900" indent="-342900">
+              <a:buAutoNum type="arabicPeriod"/>
+            </a:pPr>
+            <a:endParaRPr lang="en-US" sz="2000" dirty="0" smtClean="0"/>
+          </a:p>
+          <a:p>
+            <a:pPr marL="342900" indent="-342900">
+              <a:buAutoNum type="arabicPeriod"/>
+            </a:pPr>
+            <a:r>
+              <a:rPr lang="en-US" sz="2000" dirty="0" smtClean="0"/>
+              <a:t>Investigate the interaction between export protein and </a:t>
+            </a:r>
+            <a:r>
+              <a:rPr lang="en-US" sz="2000" dirty="0" err="1" smtClean="0"/>
+              <a:t>miR</a:t>
+            </a:r>
+            <a:endParaRPr lang="en-AU" sz="2000" dirty="0"/>
+          </a:p>
+        </p:txBody>
+      </p:sp>
+      <p:sp>
+        <p:nvSpPr>
+          <p:cNvPr id="3" name="TextBox 2"/>
+          <p:cNvSpPr txBox="1"/>
+          <p:nvPr/>
+        </p:nvSpPr>
+        <p:spPr>
+          <a:xfrm>
+            <a:off x="3772557" y="5180113"/>
+            <a:ext cx="1301959" cy="369332"/>
+          </a:xfrm>
+          <a:prstGeom prst="rect">
+            <a:avLst/>
+          </a:prstGeom>
+          <a:noFill/>
+        </p:spPr>
+        <p:txBody>
           <a:bodyPr wrap="none" rtlCol="0">
             <a:spAutoFit/>
           </a:bodyPr>
           <a:lstStyle/>
           <a:p>
             <a:r>
-              <a:rPr lang="en-US" sz="1400" dirty="0" smtClean="0"/>
-              <a:t>(</a:t>
-            </a:r>
-            <a:r>
-              <a:rPr lang="en-US" sz="1400" dirty="0" err="1" smtClean="0"/>
-              <a:t>Inder</a:t>
-            </a:r>
-            <a:r>
-              <a:rPr lang="en-US" sz="1400" dirty="0" smtClean="0"/>
-              <a:t> 2014)</a:t>
-            </a:r>
-            <a:endParaRPr lang="en-AU" sz="1400" dirty="0"/>
+              <a:rPr lang="en-AU" dirty="0" err="1" smtClean="0">
+                <a:solidFill>
+                  <a:schemeClr val="bg1"/>
+                </a:solidFill>
+              </a:rPr>
+              <a:t>Caveolin</a:t>
+            </a:r>
+            <a:r>
+              <a:rPr lang="en-AU" sz="1400" dirty="0">
+                <a:solidFill>
+                  <a:schemeClr val="bg1"/>
+                </a:solidFill>
+              </a:rPr>
+              <a:t>+</a:t>
+            </a:r>
           </a:p>
         </p:txBody>
       </p:sp>
     </p:spTree>
     <p:extLst>
       <p:ext uri="{BB962C8B-B14F-4D97-AF65-F5344CB8AC3E}">
-        <p14:creationId xmlns:p14="http://schemas.microsoft.com/office/powerpoint/2010/main" val="1443629229"/>
+        <p14:creationId xmlns:p14="http://schemas.microsoft.com/office/powerpoint/2010/main" val="3062626360"/>
       </p:ext>
     </p:extLst>
   </p:cSld>
@@ -19075,34 +18618,128 @@
             <p:ph type="title"/>
           </p:nvPr>
         </p:nvSpPr>
-        <p:spPr/>
+        <p:spPr>
+          <a:xfrm>
+            <a:off x="247434" y="637218"/>
+            <a:ext cx="10695967" cy="1400530"/>
+          </a:xfrm>
+        </p:spPr>
         <p:txBody>
           <a:bodyPr/>
           <a:lstStyle/>
           <a:p>
+            <a:r>
+              <a:rPr lang="en-US" sz="3600" dirty="0" smtClean="0"/>
+              <a:t>Aim 1. Identify miRNAs exported in this system</a:t>
+            </a:r>
+            <a:endParaRPr lang="en-AU" sz="3600" dirty="0"/>
+          </a:p>
+        </p:txBody>
+      </p:sp>
+      <p:sp>
+        <p:nvSpPr>
+          <p:cNvPr id="3" name="Content Placeholder 2"/>
+          <p:cNvSpPr>
+            <a:spLocks noGrp="1"/>
+          </p:cNvSpPr>
+          <p:nvPr>
+            <p:ph idx="1"/>
+          </p:nvPr>
+        </p:nvSpPr>
+        <p:spPr>
+          <a:xfrm>
+            <a:off x="860590" y="1881207"/>
+            <a:ext cx="4306889" cy="4195481"/>
+          </a:xfrm>
+        </p:spPr>
+        <p:txBody>
+          <a:bodyPr>
+            <a:normAutofit/>
+          </a:bodyPr>
+          <a:lstStyle/>
+          <a:p>
+            <a:r>
+              <a:rPr lang="en-US" dirty="0" err="1" smtClean="0"/>
+              <a:t>miRNAome</a:t>
+            </a:r>
+            <a:r>
+              <a:rPr lang="en-US" dirty="0" smtClean="0"/>
+              <a:t> of EVs</a:t>
+            </a:r>
+          </a:p>
+          <a:p>
+            <a:r>
+              <a:rPr lang="en-US" dirty="0" err="1" smtClean="0"/>
+              <a:t>miRNAome</a:t>
+            </a:r>
+            <a:r>
+              <a:rPr lang="en-US" dirty="0" smtClean="0"/>
+              <a:t> of cells</a:t>
+            </a:r>
+          </a:p>
+          <a:p>
+            <a:endParaRPr lang="en-US" dirty="0" smtClean="0"/>
+          </a:p>
+          <a:p>
+            <a:r>
+              <a:rPr lang="en-US" dirty="0" smtClean="0"/>
+              <a:t>3 replicates prepared by Jayde Ruelcke</a:t>
+            </a:r>
+          </a:p>
+          <a:p>
+            <a:r>
+              <a:rPr lang="en-US" dirty="0"/>
+              <a:t>RNA-</a:t>
+            </a:r>
+            <a:r>
+              <a:rPr lang="en-US" dirty="0" err="1"/>
+              <a:t>seq</a:t>
+            </a:r>
+            <a:r>
+              <a:rPr lang="en-US" dirty="0"/>
+              <a:t> </a:t>
+            </a:r>
+            <a:r>
+              <a:rPr lang="en-US" dirty="0" smtClean="0"/>
+              <a:t>by Nicole Cloonan</a:t>
+            </a:r>
+            <a:endParaRPr lang="en-US" dirty="0"/>
+          </a:p>
+          <a:p>
             <a:endParaRPr lang="en-AU" dirty="0"/>
+          </a:p>
+          <a:p>
+            <a:r>
+              <a:rPr lang="en-US" dirty="0" smtClean="0"/>
+              <a:t>DESeq2 analysis for R.</a:t>
+            </a:r>
+          </a:p>
+          <a:p>
+            <a:pPr marL="0" indent="0">
+              <a:buNone/>
+            </a:pPr>
+            <a:endParaRPr lang="en-US" dirty="0" smtClean="0"/>
           </a:p>
         </p:txBody>
       </p:sp>
       <p:pic>
         <p:nvPicPr>
-          <p:cNvPr id="4" name="Content Placeholder 3"/>
+          <p:cNvPr id="4" name="Picture 3"/>
           <p:cNvPicPr>
-            <a:picLocks noGrp="1" noChangeAspect="1"/>
+            <a:picLocks noChangeAspect="1"/>
           </p:cNvPicPr>
-          <p:nvPr>
-            <p:ph idx="1"/>
-          </p:nvPr>
+          <p:nvPr/>
         </p:nvPicPr>
-        <p:blipFill rotWithShape="1">
+        <p:blipFill>
           <a:blip r:embed="rId3"/>
-          <a:srcRect l="5134" t="8537"/>
-          <a:stretch/>
+          <a:stretch>
+            <a:fillRect/>
+          </a:stretch>
         </p:blipFill>
         <p:spPr>
           <a:xfrm>
-            <a:off x="646111" y="1404198"/>
-            <a:ext cx="4806355" cy="4332841"/>
+            <a:off x="5780635" y="1703640"/>
+            <a:ext cx="5579026" cy="3486150"/>
           </a:xfrm>
           <a:prstGeom prst="rect">
             <a:avLst/>
@@ -19117,8 +18754,8 @@
         </p:nvSpPr>
         <p:spPr>
           <a:xfrm>
-            <a:off x="5653586" y="1108133"/>
-            <a:ext cx="5390866" cy="4832092"/>
+            <a:off x="7200900" y="2332264"/>
+            <a:ext cx="2757486" cy="307777"/>
           </a:xfrm>
           <a:prstGeom prst="rect">
             <a:avLst/>
@@ -19126,115 +18763,37 @@
           <a:noFill/>
         </p:spPr>
         <p:txBody>
-          <a:bodyPr wrap="square" rtlCol="0">
+          <a:bodyPr wrap="none" rtlCol="0">
             <a:spAutoFit/>
           </a:bodyPr>
           <a:lstStyle/>
           <a:p>
             <a:r>
-              <a:rPr lang="en-US" sz="2400" dirty="0" smtClean="0"/>
-              <a:t>Hypothesis: </a:t>
-            </a:r>
-          </a:p>
-          <a:p>
-            <a:endParaRPr lang="en-US" sz="2000" dirty="0" smtClean="0"/>
-          </a:p>
-          <a:p>
-            <a:pPr algn="ctr"/>
-            <a:r>
-              <a:rPr lang="en-AU" sz="2000" dirty="0"/>
-              <a:t>Cavin-1 expression in PC3 cell limits the </a:t>
-            </a:r>
-            <a:r>
-              <a:rPr lang="en-AU" sz="2000" dirty="0" smtClean="0"/>
-              <a:t>extracellular </a:t>
-            </a:r>
-            <a:r>
-              <a:rPr lang="en-AU" sz="2000" dirty="0"/>
-              <a:t>vesicle export of a subset of microRNAs by modulating the export of their RNA-binding </a:t>
-            </a:r>
-            <a:r>
-              <a:rPr lang="en-AU" sz="2000" dirty="0" smtClean="0"/>
-              <a:t>proteins</a:t>
-            </a:r>
-          </a:p>
-          <a:p>
-            <a:pPr algn="ctr"/>
-            <a:endParaRPr lang="en-US" sz="2000" dirty="0" smtClean="0"/>
-          </a:p>
-          <a:p>
-            <a:r>
-              <a:rPr lang="en-US" sz="2400" dirty="0" smtClean="0"/>
-              <a:t>Aims: </a:t>
-            </a:r>
-          </a:p>
-          <a:p>
-            <a:endParaRPr lang="en-US" sz="2000" dirty="0" smtClean="0"/>
-          </a:p>
-          <a:p>
-            <a:pPr marL="342900" indent="-342900">
-              <a:buAutoNum type="arabicPeriod"/>
-            </a:pPr>
-            <a:r>
-              <a:rPr lang="en-US" sz="2000" dirty="0" smtClean="0"/>
-              <a:t>Identify </a:t>
-            </a:r>
-            <a:r>
-              <a:rPr lang="en-US" sz="2000" dirty="0" err="1" smtClean="0"/>
-              <a:t>miRs</a:t>
-            </a:r>
-            <a:r>
-              <a:rPr lang="en-US" sz="2000" dirty="0" smtClean="0"/>
-              <a:t> exported in this system</a:t>
-            </a:r>
-          </a:p>
-          <a:p>
-            <a:pPr marL="342900" indent="-342900">
-              <a:buAutoNum type="arabicPeriod"/>
-            </a:pPr>
-            <a:endParaRPr lang="en-US" sz="2000" dirty="0" smtClean="0"/>
-          </a:p>
-          <a:p>
-            <a:pPr marL="342900" indent="-342900">
-              <a:buAutoNum type="arabicPeriod"/>
-            </a:pPr>
-            <a:r>
-              <a:rPr lang="en-US" sz="2000" dirty="0" smtClean="0"/>
-              <a:t>Identify candidate export protein</a:t>
-            </a:r>
-          </a:p>
-          <a:p>
-            <a:pPr marL="342900" indent="-342900">
-              <a:buAutoNum type="arabicPeriod"/>
-            </a:pPr>
-            <a:endParaRPr lang="en-US" sz="2000" dirty="0" smtClean="0"/>
-          </a:p>
-          <a:p>
-            <a:pPr marL="342900" indent="-342900">
-              <a:buAutoNum type="arabicPeriod"/>
-            </a:pPr>
-            <a:r>
-              <a:rPr lang="en-US" sz="2000" dirty="0" smtClean="0"/>
-              <a:t>Investigate the interaction between export protein and </a:t>
-            </a:r>
-            <a:r>
-              <a:rPr lang="en-US" sz="2000" dirty="0" err="1" smtClean="0"/>
-              <a:t>miR</a:t>
-            </a:r>
-            <a:endParaRPr lang="en-AU" sz="2000" dirty="0"/>
-          </a:p>
-        </p:txBody>
-      </p:sp>
-      <p:sp>
-        <p:nvSpPr>
-          <p:cNvPr id="3" name="TextBox 2"/>
+              <a:rPr lang="en-US" sz="1400" dirty="0" smtClean="0">
+                <a:solidFill>
+                  <a:schemeClr val="bg1"/>
+                </a:solidFill>
+              </a:rPr>
+              <a:t>Analyses differences in export</a:t>
+            </a:r>
+            <a:endParaRPr lang="en-AU" sz="1400" dirty="0">
+              <a:solidFill>
+                <a:schemeClr val="bg1"/>
+              </a:solidFill>
+            </a:endParaRPr>
+          </a:p>
+        </p:txBody>
+      </p:sp>
+      <p:sp>
+        <p:nvSpPr>
+          <p:cNvPr id="6" name="TextBox 5"/>
           <p:cNvSpPr txBox="1"/>
           <p:nvPr/>
         </p:nvSpPr>
         <p:spPr>
           <a:xfrm>
-            <a:off x="3772557" y="5180113"/>
-            <a:ext cx="1301959" cy="369332"/>
+            <a:off x="7267575" y="4446814"/>
+            <a:ext cx="3095719" cy="307777"/>
           </a:xfrm>
           <a:prstGeom prst="rect">
             <a:avLst/>
@@ -19248,28 +18807,25 @@
           <a:lstStyle/>
           <a:p>
             <a:r>
-              <a:rPr lang="en-AU" dirty="0" err="1" smtClean="0">
+              <a:rPr lang="en-US" sz="1400" dirty="0" smtClean="0">
                 <a:solidFill>
                   <a:schemeClr val="bg1"/>
                 </a:solidFill>
               </a:rPr>
-              <a:t>Caveolin</a:t>
-            </a:r>
-            <a:r>
-              <a:rPr lang="en-AU" sz="1400" dirty="0">
-                <a:solidFill>
-                  <a:schemeClr val="bg1"/>
-                </a:solidFill>
-              </a:rPr>
-              <a:t>+</a:t>
-            </a:r>
+              <a:t>Analyses differences in expression</a:t>
+            </a:r>
+            <a:endParaRPr lang="en-AU" sz="1400" dirty="0">
+              <a:solidFill>
+                <a:schemeClr val="bg1"/>
+              </a:solidFill>
+            </a:endParaRPr>
           </a:p>
         </p:txBody>
       </p:sp>
     </p:spTree>
     <p:extLst>
       <p:ext uri="{BB962C8B-B14F-4D97-AF65-F5344CB8AC3E}">
-        <p14:creationId xmlns:p14="http://schemas.microsoft.com/office/powerpoint/2010/main" val="3062626360"/>
+        <p14:creationId xmlns:p14="http://schemas.microsoft.com/office/powerpoint/2010/main" val="3670688806"/>
       </p:ext>
     </p:extLst>
   </p:cSld>
@@ -19315,8 +18871,8 @@
         </p:nvSpPr>
         <p:spPr>
           <a:xfrm>
-            <a:off x="247434" y="637218"/>
-            <a:ext cx="10695967" cy="1400530"/>
+            <a:off x="645130" y="364794"/>
+            <a:ext cx="9404723" cy="1400530"/>
           </a:xfrm>
         </p:spPr>
         <p:txBody>
@@ -19324,117 +18880,38 @@
           <a:lstStyle/>
           <a:p>
             <a:r>
-              <a:rPr lang="en-US" sz="3600" dirty="0" smtClean="0"/>
-              <a:t>Aim 1. Identify miRNAs exported in this system</a:t>
-            </a:r>
-            <a:endParaRPr lang="en-AU" sz="3600" dirty="0"/>
-          </a:p>
-        </p:txBody>
-      </p:sp>
-      <p:sp>
-        <p:nvSpPr>
-          <p:cNvPr id="3" name="Content Placeholder 2"/>
-          <p:cNvSpPr>
-            <a:spLocks noGrp="1"/>
-          </p:cNvSpPr>
-          <p:nvPr>
-            <p:ph idx="1"/>
-          </p:nvPr>
-        </p:nvSpPr>
-        <p:spPr>
-          <a:xfrm>
-            <a:off x="860590" y="1881207"/>
-            <a:ext cx="4306889" cy="4195481"/>
-          </a:xfrm>
-        </p:spPr>
-        <p:txBody>
-          <a:bodyPr>
-            <a:normAutofit/>
-          </a:bodyPr>
-          <a:lstStyle/>
-          <a:p>
-            <a:r>
-              <a:rPr lang="en-US" dirty="0" err="1" smtClean="0"/>
-              <a:t>miRNAome</a:t>
-            </a:r>
-            <a:r>
-              <a:rPr lang="en-US" dirty="0" smtClean="0"/>
-              <a:t> of EVs</a:t>
-            </a:r>
-          </a:p>
-          <a:p>
-            <a:r>
-              <a:rPr lang="en-US" dirty="0" err="1" smtClean="0"/>
-              <a:t>miRNAome</a:t>
-            </a:r>
-            <a:r>
-              <a:rPr lang="en-US" dirty="0" smtClean="0"/>
-              <a:t> of cells</a:t>
-            </a:r>
-          </a:p>
-          <a:p>
-            <a:endParaRPr lang="en-US" dirty="0" smtClean="0"/>
-          </a:p>
-          <a:p>
-            <a:r>
-              <a:rPr lang="en-US" dirty="0" smtClean="0"/>
-              <a:t>3 replicates prepared by Jayde Ruelcke</a:t>
-            </a:r>
-          </a:p>
-          <a:p>
-            <a:r>
-              <a:rPr lang="en-US" dirty="0"/>
-              <a:t>RNA-</a:t>
-            </a:r>
-            <a:r>
-              <a:rPr lang="en-US" dirty="0" err="1"/>
-              <a:t>seq</a:t>
-            </a:r>
-            <a:r>
-              <a:rPr lang="en-US" dirty="0"/>
-              <a:t> </a:t>
-            </a:r>
-            <a:r>
-              <a:rPr lang="en-US" dirty="0" smtClean="0"/>
-              <a:t>by Nicole Cloonan</a:t>
-            </a:r>
-            <a:endParaRPr lang="en-US" dirty="0"/>
-          </a:p>
-          <a:p>
+              <a:rPr lang="en-AU" dirty="0" smtClean="0"/>
+              <a:t>MicroRNAs are selectively exported</a:t>
+            </a:r>
             <a:endParaRPr lang="en-AU" dirty="0"/>
-          </a:p>
-          <a:p>
-            <a:r>
-              <a:rPr lang="en-US" dirty="0" smtClean="0"/>
-              <a:t>DESeq2 analysis for R.</a:t>
-            </a:r>
-          </a:p>
-          <a:p>
-            <a:pPr marL="0" indent="0">
-              <a:buNone/>
-            </a:pPr>
-            <a:endParaRPr lang="en-US" dirty="0" smtClean="0"/>
           </a:p>
         </p:txBody>
       </p:sp>
       <p:pic>
         <p:nvPicPr>
-          <p:cNvPr id="4" name="Picture 3"/>
+          <p:cNvPr id="4" name="Content Placeholder 3"/>
           <p:cNvPicPr>
-            <a:picLocks noChangeAspect="1"/>
+            <a:picLocks noGrp="1"/>
           </p:cNvPicPr>
-          <p:nvPr/>
+          <p:nvPr>
+            <p:ph idx="1"/>
+          </p:nvPr>
         </p:nvPicPr>
-        <p:blipFill>
-          <a:blip r:embed="rId3"/>
-          <a:stretch>
-            <a:fillRect/>
-          </a:stretch>
+        <p:blipFill rotWithShape="1">
+          <a:blip r:embed="rId3">
+            <a:extLst>
+              <a:ext uri="{28A0092B-C50C-407E-A947-70E740481C1C}">
+                <a14:useLocalDpi xmlns:a14="http://schemas.microsoft.com/office/drawing/2010/main" val="0"/>
+              </a:ext>
+            </a:extLst>
+          </a:blip>
+          <a:srcRect r="47637"/>
+          <a:stretch/>
         </p:blipFill>
         <p:spPr>
           <a:xfrm>
-            <a:off x="5780635" y="1605389"/>
-            <a:ext cx="5579026" cy="3486150"/>
+            <a:off x="1246010" y="1765324"/>
+            <a:ext cx="4542332" cy="4106743"/>
           </a:xfrm>
           <a:prstGeom prst="rect">
             <a:avLst/>
@@ -19449,8 +18926,8 @@
         </p:nvSpPr>
         <p:spPr>
           <a:xfrm>
-            <a:off x="7200900" y="2332264"/>
-            <a:ext cx="2757486" cy="307777"/>
+            <a:off x="6108795" y="1682958"/>
+            <a:ext cx="4817659" cy="4555093"/>
           </a:xfrm>
           <a:prstGeom prst="rect">
             <a:avLst/>
@@ -19458,61 +18935,347 @@
           <a:noFill/>
         </p:spPr>
         <p:txBody>
-          <a:bodyPr wrap="none" rtlCol="0">
+          <a:bodyPr wrap="square" rtlCol="0">
             <a:spAutoFit/>
           </a:bodyPr>
           <a:lstStyle/>
           <a:p>
-            <a:r>
-              <a:rPr lang="en-US" sz="1400" dirty="0" smtClean="0">
+            <a:pPr marL="342900" lvl="0" indent="-342900" defTabSz="457200">
+              <a:spcBef>
+                <a:spcPts val="1000"/>
+              </a:spcBef>
+              <a:buClr>
+                <a:srgbClr val="DDDDDD"/>
+              </a:buClr>
+              <a:buSzPct val="80000"/>
+              <a:buFont typeface="Wingdings 3" charset="2"/>
+              <a:buChar char=""/>
+            </a:pPr>
+            <a:r>
+              <a:rPr lang="en-AU" sz="2000" dirty="0" smtClean="0">
                 <a:solidFill>
-                  <a:schemeClr val="bg1"/>
+                  <a:prstClr val="white"/>
                 </a:solidFill>
+                <a:ea typeface="+mj-ea"/>
+                <a:cs typeface="+mj-cs"/>
               </a:rPr>
-              <a:t>Analyses differences in export</a:t>
-            </a:r>
-            <a:endParaRPr lang="en-AU" sz="1400" dirty="0">
+              <a:t>95 </a:t>
+            </a:r>
+            <a:r>
+              <a:rPr lang="en-AU" sz="2000" dirty="0" err="1" smtClean="0">
+                <a:solidFill>
+                  <a:prstClr val="white"/>
+                </a:solidFill>
+                <a:ea typeface="+mj-ea"/>
+                <a:cs typeface="+mj-cs"/>
+              </a:rPr>
+              <a:t>miRs</a:t>
+            </a:r>
+            <a:r>
+              <a:rPr lang="en-AU" sz="2000" dirty="0" smtClean="0">
+                <a:solidFill>
+                  <a:prstClr val="white"/>
+                </a:solidFill>
+                <a:ea typeface="+mj-ea"/>
+                <a:cs typeface="+mj-cs"/>
+              </a:rPr>
+              <a:t> detected in EVs. </a:t>
+            </a:r>
+          </a:p>
+          <a:p>
+            <a:pPr marL="342900" lvl="0" indent="-342900" defTabSz="457200">
+              <a:spcBef>
+                <a:spcPts val="1000"/>
+              </a:spcBef>
+              <a:buClr>
+                <a:srgbClr val="DDDDDD"/>
+              </a:buClr>
+              <a:buSzPct val="80000"/>
+              <a:buFont typeface="Wingdings 3" charset="2"/>
+              <a:buChar char=""/>
+            </a:pPr>
+            <a:endParaRPr lang="en-AU" sz="2000" dirty="0" smtClean="0">
               <a:solidFill>
-                <a:schemeClr val="bg1"/>
+                <a:prstClr val="white"/>
               </a:solidFill>
+              <a:ea typeface="+mj-ea"/>
+              <a:cs typeface="+mj-cs"/>
             </a:endParaRPr>
           </a:p>
-        </p:txBody>
-      </p:sp>
-      <p:sp>
-        <p:nvSpPr>
-          <p:cNvPr id="6" name="TextBox 5"/>
-          <p:cNvSpPr txBox="1"/>
-          <p:nvPr/>
-        </p:nvSpPr>
-        <p:spPr>
-          <a:xfrm>
-            <a:off x="7267575" y="4446814"/>
-            <a:ext cx="3095719" cy="307777"/>
-          </a:xfrm>
-          <a:prstGeom prst="rect">
-            <a:avLst/>
-          </a:prstGeom>
-          <a:noFill/>
-        </p:spPr>
-        <p:txBody>
-          <a:bodyPr wrap="none" rtlCol="0">
-            <a:spAutoFit/>
-          </a:bodyPr>
-          <a:lstStyle/>
-          <a:p>
-            <a:r>
-              <a:rPr lang="en-US" sz="1400" dirty="0" smtClean="0">
+          <a:p>
+            <a:pPr marL="342900" lvl="0" indent="-342900" defTabSz="457200">
+              <a:spcBef>
+                <a:spcPts val="1000"/>
+              </a:spcBef>
+              <a:buClr>
+                <a:srgbClr val="DDDDDD"/>
+              </a:buClr>
+              <a:buSzPct val="80000"/>
+              <a:buFont typeface="Wingdings 3" charset="2"/>
+              <a:buChar char=""/>
+            </a:pPr>
+            <a:r>
+              <a:rPr lang="en-AU" sz="2000" dirty="0" smtClean="0">
                 <a:solidFill>
-                  <a:schemeClr val="bg1"/>
+                  <a:prstClr val="white"/>
                 </a:solidFill>
+                <a:ea typeface="+mj-ea"/>
+                <a:cs typeface="+mj-cs"/>
               </a:rPr>
-              <a:t>Analyses differences in expression</a:t>
-            </a:r>
-            <a:endParaRPr lang="en-AU" sz="1400" dirty="0">
+              <a:t>12 </a:t>
+            </a:r>
+            <a:r>
+              <a:rPr lang="en-AU" sz="2000" dirty="0" err="1">
+                <a:solidFill>
+                  <a:prstClr val="white"/>
+                </a:solidFill>
+                <a:ea typeface="+mj-ea"/>
+                <a:cs typeface="+mj-cs"/>
+              </a:rPr>
+              <a:t>miRs</a:t>
+            </a:r>
+            <a:r>
+              <a:rPr lang="en-AU" sz="2000" dirty="0">
+                <a:solidFill>
+                  <a:prstClr val="white"/>
+                </a:solidFill>
+                <a:ea typeface="+mj-ea"/>
+                <a:cs typeface="+mj-cs"/>
+              </a:rPr>
+              <a:t> significantly modified </a:t>
+            </a:r>
+            <a:r>
+              <a:rPr lang="en-AU" sz="2000" dirty="0" smtClean="0">
+                <a:solidFill>
+                  <a:prstClr val="white"/>
+                </a:solidFill>
+                <a:ea typeface="+mj-ea"/>
+                <a:cs typeface="+mj-cs"/>
+              </a:rPr>
+              <a:t>in EVs by </a:t>
+            </a:r>
+            <a:r>
+              <a:rPr lang="en-AU" sz="2000" dirty="0">
+                <a:solidFill>
+                  <a:prstClr val="white"/>
+                </a:solidFill>
+                <a:ea typeface="+mj-ea"/>
+                <a:cs typeface="+mj-cs"/>
+              </a:rPr>
+              <a:t>cavin-1 </a:t>
+            </a:r>
+            <a:r>
+              <a:rPr lang="en-AU" sz="2000" dirty="0" smtClean="0">
+                <a:solidFill>
+                  <a:prstClr val="white"/>
+                </a:solidFill>
+                <a:ea typeface="+mj-ea"/>
+                <a:cs typeface="+mj-cs"/>
+              </a:rPr>
+              <a:t>expression. </a:t>
+            </a:r>
+          </a:p>
+          <a:p>
+            <a:pPr marL="342900" lvl="0" indent="-342900" defTabSz="457200">
+              <a:spcBef>
+                <a:spcPts val="1000"/>
+              </a:spcBef>
+              <a:buClr>
+                <a:srgbClr val="DDDDDD"/>
+              </a:buClr>
+              <a:buSzPct val="80000"/>
+              <a:buFont typeface="Wingdings 3" charset="2"/>
+              <a:buChar char=""/>
+            </a:pPr>
+            <a:endParaRPr lang="en-AU" sz="2000" dirty="0">
               <a:solidFill>
-                <a:schemeClr val="bg1"/>
+                <a:prstClr val="white"/>
               </a:solidFill>
+              <a:ea typeface="+mj-ea"/>
+              <a:cs typeface="+mj-cs"/>
+            </a:endParaRPr>
+          </a:p>
+          <a:p>
+            <a:pPr marL="342900" lvl="0" indent="-342900" defTabSz="457200">
+              <a:spcBef>
+                <a:spcPts val="1000"/>
+              </a:spcBef>
+              <a:buClr>
+                <a:srgbClr val="DDDDDD"/>
+              </a:buClr>
+              <a:buSzPct val="80000"/>
+              <a:buFont typeface="Wingdings 3" charset="2"/>
+              <a:buChar char=""/>
+            </a:pPr>
+            <a:r>
+              <a:rPr lang="en-AU" sz="2000" dirty="0">
+                <a:solidFill>
+                  <a:prstClr val="white"/>
+                </a:solidFill>
+                <a:ea typeface="+mj-ea"/>
+                <a:cs typeface="+mj-cs"/>
+              </a:rPr>
+              <a:t>Presence in EVs due to sampling or selective </a:t>
+            </a:r>
+            <a:r>
+              <a:rPr lang="en-AU" sz="2000" dirty="0" smtClean="0">
+                <a:solidFill>
+                  <a:prstClr val="white"/>
+                </a:solidFill>
+                <a:ea typeface="+mj-ea"/>
+                <a:cs typeface="+mj-cs"/>
+              </a:rPr>
+              <a:t>export: predict by comparing to cell</a:t>
+            </a:r>
+          </a:p>
+          <a:p>
+            <a:pPr marL="342900" lvl="0" indent="-342900" defTabSz="457200">
+              <a:spcBef>
+                <a:spcPts val="1000"/>
+              </a:spcBef>
+              <a:buClr>
+                <a:srgbClr val="DDDDDD"/>
+              </a:buClr>
+              <a:buSzPct val="80000"/>
+              <a:buFont typeface="Wingdings 3" charset="2"/>
+              <a:buChar char=""/>
+            </a:pPr>
+            <a:endParaRPr lang="en-AU" sz="2000" dirty="0" smtClean="0">
+              <a:solidFill>
+                <a:prstClr val="white"/>
+              </a:solidFill>
+              <a:ea typeface="+mj-ea"/>
+              <a:cs typeface="+mj-cs"/>
+            </a:endParaRPr>
+          </a:p>
+          <a:p>
+            <a:pPr marL="342900" lvl="0" indent="-342900" defTabSz="457200">
+              <a:spcBef>
+                <a:spcPts val="1000"/>
+              </a:spcBef>
+              <a:buClr>
+                <a:srgbClr val="DDDDDD"/>
+              </a:buClr>
+              <a:buSzPct val="80000"/>
+              <a:buFont typeface="Wingdings 3" charset="2"/>
+              <a:buChar char=""/>
+            </a:pPr>
+            <a:r>
+              <a:rPr lang="en-US" sz="2000" b="1" dirty="0" smtClean="0">
+                <a:solidFill>
+                  <a:prstClr val="white"/>
+                </a:solidFill>
+                <a:ea typeface="+mj-ea"/>
+                <a:cs typeface="+mj-cs"/>
+              </a:rPr>
+              <a:t>5</a:t>
+            </a:r>
+            <a:r>
+              <a:rPr lang="en-US" sz="2000" dirty="0" smtClean="0">
+                <a:solidFill>
+                  <a:prstClr val="white"/>
+                </a:solidFill>
+                <a:ea typeface="+mj-ea"/>
+                <a:cs typeface="+mj-cs"/>
+              </a:rPr>
+              <a:t> </a:t>
+            </a:r>
+            <a:r>
+              <a:rPr lang="en-US" sz="2000" dirty="0" err="1" smtClean="0">
+                <a:solidFill>
+                  <a:prstClr val="white"/>
+                </a:solidFill>
+                <a:ea typeface="+mj-ea"/>
+                <a:cs typeface="+mj-cs"/>
+              </a:rPr>
+              <a:t>miRs</a:t>
+            </a:r>
+            <a:r>
+              <a:rPr lang="en-US" sz="2000" dirty="0" smtClean="0">
+                <a:solidFill>
+                  <a:prstClr val="white"/>
+                </a:solidFill>
+                <a:ea typeface="+mj-ea"/>
+                <a:cs typeface="+mj-cs"/>
+              </a:rPr>
+              <a:t> with reduced export by cavin-1, </a:t>
+            </a:r>
+            <a:r>
+              <a:rPr lang="en-US" sz="2000" b="1" dirty="0" smtClean="0">
+                <a:solidFill>
+                  <a:prstClr val="white"/>
+                </a:solidFill>
+                <a:ea typeface="+mj-ea"/>
+                <a:cs typeface="+mj-cs"/>
+              </a:rPr>
+              <a:t>6</a:t>
+            </a:r>
+            <a:r>
+              <a:rPr lang="en-US" sz="2000" dirty="0" smtClean="0">
+                <a:solidFill>
+                  <a:prstClr val="white"/>
+                </a:solidFill>
+                <a:ea typeface="+mj-ea"/>
+                <a:cs typeface="+mj-cs"/>
+              </a:rPr>
+              <a:t> </a:t>
+            </a:r>
+            <a:r>
+              <a:rPr lang="en-US" sz="2000" dirty="0" err="1" smtClean="0">
+                <a:solidFill>
+                  <a:prstClr val="white"/>
+                </a:solidFill>
+                <a:ea typeface="+mj-ea"/>
+                <a:cs typeface="+mj-cs"/>
+              </a:rPr>
+              <a:t>miRs</a:t>
+            </a:r>
+            <a:r>
+              <a:rPr lang="en-US" sz="2000" dirty="0" smtClean="0">
+                <a:solidFill>
+                  <a:prstClr val="white"/>
+                </a:solidFill>
+                <a:ea typeface="+mj-ea"/>
+                <a:cs typeface="+mj-cs"/>
+              </a:rPr>
+              <a:t> sampled and </a:t>
+            </a:r>
+            <a:r>
+              <a:rPr lang="en-US" sz="2000" b="1" dirty="0" smtClean="0">
+                <a:solidFill>
+                  <a:prstClr val="white"/>
+                </a:solidFill>
+                <a:ea typeface="+mj-ea"/>
+                <a:cs typeface="+mj-cs"/>
+              </a:rPr>
+              <a:t>1 </a:t>
+            </a:r>
+            <a:r>
+              <a:rPr lang="en-US" sz="2000" dirty="0" err="1" smtClean="0">
+                <a:solidFill>
+                  <a:prstClr val="white"/>
+                </a:solidFill>
+                <a:ea typeface="+mj-ea"/>
+                <a:cs typeface="+mj-cs"/>
+              </a:rPr>
+              <a:t>miR</a:t>
+            </a:r>
+            <a:r>
+              <a:rPr lang="en-US" sz="2000" dirty="0" smtClean="0">
+                <a:solidFill>
+                  <a:prstClr val="white"/>
+                </a:solidFill>
+                <a:ea typeface="+mj-ea"/>
+                <a:cs typeface="+mj-cs"/>
+              </a:rPr>
+              <a:t> induced export by cavin-1. </a:t>
+            </a:r>
+            <a:endParaRPr lang="en-AU" sz="2000" dirty="0">
+              <a:solidFill>
+                <a:prstClr val="white"/>
+              </a:solidFill>
+              <a:ea typeface="+mj-ea"/>
+              <a:cs typeface="+mj-cs"/>
             </a:endParaRPr>
           </a:p>
         </p:txBody>
@@ -19520,7 +19283,7 @@
     </p:spTree>
     <p:extLst>
       <p:ext uri="{BB962C8B-B14F-4D97-AF65-F5344CB8AC3E}">
-        <p14:creationId xmlns:p14="http://schemas.microsoft.com/office/powerpoint/2010/main" val="3670688806"/>
+        <p14:creationId xmlns:p14="http://schemas.microsoft.com/office/powerpoint/2010/main" val="1837289170"/>
       </p:ext>
     </p:extLst>
   </p:cSld>

--- a/CollCompBiol.pptx
+++ b/CollCompBiol.pptx
@@ -1447,6 +1447,757 @@
       <dsp:cNvGrpSpPr/>
     </dsp:nvGrpSpPr>
     <dsp:grpSpPr/>
+    <dsp:sp modelId="{B5AB1BF9-4ACD-4891-81A7-FE6469FA1B42}">
+      <dsp:nvSpPr>
+        <dsp:cNvPr id="0" name=""/>
+        <dsp:cNvSpPr/>
+      </dsp:nvSpPr>
+      <dsp:spPr>
+        <a:xfrm>
+          <a:off x="0" y="0"/>
+          <a:ext cx="4133226" cy="698616"/>
+        </a:xfrm>
+        <a:prstGeom prst="roundRect">
+          <a:avLst>
+            <a:gd name="adj" fmla="val 10000"/>
+          </a:avLst>
+        </a:prstGeom>
+        <a:solidFill>
+          <a:schemeClr val="accent1">
+            <a:hueOff val="0"/>
+            <a:satOff val="0"/>
+            <a:lumOff val="0"/>
+            <a:alphaOff val="0"/>
+          </a:schemeClr>
+        </a:solidFill>
+        <a:ln w="19050" cap="rnd" cmpd="sng" algn="ctr">
+          <a:solidFill>
+            <a:schemeClr val="lt1">
+              <a:hueOff val="0"/>
+              <a:satOff val="0"/>
+              <a:lumOff val="0"/>
+              <a:alphaOff val="0"/>
+            </a:schemeClr>
+          </a:solidFill>
+          <a:prstDash val="solid"/>
+        </a:ln>
+        <a:effectLst/>
+      </dsp:spPr>
+      <dsp:style>
+        <a:lnRef idx="2">
+          <a:scrgbClr r="0" g="0" b="0"/>
+        </a:lnRef>
+        <a:fillRef idx="1">
+          <a:scrgbClr r="0" g="0" b="0"/>
+        </a:fillRef>
+        <a:effectRef idx="0">
+          <a:scrgbClr r="0" g="0" b="0"/>
+        </a:effectRef>
+        <a:fontRef idx="minor">
+          <a:schemeClr val="lt1"/>
+        </a:fontRef>
+      </dsp:style>
+      <dsp:txBody>
+        <a:bodyPr spcFirstLastPara="0" vert="horz" wrap="square" lIns="80010" tIns="80010" rIns="80010" bIns="80010" numCol="1" spcCol="1270" anchor="ctr" anchorCtr="0">
+          <a:noAutofit/>
+        </a:bodyPr>
+        <a:lstStyle/>
+        <a:p>
+          <a:pPr lvl="0" algn="l" defTabSz="933450">
+            <a:lnSpc>
+              <a:spcPct val="90000"/>
+            </a:lnSpc>
+            <a:spcBef>
+              <a:spcPct val="0"/>
+            </a:spcBef>
+            <a:spcAft>
+              <a:spcPct val="35000"/>
+            </a:spcAft>
+          </a:pPr>
+          <a:r>
+            <a:rPr lang="en-US" sz="2100" kern="1200" dirty="0" smtClean="0">
+              <a:solidFill>
+                <a:schemeClr val="bg1"/>
+              </a:solidFill>
+            </a:rPr>
+            <a:t>EV and cell collection</a:t>
+          </a:r>
+          <a:endParaRPr lang="en-AU" sz="2100" kern="1200" dirty="0">
+            <a:solidFill>
+              <a:schemeClr val="bg1"/>
+            </a:solidFill>
+          </a:endParaRPr>
+        </a:p>
+      </dsp:txBody>
+      <dsp:txXfrm>
+        <a:off x="20462" y="20462"/>
+        <a:ext cx="3297626" cy="657692"/>
+      </dsp:txXfrm>
+    </dsp:sp>
+    <dsp:sp modelId="{142466EF-5655-42A9-8BF0-F1624F077F06}">
+      <dsp:nvSpPr>
+        <dsp:cNvPr id="0" name=""/>
+        <dsp:cNvSpPr/>
+      </dsp:nvSpPr>
+      <dsp:spPr>
+        <a:xfrm>
+          <a:off x="308650" y="795646"/>
+          <a:ext cx="4133226" cy="698616"/>
+        </a:xfrm>
+        <a:prstGeom prst="roundRect">
+          <a:avLst>
+            <a:gd name="adj" fmla="val 10000"/>
+          </a:avLst>
+        </a:prstGeom>
+        <a:solidFill>
+          <a:schemeClr val="accent1">
+            <a:hueOff val="0"/>
+            <a:satOff val="0"/>
+            <a:lumOff val="0"/>
+            <a:alphaOff val="0"/>
+          </a:schemeClr>
+        </a:solidFill>
+        <a:ln w="19050" cap="rnd" cmpd="sng" algn="ctr">
+          <a:solidFill>
+            <a:schemeClr val="lt1">
+              <a:hueOff val="0"/>
+              <a:satOff val="0"/>
+              <a:lumOff val="0"/>
+              <a:alphaOff val="0"/>
+            </a:schemeClr>
+          </a:solidFill>
+          <a:prstDash val="solid"/>
+        </a:ln>
+        <a:effectLst/>
+      </dsp:spPr>
+      <dsp:style>
+        <a:lnRef idx="2">
+          <a:scrgbClr r="0" g="0" b="0"/>
+        </a:lnRef>
+        <a:fillRef idx="1">
+          <a:scrgbClr r="0" g="0" b="0"/>
+        </a:fillRef>
+        <a:effectRef idx="0">
+          <a:scrgbClr r="0" g="0" b="0"/>
+        </a:effectRef>
+        <a:fontRef idx="minor">
+          <a:schemeClr val="lt1"/>
+        </a:fontRef>
+      </dsp:style>
+      <dsp:txBody>
+        <a:bodyPr spcFirstLastPara="0" vert="horz" wrap="square" lIns="80010" tIns="80010" rIns="80010" bIns="80010" numCol="1" spcCol="1270" anchor="ctr" anchorCtr="0">
+          <a:noAutofit/>
+        </a:bodyPr>
+        <a:lstStyle/>
+        <a:p>
+          <a:pPr lvl="0" algn="l" defTabSz="933450">
+            <a:lnSpc>
+              <a:spcPct val="90000"/>
+            </a:lnSpc>
+            <a:spcBef>
+              <a:spcPct val="0"/>
+            </a:spcBef>
+            <a:spcAft>
+              <a:spcPct val="35000"/>
+            </a:spcAft>
+          </a:pPr>
+          <a:r>
+            <a:rPr lang="en-US" sz="2100" kern="1200" dirty="0" smtClean="0">
+              <a:solidFill>
+                <a:schemeClr val="bg1"/>
+              </a:solidFill>
+            </a:rPr>
+            <a:t>RNA extraction</a:t>
+          </a:r>
+          <a:endParaRPr lang="en-AU" sz="2100" kern="1200" dirty="0">
+            <a:solidFill>
+              <a:schemeClr val="bg1"/>
+            </a:solidFill>
+          </a:endParaRPr>
+        </a:p>
+      </dsp:txBody>
+      <dsp:txXfrm>
+        <a:off x="329112" y="816108"/>
+        <a:ext cx="3329551" cy="657692"/>
+      </dsp:txXfrm>
+    </dsp:sp>
+    <dsp:sp modelId="{537E957E-2D49-43EA-8008-F973EA99ED84}">
+      <dsp:nvSpPr>
+        <dsp:cNvPr id="0" name=""/>
+        <dsp:cNvSpPr/>
+      </dsp:nvSpPr>
+      <dsp:spPr>
+        <a:xfrm>
+          <a:off x="617300" y="1591293"/>
+          <a:ext cx="4133226" cy="698616"/>
+        </a:xfrm>
+        <a:prstGeom prst="roundRect">
+          <a:avLst>
+            <a:gd name="adj" fmla="val 10000"/>
+          </a:avLst>
+        </a:prstGeom>
+        <a:solidFill>
+          <a:schemeClr val="accent1">
+            <a:hueOff val="0"/>
+            <a:satOff val="0"/>
+            <a:lumOff val="0"/>
+            <a:alphaOff val="0"/>
+          </a:schemeClr>
+        </a:solidFill>
+        <a:ln w="19050" cap="rnd" cmpd="sng" algn="ctr">
+          <a:solidFill>
+            <a:schemeClr val="lt1">
+              <a:hueOff val="0"/>
+              <a:satOff val="0"/>
+              <a:lumOff val="0"/>
+              <a:alphaOff val="0"/>
+            </a:schemeClr>
+          </a:solidFill>
+          <a:prstDash val="solid"/>
+        </a:ln>
+        <a:effectLst/>
+      </dsp:spPr>
+      <dsp:style>
+        <a:lnRef idx="2">
+          <a:scrgbClr r="0" g="0" b="0"/>
+        </a:lnRef>
+        <a:fillRef idx="1">
+          <a:scrgbClr r="0" g="0" b="0"/>
+        </a:fillRef>
+        <a:effectRef idx="0">
+          <a:scrgbClr r="0" g="0" b="0"/>
+        </a:effectRef>
+        <a:fontRef idx="minor">
+          <a:schemeClr val="lt1"/>
+        </a:fontRef>
+      </dsp:style>
+      <dsp:txBody>
+        <a:bodyPr spcFirstLastPara="0" vert="horz" wrap="square" lIns="80010" tIns="80010" rIns="80010" bIns="80010" numCol="1" spcCol="1270" anchor="ctr" anchorCtr="0">
+          <a:noAutofit/>
+        </a:bodyPr>
+        <a:lstStyle/>
+        <a:p>
+          <a:pPr lvl="0" algn="l" defTabSz="933450">
+            <a:lnSpc>
+              <a:spcPct val="90000"/>
+            </a:lnSpc>
+            <a:spcBef>
+              <a:spcPct val="0"/>
+            </a:spcBef>
+            <a:spcAft>
+              <a:spcPct val="35000"/>
+            </a:spcAft>
+          </a:pPr>
+          <a:r>
+            <a:rPr lang="en-US" sz="2100" kern="1200" dirty="0" smtClean="0">
+              <a:solidFill>
+                <a:schemeClr val="bg1"/>
+              </a:solidFill>
+            </a:rPr>
+            <a:t>cDNA and poly-A tailing</a:t>
+          </a:r>
+          <a:endParaRPr lang="en-AU" sz="2100" kern="1200" dirty="0">
+            <a:solidFill>
+              <a:schemeClr val="bg1"/>
+            </a:solidFill>
+          </a:endParaRPr>
+        </a:p>
+      </dsp:txBody>
+      <dsp:txXfrm>
+        <a:off x="637762" y="1611755"/>
+        <a:ext cx="3329551" cy="657692"/>
+      </dsp:txXfrm>
+    </dsp:sp>
+    <dsp:sp modelId="{6EF6A664-D7FA-4909-AC1A-B05262E61B69}">
+      <dsp:nvSpPr>
+        <dsp:cNvPr id="0" name=""/>
+        <dsp:cNvSpPr/>
+      </dsp:nvSpPr>
+      <dsp:spPr>
+        <a:xfrm>
+          <a:off x="925950" y="2386940"/>
+          <a:ext cx="4133226" cy="698616"/>
+        </a:xfrm>
+        <a:prstGeom prst="roundRect">
+          <a:avLst>
+            <a:gd name="adj" fmla="val 10000"/>
+          </a:avLst>
+        </a:prstGeom>
+        <a:solidFill>
+          <a:schemeClr val="accent1">
+            <a:hueOff val="0"/>
+            <a:satOff val="0"/>
+            <a:lumOff val="0"/>
+            <a:alphaOff val="0"/>
+          </a:schemeClr>
+        </a:solidFill>
+        <a:ln w="19050" cap="rnd" cmpd="sng" algn="ctr">
+          <a:solidFill>
+            <a:schemeClr val="lt1">
+              <a:hueOff val="0"/>
+              <a:satOff val="0"/>
+              <a:lumOff val="0"/>
+              <a:alphaOff val="0"/>
+            </a:schemeClr>
+          </a:solidFill>
+          <a:prstDash val="solid"/>
+        </a:ln>
+        <a:effectLst/>
+      </dsp:spPr>
+      <dsp:style>
+        <a:lnRef idx="2">
+          <a:scrgbClr r="0" g="0" b="0"/>
+        </a:lnRef>
+        <a:fillRef idx="1">
+          <a:scrgbClr r="0" g="0" b="0"/>
+        </a:fillRef>
+        <a:effectRef idx="0">
+          <a:scrgbClr r="0" g="0" b="0"/>
+        </a:effectRef>
+        <a:fontRef idx="minor">
+          <a:schemeClr val="lt1"/>
+        </a:fontRef>
+      </dsp:style>
+      <dsp:txBody>
+        <a:bodyPr spcFirstLastPara="0" vert="horz" wrap="square" lIns="80010" tIns="80010" rIns="80010" bIns="80010" numCol="1" spcCol="1270" anchor="ctr" anchorCtr="0">
+          <a:noAutofit/>
+        </a:bodyPr>
+        <a:lstStyle/>
+        <a:p>
+          <a:pPr lvl="0" algn="l" defTabSz="933450">
+            <a:lnSpc>
+              <a:spcPct val="90000"/>
+            </a:lnSpc>
+            <a:spcBef>
+              <a:spcPct val="0"/>
+            </a:spcBef>
+            <a:spcAft>
+              <a:spcPct val="35000"/>
+            </a:spcAft>
+          </a:pPr>
+          <a:r>
+            <a:rPr lang="en-US" sz="2100" kern="1200" dirty="0" smtClean="0">
+              <a:solidFill>
+                <a:schemeClr val="bg1"/>
+              </a:solidFill>
+            </a:rPr>
+            <a:t>RT-qPCR</a:t>
+          </a:r>
+          <a:endParaRPr lang="en-AU" sz="2100" kern="1200" dirty="0">
+            <a:solidFill>
+              <a:schemeClr val="bg1"/>
+            </a:solidFill>
+          </a:endParaRPr>
+        </a:p>
+      </dsp:txBody>
+      <dsp:txXfrm>
+        <a:off x="946412" y="2407402"/>
+        <a:ext cx="3329551" cy="657692"/>
+      </dsp:txXfrm>
+    </dsp:sp>
+    <dsp:sp modelId="{1F4391CF-DC44-49F5-9A28-B44F80DF4D55}">
+      <dsp:nvSpPr>
+        <dsp:cNvPr id="0" name=""/>
+        <dsp:cNvSpPr/>
+      </dsp:nvSpPr>
+      <dsp:spPr>
+        <a:xfrm>
+          <a:off x="1234600" y="3182587"/>
+          <a:ext cx="4133226" cy="698616"/>
+        </a:xfrm>
+        <a:prstGeom prst="roundRect">
+          <a:avLst>
+            <a:gd name="adj" fmla="val 10000"/>
+          </a:avLst>
+        </a:prstGeom>
+        <a:solidFill>
+          <a:schemeClr val="accent1">
+            <a:hueOff val="0"/>
+            <a:satOff val="0"/>
+            <a:lumOff val="0"/>
+            <a:alphaOff val="0"/>
+          </a:schemeClr>
+        </a:solidFill>
+        <a:ln w="19050" cap="rnd" cmpd="sng" algn="ctr">
+          <a:solidFill>
+            <a:schemeClr val="lt1">
+              <a:hueOff val="0"/>
+              <a:satOff val="0"/>
+              <a:lumOff val="0"/>
+              <a:alphaOff val="0"/>
+            </a:schemeClr>
+          </a:solidFill>
+          <a:prstDash val="solid"/>
+        </a:ln>
+        <a:effectLst/>
+      </dsp:spPr>
+      <dsp:style>
+        <a:lnRef idx="2">
+          <a:scrgbClr r="0" g="0" b="0"/>
+        </a:lnRef>
+        <a:fillRef idx="1">
+          <a:scrgbClr r="0" g="0" b="0"/>
+        </a:fillRef>
+        <a:effectRef idx="0">
+          <a:scrgbClr r="0" g="0" b="0"/>
+        </a:effectRef>
+        <a:fontRef idx="minor">
+          <a:schemeClr val="lt1"/>
+        </a:fontRef>
+      </dsp:style>
+      <dsp:txBody>
+        <a:bodyPr spcFirstLastPara="0" vert="horz" wrap="square" lIns="80010" tIns="80010" rIns="80010" bIns="80010" numCol="1" spcCol="1270" anchor="ctr" anchorCtr="0">
+          <a:noAutofit/>
+        </a:bodyPr>
+        <a:lstStyle/>
+        <a:p>
+          <a:pPr lvl="0" algn="l" defTabSz="933450">
+            <a:lnSpc>
+              <a:spcPct val="90000"/>
+            </a:lnSpc>
+            <a:spcBef>
+              <a:spcPct val="0"/>
+            </a:spcBef>
+            <a:spcAft>
+              <a:spcPct val="35000"/>
+            </a:spcAft>
+          </a:pPr>
+          <a:r>
+            <a:rPr lang="en-US" sz="2100" kern="1200" dirty="0" smtClean="0">
+              <a:solidFill>
+                <a:schemeClr val="bg1"/>
+              </a:solidFill>
+            </a:rPr>
+            <a:t>Delta </a:t>
+          </a:r>
+          <a:r>
+            <a:rPr lang="en-US" sz="2100" kern="1200" dirty="0" err="1" smtClean="0">
+              <a:solidFill>
+                <a:schemeClr val="bg1"/>
+              </a:solidFill>
+            </a:rPr>
+            <a:t>delta</a:t>
+          </a:r>
+          <a:r>
+            <a:rPr lang="en-US" sz="2100" kern="1200" dirty="0" smtClean="0">
+              <a:solidFill>
+                <a:schemeClr val="bg1"/>
+              </a:solidFill>
+            </a:rPr>
+            <a:t> CT analysis</a:t>
+          </a:r>
+          <a:endParaRPr lang="en-AU" sz="2100" kern="1200" dirty="0">
+            <a:solidFill>
+              <a:schemeClr val="bg1"/>
+            </a:solidFill>
+          </a:endParaRPr>
+        </a:p>
+      </dsp:txBody>
+      <dsp:txXfrm>
+        <a:off x="1255062" y="3203049"/>
+        <a:ext cx="3329551" cy="657692"/>
+      </dsp:txXfrm>
+    </dsp:sp>
+    <dsp:sp modelId="{7C7A3F0C-3A09-40A9-B3A8-9BCA2A046C7A}">
+      <dsp:nvSpPr>
+        <dsp:cNvPr id="0" name=""/>
+        <dsp:cNvSpPr/>
+      </dsp:nvSpPr>
+      <dsp:spPr>
+        <a:xfrm>
+          <a:off x="3679125" y="510378"/>
+          <a:ext cx="454100" cy="454100"/>
+        </a:xfrm>
+        <a:prstGeom prst="downArrow">
+          <a:avLst>
+            <a:gd name="adj1" fmla="val 55000"/>
+            <a:gd name="adj2" fmla="val 45000"/>
+          </a:avLst>
+        </a:prstGeom>
+        <a:solidFill>
+          <a:schemeClr val="bg2">
+            <a:lumMod val="50000"/>
+            <a:lumOff val="50000"/>
+            <a:alpha val="90000"/>
+          </a:schemeClr>
+        </a:solidFill>
+        <a:ln w="19050" cap="rnd" cmpd="sng" algn="ctr">
+          <a:solidFill>
+            <a:schemeClr val="accent1">
+              <a:alpha val="90000"/>
+              <a:tint val="40000"/>
+              <a:hueOff val="0"/>
+              <a:satOff val="0"/>
+              <a:lumOff val="0"/>
+              <a:alphaOff val="0"/>
+            </a:schemeClr>
+          </a:solidFill>
+          <a:prstDash val="solid"/>
+        </a:ln>
+        <a:effectLst/>
+      </dsp:spPr>
+      <dsp:style>
+        <a:lnRef idx="2">
+          <a:scrgbClr r="0" g="0" b="0"/>
+        </a:lnRef>
+        <a:fillRef idx="1">
+          <a:scrgbClr r="0" g="0" b="0"/>
+        </a:fillRef>
+        <a:effectRef idx="0">
+          <a:scrgbClr r="0" g="0" b="0"/>
+        </a:effectRef>
+        <a:fontRef idx="minor"/>
+      </dsp:style>
+      <dsp:txBody>
+        <a:bodyPr spcFirstLastPara="0" vert="horz" wrap="square" lIns="25400" tIns="25400" rIns="25400" bIns="25400" numCol="1" spcCol="1270" anchor="ctr" anchorCtr="0">
+          <a:noAutofit/>
+        </a:bodyPr>
+        <a:lstStyle/>
+        <a:p>
+          <a:pPr lvl="0" algn="ctr" defTabSz="889000">
+            <a:lnSpc>
+              <a:spcPct val="90000"/>
+            </a:lnSpc>
+            <a:spcBef>
+              <a:spcPct val="0"/>
+            </a:spcBef>
+            <a:spcAft>
+              <a:spcPct val="35000"/>
+            </a:spcAft>
+          </a:pPr>
+          <a:endParaRPr lang="en-AU" sz="2000" kern="1200"/>
+        </a:p>
+      </dsp:txBody>
+      <dsp:txXfrm>
+        <a:off x="3781297" y="510378"/>
+        <a:ext cx="249756" cy="341710"/>
+      </dsp:txXfrm>
+    </dsp:sp>
+    <dsp:sp modelId="{09B2B401-8928-462C-B29D-38127C77AA4D}">
+      <dsp:nvSpPr>
+        <dsp:cNvPr id="0" name=""/>
+        <dsp:cNvSpPr/>
+      </dsp:nvSpPr>
+      <dsp:spPr>
+        <a:xfrm>
+          <a:off x="3987775" y="1306025"/>
+          <a:ext cx="454100" cy="454100"/>
+        </a:xfrm>
+        <a:prstGeom prst="downArrow">
+          <a:avLst>
+            <a:gd name="adj1" fmla="val 55000"/>
+            <a:gd name="adj2" fmla="val 45000"/>
+          </a:avLst>
+        </a:prstGeom>
+        <a:solidFill>
+          <a:schemeClr val="bg2">
+            <a:lumMod val="50000"/>
+            <a:lumOff val="50000"/>
+            <a:alpha val="90000"/>
+          </a:schemeClr>
+        </a:solidFill>
+        <a:ln w="19050" cap="rnd" cmpd="sng" algn="ctr">
+          <a:solidFill>
+            <a:schemeClr val="accent1">
+              <a:alpha val="90000"/>
+              <a:tint val="40000"/>
+              <a:hueOff val="0"/>
+              <a:satOff val="0"/>
+              <a:lumOff val="0"/>
+              <a:alphaOff val="0"/>
+            </a:schemeClr>
+          </a:solidFill>
+          <a:prstDash val="solid"/>
+        </a:ln>
+        <a:effectLst/>
+      </dsp:spPr>
+      <dsp:style>
+        <a:lnRef idx="2">
+          <a:scrgbClr r="0" g="0" b="0"/>
+        </a:lnRef>
+        <a:fillRef idx="1">
+          <a:scrgbClr r="0" g="0" b="0"/>
+        </a:fillRef>
+        <a:effectRef idx="0">
+          <a:scrgbClr r="0" g="0" b="0"/>
+        </a:effectRef>
+        <a:fontRef idx="minor"/>
+      </dsp:style>
+      <dsp:txBody>
+        <a:bodyPr spcFirstLastPara="0" vert="horz" wrap="square" lIns="25400" tIns="25400" rIns="25400" bIns="25400" numCol="1" spcCol="1270" anchor="ctr" anchorCtr="0">
+          <a:noAutofit/>
+        </a:bodyPr>
+        <a:lstStyle/>
+        <a:p>
+          <a:pPr lvl="0" algn="ctr" defTabSz="889000">
+            <a:lnSpc>
+              <a:spcPct val="90000"/>
+            </a:lnSpc>
+            <a:spcBef>
+              <a:spcPct val="0"/>
+            </a:spcBef>
+            <a:spcAft>
+              <a:spcPct val="35000"/>
+            </a:spcAft>
+          </a:pPr>
+          <a:endParaRPr lang="en-AU" sz="2000" kern="1200"/>
+        </a:p>
+      </dsp:txBody>
+      <dsp:txXfrm>
+        <a:off x="4089947" y="1306025"/>
+        <a:ext cx="249756" cy="341710"/>
+      </dsp:txXfrm>
+    </dsp:sp>
+    <dsp:sp modelId="{94FDD53F-9ABA-4238-8C87-E414C334E987}">
+      <dsp:nvSpPr>
+        <dsp:cNvPr id="0" name=""/>
+        <dsp:cNvSpPr/>
+      </dsp:nvSpPr>
+      <dsp:spPr>
+        <a:xfrm>
+          <a:off x="4296426" y="2090028"/>
+          <a:ext cx="454100" cy="454100"/>
+        </a:xfrm>
+        <a:prstGeom prst="downArrow">
+          <a:avLst>
+            <a:gd name="adj1" fmla="val 55000"/>
+            <a:gd name="adj2" fmla="val 45000"/>
+          </a:avLst>
+        </a:prstGeom>
+        <a:solidFill>
+          <a:schemeClr val="bg2">
+            <a:lumMod val="50000"/>
+            <a:lumOff val="50000"/>
+            <a:alpha val="90000"/>
+          </a:schemeClr>
+        </a:solidFill>
+        <a:ln w="19050" cap="rnd" cmpd="sng" algn="ctr">
+          <a:solidFill>
+            <a:schemeClr val="accent1">
+              <a:alpha val="90000"/>
+              <a:tint val="40000"/>
+              <a:hueOff val="0"/>
+              <a:satOff val="0"/>
+              <a:lumOff val="0"/>
+              <a:alphaOff val="0"/>
+            </a:schemeClr>
+          </a:solidFill>
+          <a:prstDash val="solid"/>
+        </a:ln>
+        <a:effectLst/>
+      </dsp:spPr>
+      <dsp:style>
+        <a:lnRef idx="2">
+          <a:scrgbClr r="0" g="0" b="0"/>
+        </a:lnRef>
+        <a:fillRef idx="1">
+          <a:scrgbClr r="0" g="0" b="0"/>
+        </a:fillRef>
+        <a:effectRef idx="0">
+          <a:scrgbClr r="0" g="0" b="0"/>
+        </a:effectRef>
+        <a:fontRef idx="minor"/>
+      </dsp:style>
+      <dsp:txBody>
+        <a:bodyPr spcFirstLastPara="0" vert="horz" wrap="square" lIns="25400" tIns="25400" rIns="25400" bIns="25400" numCol="1" spcCol="1270" anchor="ctr" anchorCtr="0">
+          <a:noAutofit/>
+        </a:bodyPr>
+        <a:lstStyle/>
+        <a:p>
+          <a:pPr lvl="0" algn="ctr" defTabSz="889000">
+            <a:lnSpc>
+              <a:spcPct val="90000"/>
+            </a:lnSpc>
+            <a:spcBef>
+              <a:spcPct val="0"/>
+            </a:spcBef>
+            <a:spcAft>
+              <a:spcPct val="35000"/>
+            </a:spcAft>
+          </a:pPr>
+          <a:endParaRPr lang="en-AU" sz="2000" kern="1200"/>
+        </a:p>
+      </dsp:txBody>
+      <dsp:txXfrm>
+        <a:off x="4398598" y="2090028"/>
+        <a:ext cx="249756" cy="341710"/>
+      </dsp:txXfrm>
+    </dsp:sp>
+    <dsp:sp modelId="{112B86F2-18EA-41BC-AA1E-EB607F094174}">
+      <dsp:nvSpPr>
+        <dsp:cNvPr id="0" name=""/>
+        <dsp:cNvSpPr/>
+      </dsp:nvSpPr>
+      <dsp:spPr>
+        <a:xfrm>
+          <a:off x="4605076" y="2893437"/>
+          <a:ext cx="454100" cy="454100"/>
+        </a:xfrm>
+        <a:prstGeom prst="downArrow">
+          <a:avLst>
+            <a:gd name="adj1" fmla="val 55000"/>
+            <a:gd name="adj2" fmla="val 45000"/>
+          </a:avLst>
+        </a:prstGeom>
+        <a:solidFill>
+          <a:schemeClr val="bg2">
+            <a:lumMod val="50000"/>
+            <a:lumOff val="50000"/>
+            <a:alpha val="90000"/>
+          </a:schemeClr>
+        </a:solidFill>
+        <a:ln w="19050" cap="rnd" cmpd="sng" algn="ctr">
+          <a:solidFill>
+            <a:schemeClr val="accent1">
+              <a:alpha val="90000"/>
+              <a:tint val="40000"/>
+              <a:hueOff val="0"/>
+              <a:satOff val="0"/>
+              <a:lumOff val="0"/>
+              <a:alphaOff val="0"/>
+            </a:schemeClr>
+          </a:solidFill>
+          <a:prstDash val="solid"/>
+        </a:ln>
+        <a:effectLst/>
+      </dsp:spPr>
+      <dsp:style>
+        <a:lnRef idx="2">
+          <a:scrgbClr r="0" g="0" b="0"/>
+        </a:lnRef>
+        <a:fillRef idx="1">
+          <a:scrgbClr r="0" g="0" b="0"/>
+        </a:fillRef>
+        <a:effectRef idx="0">
+          <a:scrgbClr r="0" g="0" b="0"/>
+        </a:effectRef>
+        <a:fontRef idx="minor"/>
+      </dsp:style>
+      <dsp:txBody>
+        <a:bodyPr spcFirstLastPara="0" vert="horz" wrap="square" lIns="25400" tIns="25400" rIns="25400" bIns="25400" numCol="1" spcCol="1270" anchor="ctr" anchorCtr="0">
+          <a:noAutofit/>
+        </a:bodyPr>
+        <a:lstStyle/>
+        <a:p>
+          <a:pPr lvl="0" algn="ctr" defTabSz="889000">
+            <a:lnSpc>
+              <a:spcPct val="90000"/>
+            </a:lnSpc>
+            <a:spcBef>
+              <a:spcPct val="0"/>
+            </a:spcBef>
+            <a:spcAft>
+              <a:spcPct val="35000"/>
+            </a:spcAft>
+          </a:pPr>
+          <a:endParaRPr lang="en-AU" sz="2000" kern="1200"/>
+        </a:p>
+      </dsp:txBody>
+      <dsp:txXfrm>
+        <a:off x="4707248" y="2893437"/>
+        <a:ext cx="249756" cy="341710"/>
+      </dsp:txXfrm>
+    </dsp:sp>
   </dsp:spTree>
 </dsp:drawing>
 </file>
@@ -3793,7 +4544,7 @@
           <a:p>
             <a:fld id="{7DE09EE5-A3A6-46CD-82C4-C5653BD8F5FF}" type="datetimeFigureOut">
               <a:rPr lang="en-AU" smtClean="0"/>
-              <a:t>27/10/2016</a:t>
+              <a:t>28/10/2016</a:t>
             </a:fld>
             <a:endParaRPr lang="en-AU"/>
           </a:p>
@@ -6156,7 +6907,7 @@
           <a:p>
             <a:fld id="{1644BD7C-F7E4-4602-B4BA-7731E171C526}" type="datetimeFigureOut">
               <a:rPr lang="en-AU" smtClean="0"/>
-              <a:t>27/10/2016</a:t>
+              <a:t>28/10/2016</a:t>
             </a:fld>
             <a:endParaRPr lang="en-AU"/>
           </a:p>
@@ -6436,7 +7187,7 @@
           <a:p>
             <a:fld id="{1644BD7C-F7E4-4602-B4BA-7731E171C526}" type="datetimeFigureOut">
               <a:rPr lang="en-AU" smtClean="0"/>
-              <a:t>27/10/2016</a:t>
+              <a:t>28/10/2016</a:t>
             </a:fld>
             <a:endParaRPr lang="en-AU"/>
           </a:p>
@@ -6630,7 +7381,7 @@
           <a:p>
             <a:fld id="{1644BD7C-F7E4-4602-B4BA-7731E171C526}" type="datetimeFigureOut">
               <a:rPr lang="en-AU" smtClean="0"/>
-              <a:t>27/10/2016</a:t>
+              <a:t>28/10/2016</a:t>
             </a:fld>
             <a:endParaRPr lang="en-AU"/>
           </a:p>
@@ -6898,7 +7649,7 @@
           <a:p>
             <a:fld id="{1644BD7C-F7E4-4602-B4BA-7731E171C526}" type="datetimeFigureOut">
               <a:rPr lang="en-AU" smtClean="0"/>
-              <a:t>27/10/2016</a:t>
+              <a:t>28/10/2016</a:t>
             </a:fld>
             <a:endParaRPr lang="en-AU"/>
           </a:p>
@@ -7230,7 +7981,7 @@
           <a:p>
             <a:fld id="{1644BD7C-F7E4-4602-B4BA-7731E171C526}" type="datetimeFigureOut">
               <a:rPr lang="en-AU" smtClean="0"/>
-              <a:t>27/10/2016</a:t>
+              <a:t>28/10/2016</a:t>
             </a:fld>
             <a:endParaRPr lang="en-AU"/>
           </a:p>
@@ -7840,7 +8591,7 @@
           <a:p>
             <a:fld id="{1644BD7C-F7E4-4602-B4BA-7731E171C526}" type="datetimeFigureOut">
               <a:rPr lang="en-AU" smtClean="0"/>
-              <a:t>27/10/2016</a:t>
+              <a:t>28/10/2016</a:t>
             </a:fld>
             <a:endParaRPr lang="en-AU"/>
           </a:p>
@@ -8687,7 +9438,7 @@
           <a:p>
             <a:fld id="{1644BD7C-F7E4-4602-B4BA-7731E171C526}" type="datetimeFigureOut">
               <a:rPr lang="en-AU" smtClean="0"/>
-              <a:t>27/10/2016</a:t>
+              <a:t>28/10/2016</a:t>
             </a:fld>
             <a:endParaRPr lang="en-AU"/>
           </a:p>
@@ -8857,7 +9608,7 @@
           <a:p>
             <a:fld id="{1644BD7C-F7E4-4602-B4BA-7731E171C526}" type="datetimeFigureOut">
               <a:rPr lang="en-AU" smtClean="0"/>
-              <a:t>27/10/2016</a:t>
+              <a:t>28/10/2016</a:t>
             </a:fld>
             <a:endParaRPr lang="en-AU"/>
           </a:p>
@@ -9037,7 +9788,7 @@
           <a:p>
             <a:fld id="{1644BD7C-F7E4-4602-B4BA-7731E171C526}" type="datetimeFigureOut">
               <a:rPr lang="en-AU" smtClean="0"/>
-              <a:t>27/10/2016</a:t>
+              <a:t>28/10/2016</a:t>
             </a:fld>
             <a:endParaRPr lang="en-AU"/>
           </a:p>
@@ -9212,7 +9963,7 @@
           <a:p>
             <a:fld id="{1644BD7C-F7E4-4602-B4BA-7731E171C526}" type="datetimeFigureOut">
               <a:rPr lang="en-AU" smtClean="0"/>
-              <a:t>27/10/2016</a:t>
+              <a:t>28/10/2016</a:t>
             </a:fld>
             <a:endParaRPr lang="en-AU"/>
           </a:p>
@@ -9456,7 +10207,7 @@
           <a:p>
             <a:fld id="{1644BD7C-F7E4-4602-B4BA-7731E171C526}" type="datetimeFigureOut">
               <a:rPr lang="en-AU" smtClean="0"/>
-              <a:t>27/10/2016</a:t>
+              <a:t>28/10/2016</a:t>
             </a:fld>
             <a:endParaRPr lang="en-AU"/>
           </a:p>
@@ -9753,7 +10504,7 @@
           <a:p>
             <a:fld id="{1644BD7C-F7E4-4602-B4BA-7731E171C526}" type="datetimeFigureOut">
               <a:rPr lang="en-AU" smtClean="0"/>
-              <a:t>27/10/2016</a:t>
+              <a:t>28/10/2016</a:t>
             </a:fld>
             <a:endParaRPr lang="en-AU"/>
           </a:p>
@@ -10196,7 +10947,7 @@
           <a:p>
             <a:fld id="{1644BD7C-F7E4-4602-B4BA-7731E171C526}" type="datetimeFigureOut">
               <a:rPr lang="en-AU" smtClean="0"/>
-              <a:t>27/10/2016</a:t>
+              <a:t>28/10/2016</a:t>
             </a:fld>
             <a:endParaRPr lang="en-AU"/>
           </a:p>
@@ -10319,7 +11070,7 @@
           <a:p>
             <a:fld id="{1644BD7C-F7E4-4602-B4BA-7731E171C526}" type="datetimeFigureOut">
               <a:rPr lang="en-AU" smtClean="0"/>
-              <a:t>27/10/2016</a:t>
+              <a:t>28/10/2016</a:t>
             </a:fld>
             <a:endParaRPr lang="en-AU"/>
           </a:p>
@@ -10414,7 +11165,7 @@
           <a:p>
             <a:fld id="{1644BD7C-F7E4-4602-B4BA-7731E171C526}" type="datetimeFigureOut">
               <a:rPr lang="en-AU" smtClean="0"/>
-              <a:t>27/10/2016</a:t>
+              <a:t>28/10/2016</a:t>
             </a:fld>
             <a:endParaRPr lang="en-AU"/>
           </a:p>
@@ -10698,7 +11449,7 @@
           <a:p>
             <a:fld id="{1644BD7C-F7E4-4602-B4BA-7731E171C526}" type="datetimeFigureOut">
               <a:rPr lang="en-AU" smtClean="0"/>
-              <a:t>27/10/2016</a:t>
+              <a:t>28/10/2016</a:t>
             </a:fld>
             <a:endParaRPr lang="en-AU"/>
           </a:p>
@@ -10978,7 +11729,7 @@
           <a:p>
             <a:fld id="{1644BD7C-F7E4-4602-B4BA-7731E171C526}" type="datetimeFigureOut">
               <a:rPr lang="en-AU" smtClean="0"/>
-              <a:t>27/10/2016</a:t>
+              <a:t>28/10/2016</a:t>
             </a:fld>
             <a:endParaRPr lang="en-AU"/>
           </a:p>
@@ -11407,7 +12158,7 @@
           <a:p>
             <a:fld id="{1644BD7C-F7E4-4602-B4BA-7731E171C526}" type="datetimeFigureOut">
               <a:rPr lang="en-AU" smtClean="0"/>
-              <a:t>27/10/2016</a:t>
+              <a:t>28/10/2016</a:t>
             </a:fld>
             <a:endParaRPr lang="en-AU"/>
           </a:p>

--- a/CollCompBiol.pptx
+++ b/CollCompBiol.pptx
@@ -18,11 +18,11 @@
     <p:sldId id="270" r:id="rId9"/>
     <p:sldId id="262" r:id="rId10"/>
     <p:sldId id="269" r:id="rId11"/>
-    <p:sldId id="263" r:id="rId12"/>
-    <p:sldId id="281" r:id="rId13"/>
-    <p:sldId id="271" r:id="rId14"/>
-    <p:sldId id="264" r:id="rId15"/>
-    <p:sldId id="272" r:id="rId16"/>
+    <p:sldId id="281" r:id="rId12"/>
+    <p:sldId id="264" r:id="rId13"/>
+    <p:sldId id="272" r:id="rId14"/>
+    <p:sldId id="263" r:id="rId15"/>
+    <p:sldId id="271" r:id="rId16"/>
     <p:sldId id="265" r:id="rId17"/>
     <p:sldId id="273" r:id="rId18"/>
     <p:sldId id="274" r:id="rId19"/>
@@ -4544,7 +4544,7 @@
           <a:p>
             <a:fld id="{7DE09EE5-A3A6-46CD-82C4-C5653BD8F5FF}" type="datetimeFigureOut">
               <a:rPr lang="en-AU" smtClean="0"/>
-              <a:t>28/10/2016</a:t>
+              <a:t>29/10/2016</a:t>
             </a:fld>
             <a:endParaRPr lang="en-AU"/>
           </a:p>
@@ -4948,22 +4948,6 @@
           <a:bodyPr/>
           <a:lstStyle/>
           <a:p>
-            <a:r>
-              <a:rPr lang="en-US" dirty="0" smtClean="0"/>
-              <a:t>… We now</a:t>
-            </a:r>
-            <a:r>
-              <a:rPr lang="en-US" baseline="0" dirty="0" smtClean="0"/>
-              <a:t> know which </a:t>
-            </a:r>
-            <a:r>
-              <a:rPr lang="en-US" baseline="0" dirty="0" err="1" smtClean="0"/>
-              <a:t>micrornas</a:t>
-            </a:r>
-            <a:r>
-              <a:rPr lang="en-US" baseline="0" dirty="0" smtClean="0"/>
-              <a:t> are being selectively exported from this system, some of which are validated, that can be used to understand mechanism overall. Next we wanted to understand whether these microRNAs possess similarities to explain their export.  </a:t>
-            </a:r>
             <a:endParaRPr lang="en-AU" dirty="0"/>
           </a:p>
         </p:txBody>
@@ -4994,7 +4978,7 @@
     </p:spTree>
     <p:extLst>
       <p:ext uri="{BB962C8B-B14F-4D97-AF65-F5344CB8AC3E}">
-        <p14:creationId xmlns:p14="http://schemas.microsoft.com/office/powerpoint/2010/main" val="1561023482"/>
+        <p14:creationId xmlns:p14="http://schemas.microsoft.com/office/powerpoint/2010/main" val="2486399154"/>
       </p:ext>
     </p:extLst>
   </p:cSld>
@@ -5048,6 +5032,22 @@
           <a:bodyPr/>
           <a:lstStyle/>
           <a:p>
+            <a:r>
+              <a:rPr lang="en-US" dirty="0" smtClean="0"/>
+              <a:t>Next we</a:t>
+            </a:r>
+            <a:r>
+              <a:rPr lang="en-US" baseline="0" dirty="0" smtClean="0"/>
+              <a:t> looked at potential proteins that could be interacting with those selectively exported </a:t>
+            </a:r>
+            <a:r>
+              <a:rPr lang="en-US" baseline="0" dirty="0" err="1" smtClean="0"/>
+              <a:t>micrornas</a:t>
+            </a:r>
+            <a:r>
+              <a:rPr lang="en-US" baseline="0" dirty="0" smtClean="0"/>
+              <a:t>… Based on this criteria… From this analysis we found 5 proteins that could be potential export proteins. We then assessed these further by looking into the literature to determine if any of these proteins are more suited for the position.    </a:t>
+            </a:r>
             <a:endParaRPr lang="en-AU" dirty="0"/>
           </a:p>
         </p:txBody>
@@ -5078,7 +5078,7 @@
     </p:spTree>
     <p:extLst>
       <p:ext uri="{BB962C8B-B14F-4D97-AF65-F5344CB8AC3E}">
-        <p14:creationId xmlns:p14="http://schemas.microsoft.com/office/powerpoint/2010/main" val="2486399154"/>
+        <p14:creationId xmlns:p14="http://schemas.microsoft.com/office/powerpoint/2010/main" val="3922168260"/>
       </p:ext>
     </p:extLst>
   </p:cSld>
@@ -5133,40 +5133,44 @@
           <a:lstStyle/>
           <a:p>
             <a:r>
-              <a:rPr lang="en-US" dirty="0" smtClean="0"/>
-              <a:t>Used the 19 </a:t>
-            </a:r>
-            <a:r>
               <a:rPr lang="en-US" dirty="0" err="1" smtClean="0"/>
-              <a:t>micrornas</a:t>
-            </a:r>
-            <a:r>
-              <a:rPr lang="en-US" dirty="0" smtClean="0"/>
-              <a:t> that were selectively</a:t>
+              <a:t>Memebers</a:t>
             </a:r>
             <a:r>
               <a:rPr lang="en-US" baseline="0" dirty="0" smtClean="0"/>
-              <a:t> exported, from last analysis. </a:t>
-            </a:r>
-          </a:p>
-          <a:p>
+              <a:t> of the </a:t>
+            </a:r>
+            <a:r>
+              <a:rPr lang="en-US" baseline="0" dirty="0" err="1" smtClean="0"/>
+              <a:t>hnRNP</a:t>
+            </a:r>
             <a:r>
               <a:rPr lang="en-US" baseline="0" dirty="0" smtClean="0"/>
-              <a:t>MEME: 4-10 nucleotides in length.</a:t>
-            </a:r>
-          </a:p>
-          <a:p>
+              <a:t> family appear to be involved with the export of </a:t>
+            </a:r>
+            <a:r>
+              <a:rPr lang="en-US" baseline="0" dirty="0" err="1" smtClean="0"/>
+              <a:t>mirs</a:t>
+            </a:r>
             <a:r>
               <a:rPr lang="en-US" baseline="0" dirty="0" smtClean="0"/>
-              <a:t>x/19 is how many of the </a:t>
+              <a:t> in other cell lines, which indicates that FUS or </a:t>
             </a:r>
             <a:r>
               <a:rPr lang="en-US" baseline="0" dirty="0" err="1" smtClean="0"/>
-              <a:t>miRs</a:t>
+              <a:t>hnrnpk</a:t>
             </a:r>
             <a:r>
               <a:rPr lang="en-US" baseline="0" dirty="0" smtClean="0"/>
-              <a:t> contained that motif. </a:t>
+              <a:t> may be better suited for this role… Linker: together, this indicates that </a:t>
+            </a:r>
+            <a:r>
+              <a:rPr lang="en-US" baseline="0" dirty="0" err="1" smtClean="0"/>
+              <a:t>hnRNPK</a:t>
+            </a:r>
+            <a:r>
+              <a:rPr lang="en-US" baseline="0" dirty="0" smtClean="0"/>
+              <a:t> fulfills the criteria for export protein. </a:t>
             </a:r>
             <a:endParaRPr lang="en-AU" dirty="0"/>
           </a:p>
@@ -5198,7 +5202,7 @@
     </p:spTree>
     <p:extLst>
       <p:ext uri="{BB962C8B-B14F-4D97-AF65-F5344CB8AC3E}">
-        <p14:creationId xmlns:p14="http://schemas.microsoft.com/office/powerpoint/2010/main" val="1012700514"/>
+        <p14:creationId xmlns:p14="http://schemas.microsoft.com/office/powerpoint/2010/main" val="2711405270"/>
       </p:ext>
     </p:extLst>
   </p:cSld>
@@ -5254,11 +5258,11 @@
           <a:p>
             <a:r>
               <a:rPr lang="en-US" dirty="0" smtClean="0"/>
-              <a:t>Next we</a:t>
+              <a:t>… We now</a:t>
             </a:r>
             <a:r>
               <a:rPr lang="en-US" baseline="0" dirty="0" smtClean="0"/>
-              <a:t> looked at potential proteins that could be interacting with those selectively exported </a:t>
+              <a:t> know which </a:t>
             </a:r>
             <a:r>
               <a:rPr lang="en-US" baseline="0" dirty="0" err="1" smtClean="0"/>
@@ -5266,7 +5270,7 @@
             </a:r>
             <a:r>
               <a:rPr lang="en-US" baseline="0" dirty="0" smtClean="0"/>
-              <a:t>… Based on this criteria… From this analysis we found 5 proteins that could be potential export proteins. We then assessed these further by looking into the literature to determine if any of these proteins are more suited for the position.    </a:t>
+              <a:t> are being selectively exported from this system, some of which are validated, that can be used to understand mechanism overall. Next we wanted to understand whether these microRNAs possess similarities to explain their export.  </a:t>
             </a:r>
             <a:endParaRPr lang="en-AU" dirty="0"/>
           </a:p>
@@ -5298,7 +5302,7 @@
     </p:spTree>
     <p:extLst>
       <p:ext uri="{BB962C8B-B14F-4D97-AF65-F5344CB8AC3E}">
-        <p14:creationId xmlns:p14="http://schemas.microsoft.com/office/powerpoint/2010/main" val="3922168260"/>
+        <p14:creationId xmlns:p14="http://schemas.microsoft.com/office/powerpoint/2010/main" val="1561023482"/>
       </p:ext>
     </p:extLst>
   </p:cSld>
@@ -5353,44 +5357,40 @@
           <a:lstStyle/>
           <a:p>
             <a:r>
+              <a:rPr lang="en-US" dirty="0" smtClean="0"/>
+              <a:t>Used the 19 </a:t>
+            </a:r>
+            <a:r>
               <a:rPr lang="en-US" dirty="0" err="1" smtClean="0"/>
-              <a:t>Memebers</a:t>
+              <a:t>micrornas</a:t>
+            </a:r>
+            <a:r>
+              <a:rPr lang="en-US" dirty="0" smtClean="0"/>
+              <a:t> that were selectively</a:t>
             </a:r>
             <a:r>
               <a:rPr lang="en-US" baseline="0" dirty="0" smtClean="0"/>
-              <a:t> of the </a:t>
+              <a:t> exported, from last analysis. </a:t>
+            </a:r>
+          </a:p>
+          <a:p>
+            <a:r>
+              <a:rPr lang="en-US" baseline="0" dirty="0" smtClean="0"/>
+              <a:t>MEME: 4-10 nucleotides in length.</a:t>
+            </a:r>
+          </a:p>
+          <a:p>
+            <a:r>
+              <a:rPr lang="en-US" baseline="0" dirty="0" smtClean="0"/>
+              <a:t>x/19 is how many of the </a:t>
             </a:r>
             <a:r>
               <a:rPr lang="en-US" baseline="0" dirty="0" err="1" smtClean="0"/>
-              <a:t>hnRNP</a:t>
+              <a:t>miRs</a:t>
             </a:r>
             <a:r>
               <a:rPr lang="en-US" baseline="0" dirty="0" smtClean="0"/>
-              <a:t> family appear to be involved with the export of </a:t>
-            </a:r>
-            <a:r>
-              <a:rPr lang="en-US" baseline="0" dirty="0" err="1" smtClean="0"/>
-              <a:t>mirs</a:t>
-            </a:r>
-            <a:r>
-              <a:rPr lang="en-US" baseline="0" dirty="0" smtClean="0"/>
-              <a:t> in other cell lines, which indicates that FUS or </a:t>
-            </a:r>
-            <a:r>
-              <a:rPr lang="en-US" baseline="0" dirty="0" err="1" smtClean="0"/>
-              <a:t>hnrnpk</a:t>
-            </a:r>
-            <a:r>
-              <a:rPr lang="en-US" baseline="0" dirty="0" smtClean="0"/>
-              <a:t> may be better suited for this role… Linker: together, this indicates that </a:t>
-            </a:r>
-            <a:r>
-              <a:rPr lang="en-US" baseline="0" dirty="0" err="1" smtClean="0"/>
-              <a:t>hnRNPK</a:t>
-            </a:r>
-            <a:r>
-              <a:rPr lang="en-US" baseline="0" dirty="0" smtClean="0"/>
-              <a:t> fulfills the criteria for export protein. </a:t>
+              <a:t> contained that motif. </a:t>
             </a:r>
             <a:endParaRPr lang="en-AU" dirty="0"/>
           </a:p>
@@ -5422,7 +5422,7 @@
     </p:spTree>
     <p:extLst>
       <p:ext uri="{BB962C8B-B14F-4D97-AF65-F5344CB8AC3E}">
-        <p14:creationId xmlns:p14="http://schemas.microsoft.com/office/powerpoint/2010/main" val="2711405270"/>
+        <p14:creationId xmlns:p14="http://schemas.microsoft.com/office/powerpoint/2010/main" val="1012700514"/>
       </p:ext>
     </p:extLst>
   </p:cSld>
@@ -6907,7 +6907,7 @@
           <a:p>
             <a:fld id="{1644BD7C-F7E4-4602-B4BA-7731E171C526}" type="datetimeFigureOut">
               <a:rPr lang="en-AU" smtClean="0"/>
-              <a:t>28/10/2016</a:t>
+              <a:t>29/10/2016</a:t>
             </a:fld>
             <a:endParaRPr lang="en-AU"/>
           </a:p>
@@ -7187,7 +7187,7 @@
           <a:p>
             <a:fld id="{1644BD7C-F7E4-4602-B4BA-7731E171C526}" type="datetimeFigureOut">
               <a:rPr lang="en-AU" smtClean="0"/>
-              <a:t>28/10/2016</a:t>
+              <a:t>29/10/2016</a:t>
             </a:fld>
             <a:endParaRPr lang="en-AU"/>
           </a:p>
@@ -7381,7 +7381,7 @@
           <a:p>
             <a:fld id="{1644BD7C-F7E4-4602-B4BA-7731E171C526}" type="datetimeFigureOut">
               <a:rPr lang="en-AU" smtClean="0"/>
-              <a:t>28/10/2016</a:t>
+              <a:t>29/10/2016</a:t>
             </a:fld>
             <a:endParaRPr lang="en-AU"/>
           </a:p>
@@ -7649,7 +7649,7 @@
           <a:p>
             <a:fld id="{1644BD7C-F7E4-4602-B4BA-7731E171C526}" type="datetimeFigureOut">
               <a:rPr lang="en-AU" smtClean="0"/>
-              <a:t>28/10/2016</a:t>
+              <a:t>29/10/2016</a:t>
             </a:fld>
             <a:endParaRPr lang="en-AU"/>
           </a:p>
@@ -7981,7 +7981,7 @@
           <a:p>
             <a:fld id="{1644BD7C-F7E4-4602-B4BA-7731E171C526}" type="datetimeFigureOut">
               <a:rPr lang="en-AU" smtClean="0"/>
-              <a:t>28/10/2016</a:t>
+              <a:t>29/10/2016</a:t>
             </a:fld>
             <a:endParaRPr lang="en-AU"/>
           </a:p>
@@ -8591,7 +8591,7 @@
           <a:p>
             <a:fld id="{1644BD7C-F7E4-4602-B4BA-7731E171C526}" type="datetimeFigureOut">
               <a:rPr lang="en-AU" smtClean="0"/>
-              <a:t>28/10/2016</a:t>
+              <a:t>29/10/2016</a:t>
             </a:fld>
             <a:endParaRPr lang="en-AU"/>
           </a:p>
@@ -9438,7 +9438,7 @@
           <a:p>
             <a:fld id="{1644BD7C-F7E4-4602-B4BA-7731E171C526}" type="datetimeFigureOut">
               <a:rPr lang="en-AU" smtClean="0"/>
-              <a:t>28/10/2016</a:t>
+              <a:t>29/10/2016</a:t>
             </a:fld>
             <a:endParaRPr lang="en-AU"/>
           </a:p>
@@ -9608,7 +9608,7 @@
           <a:p>
             <a:fld id="{1644BD7C-F7E4-4602-B4BA-7731E171C526}" type="datetimeFigureOut">
               <a:rPr lang="en-AU" smtClean="0"/>
-              <a:t>28/10/2016</a:t>
+              <a:t>29/10/2016</a:t>
             </a:fld>
             <a:endParaRPr lang="en-AU"/>
           </a:p>
@@ -9788,7 +9788,7 @@
           <a:p>
             <a:fld id="{1644BD7C-F7E4-4602-B4BA-7731E171C526}" type="datetimeFigureOut">
               <a:rPr lang="en-AU" smtClean="0"/>
-              <a:t>28/10/2016</a:t>
+              <a:t>29/10/2016</a:t>
             </a:fld>
             <a:endParaRPr lang="en-AU"/>
           </a:p>
@@ -9963,7 +9963,7 @@
           <a:p>
             <a:fld id="{1644BD7C-F7E4-4602-B4BA-7731E171C526}" type="datetimeFigureOut">
               <a:rPr lang="en-AU" smtClean="0"/>
-              <a:t>28/10/2016</a:t>
+              <a:t>29/10/2016</a:t>
             </a:fld>
             <a:endParaRPr lang="en-AU"/>
           </a:p>
@@ -10207,7 +10207,7 @@
           <a:p>
             <a:fld id="{1644BD7C-F7E4-4602-B4BA-7731E171C526}" type="datetimeFigureOut">
               <a:rPr lang="en-AU" smtClean="0"/>
-              <a:t>28/10/2016</a:t>
+              <a:t>29/10/2016</a:t>
             </a:fld>
             <a:endParaRPr lang="en-AU"/>
           </a:p>
@@ -10504,7 +10504,7 @@
           <a:p>
             <a:fld id="{1644BD7C-F7E4-4602-B4BA-7731E171C526}" type="datetimeFigureOut">
               <a:rPr lang="en-AU" smtClean="0"/>
-              <a:t>28/10/2016</a:t>
+              <a:t>29/10/2016</a:t>
             </a:fld>
             <a:endParaRPr lang="en-AU"/>
           </a:p>
@@ -10947,7 +10947,7 @@
           <a:p>
             <a:fld id="{1644BD7C-F7E4-4602-B4BA-7731E171C526}" type="datetimeFigureOut">
               <a:rPr lang="en-AU" smtClean="0"/>
-              <a:t>28/10/2016</a:t>
+              <a:t>29/10/2016</a:t>
             </a:fld>
             <a:endParaRPr lang="en-AU"/>
           </a:p>
@@ -11070,7 +11070,7 @@
           <a:p>
             <a:fld id="{1644BD7C-F7E4-4602-B4BA-7731E171C526}" type="datetimeFigureOut">
               <a:rPr lang="en-AU" smtClean="0"/>
-              <a:t>28/10/2016</a:t>
+              <a:t>29/10/2016</a:t>
             </a:fld>
             <a:endParaRPr lang="en-AU"/>
           </a:p>
@@ -11165,7 +11165,7 @@
           <a:p>
             <a:fld id="{1644BD7C-F7E4-4602-B4BA-7731E171C526}" type="datetimeFigureOut">
               <a:rPr lang="en-AU" smtClean="0"/>
-              <a:t>28/10/2016</a:t>
+              <a:t>29/10/2016</a:t>
             </a:fld>
             <a:endParaRPr lang="en-AU"/>
           </a:p>
@@ -11449,7 +11449,7 @@
           <a:p>
             <a:fld id="{1644BD7C-F7E4-4602-B4BA-7731E171C526}" type="datetimeFigureOut">
               <a:rPr lang="en-AU" smtClean="0"/>
-              <a:t>28/10/2016</a:t>
+              <a:t>29/10/2016</a:t>
             </a:fld>
             <a:endParaRPr lang="en-AU"/>
           </a:p>
@@ -11729,7 +11729,7 @@
           <a:p>
             <a:fld id="{1644BD7C-F7E4-4602-B4BA-7731E171C526}" type="datetimeFigureOut">
               <a:rPr lang="en-AU" smtClean="0"/>
-              <a:t>28/10/2016</a:t>
+              <a:t>29/10/2016</a:t>
             </a:fld>
             <a:endParaRPr lang="en-AU"/>
           </a:p>
@@ -12158,7 +12158,7 @@
           <a:p>
             <a:fld id="{1644BD7C-F7E4-4602-B4BA-7731E171C526}" type="datetimeFigureOut">
               <a:rPr lang="en-AU" smtClean="0"/>
-              <a:t>28/10/2016</a:t>
+              <a:t>29/10/2016</a:t>
             </a:fld>
             <a:endParaRPr lang="en-AU"/>
           </a:p>
@@ -12942,6 +12942,713 @@
           <a:chExt cx="0" cy="0"/>
         </a:xfrm>
       </p:grpSpPr>
+      <p:pic>
+        <p:nvPicPr>
+          <p:cNvPr id="4" name="Content Placeholder 3"/>
+          <p:cNvPicPr>
+            <a:picLocks noGrp="1" noChangeAspect="1"/>
+          </p:cNvPicPr>
+          <p:nvPr>
+            <p:ph idx="1"/>
+          </p:nvPr>
+        </p:nvPicPr>
+        <p:blipFill rotWithShape="1">
+          <a:blip r:embed="rId3"/>
+          <a:srcRect l="5134" t="8537"/>
+          <a:stretch/>
+        </p:blipFill>
+        <p:spPr>
+          <a:xfrm>
+            <a:off x="646111" y="1404198"/>
+            <a:ext cx="4806355" cy="4332841"/>
+          </a:xfrm>
+          <a:prstGeom prst="rect">
+            <a:avLst/>
+          </a:prstGeom>
+        </p:spPr>
+      </p:pic>
+      <p:sp>
+        <p:nvSpPr>
+          <p:cNvPr id="5" name="TextBox 4"/>
+          <p:cNvSpPr txBox="1"/>
+          <p:nvPr/>
+        </p:nvSpPr>
+        <p:spPr>
+          <a:xfrm>
+            <a:off x="5882186" y="1695962"/>
+            <a:ext cx="5390866" cy="4031873"/>
+          </a:xfrm>
+          <a:prstGeom prst="rect">
+            <a:avLst/>
+          </a:prstGeom>
+          <a:noFill/>
+        </p:spPr>
+        <p:txBody>
+          <a:bodyPr wrap="square" rtlCol="0">
+            <a:spAutoFit/>
+          </a:bodyPr>
+          <a:lstStyle/>
+          <a:p>
+            <a:r>
+              <a:rPr lang="en-US" sz="2400" dirty="0" smtClean="0"/>
+              <a:t>Hypothesis: </a:t>
+            </a:r>
+          </a:p>
+          <a:p>
+            <a:endParaRPr lang="en-US" sz="2000" dirty="0" smtClean="0"/>
+          </a:p>
+          <a:p>
+            <a:pPr algn="ctr"/>
+            <a:r>
+              <a:rPr lang="en-AU" sz="2000" dirty="0"/>
+              <a:t>Cavin-1 expression in PC3 cell limits the </a:t>
+            </a:r>
+            <a:r>
+              <a:rPr lang="en-AU" sz="2000" dirty="0" smtClean="0"/>
+              <a:t>extracellular </a:t>
+            </a:r>
+            <a:r>
+              <a:rPr lang="en-AU" sz="2000" dirty="0"/>
+              <a:t>vesicle export of a subset of microRNAs by modulating the export of their RNA-binding </a:t>
+            </a:r>
+            <a:r>
+              <a:rPr lang="en-AU" sz="2000" dirty="0" smtClean="0"/>
+              <a:t>proteins</a:t>
+            </a:r>
+          </a:p>
+          <a:p>
+            <a:pPr algn="ctr"/>
+            <a:endParaRPr lang="en-US" sz="2000" dirty="0" smtClean="0"/>
+          </a:p>
+          <a:p>
+            <a:pPr algn="ctr"/>
+            <a:endParaRPr lang="en-US" sz="2000" dirty="0"/>
+          </a:p>
+          <a:p>
+            <a:r>
+              <a:rPr lang="en-US" dirty="0"/>
+              <a:t>Export proteins should:</a:t>
+            </a:r>
+          </a:p>
+          <a:p>
+            <a:pPr lvl="1"/>
+            <a:r>
+              <a:rPr lang="en-US" dirty="0"/>
+              <a:t>Possess differential export due to cavin-1</a:t>
+            </a:r>
+          </a:p>
+          <a:p>
+            <a:pPr lvl="1"/>
+            <a:r>
+              <a:rPr lang="en-US" dirty="0"/>
+              <a:t>Possess RNA binding ability</a:t>
+            </a:r>
+            <a:endParaRPr lang="en-AU" dirty="0"/>
+          </a:p>
+          <a:p>
+            <a:pPr lvl="1"/>
+            <a:r>
+              <a:rPr lang="en-US" dirty="0"/>
+              <a:t>Predicted to bind the exported </a:t>
+            </a:r>
+            <a:r>
+              <a:rPr lang="en-US" dirty="0" err="1"/>
+              <a:t>miRs</a:t>
+            </a:r>
+            <a:r>
+              <a:rPr lang="en-US" dirty="0"/>
+              <a:t>. </a:t>
+            </a:r>
+          </a:p>
+          <a:p>
+            <a:pPr algn="ctr"/>
+            <a:endParaRPr lang="en-US" sz="2000" dirty="0" smtClean="0"/>
+          </a:p>
+        </p:txBody>
+      </p:sp>
+      <p:sp>
+        <p:nvSpPr>
+          <p:cNvPr id="3" name="TextBox 2"/>
+          <p:cNvSpPr txBox="1"/>
+          <p:nvPr/>
+        </p:nvSpPr>
+        <p:spPr>
+          <a:xfrm>
+            <a:off x="3772557" y="5180113"/>
+            <a:ext cx="1301959" cy="369332"/>
+          </a:xfrm>
+          <a:prstGeom prst="rect">
+            <a:avLst/>
+          </a:prstGeom>
+          <a:noFill/>
+        </p:spPr>
+        <p:txBody>
+          <a:bodyPr wrap="none" rtlCol="0">
+            <a:spAutoFit/>
+          </a:bodyPr>
+          <a:lstStyle/>
+          <a:p>
+            <a:r>
+              <a:rPr lang="en-AU" dirty="0" err="1" smtClean="0">
+                <a:solidFill>
+                  <a:schemeClr val="bg1"/>
+                </a:solidFill>
+              </a:rPr>
+              <a:t>Caveolin</a:t>
+            </a:r>
+            <a:r>
+              <a:rPr lang="en-AU" sz="1400" dirty="0">
+                <a:solidFill>
+                  <a:schemeClr val="bg1"/>
+                </a:solidFill>
+              </a:rPr>
+              <a:t>+</a:t>
+            </a:r>
+          </a:p>
+        </p:txBody>
+      </p:sp>
+      <p:sp>
+        <p:nvSpPr>
+          <p:cNvPr id="6" name="Title 1"/>
+          <p:cNvSpPr>
+            <a:spLocks noGrp="1"/>
+          </p:cNvSpPr>
+          <p:nvPr>
+            <p:ph type="title"/>
+          </p:nvPr>
+        </p:nvSpPr>
+        <p:spPr>
+          <a:xfrm>
+            <a:off x="646111" y="452718"/>
+            <a:ext cx="9912352" cy="1400530"/>
+          </a:xfrm>
+        </p:spPr>
+        <p:txBody>
+          <a:bodyPr/>
+          <a:lstStyle/>
+          <a:p>
+            <a:r>
+              <a:rPr lang="en-AU" sz="3600" dirty="0" smtClean="0"/>
+              <a:t>Aim 2. Identify candidate export protein</a:t>
+            </a:r>
+            <a:endParaRPr lang="en-AU" sz="3600" dirty="0"/>
+          </a:p>
+        </p:txBody>
+      </p:sp>
+      <p:sp>
+        <p:nvSpPr>
+          <p:cNvPr id="7" name="Rectangle 6"/>
+          <p:cNvSpPr/>
+          <p:nvPr/>
+        </p:nvSpPr>
+        <p:spPr>
+          <a:xfrm>
+            <a:off x="5802086" y="4038600"/>
+            <a:ext cx="5279571" cy="1689235"/>
+          </a:xfrm>
+          <a:prstGeom prst="rect">
+            <a:avLst/>
+          </a:prstGeom>
+          <a:noFill/>
+          <a:ln>
+            <a:solidFill>
+              <a:srgbClr val="FFFF00"/>
+            </a:solidFill>
+          </a:ln>
+        </p:spPr>
+        <p:style>
+          <a:lnRef idx="2">
+            <a:schemeClr val="accent1">
+              <a:shade val="50000"/>
+            </a:schemeClr>
+          </a:lnRef>
+          <a:fillRef idx="1">
+            <a:schemeClr val="accent1"/>
+          </a:fillRef>
+          <a:effectRef idx="0">
+            <a:schemeClr val="accent1"/>
+          </a:effectRef>
+          <a:fontRef idx="minor">
+            <a:schemeClr val="lt1"/>
+          </a:fontRef>
+        </p:style>
+        <p:txBody>
+          <a:bodyPr rtlCol="0" anchor="ctr"/>
+          <a:lstStyle/>
+          <a:p>
+            <a:pPr algn="ctr"/>
+            <a:endParaRPr lang="en-AU"/>
+          </a:p>
+        </p:txBody>
+      </p:sp>
+    </p:spTree>
+    <p:extLst>
+      <p:ext uri="{BB962C8B-B14F-4D97-AF65-F5344CB8AC3E}">
+        <p14:creationId xmlns:p14="http://schemas.microsoft.com/office/powerpoint/2010/main" val="1136151865"/>
+      </p:ext>
+    </p:extLst>
+  </p:cSld>
+  <p:clrMapOvr>
+    <a:masterClrMapping/>
+  </p:clrMapOvr>
+  <p:timing>
+    <p:tnLst>
+      <p:par>
+        <p:cTn id="1" dur="indefinite" restart="never" nodeType="tmRoot"/>
+      </p:par>
+    </p:tnLst>
+  </p:timing>
+</p:sld>
+</file>
+
+<file path=ppt/slides/slide12.xml><?xml version="1.0" encoding="utf-8"?>
+<p:sld xmlns:a="http://schemas.openxmlformats.org/drawingml/2006/main" xmlns:r="http://schemas.openxmlformats.org/officeDocument/2006/relationships" xmlns:p="http://schemas.openxmlformats.org/presentationml/2006/main">
+  <p:cSld>
+    <p:spTree>
+      <p:nvGrpSpPr>
+        <p:cNvPr id="1" name=""/>
+        <p:cNvGrpSpPr/>
+        <p:nvPr/>
+      </p:nvGrpSpPr>
+      <p:grpSpPr>
+        <a:xfrm>
+          <a:off x="0" y="0"/>
+          <a:ext cx="0" cy="0"/>
+          <a:chOff x="0" y="0"/>
+          <a:chExt cx="0" cy="0"/>
+        </a:xfrm>
+      </p:grpSpPr>
+      <p:sp>
+        <p:nvSpPr>
+          <p:cNvPr id="2" name="Title 1"/>
+          <p:cNvSpPr>
+            <a:spLocks noGrp="1"/>
+          </p:cNvSpPr>
+          <p:nvPr>
+            <p:ph type="title"/>
+          </p:nvPr>
+        </p:nvSpPr>
+        <p:spPr>
+          <a:xfrm>
+            <a:off x="646111" y="452718"/>
+            <a:ext cx="9912352" cy="1400530"/>
+          </a:xfrm>
+        </p:spPr>
+        <p:txBody>
+          <a:bodyPr/>
+          <a:lstStyle/>
+          <a:p>
+            <a:r>
+              <a:rPr lang="en-AU" sz="3600" dirty="0" smtClean="0"/>
+              <a:t>Quantitative proteomics of EVs</a:t>
+            </a:r>
+            <a:endParaRPr lang="en-AU" sz="3600" dirty="0"/>
+          </a:p>
+        </p:txBody>
+      </p:sp>
+      <p:sp>
+        <p:nvSpPr>
+          <p:cNvPr id="3" name="Content Placeholder 2"/>
+          <p:cNvSpPr>
+            <a:spLocks noGrp="1"/>
+          </p:cNvSpPr>
+          <p:nvPr>
+            <p:ph idx="1"/>
+          </p:nvPr>
+        </p:nvSpPr>
+        <p:spPr>
+          <a:xfrm>
+            <a:off x="646111" y="1853248"/>
+            <a:ext cx="5645643" cy="4195481"/>
+          </a:xfrm>
+        </p:spPr>
+        <p:txBody>
+          <a:bodyPr>
+            <a:normAutofit/>
+          </a:bodyPr>
+          <a:lstStyle/>
+          <a:p>
+            <a:pPr marL="0" indent="0">
+              <a:buNone/>
+            </a:pPr>
+            <a:r>
+              <a:rPr lang="en-US" dirty="0" smtClean="0"/>
+              <a:t>Export proteins should:</a:t>
+            </a:r>
+          </a:p>
+          <a:p>
+            <a:pPr lvl="1"/>
+            <a:r>
+              <a:rPr lang="en-US" dirty="0" smtClean="0">
+                <a:solidFill>
+                  <a:srgbClr val="FFFF00"/>
+                </a:solidFill>
+              </a:rPr>
+              <a:t>Possess differential export due to cavin-1</a:t>
+            </a:r>
+          </a:p>
+          <a:p>
+            <a:pPr lvl="1"/>
+            <a:r>
+              <a:rPr lang="en-US" dirty="0" smtClean="0">
+                <a:solidFill>
+                  <a:srgbClr val="FFFF00"/>
+                </a:solidFill>
+              </a:rPr>
+              <a:t>Possess RNA binding ability</a:t>
+            </a:r>
+            <a:endParaRPr lang="en-AU" dirty="0">
+              <a:solidFill>
+                <a:srgbClr val="FFFF00"/>
+              </a:solidFill>
+            </a:endParaRPr>
+          </a:p>
+          <a:p>
+            <a:pPr lvl="1"/>
+            <a:r>
+              <a:rPr lang="en-US" dirty="0" smtClean="0"/>
+              <a:t>Predicted to bind the exported </a:t>
+            </a:r>
+            <a:r>
+              <a:rPr lang="en-US" dirty="0" err="1" smtClean="0"/>
+              <a:t>miRs</a:t>
+            </a:r>
+            <a:r>
+              <a:rPr lang="en-US" dirty="0" smtClean="0"/>
+              <a:t>. </a:t>
+            </a:r>
+          </a:p>
+          <a:p>
+            <a:pPr marL="0" lvl="1" indent="0">
+              <a:buNone/>
+            </a:pPr>
+            <a:endParaRPr lang="en-US" dirty="0"/>
+          </a:p>
+          <a:p>
+            <a:pPr marL="0" lvl="1" indent="0">
+              <a:buNone/>
+            </a:pPr>
+            <a:r>
+              <a:rPr lang="en-US" dirty="0" smtClean="0"/>
+              <a:t>MS/MS compared proteomic content of EVs from PC3 and PC3-cavin-1 cells. 				</a:t>
+            </a:r>
+            <a:r>
+              <a:rPr lang="en-US" sz="1200" dirty="0" smtClean="0"/>
+              <a:t>(</a:t>
+            </a:r>
+            <a:r>
+              <a:rPr lang="en-US" sz="1200" dirty="0" err="1" smtClean="0"/>
+              <a:t>Inder</a:t>
+            </a:r>
+            <a:r>
+              <a:rPr lang="en-US" sz="1200" dirty="0" smtClean="0"/>
+              <a:t> 2012)</a:t>
+            </a:r>
+          </a:p>
+          <a:p>
+            <a:pPr marL="0" lvl="1" indent="0">
+              <a:buNone/>
+            </a:pPr>
+            <a:endParaRPr lang="en-US" dirty="0" smtClean="0"/>
+          </a:p>
+          <a:p>
+            <a:pPr marL="0" lvl="1" indent="0">
+              <a:buNone/>
+            </a:pPr>
+            <a:r>
+              <a:rPr lang="en-US" dirty="0" smtClean="0"/>
+              <a:t>Gene Ontology analysis for RNA binding. </a:t>
+            </a:r>
+          </a:p>
+          <a:p>
+            <a:pPr marL="457200" lvl="1" indent="0">
+              <a:buNone/>
+            </a:pPr>
+            <a:endParaRPr lang="en-US" dirty="0"/>
+          </a:p>
+        </p:txBody>
+      </p:sp>
+      <p:pic>
+        <p:nvPicPr>
+          <p:cNvPr id="4" name="Picture 3"/>
+          <p:cNvPicPr/>
+          <p:nvPr/>
+        </p:nvPicPr>
+        <p:blipFill rotWithShape="1">
+          <a:blip r:embed="rId3"/>
+          <a:srcRect t="6033" r="339" b="972"/>
+          <a:stretch/>
+        </p:blipFill>
+        <p:spPr bwMode="auto">
+          <a:xfrm>
+            <a:off x="6291754" y="2059111"/>
+            <a:ext cx="5437183" cy="3246999"/>
+          </a:xfrm>
+          <a:prstGeom prst="rect">
+            <a:avLst/>
+          </a:prstGeom>
+          <a:ln>
+            <a:noFill/>
+          </a:ln>
+          <a:extLst>
+            <a:ext uri="{53640926-AAD7-44D8-BBD7-CCE9431645EC}">
+              <a14:shadowObscured xmlns:a14="http://schemas.microsoft.com/office/drawing/2010/main"/>
+            </a:ext>
+          </a:extLst>
+        </p:spPr>
+      </p:pic>
+    </p:spTree>
+    <p:extLst>
+      <p:ext uri="{BB962C8B-B14F-4D97-AF65-F5344CB8AC3E}">
+        <p14:creationId xmlns:p14="http://schemas.microsoft.com/office/powerpoint/2010/main" val="1526522927"/>
+      </p:ext>
+    </p:extLst>
+  </p:cSld>
+  <p:clrMapOvr>
+    <a:masterClrMapping/>
+  </p:clrMapOvr>
+</p:sld>
+</file>
+
+<file path=ppt/slides/slide13.xml><?xml version="1.0" encoding="utf-8"?>
+<p:sld xmlns:a="http://schemas.openxmlformats.org/drawingml/2006/main" xmlns:r="http://schemas.openxmlformats.org/officeDocument/2006/relationships" xmlns:p="http://schemas.openxmlformats.org/presentationml/2006/main">
+  <p:cSld>
+    <p:spTree>
+      <p:nvGrpSpPr>
+        <p:cNvPr id="1" name=""/>
+        <p:cNvGrpSpPr/>
+        <p:nvPr/>
+      </p:nvGrpSpPr>
+      <p:grpSpPr>
+        <a:xfrm>
+          <a:off x="0" y="0"/>
+          <a:ext cx="0" cy="0"/>
+          <a:chOff x="0" y="0"/>
+          <a:chExt cx="0" cy="0"/>
+        </a:xfrm>
+      </p:grpSpPr>
+      <p:sp>
+        <p:nvSpPr>
+          <p:cNvPr id="2" name="Title 1"/>
+          <p:cNvSpPr>
+            <a:spLocks noGrp="1"/>
+          </p:cNvSpPr>
+          <p:nvPr>
+            <p:ph type="title"/>
+          </p:nvPr>
+        </p:nvSpPr>
+        <p:spPr>
+          <a:xfrm>
+            <a:off x="875201" y="553744"/>
+            <a:ext cx="9404723" cy="1400530"/>
+          </a:xfrm>
+        </p:spPr>
+        <p:txBody>
+          <a:bodyPr/>
+          <a:lstStyle/>
+          <a:p>
+            <a:r>
+              <a:rPr lang="en-US" dirty="0" err="1" smtClean="0"/>
+              <a:t>hnRNPK</a:t>
+            </a:r>
+            <a:r>
+              <a:rPr lang="en-US" dirty="0" smtClean="0"/>
+              <a:t>: viable export protein</a:t>
+            </a:r>
+            <a:endParaRPr lang="en-AU" dirty="0"/>
+          </a:p>
+        </p:txBody>
+      </p:sp>
+      <p:sp>
+        <p:nvSpPr>
+          <p:cNvPr id="3" name="Content Placeholder 2"/>
+          <p:cNvSpPr>
+            <a:spLocks noGrp="1"/>
+          </p:cNvSpPr>
+          <p:nvPr>
+            <p:ph idx="1"/>
+          </p:nvPr>
+        </p:nvSpPr>
+        <p:spPr>
+          <a:xfrm>
+            <a:off x="1333383" y="1954274"/>
+            <a:ext cx="8946541" cy="4195481"/>
+          </a:xfrm>
+        </p:spPr>
+        <p:txBody>
+          <a:bodyPr/>
+          <a:lstStyle/>
+          <a:p>
+            <a:r>
+              <a:rPr lang="en-US" dirty="0" smtClean="0"/>
+              <a:t>hnRNPA2B1 mediates export of </a:t>
+            </a:r>
+            <a:r>
+              <a:rPr lang="en-US" dirty="0" err="1" smtClean="0"/>
+              <a:t>miRs</a:t>
+            </a:r>
+            <a:r>
+              <a:rPr lang="en-US" dirty="0" smtClean="0"/>
+              <a:t> in T-lymphocytes		</a:t>
+            </a:r>
+          </a:p>
+          <a:p>
+            <a:pPr marL="457200" lvl="1" indent="0">
+              <a:buNone/>
+            </a:pPr>
+            <a:r>
+              <a:rPr lang="en-US" sz="1200" dirty="0" smtClean="0"/>
+              <a:t>										(</a:t>
+            </a:r>
+            <a:r>
+              <a:rPr lang="en-US" sz="1200" dirty="0" err="1" smtClean="0"/>
+              <a:t>Villarroya-Beltri</a:t>
+            </a:r>
+            <a:r>
+              <a:rPr lang="en-US" sz="1200" dirty="0" smtClean="0"/>
+              <a:t> 2013)</a:t>
+            </a:r>
+          </a:p>
+          <a:p>
+            <a:pPr marL="457200" lvl="1" indent="0">
+              <a:buNone/>
+            </a:pPr>
+            <a:endParaRPr lang="en-US" sz="1200" dirty="0" smtClean="0"/>
+          </a:p>
+          <a:p>
+            <a:r>
+              <a:rPr lang="en-US" dirty="0" err="1"/>
+              <a:t>hnRNPK</a:t>
+            </a:r>
+            <a:r>
+              <a:rPr lang="en-US" dirty="0"/>
+              <a:t> commonly exported in cancer derived EVs </a:t>
+            </a:r>
+          </a:p>
+          <a:p>
+            <a:pPr marL="457200" lvl="1" indent="0">
+              <a:buNone/>
+            </a:pPr>
+            <a:r>
+              <a:rPr lang="en-US" sz="1400" dirty="0"/>
+              <a:t>                                          (Zhang 2015, Ji 2013, </a:t>
+            </a:r>
+            <a:r>
+              <a:rPr lang="en-US" sz="1400" dirty="0" err="1"/>
+              <a:t>Welton</a:t>
+            </a:r>
+            <a:r>
+              <a:rPr lang="en-US" sz="1400" dirty="0"/>
+              <a:t> 2010, </a:t>
+            </a:r>
+            <a:r>
+              <a:rPr lang="en-US" sz="1400" dirty="0" err="1"/>
+              <a:t>Remteke</a:t>
+            </a:r>
+            <a:r>
+              <a:rPr lang="en-US" sz="1400" dirty="0"/>
+              <a:t> 2015)</a:t>
+            </a:r>
+          </a:p>
+          <a:p>
+            <a:pPr marL="0" indent="0">
+              <a:buNone/>
+            </a:pPr>
+            <a:endParaRPr lang="en-US" dirty="0" smtClean="0"/>
+          </a:p>
+          <a:p>
+            <a:r>
+              <a:rPr lang="en-US" dirty="0" err="1" smtClean="0"/>
+              <a:t>hnRNPK</a:t>
+            </a:r>
+            <a:r>
+              <a:rPr lang="en-US" dirty="0" smtClean="0"/>
+              <a:t> binds to miR-122 at AGUGUG region. 		</a:t>
+            </a:r>
+            <a:r>
+              <a:rPr lang="en-US" sz="1200" dirty="0" smtClean="0"/>
+              <a:t>(Fan 2015)</a:t>
+            </a:r>
+            <a:endParaRPr lang="en-US" sz="1600" dirty="0" smtClean="0"/>
+          </a:p>
+          <a:p>
+            <a:pPr lvl="1"/>
+            <a:r>
+              <a:rPr lang="en-US" dirty="0" smtClean="0"/>
+              <a:t>FIMO prediction matches motif to this region (p=0.0435)</a:t>
+            </a:r>
+          </a:p>
+          <a:p>
+            <a:pPr marL="285750" lvl="1"/>
+            <a:endParaRPr lang="en-US" dirty="0" smtClean="0"/>
+          </a:p>
+          <a:p>
+            <a:pPr marL="285750" lvl="1"/>
+            <a:r>
+              <a:rPr lang="en-US" sz="2000" dirty="0" err="1" smtClean="0"/>
+              <a:t>hnRNPK</a:t>
+            </a:r>
+            <a:r>
+              <a:rPr lang="en-US" sz="2000" dirty="0" smtClean="0"/>
+              <a:t> fulfils all criteria for the candidate export protein</a:t>
+            </a:r>
+            <a:endParaRPr lang="en-US" sz="2000" dirty="0"/>
+          </a:p>
+        </p:txBody>
+      </p:sp>
+      <p:pic>
+        <p:nvPicPr>
+          <p:cNvPr id="4" name="Content Placeholder 3"/>
+          <p:cNvPicPr>
+            <a:picLocks/>
+          </p:cNvPicPr>
+          <p:nvPr/>
+        </p:nvPicPr>
+        <p:blipFill rotWithShape="1">
+          <a:blip r:embed="rId3"/>
+          <a:srcRect l="29272" t="7167" r="22958" b="51050"/>
+          <a:stretch/>
+        </p:blipFill>
+        <p:spPr>
+          <a:xfrm>
+            <a:off x="9186864" y="3354804"/>
+            <a:ext cx="2900362" cy="1854022"/>
+          </a:xfrm>
+          <a:prstGeom prst="rect">
+            <a:avLst/>
+          </a:prstGeom>
+        </p:spPr>
+      </p:pic>
+    </p:spTree>
+    <p:extLst>
+      <p:ext uri="{BB962C8B-B14F-4D97-AF65-F5344CB8AC3E}">
+        <p14:creationId xmlns:p14="http://schemas.microsoft.com/office/powerpoint/2010/main" val="2921461513"/>
+      </p:ext>
+    </p:extLst>
+  </p:cSld>
+  <p:clrMapOvr>
+    <a:masterClrMapping/>
+  </p:clrMapOvr>
+</p:sld>
+</file>
+
+<file path=ppt/slides/slide14.xml><?xml version="1.0" encoding="utf-8"?>
+<p:sld xmlns:a="http://schemas.openxmlformats.org/drawingml/2006/main" xmlns:r="http://schemas.openxmlformats.org/officeDocument/2006/relationships" xmlns:p="http://schemas.openxmlformats.org/presentationml/2006/main">
+  <p:cSld>
+    <p:spTree>
+      <p:nvGrpSpPr>
+        <p:cNvPr id="1" name=""/>
+        <p:cNvGrpSpPr/>
+        <p:nvPr/>
+      </p:nvGrpSpPr>
+      <p:grpSpPr>
+        <a:xfrm>
+          <a:off x="0" y="0"/>
+          <a:ext cx="0" cy="0"/>
+          <a:chOff x="0" y="0"/>
+          <a:chExt cx="0" cy="0"/>
+        </a:xfrm>
+      </p:grpSpPr>
       <p:sp>
         <p:nvSpPr>
           <p:cNvPr id="2" name="Title 1"/>
@@ -13629,283 +14336,7 @@
 </p:sld>
 </file>
 
-<file path=ppt/slides/slide12.xml><?xml version="1.0" encoding="utf-8"?>
-<p:sld xmlns:a="http://schemas.openxmlformats.org/drawingml/2006/main" xmlns:r="http://schemas.openxmlformats.org/officeDocument/2006/relationships" xmlns:p="http://schemas.openxmlformats.org/presentationml/2006/main">
-  <p:cSld>
-    <p:spTree>
-      <p:nvGrpSpPr>
-        <p:cNvPr id="1" name=""/>
-        <p:cNvGrpSpPr/>
-        <p:nvPr/>
-      </p:nvGrpSpPr>
-      <p:grpSpPr>
-        <a:xfrm>
-          <a:off x="0" y="0"/>
-          <a:ext cx="0" cy="0"/>
-          <a:chOff x="0" y="0"/>
-          <a:chExt cx="0" cy="0"/>
-        </a:xfrm>
-      </p:grpSpPr>
-      <p:pic>
-        <p:nvPicPr>
-          <p:cNvPr id="4" name="Content Placeholder 3"/>
-          <p:cNvPicPr>
-            <a:picLocks noGrp="1" noChangeAspect="1"/>
-          </p:cNvPicPr>
-          <p:nvPr>
-            <p:ph idx="1"/>
-          </p:nvPr>
-        </p:nvPicPr>
-        <p:blipFill rotWithShape="1">
-          <a:blip r:embed="rId3"/>
-          <a:srcRect l="5134" t="8537"/>
-          <a:stretch/>
-        </p:blipFill>
-        <p:spPr>
-          <a:xfrm>
-            <a:off x="646111" y="1404198"/>
-            <a:ext cx="4806355" cy="4332841"/>
-          </a:xfrm>
-          <a:prstGeom prst="rect">
-            <a:avLst/>
-          </a:prstGeom>
-        </p:spPr>
-      </p:pic>
-      <p:sp>
-        <p:nvSpPr>
-          <p:cNvPr id="5" name="TextBox 4"/>
-          <p:cNvSpPr txBox="1"/>
-          <p:nvPr/>
-        </p:nvSpPr>
-        <p:spPr>
-          <a:xfrm>
-            <a:off x="5882186" y="1695962"/>
-            <a:ext cx="5390866" cy="4031873"/>
-          </a:xfrm>
-          <a:prstGeom prst="rect">
-            <a:avLst/>
-          </a:prstGeom>
-          <a:noFill/>
-        </p:spPr>
-        <p:txBody>
-          <a:bodyPr wrap="square" rtlCol="0">
-            <a:spAutoFit/>
-          </a:bodyPr>
-          <a:lstStyle/>
-          <a:p>
-            <a:r>
-              <a:rPr lang="en-US" sz="2400" dirty="0" smtClean="0"/>
-              <a:t>Hypothesis: </a:t>
-            </a:r>
-          </a:p>
-          <a:p>
-            <a:endParaRPr lang="en-US" sz="2000" dirty="0" smtClean="0"/>
-          </a:p>
-          <a:p>
-            <a:pPr algn="ctr"/>
-            <a:r>
-              <a:rPr lang="en-AU" sz="2000" dirty="0"/>
-              <a:t>Cavin-1 expression in PC3 cell limits the </a:t>
-            </a:r>
-            <a:r>
-              <a:rPr lang="en-AU" sz="2000" dirty="0" smtClean="0"/>
-              <a:t>extracellular </a:t>
-            </a:r>
-            <a:r>
-              <a:rPr lang="en-AU" sz="2000" dirty="0"/>
-              <a:t>vesicle export of a subset of microRNAs by modulating the export of their RNA-binding </a:t>
-            </a:r>
-            <a:r>
-              <a:rPr lang="en-AU" sz="2000" dirty="0" smtClean="0"/>
-              <a:t>proteins</a:t>
-            </a:r>
-          </a:p>
-          <a:p>
-            <a:pPr algn="ctr"/>
-            <a:endParaRPr lang="en-US" sz="2000" dirty="0" smtClean="0"/>
-          </a:p>
-          <a:p>
-            <a:pPr algn="ctr"/>
-            <a:endParaRPr lang="en-US" sz="2000" dirty="0"/>
-          </a:p>
-          <a:p>
-            <a:r>
-              <a:rPr lang="en-US" dirty="0"/>
-              <a:t>Export proteins should:</a:t>
-            </a:r>
-          </a:p>
-          <a:p>
-            <a:pPr lvl="1"/>
-            <a:r>
-              <a:rPr lang="en-US" dirty="0"/>
-              <a:t>Possess differential export due to cavin-1</a:t>
-            </a:r>
-          </a:p>
-          <a:p>
-            <a:pPr lvl="1"/>
-            <a:r>
-              <a:rPr lang="en-US" dirty="0"/>
-              <a:t>Possess RNA binding ability</a:t>
-            </a:r>
-            <a:endParaRPr lang="en-AU" dirty="0"/>
-          </a:p>
-          <a:p>
-            <a:pPr lvl="1"/>
-            <a:r>
-              <a:rPr lang="en-US" dirty="0"/>
-              <a:t>Predicted to bind the exported </a:t>
-            </a:r>
-            <a:r>
-              <a:rPr lang="en-US" dirty="0" err="1"/>
-              <a:t>miRs</a:t>
-            </a:r>
-            <a:r>
-              <a:rPr lang="en-US" dirty="0"/>
-              <a:t>. </a:t>
-            </a:r>
-          </a:p>
-          <a:p>
-            <a:pPr algn="ctr"/>
-            <a:endParaRPr lang="en-US" sz="2000" dirty="0" smtClean="0"/>
-          </a:p>
-        </p:txBody>
-      </p:sp>
-      <p:sp>
-        <p:nvSpPr>
-          <p:cNvPr id="3" name="TextBox 2"/>
-          <p:cNvSpPr txBox="1"/>
-          <p:nvPr/>
-        </p:nvSpPr>
-        <p:spPr>
-          <a:xfrm>
-            <a:off x="3772557" y="5180113"/>
-            <a:ext cx="1301959" cy="369332"/>
-          </a:xfrm>
-          <a:prstGeom prst="rect">
-            <a:avLst/>
-          </a:prstGeom>
-          <a:noFill/>
-        </p:spPr>
-        <p:txBody>
-          <a:bodyPr wrap="none" rtlCol="0">
-            <a:spAutoFit/>
-          </a:bodyPr>
-          <a:lstStyle/>
-          <a:p>
-            <a:r>
-              <a:rPr lang="en-AU" dirty="0" err="1" smtClean="0">
-                <a:solidFill>
-                  <a:schemeClr val="bg1"/>
-                </a:solidFill>
-              </a:rPr>
-              <a:t>Caveolin</a:t>
-            </a:r>
-            <a:r>
-              <a:rPr lang="en-AU" sz="1400" dirty="0">
-                <a:solidFill>
-                  <a:schemeClr val="bg1"/>
-                </a:solidFill>
-              </a:rPr>
-              <a:t>+</a:t>
-            </a:r>
-          </a:p>
-        </p:txBody>
-      </p:sp>
-      <p:sp>
-        <p:nvSpPr>
-          <p:cNvPr id="6" name="Title 1"/>
-          <p:cNvSpPr>
-            <a:spLocks noGrp="1"/>
-          </p:cNvSpPr>
-          <p:nvPr>
-            <p:ph type="title"/>
-          </p:nvPr>
-        </p:nvSpPr>
-        <p:spPr>
-          <a:xfrm>
-            <a:off x="646111" y="452718"/>
-            <a:ext cx="9912352" cy="1400530"/>
-          </a:xfrm>
-        </p:spPr>
-        <p:txBody>
-          <a:bodyPr/>
-          <a:lstStyle/>
-          <a:p>
-            <a:r>
-              <a:rPr lang="en-AU" sz="3600" dirty="0" smtClean="0"/>
-              <a:t>Aim 2. Identify candidate export protein</a:t>
-            </a:r>
-            <a:endParaRPr lang="en-AU" sz="3600" dirty="0"/>
-          </a:p>
-        </p:txBody>
-      </p:sp>
-      <p:sp>
-        <p:nvSpPr>
-          <p:cNvPr id="7" name="Rectangle 6"/>
-          <p:cNvSpPr/>
-          <p:nvPr/>
-        </p:nvSpPr>
-        <p:spPr>
-          <a:xfrm>
-            <a:off x="5802086" y="4038600"/>
-            <a:ext cx="5279571" cy="1689235"/>
-          </a:xfrm>
-          <a:prstGeom prst="rect">
-            <a:avLst/>
-          </a:prstGeom>
-          <a:noFill/>
-          <a:ln>
-            <a:solidFill>
-              <a:srgbClr val="FFFF00"/>
-            </a:solidFill>
-          </a:ln>
-        </p:spPr>
-        <p:style>
-          <a:lnRef idx="2">
-            <a:schemeClr val="accent1">
-              <a:shade val="50000"/>
-            </a:schemeClr>
-          </a:lnRef>
-          <a:fillRef idx="1">
-            <a:schemeClr val="accent1"/>
-          </a:fillRef>
-          <a:effectRef idx="0">
-            <a:schemeClr val="accent1"/>
-          </a:effectRef>
-          <a:fontRef idx="minor">
-            <a:schemeClr val="lt1"/>
-          </a:fontRef>
-        </p:style>
-        <p:txBody>
-          <a:bodyPr rtlCol="0" anchor="ctr"/>
-          <a:lstStyle/>
-          <a:p>
-            <a:pPr algn="ctr"/>
-            <a:endParaRPr lang="en-AU"/>
-          </a:p>
-        </p:txBody>
-      </p:sp>
-    </p:spTree>
-    <p:extLst>
-      <p:ext uri="{BB962C8B-B14F-4D97-AF65-F5344CB8AC3E}">
-        <p14:creationId xmlns:p14="http://schemas.microsoft.com/office/powerpoint/2010/main" val="1136151865"/>
-      </p:ext>
-    </p:extLst>
-  </p:cSld>
-  <p:clrMapOvr>
-    <a:masterClrMapping/>
-  </p:clrMapOvr>
-  <p:timing>
-    <p:tnLst>
-      <p:par>
-        <p:cTn id="1" dur="indefinite" restart="never" nodeType="tmRoot"/>
-      </p:par>
-    </p:tnLst>
-  </p:timing>
-</p:sld>
-</file>
-
-<file path=ppt/slides/slide13.xml><?xml version="1.0" encoding="utf-8"?>
+<file path=ppt/slides/slide15.xml><?xml version="1.0" encoding="utf-8"?>
 <p:sld xmlns:a="http://schemas.openxmlformats.org/drawingml/2006/main" xmlns:r="http://schemas.openxmlformats.org/officeDocument/2006/relationships" xmlns:p="http://schemas.openxmlformats.org/presentationml/2006/main">
   <p:cSld>
     <p:spTree>
@@ -14143,437 +14574,6 @@
     <p:extLst>
       <p:ext uri="{BB962C8B-B14F-4D97-AF65-F5344CB8AC3E}">
         <p14:creationId xmlns:p14="http://schemas.microsoft.com/office/powerpoint/2010/main" val="3705903832"/>
-      </p:ext>
-    </p:extLst>
-  </p:cSld>
-  <p:clrMapOvr>
-    <a:masterClrMapping/>
-  </p:clrMapOvr>
-</p:sld>
-</file>
-
-<file path=ppt/slides/slide14.xml><?xml version="1.0" encoding="utf-8"?>
-<p:sld xmlns:a="http://schemas.openxmlformats.org/drawingml/2006/main" xmlns:r="http://schemas.openxmlformats.org/officeDocument/2006/relationships" xmlns:p="http://schemas.openxmlformats.org/presentationml/2006/main">
-  <p:cSld>
-    <p:spTree>
-      <p:nvGrpSpPr>
-        <p:cNvPr id="1" name=""/>
-        <p:cNvGrpSpPr/>
-        <p:nvPr/>
-      </p:nvGrpSpPr>
-      <p:grpSpPr>
-        <a:xfrm>
-          <a:off x="0" y="0"/>
-          <a:ext cx="0" cy="0"/>
-          <a:chOff x="0" y="0"/>
-          <a:chExt cx="0" cy="0"/>
-        </a:xfrm>
-      </p:grpSpPr>
-      <p:sp>
-        <p:nvSpPr>
-          <p:cNvPr id="2" name="Title 1"/>
-          <p:cNvSpPr>
-            <a:spLocks noGrp="1"/>
-          </p:cNvSpPr>
-          <p:nvPr>
-            <p:ph type="title"/>
-          </p:nvPr>
-        </p:nvSpPr>
-        <p:spPr>
-          <a:xfrm>
-            <a:off x="646111" y="452718"/>
-            <a:ext cx="9912352" cy="1400530"/>
-          </a:xfrm>
-        </p:spPr>
-        <p:txBody>
-          <a:bodyPr/>
-          <a:lstStyle/>
-          <a:p>
-            <a:r>
-              <a:rPr lang="en-AU" sz="3600" dirty="0" smtClean="0"/>
-              <a:t>Quantitative proteomics of EVs</a:t>
-            </a:r>
-            <a:endParaRPr lang="en-AU" sz="3600" dirty="0"/>
-          </a:p>
-        </p:txBody>
-      </p:sp>
-      <p:sp>
-        <p:nvSpPr>
-          <p:cNvPr id="3" name="Content Placeholder 2"/>
-          <p:cNvSpPr>
-            <a:spLocks noGrp="1"/>
-          </p:cNvSpPr>
-          <p:nvPr>
-            <p:ph idx="1"/>
-          </p:nvPr>
-        </p:nvSpPr>
-        <p:spPr>
-          <a:xfrm>
-            <a:off x="646111" y="1853248"/>
-            <a:ext cx="5645643" cy="4195481"/>
-          </a:xfrm>
-        </p:spPr>
-        <p:txBody>
-          <a:bodyPr>
-            <a:normAutofit/>
-          </a:bodyPr>
-          <a:lstStyle/>
-          <a:p>
-            <a:pPr marL="0" indent="0">
-              <a:buNone/>
-            </a:pPr>
-            <a:r>
-              <a:rPr lang="en-US" dirty="0" smtClean="0"/>
-              <a:t>Export proteins should:</a:t>
-            </a:r>
-          </a:p>
-          <a:p>
-            <a:pPr lvl="1"/>
-            <a:r>
-              <a:rPr lang="en-US" dirty="0" smtClean="0">
-                <a:solidFill>
-                  <a:srgbClr val="FFFF00"/>
-                </a:solidFill>
-              </a:rPr>
-              <a:t>Possess differential export due to cavin-1</a:t>
-            </a:r>
-          </a:p>
-          <a:p>
-            <a:pPr lvl="1"/>
-            <a:r>
-              <a:rPr lang="en-US" dirty="0" smtClean="0">
-                <a:solidFill>
-                  <a:srgbClr val="FFFF00"/>
-                </a:solidFill>
-              </a:rPr>
-              <a:t>Possess RNA binding ability</a:t>
-            </a:r>
-            <a:endParaRPr lang="en-AU" dirty="0">
-              <a:solidFill>
-                <a:srgbClr val="FFFF00"/>
-              </a:solidFill>
-            </a:endParaRPr>
-          </a:p>
-          <a:p>
-            <a:pPr lvl="1"/>
-            <a:r>
-              <a:rPr lang="en-US" dirty="0" smtClean="0"/>
-              <a:t>Predicted to bind the exported </a:t>
-            </a:r>
-            <a:r>
-              <a:rPr lang="en-US" dirty="0" err="1" smtClean="0"/>
-              <a:t>miRs</a:t>
-            </a:r>
-            <a:r>
-              <a:rPr lang="en-US" dirty="0" smtClean="0"/>
-              <a:t>. </a:t>
-            </a:r>
-          </a:p>
-          <a:p>
-            <a:pPr marL="0" lvl="1" indent="0">
-              <a:buNone/>
-            </a:pPr>
-            <a:endParaRPr lang="en-US" dirty="0"/>
-          </a:p>
-          <a:p>
-            <a:pPr marL="0" lvl="1" indent="0">
-              <a:buNone/>
-            </a:pPr>
-            <a:r>
-              <a:rPr lang="en-US" dirty="0" smtClean="0"/>
-              <a:t>MS/MS compared proteomic content of EVs from PC3 and PC3-cavin-1 cells. 				</a:t>
-            </a:r>
-            <a:r>
-              <a:rPr lang="en-US" sz="1200" dirty="0" smtClean="0"/>
-              <a:t>(</a:t>
-            </a:r>
-            <a:r>
-              <a:rPr lang="en-US" sz="1200" dirty="0" err="1" smtClean="0"/>
-              <a:t>Inder</a:t>
-            </a:r>
-            <a:r>
-              <a:rPr lang="en-US" sz="1200" dirty="0" smtClean="0"/>
-              <a:t> 2012)</a:t>
-            </a:r>
-          </a:p>
-          <a:p>
-            <a:pPr marL="0" lvl="1" indent="0">
-              <a:buNone/>
-            </a:pPr>
-            <a:endParaRPr lang="en-US" dirty="0" smtClean="0"/>
-          </a:p>
-          <a:p>
-            <a:pPr marL="0" lvl="1" indent="0">
-              <a:buNone/>
-            </a:pPr>
-            <a:r>
-              <a:rPr lang="en-US" dirty="0" smtClean="0"/>
-              <a:t>Gene Ontology analysis for RNA binding. </a:t>
-            </a:r>
-          </a:p>
-          <a:p>
-            <a:pPr marL="457200" lvl="1" indent="0">
-              <a:buNone/>
-            </a:pPr>
-            <a:endParaRPr lang="en-US" dirty="0"/>
-          </a:p>
-        </p:txBody>
-      </p:sp>
-      <p:pic>
-        <p:nvPicPr>
-          <p:cNvPr id="4" name="Picture 3"/>
-          <p:cNvPicPr/>
-          <p:nvPr/>
-        </p:nvPicPr>
-        <p:blipFill rotWithShape="1">
-          <a:blip r:embed="rId3"/>
-          <a:srcRect t="6033" r="339" b="972"/>
-          <a:stretch/>
-        </p:blipFill>
-        <p:spPr bwMode="auto">
-          <a:xfrm>
-            <a:off x="6291754" y="2059111"/>
-            <a:ext cx="5437183" cy="3246999"/>
-          </a:xfrm>
-          <a:prstGeom prst="rect">
-            <a:avLst/>
-          </a:prstGeom>
-          <a:ln>
-            <a:noFill/>
-          </a:ln>
-          <a:extLst>
-            <a:ext uri="{53640926-AAD7-44D8-BBD7-CCE9431645EC}">
-              <a14:shadowObscured xmlns:a14="http://schemas.microsoft.com/office/drawing/2010/main"/>
-            </a:ext>
-          </a:extLst>
-        </p:spPr>
-      </p:pic>
-    </p:spTree>
-    <p:extLst>
-      <p:ext uri="{BB962C8B-B14F-4D97-AF65-F5344CB8AC3E}">
-        <p14:creationId xmlns:p14="http://schemas.microsoft.com/office/powerpoint/2010/main" val="1526522927"/>
-      </p:ext>
-    </p:extLst>
-  </p:cSld>
-  <p:clrMapOvr>
-    <a:masterClrMapping/>
-  </p:clrMapOvr>
-</p:sld>
-</file>
-
-<file path=ppt/slides/slide15.xml><?xml version="1.0" encoding="utf-8"?>
-<p:sld xmlns:a="http://schemas.openxmlformats.org/drawingml/2006/main" xmlns:r="http://schemas.openxmlformats.org/officeDocument/2006/relationships" xmlns:p="http://schemas.openxmlformats.org/presentationml/2006/main">
-  <p:cSld>
-    <p:spTree>
-      <p:nvGrpSpPr>
-        <p:cNvPr id="1" name=""/>
-        <p:cNvGrpSpPr/>
-        <p:nvPr/>
-      </p:nvGrpSpPr>
-      <p:grpSpPr>
-        <a:xfrm>
-          <a:off x="0" y="0"/>
-          <a:ext cx="0" cy="0"/>
-          <a:chOff x="0" y="0"/>
-          <a:chExt cx="0" cy="0"/>
-        </a:xfrm>
-      </p:grpSpPr>
-      <p:sp>
-        <p:nvSpPr>
-          <p:cNvPr id="2" name="Title 1"/>
-          <p:cNvSpPr>
-            <a:spLocks noGrp="1"/>
-          </p:cNvSpPr>
-          <p:nvPr>
-            <p:ph type="title"/>
-          </p:nvPr>
-        </p:nvSpPr>
-        <p:spPr>
-          <a:xfrm>
-            <a:off x="875201" y="553744"/>
-            <a:ext cx="9404723" cy="1400530"/>
-          </a:xfrm>
-        </p:spPr>
-        <p:txBody>
-          <a:bodyPr/>
-          <a:lstStyle/>
-          <a:p>
-            <a:r>
-              <a:rPr lang="en-US" dirty="0" err="1" smtClean="0"/>
-              <a:t>hnRNPK</a:t>
-            </a:r>
-            <a:r>
-              <a:rPr lang="en-US" dirty="0" smtClean="0"/>
-              <a:t>: viable export protein</a:t>
-            </a:r>
-            <a:endParaRPr lang="en-AU" dirty="0"/>
-          </a:p>
-        </p:txBody>
-      </p:sp>
-      <p:sp>
-        <p:nvSpPr>
-          <p:cNvPr id="3" name="Content Placeholder 2"/>
-          <p:cNvSpPr>
-            <a:spLocks noGrp="1"/>
-          </p:cNvSpPr>
-          <p:nvPr>
-            <p:ph idx="1"/>
-          </p:nvPr>
-        </p:nvSpPr>
-        <p:spPr>
-          <a:xfrm>
-            <a:off x="1333383" y="1954274"/>
-            <a:ext cx="8946541" cy="4195481"/>
-          </a:xfrm>
-        </p:spPr>
-        <p:txBody>
-          <a:bodyPr/>
-          <a:lstStyle/>
-          <a:p>
-            <a:r>
-              <a:rPr lang="en-US" dirty="0" smtClean="0"/>
-              <a:t>hnRNPA2B1 mediates export of </a:t>
-            </a:r>
-            <a:r>
-              <a:rPr lang="en-US" dirty="0" err="1" smtClean="0"/>
-              <a:t>miRs</a:t>
-            </a:r>
-            <a:r>
-              <a:rPr lang="en-US" dirty="0" smtClean="0"/>
-              <a:t> in T-lymphocytes		</a:t>
-            </a:r>
-          </a:p>
-          <a:p>
-            <a:pPr marL="457200" lvl="1" indent="0">
-              <a:buNone/>
-            </a:pPr>
-            <a:r>
-              <a:rPr lang="en-US" sz="1200" dirty="0" smtClean="0"/>
-              <a:t>										(</a:t>
-            </a:r>
-            <a:r>
-              <a:rPr lang="en-US" sz="1200" dirty="0" err="1" smtClean="0"/>
-              <a:t>Villarroya-Beltri</a:t>
-            </a:r>
-            <a:r>
-              <a:rPr lang="en-US" sz="1200" dirty="0" smtClean="0"/>
-              <a:t> 2013)</a:t>
-            </a:r>
-          </a:p>
-          <a:p>
-            <a:pPr marL="457200" lvl="1" indent="0">
-              <a:buNone/>
-            </a:pPr>
-            <a:endParaRPr lang="en-US" sz="1200" dirty="0" smtClean="0"/>
-          </a:p>
-          <a:p>
-            <a:r>
-              <a:rPr lang="en-US" dirty="0" err="1"/>
-              <a:t>hnRNPK</a:t>
-            </a:r>
-            <a:r>
-              <a:rPr lang="en-US" dirty="0"/>
-              <a:t> commonly exported in cancer derived EVs </a:t>
-            </a:r>
-          </a:p>
-          <a:p>
-            <a:pPr marL="457200" lvl="1" indent="0">
-              <a:buNone/>
-            </a:pPr>
-            <a:r>
-              <a:rPr lang="en-US" sz="1400" dirty="0"/>
-              <a:t>                                          (Zhang 2015, Ji 2013, </a:t>
-            </a:r>
-            <a:r>
-              <a:rPr lang="en-US" sz="1400" dirty="0" err="1"/>
-              <a:t>Welton</a:t>
-            </a:r>
-            <a:r>
-              <a:rPr lang="en-US" sz="1400" dirty="0"/>
-              <a:t> 2010, </a:t>
-            </a:r>
-            <a:r>
-              <a:rPr lang="en-US" sz="1400" dirty="0" err="1"/>
-              <a:t>Remteke</a:t>
-            </a:r>
-            <a:r>
-              <a:rPr lang="en-US" sz="1400" dirty="0"/>
-              <a:t> 2015)</a:t>
-            </a:r>
-          </a:p>
-          <a:p>
-            <a:pPr marL="0" indent="0">
-              <a:buNone/>
-            </a:pPr>
-            <a:endParaRPr lang="en-US" dirty="0" smtClean="0"/>
-          </a:p>
-          <a:p>
-            <a:r>
-              <a:rPr lang="en-US" dirty="0" err="1" smtClean="0"/>
-              <a:t>hnRNPK</a:t>
-            </a:r>
-            <a:r>
-              <a:rPr lang="en-US" dirty="0" smtClean="0"/>
-              <a:t> binds to miR-122 at AGUGUG region. 		</a:t>
-            </a:r>
-            <a:r>
-              <a:rPr lang="en-US" sz="1200" dirty="0" smtClean="0"/>
-              <a:t>(Fan 2015)</a:t>
-            </a:r>
-            <a:endParaRPr lang="en-US" sz="1600" dirty="0" smtClean="0"/>
-          </a:p>
-          <a:p>
-            <a:pPr lvl="1"/>
-            <a:r>
-              <a:rPr lang="en-US" dirty="0" smtClean="0"/>
-              <a:t>FIMO prediction matches motif to this region (p=0.0435)</a:t>
-            </a:r>
-          </a:p>
-          <a:p>
-            <a:pPr marL="285750" lvl="1"/>
-            <a:endParaRPr lang="en-US" dirty="0" smtClean="0"/>
-          </a:p>
-          <a:p>
-            <a:pPr marL="285750" lvl="1"/>
-            <a:r>
-              <a:rPr lang="en-US" sz="2000" dirty="0" err="1" smtClean="0"/>
-              <a:t>hnRNPK</a:t>
-            </a:r>
-            <a:r>
-              <a:rPr lang="en-US" sz="2000" dirty="0" smtClean="0"/>
-              <a:t> fulfils all criteria for the candidate export protein</a:t>
-            </a:r>
-            <a:endParaRPr lang="en-US" sz="2000" dirty="0"/>
-          </a:p>
-        </p:txBody>
-      </p:sp>
-      <p:pic>
-        <p:nvPicPr>
-          <p:cNvPr id="4" name="Content Placeholder 3"/>
-          <p:cNvPicPr>
-            <a:picLocks/>
-          </p:cNvPicPr>
-          <p:nvPr/>
-        </p:nvPicPr>
-        <p:blipFill rotWithShape="1">
-          <a:blip r:embed="rId3"/>
-          <a:srcRect l="29272" t="7167" r="22958" b="51050"/>
-          <a:stretch/>
-        </p:blipFill>
-        <p:spPr>
-          <a:xfrm>
-            <a:off x="9186864" y="3354804"/>
-            <a:ext cx="2900362" cy="1854022"/>
-          </a:xfrm>
-          <a:prstGeom prst="rect">
-            <a:avLst/>
-          </a:prstGeom>
-        </p:spPr>
-      </p:pic>
-    </p:spTree>
-    <p:extLst>
-      <p:ext uri="{BB962C8B-B14F-4D97-AF65-F5344CB8AC3E}">
-        <p14:creationId xmlns:p14="http://schemas.microsoft.com/office/powerpoint/2010/main" val="2921461513"/>
       </p:ext>
     </p:extLst>
   </p:cSld>
@@ -19399,7 +19399,7 @@
         </p:nvSpPr>
         <p:spPr>
           <a:xfrm>
-            <a:off x="860590" y="1881207"/>
+            <a:off x="860590" y="2021887"/>
             <a:ext cx="4306889" cy="4195481"/>
           </a:xfrm>
         </p:spPr>
@@ -19410,32 +19410,27 @@
           <a:lstStyle/>
           <a:p>
             <a:r>
+              <a:rPr lang="en-US" dirty="0" smtClean="0"/>
+              <a:t>Selective vs sampling export.</a:t>
+            </a:r>
+            <a:endParaRPr lang="en-US" dirty="0" smtClean="0"/>
+          </a:p>
+          <a:p>
+            <a:endParaRPr lang="en-US" dirty="0" smtClean="0"/>
+          </a:p>
+          <a:p>
+            <a:r>
+              <a:rPr lang="en-US" dirty="0" smtClean="0"/>
+              <a:t>3 replicates prepared by Jayde </a:t>
+            </a:r>
+            <a:r>
               <a:rPr lang="en-US" dirty="0" err="1" smtClean="0"/>
-              <a:t>miRNAome</a:t>
-            </a:r>
-            <a:r>
-              <a:rPr lang="en-US" dirty="0" smtClean="0"/>
-              <a:t> of EVs</a:t>
-            </a:r>
-          </a:p>
-          <a:p>
-            <a:r>
-              <a:rPr lang="en-US" dirty="0" err="1" smtClean="0"/>
-              <a:t>miRNAome</a:t>
-            </a:r>
-            <a:r>
-              <a:rPr lang="en-US" dirty="0" smtClean="0"/>
-              <a:t> of cells</a:t>
-            </a:r>
-          </a:p>
-          <a:p>
+              <a:t>Ruelcke</a:t>
+            </a:r>
             <a:endParaRPr lang="en-US" dirty="0" smtClean="0"/>
           </a:p>
           <a:p>
-            <a:r>
-              <a:rPr lang="en-US" dirty="0" smtClean="0"/>
-              <a:t>3 replicates prepared by Jayde Ruelcke</a:t>
-            </a:r>
+            <a:endParaRPr lang="en-US" dirty="0" smtClean="0"/>
           </a:p>
           <a:p>
             <a:r>
@@ -19489,7 +19484,7 @@
         </p:blipFill>
         <p:spPr>
           <a:xfrm>
-            <a:off x="5780635" y="1703640"/>
+            <a:off x="5780635" y="2248763"/>
             <a:ext cx="5579026" cy="3486150"/>
           </a:xfrm>
           <a:prstGeom prst="rect">
@@ -19505,7 +19500,7 @@
         </p:nvSpPr>
         <p:spPr>
           <a:xfrm>
-            <a:off x="7200900" y="2332264"/>
+            <a:off x="7200900" y="2877387"/>
             <a:ext cx="2757486" cy="307777"/>
           </a:xfrm>
           <a:prstGeom prst="rect">
@@ -19543,7 +19538,7 @@
         </p:nvSpPr>
         <p:spPr>
           <a:xfrm>
-            <a:off x="7267575" y="4446814"/>
+            <a:off x="7267575" y="4991937"/>
             <a:ext cx="3095719" cy="307777"/>
           </a:xfrm>
           <a:prstGeom prst="rect">
@@ -19678,7 +19673,7 @@
         <p:spPr>
           <a:xfrm>
             <a:off x="6108795" y="1682958"/>
-            <a:ext cx="4817659" cy="4555093"/>
+            <a:ext cx="4817659" cy="2759730"/>
           </a:xfrm>
           <a:prstGeom prst="rect">
             <a:avLst/>
@@ -19859,16 +19854,6 @@
               <a:buChar char=""/>
             </a:pPr>
             <a:r>
-              <a:rPr lang="en-AU" sz="2000" dirty="0">
-                <a:solidFill>
-                  <a:prstClr val="white"/>
-                </a:solidFill>
-                <a:ea typeface="+mj-ea"/>
-                <a:cs typeface="+mj-cs"/>
-              </a:rPr>
-              <a:t>Presence in EVs due to sampling or selective </a:t>
-            </a:r>
-            <a:r>
               <a:rPr lang="en-AU" sz="2000" dirty="0" smtClean="0">
                 <a:solidFill>
                   <a:prstClr val="white"/>
@@ -19876,150 +19861,7 @@
                 <a:ea typeface="+mj-ea"/>
                 <a:cs typeface="+mj-cs"/>
               </a:rPr>
-              <a:t>export: predict by comparing to cell</a:t>
-            </a:r>
-          </a:p>
-          <a:p>
-            <a:pPr marL="342900" lvl="0" indent="-342900" defTabSz="457200">
-              <a:spcBef>
-                <a:spcPts val="1000"/>
-              </a:spcBef>
-              <a:buClr>
-                <a:srgbClr val="DDDDDD"/>
-              </a:buClr>
-              <a:buSzPct val="80000"/>
-              <a:buFont typeface="Wingdings 3" charset="2"/>
-              <a:buChar char=""/>
-            </a:pPr>
-            <a:endParaRPr lang="en-AU" sz="2000" dirty="0" smtClean="0">
-              <a:solidFill>
-                <a:prstClr val="white"/>
-              </a:solidFill>
-              <a:ea typeface="+mj-ea"/>
-              <a:cs typeface="+mj-cs"/>
-            </a:endParaRPr>
-          </a:p>
-          <a:p>
-            <a:pPr marL="342900" lvl="0" indent="-342900" defTabSz="457200">
-              <a:spcBef>
-                <a:spcPts val="1000"/>
-              </a:spcBef>
-              <a:buClr>
-                <a:srgbClr val="DDDDDD"/>
-              </a:buClr>
-              <a:buSzPct val="80000"/>
-              <a:buFont typeface="Wingdings 3" charset="2"/>
-              <a:buChar char=""/>
-            </a:pPr>
-            <a:r>
-              <a:rPr lang="en-US" sz="2000" b="1" dirty="0" smtClean="0">
-                <a:solidFill>
-                  <a:prstClr val="white"/>
-                </a:solidFill>
-                <a:ea typeface="+mj-ea"/>
-                <a:cs typeface="+mj-cs"/>
-              </a:rPr>
-              <a:t>5</a:t>
-            </a:r>
-            <a:r>
-              <a:rPr lang="en-US" sz="2000" dirty="0" smtClean="0">
-                <a:solidFill>
-                  <a:prstClr val="white"/>
-                </a:solidFill>
-                <a:ea typeface="+mj-ea"/>
-                <a:cs typeface="+mj-cs"/>
-              </a:rPr>
-              <a:t> </a:t>
-            </a:r>
-            <a:r>
-              <a:rPr lang="en-US" sz="2000" dirty="0" err="1" smtClean="0">
-                <a:solidFill>
-                  <a:prstClr val="white"/>
-                </a:solidFill>
-                <a:ea typeface="+mj-ea"/>
-                <a:cs typeface="+mj-cs"/>
-              </a:rPr>
-              <a:t>miRs</a:t>
-            </a:r>
-            <a:r>
-              <a:rPr lang="en-US" sz="2000" dirty="0" smtClean="0">
-                <a:solidFill>
-                  <a:prstClr val="white"/>
-                </a:solidFill>
-                <a:ea typeface="+mj-ea"/>
-                <a:cs typeface="+mj-cs"/>
-              </a:rPr>
-              <a:t> with reduced export by cavin-1, </a:t>
-            </a:r>
-            <a:r>
-              <a:rPr lang="en-US" sz="2000" b="1" dirty="0" smtClean="0">
-                <a:solidFill>
-                  <a:prstClr val="white"/>
-                </a:solidFill>
-                <a:ea typeface="+mj-ea"/>
-                <a:cs typeface="+mj-cs"/>
-              </a:rPr>
-              <a:t>6</a:t>
-            </a:r>
-            <a:r>
-              <a:rPr lang="en-US" sz="2000" dirty="0" smtClean="0">
-                <a:solidFill>
-                  <a:prstClr val="white"/>
-                </a:solidFill>
-                <a:ea typeface="+mj-ea"/>
-                <a:cs typeface="+mj-cs"/>
-              </a:rPr>
-              <a:t> </a:t>
-            </a:r>
-            <a:r>
-              <a:rPr lang="en-US" sz="2000" dirty="0" err="1" smtClean="0">
-                <a:solidFill>
-                  <a:prstClr val="white"/>
-                </a:solidFill>
-                <a:ea typeface="+mj-ea"/>
-                <a:cs typeface="+mj-cs"/>
-              </a:rPr>
-              <a:t>miRs</a:t>
-            </a:r>
-            <a:r>
-              <a:rPr lang="en-US" sz="2000" dirty="0" smtClean="0">
-                <a:solidFill>
-                  <a:prstClr val="white"/>
-                </a:solidFill>
-                <a:ea typeface="+mj-ea"/>
-                <a:cs typeface="+mj-cs"/>
-              </a:rPr>
-              <a:t> sampled and </a:t>
-            </a:r>
-            <a:r>
-              <a:rPr lang="en-US" sz="2000" b="1" dirty="0" smtClean="0">
-                <a:solidFill>
-                  <a:prstClr val="white"/>
-                </a:solidFill>
-                <a:ea typeface="+mj-ea"/>
-                <a:cs typeface="+mj-cs"/>
-              </a:rPr>
-              <a:t>1 </a:t>
-            </a:r>
-            <a:r>
-              <a:rPr lang="en-US" sz="2000" dirty="0" err="1" smtClean="0">
-                <a:solidFill>
-                  <a:prstClr val="white"/>
-                </a:solidFill>
-                <a:ea typeface="+mj-ea"/>
-                <a:cs typeface="+mj-cs"/>
-              </a:rPr>
-              <a:t>miR</a:t>
-            </a:r>
-            <a:r>
-              <a:rPr lang="en-US" sz="2000" dirty="0" smtClean="0">
-                <a:solidFill>
-                  <a:prstClr val="white"/>
-                </a:solidFill>
-                <a:ea typeface="+mj-ea"/>
-                <a:cs typeface="+mj-cs"/>
-              </a:rPr>
-              <a:t> induced export by cavin-1. </a:t>
+              <a:t>Both sampling and selective export occurring. </a:t>
             </a:r>
             <a:endParaRPr lang="en-AU" sz="2000" dirty="0">
               <a:solidFill>

--- a/CollCompBiol.pptx
+++ b/CollCompBiol.pptx
@@ -19,10 +19,10 @@
     <p:sldId id="262" r:id="rId10"/>
     <p:sldId id="269" r:id="rId11"/>
     <p:sldId id="281" r:id="rId12"/>
-    <p:sldId id="264" r:id="rId13"/>
-    <p:sldId id="272" r:id="rId14"/>
-    <p:sldId id="263" r:id="rId15"/>
-    <p:sldId id="271" r:id="rId16"/>
+    <p:sldId id="263" r:id="rId13"/>
+    <p:sldId id="271" r:id="rId14"/>
+    <p:sldId id="264" r:id="rId15"/>
+    <p:sldId id="272" r:id="rId16"/>
     <p:sldId id="265" r:id="rId17"/>
     <p:sldId id="273" r:id="rId18"/>
     <p:sldId id="274" r:id="rId19"/>
@@ -1447,757 +1447,6 @@
       <dsp:cNvGrpSpPr/>
     </dsp:nvGrpSpPr>
     <dsp:grpSpPr/>
-    <dsp:sp modelId="{B5AB1BF9-4ACD-4891-81A7-FE6469FA1B42}">
-      <dsp:nvSpPr>
-        <dsp:cNvPr id="0" name=""/>
-        <dsp:cNvSpPr/>
-      </dsp:nvSpPr>
-      <dsp:spPr>
-        <a:xfrm>
-          <a:off x="0" y="0"/>
-          <a:ext cx="4133226" cy="698616"/>
-        </a:xfrm>
-        <a:prstGeom prst="roundRect">
-          <a:avLst>
-            <a:gd name="adj" fmla="val 10000"/>
-          </a:avLst>
-        </a:prstGeom>
-        <a:solidFill>
-          <a:schemeClr val="accent1">
-            <a:hueOff val="0"/>
-            <a:satOff val="0"/>
-            <a:lumOff val="0"/>
-            <a:alphaOff val="0"/>
-          </a:schemeClr>
-        </a:solidFill>
-        <a:ln w="19050" cap="rnd" cmpd="sng" algn="ctr">
-          <a:solidFill>
-            <a:schemeClr val="lt1">
-              <a:hueOff val="0"/>
-              <a:satOff val="0"/>
-              <a:lumOff val="0"/>
-              <a:alphaOff val="0"/>
-            </a:schemeClr>
-          </a:solidFill>
-          <a:prstDash val="solid"/>
-        </a:ln>
-        <a:effectLst/>
-      </dsp:spPr>
-      <dsp:style>
-        <a:lnRef idx="2">
-          <a:scrgbClr r="0" g="0" b="0"/>
-        </a:lnRef>
-        <a:fillRef idx="1">
-          <a:scrgbClr r="0" g="0" b="0"/>
-        </a:fillRef>
-        <a:effectRef idx="0">
-          <a:scrgbClr r="0" g="0" b="0"/>
-        </a:effectRef>
-        <a:fontRef idx="minor">
-          <a:schemeClr val="lt1"/>
-        </a:fontRef>
-      </dsp:style>
-      <dsp:txBody>
-        <a:bodyPr spcFirstLastPara="0" vert="horz" wrap="square" lIns="80010" tIns="80010" rIns="80010" bIns="80010" numCol="1" spcCol="1270" anchor="ctr" anchorCtr="0">
-          <a:noAutofit/>
-        </a:bodyPr>
-        <a:lstStyle/>
-        <a:p>
-          <a:pPr lvl="0" algn="l" defTabSz="933450">
-            <a:lnSpc>
-              <a:spcPct val="90000"/>
-            </a:lnSpc>
-            <a:spcBef>
-              <a:spcPct val="0"/>
-            </a:spcBef>
-            <a:spcAft>
-              <a:spcPct val="35000"/>
-            </a:spcAft>
-          </a:pPr>
-          <a:r>
-            <a:rPr lang="en-US" sz="2100" kern="1200" dirty="0" smtClean="0">
-              <a:solidFill>
-                <a:schemeClr val="bg1"/>
-              </a:solidFill>
-            </a:rPr>
-            <a:t>EV and cell collection</a:t>
-          </a:r>
-          <a:endParaRPr lang="en-AU" sz="2100" kern="1200" dirty="0">
-            <a:solidFill>
-              <a:schemeClr val="bg1"/>
-            </a:solidFill>
-          </a:endParaRPr>
-        </a:p>
-      </dsp:txBody>
-      <dsp:txXfrm>
-        <a:off x="20462" y="20462"/>
-        <a:ext cx="3297626" cy="657692"/>
-      </dsp:txXfrm>
-    </dsp:sp>
-    <dsp:sp modelId="{142466EF-5655-42A9-8BF0-F1624F077F06}">
-      <dsp:nvSpPr>
-        <dsp:cNvPr id="0" name=""/>
-        <dsp:cNvSpPr/>
-      </dsp:nvSpPr>
-      <dsp:spPr>
-        <a:xfrm>
-          <a:off x="308650" y="795646"/>
-          <a:ext cx="4133226" cy="698616"/>
-        </a:xfrm>
-        <a:prstGeom prst="roundRect">
-          <a:avLst>
-            <a:gd name="adj" fmla="val 10000"/>
-          </a:avLst>
-        </a:prstGeom>
-        <a:solidFill>
-          <a:schemeClr val="accent1">
-            <a:hueOff val="0"/>
-            <a:satOff val="0"/>
-            <a:lumOff val="0"/>
-            <a:alphaOff val="0"/>
-          </a:schemeClr>
-        </a:solidFill>
-        <a:ln w="19050" cap="rnd" cmpd="sng" algn="ctr">
-          <a:solidFill>
-            <a:schemeClr val="lt1">
-              <a:hueOff val="0"/>
-              <a:satOff val="0"/>
-              <a:lumOff val="0"/>
-              <a:alphaOff val="0"/>
-            </a:schemeClr>
-          </a:solidFill>
-          <a:prstDash val="solid"/>
-        </a:ln>
-        <a:effectLst/>
-      </dsp:spPr>
-      <dsp:style>
-        <a:lnRef idx="2">
-          <a:scrgbClr r="0" g="0" b="0"/>
-        </a:lnRef>
-        <a:fillRef idx="1">
-          <a:scrgbClr r="0" g="0" b="0"/>
-        </a:fillRef>
-        <a:effectRef idx="0">
-          <a:scrgbClr r="0" g="0" b="0"/>
-        </a:effectRef>
-        <a:fontRef idx="minor">
-          <a:schemeClr val="lt1"/>
-        </a:fontRef>
-      </dsp:style>
-      <dsp:txBody>
-        <a:bodyPr spcFirstLastPara="0" vert="horz" wrap="square" lIns="80010" tIns="80010" rIns="80010" bIns="80010" numCol="1" spcCol="1270" anchor="ctr" anchorCtr="0">
-          <a:noAutofit/>
-        </a:bodyPr>
-        <a:lstStyle/>
-        <a:p>
-          <a:pPr lvl="0" algn="l" defTabSz="933450">
-            <a:lnSpc>
-              <a:spcPct val="90000"/>
-            </a:lnSpc>
-            <a:spcBef>
-              <a:spcPct val="0"/>
-            </a:spcBef>
-            <a:spcAft>
-              <a:spcPct val="35000"/>
-            </a:spcAft>
-          </a:pPr>
-          <a:r>
-            <a:rPr lang="en-US" sz="2100" kern="1200" dirty="0" smtClean="0">
-              <a:solidFill>
-                <a:schemeClr val="bg1"/>
-              </a:solidFill>
-            </a:rPr>
-            <a:t>RNA extraction</a:t>
-          </a:r>
-          <a:endParaRPr lang="en-AU" sz="2100" kern="1200" dirty="0">
-            <a:solidFill>
-              <a:schemeClr val="bg1"/>
-            </a:solidFill>
-          </a:endParaRPr>
-        </a:p>
-      </dsp:txBody>
-      <dsp:txXfrm>
-        <a:off x="329112" y="816108"/>
-        <a:ext cx="3329551" cy="657692"/>
-      </dsp:txXfrm>
-    </dsp:sp>
-    <dsp:sp modelId="{537E957E-2D49-43EA-8008-F973EA99ED84}">
-      <dsp:nvSpPr>
-        <dsp:cNvPr id="0" name=""/>
-        <dsp:cNvSpPr/>
-      </dsp:nvSpPr>
-      <dsp:spPr>
-        <a:xfrm>
-          <a:off x="617300" y="1591293"/>
-          <a:ext cx="4133226" cy="698616"/>
-        </a:xfrm>
-        <a:prstGeom prst="roundRect">
-          <a:avLst>
-            <a:gd name="adj" fmla="val 10000"/>
-          </a:avLst>
-        </a:prstGeom>
-        <a:solidFill>
-          <a:schemeClr val="accent1">
-            <a:hueOff val="0"/>
-            <a:satOff val="0"/>
-            <a:lumOff val="0"/>
-            <a:alphaOff val="0"/>
-          </a:schemeClr>
-        </a:solidFill>
-        <a:ln w="19050" cap="rnd" cmpd="sng" algn="ctr">
-          <a:solidFill>
-            <a:schemeClr val="lt1">
-              <a:hueOff val="0"/>
-              <a:satOff val="0"/>
-              <a:lumOff val="0"/>
-              <a:alphaOff val="0"/>
-            </a:schemeClr>
-          </a:solidFill>
-          <a:prstDash val="solid"/>
-        </a:ln>
-        <a:effectLst/>
-      </dsp:spPr>
-      <dsp:style>
-        <a:lnRef idx="2">
-          <a:scrgbClr r="0" g="0" b="0"/>
-        </a:lnRef>
-        <a:fillRef idx="1">
-          <a:scrgbClr r="0" g="0" b="0"/>
-        </a:fillRef>
-        <a:effectRef idx="0">
-          <a:scrgbClr r="0" g="0" b="0"/>
-        </a:effectRef>
-        <a:fontRef idx="minor">
-          <a:schemeClr val="lt1"/>
-        </a:fontRef>
-      </dsp:style>
-      <dsp:txBody>
-        <a:bodyPr spcFirstLastPara="0" vert="horz" wrap="square" lIns="80010" tIns="80010" rIns="80010" bIns="80010" numCol="1" spcCol="1270" anchor="ctr" anchorCtr="0">
-          <a:noAutofit/>
-        </a:bodyPr>
-        <a:lstStyle/>
-        <a:p>
-          <a:pPr lvl="0" algn="l" defTabSz="933450">
-            <a:lnSpc>
-              <a:spcPct val="90000"/>
-            </a:lnSpc>
-            <a:spcBef>
-              <a:spcPct val="0"/>
-            </a:spcBef>
-            <a:spcAft>
-              <a:spcPct val="35000"/>
-            </a:spcAft>
-          </a:pPr>
-          <a:r>
-            <a:rPr lang="en-US" sz="2100" kern="1200" dirty="0" smtClean="0">
-              <a:solidFill>
-                <a:schemeClr val="bg1"/>
-              </a:solidFill>
-            </a:rPr>
-            <a:t>cDNA and poly-A tailing</a:t>
-          </a:r>
-          <a:endParaRPr lang="en-AU" sz="2100" kern="1200" dirty="0">
-            <a:solidFill>
-              <a:schemeClr val="bg1"/>
-            </a:solidFill>
-          </a:endParaRPr>
-        </a:p>
-      </dsp:txBody>
-      <dsp:txXfrm>
-        <a:off x="637762" y="1611755"/>
-        <a:ext cx="3329551" cy="657692"/>
-      </dsp:txXfrm>
-    </dsp:sp>
-    <dsp:sp modelId="{6EF6A664-D7FA-4909-AC1A-B05262E61B69}">
-      <dsp:nvSpPr>
-        <dsp:cNvPr id="0" name=""/>
-        <dsp:cNvSpPr/>
-      </dsp:nvSpPr>
-      <dsp:spPr>
-        <a:xfrm>
-          <a:off x="925950" y="2386940"/>
-          <a:ext cx="4133226" cy="698616"/>
-        </a:xfrm>
-        <a:prstGeom prst="roundRect">
-          <a:avLst>
-            <a:gd name="adj" fmla="val 10000"/>
-          </a:avLst>
-        </a:prstGeom>
-        <a:solidFill>
-          <a:schemeClr val="accent1">
-            <a:hueOff val="0"/>
-            <a:satOff val="0"/>
-            <a:lumOff val="0"/>
-            <a:alphaOff val="0"/>
-          </a:schemeClr>
-        </a:solidFill>
-        <a:ln w="19050" cap="rnd" cmpd="sng" algn="ctr">
-          <a:solidFill>
-            <a:schemeClr val="lt1">
-              <a:hueOff val="0"/>
-              <a:satOff val="0"/>
-              <a:lumOff val="0"/>
-              <a:alphaOff val="0"/>
-            </a:schemeClr>
-          </a:solidFill>
-          <a:prstDash val="solid"/>
-        </a:ln>
-        <a:effectLst/>
-      </dsp:spPr>
-      <dsp:style>
-        <a:lnRef idx="2">
-          <a:scrgbClr r="0" g="0" b="0"/>
-        </a:lnRef>
-        <a:fillRef idx="1">
-          <a:scrgbClr r="0" g="0" b="0"/>
-        </a:fillRef>
-        <a:effectRef idx="0">
-          <a:scrgbClr r="0" g="0" b="0"/>
-        </a:effectRef>
-        <a:fontRef idx="minor">
-          <a:schemeClr val="lt1"/>
-        </a:fontRef>
-      </dsp:style>
-      <dsp:txBody>
-        <a:bodyPr spcFirstLastPara="0" vert="horz" wrap="square" lIns="80010" tIns="80010" rIns="80010" bIns="80010" numCol="1" spcCol="1270" anchor="ctr" anchorCtr="0">
-          <a:noAutofit/>
-        </a:bodyPr>
-        <a:lstStyle/>
-        <a:p>
-          <a:pPr lvl="0" algn="l" defTabSz="933450">
-            <a:lnSpc>
-              <a:spcPct val="90000"/>
-            </a:lnSpc>
-            <a:spcBef>
-              <a:spcPct val="0"/>
-            </a:spcBef>
-            <a:spcAft>
-              <a:spcPct val="35000"/>
-            </a:spcAft>
-          </a:pPr>
-          <a:r>
-            <a:rPr lang="en-US" sz="2100" kern="1200" dirty="0" smtClean="0">
-              <a:solidFill>
-                <a:schemeClr val="bg1"/>
-              </a:solidFill>
-            </a:rPr>
-            <a:t>RT-qPCR</a:t>
-          </a:r>
-          <a:endParaRPr lang="en-AU" sz="2100" kern="1200" dirty="0">
-            <a:solidFill>
-              <a:schemeClr val="bg1"/>
-            </a:solidFill>
-          </a:endParaRPr>
-        </a:p>
-      </dsp:txBody>
-      <dsp:txXfrm>
-        <a:off x="946412" y="2407402"/>
-        <a:ext cx="3329551" cy="657692"/>
-      </dsp:txXfrm>
-    </dsp:sp>
-    <dsp:sp modelId="{1F4391CF-DC44-49F5-9A28-B44F80DF4D55}">
-      <dsp:nvSpPr>
-        <dsp:cNvPr id="0" name=""/>
-        <dsp:cNvSpPr/>
-      </dsp:nvSpPr>
-      <dsp:spPr>
-        <a:xfrm>
-          <a:off x="1234600" y="3182587"/>
-          <a:ext cx="4133226" cy="698616"/>
-        </a:xfrm>
-        <a:prstGeom prst="roundRect">
-          <a:avLst>
-            <a:gd name="adj" fmla="val 10000"/>
-          </a:avLst>
-        </a:prstGeom>
-        <a:solidFill>
-          <a:schemeClr val="accent1">
-            <a:hueOff val="0"/>
-            <a:satOff val="0"/>
-            <a:lumOff val="0"/>
-            <a:alphaOff val="0"/>
-          </a:schemeClr>
-        </a:solidFill>
-        <a:ln w="19050" cap="rnd" cmpd="sng" algn="ctr">
-          <a:solidFill>
-            <a:schemeClr val="lt1">
-              <a:hueOff val="0"/>
-              <a:satOff val="0"/>
-              <a:lumOff val="0"/>
-              <a:alphaOff val="0"/>
-            </a:schemeClr>
-          </a:solidFill>
-          <a:prstDash val="solid"/>
-        </a:ln>
-        <a:effectLst/>
-      </dsp:spPr>
-      <dsp:style>
-        <a:lnRef idx="2">
-          <a:scrgbClr r="0" g="0" b="0"/>
-        </a:lnRef>
-        <a:fillRef idx="1">
-          <a:scrgbClr r="0" g="0" b="0"/>
-        </a:fillRef>
-        <a:effectRef idx="0">
-          <a:scrgbClr r="0" g="0" b="0"/>
-        </a:effectRef>
-        <a:fontRef idx="minor">
-          <a:schemeClr val="lt1"/>
-        </a:fontRef>
-      </dsp:style>
-      <dsp:txBody>
-        <a:bodyPr spcFirstLastPara="0" vert="horz" wrap="square" lIns="80010" tIns="80010" rIns="80010" bIns="80010" numCol="1" spcCol="1270" anchor="ctr" anchorCtr="0">
-          <a:noAutofit/>
-        </a:bodyPr>
-        <a:lstStyle/>
-        <a:p>
-          <a:pPr lvl="0" algn="l" defTabSz="933450">
-            <a:lnSpc>
-              <a:spcPct val="90000"/>
-            </a:lnSpc>
-            <a:spcBef>
-              <a:spcPct val="0"/>
-            </a:spcBef>
-            <a:spcAft>
-              <a:spcPct val="35000"/>
-            </a:spcAft>
-          </a:pPr>
-          <a:r>
-            <a:rPr lang="en-US" sz="2100" kern="1200" dirty="0" smtClean="0">
-              <a:solidFill>
-                <a:schemeClr val="bg1"/>
-              </a:solidFill>
-            </a:rPr>
-            <a:t>Delta </a:t>
-          </a:r>
-          <a:r>
-            <a:rPr lang="en-US" sz="2100" kern="1200" dirty="0" err="1" smtClean="0">
-              <a:solidFill>
-                <a:schemeClr val="bg1"/>
-              </a:solidFill>
-            </a:rPr>
-            <a:t>delta</a:t>
-          </a:r>
-          <a:r>
-            <a:rPr lang="en-US" sz="2100" kern="1200" dirty="0" smtClean="0">
-              <a:solidFill>
-                <a:schemeClr val="bg1"/>
-              </a:solidFill>
-            </a:rPr>
-            <a:t> CT analysis</a:t>
-          </a:r>
-          <a:endParaRPr lang="en-AU" sz="2100" kern="1200" dirty="0">
-            <a:solidFill>
-              <a:schemeClr val="bg1"/>
-            </a:solidFill>
-          </a:endParaRPr>
-        </a:p>
-      </dsp:txBody>
-      <dsp:txXfrm>
-        <a:off x="1255062" y="3203049"/>
-        <a:ext cx="3329551" cy="657692"/>
-      </dsp:txXfrm>
-    </dsp:sp>
-    <dsp:sp modelId="{7C7A3F0C-3A09-40A9-B3A8-9BCA2A046C7A}">
-      <dsp:nvSpPr>
-        <dsp:cNvPr id="0" name=""/>
-        <dsp:cNvSpPr/>
-      </dsp:nvSpPr>
-      <dsp:spPr>
-        <a:xfrm>
-          <a:off x="3679125" y="510378"/>
-          <a:ext cx="454100" cy="454100"/>
-        </a:xfrm>
-        <a:prstGeom prst="downArrow">
-          <a:avLst>
-            <a:gd name="adj1" fmla="val 55000"/>
-            <a:gd name="adj2" fmla="val 45000"/>
-          </a:avLst>
-        </a:prstGeom>
-        <a:solidFill>
-          <a:schemeClr val="bg2">
-            <a:lumMod val="50000"/>
-            <a:lumOff val="50000"/>
-            <a:alpha val="90000"/>
-          </a:schemeClr>
-        </a:solidFill>
-        <a:ln w="19050" cap="rnd" cmpd="sng" algn="ctr">
-          <a:solidFill>
-            <a:schemeClr val="accent1">
-              <a:alpha val="90000"/>
-              <a:tint val="40000"/>
-              <a:hueOff val="0"/>
-              <a:satOff val="0"/>
-              <a:lumOff val="0"/>
-              <a:alphaOff val="0"/>
-            </a:schemeClr>
-          </a:solidFill>
-          <a:prstDash val="solid"/>
-        </a:ln>
-        <a:effectLst/>
-      </dsp:spPr>
-      <dsp:style>
-        <a:lnRef idx="2">
-          <a:scrgbClr r="0" g="0" b="0"/>
-        </a:lnRef>
-        <a:fillRef idx="1">
-          <a:scrgbClr r="0" g="0" b="0"/>
-        </a:fillRef>
-        <a:effectRef idx="0">
-          <a:scrgbClr r="0" g="0" b="0"/>
-        </a:effectRef>
-        <a:fontRef idx="minor"/>
-      </dsp:style>
-      <dsp:txBody>
-        <a:bodyPr spcFirstLastPara="0" vert="horz" wrap="square" lIns="25400" tIns="25400" rIns="25400" bIns="25400" numCol="1" spcCol="1270" anchor="ctr" anchorCtr="0">
-          <a:noAutofit/>
-        </a:bodyPr>
-        <a:lstStyle/>
-        <a:p>
-          <a:pPr lvl="0" algn="ctr" defTabSz="889000">
-            <a:lnSpc>
-              <a:spcPct val="90000"/>
-            </a:lnSpc>
-            <a:spcBef>
-              <a:spcPct val="0"/>
-            </a:spcBef>
-            <a:spcAft>
-              <a:spcPct val="35000"/>
-            </a:spcAft>
-          </a:pPr>
-          <a:endParaRPr lang="en-AU" sz="2000" kern="1200"/>
-        </a:p>
-      </dsp:txBody>
-      <dsp:txXfrm>
-        <a:off x="3781297" y="510378"/>
-        <a:ext cx="249756" cy="341710"/>
-      </dsp:txXfrm>
-    </dsp:sp>
-    <dsp:sp modelId="{09B2B401-8928-462C-B29D-38127C77AA4D}">
-      <dsp:nvSpPr>
-        <dsp:cNvPr id="0" name=""/>
-        <dsp:cNvSpPr/>
-      </dsp:nvSpPr>
-      <dsp:spPr>
-        <a:xfrm>
-          <a:off x="3987775" y="1306025"/>
-          <a:ext cx="454100" cy="454100"/>
-        </a:xfrm>
-        <a:prstGeom prst="downArrow">
-          <a:avLst>
-            <a:gd name="adj1" fmla="val 55000"/>
-            <a:gd name="adj2" fmla="val 45000"/>
-          </a:avLst>
-        </a:prstGeom>
-        <a:solidFill>
-          <a:schemeClr val="bg2">
-            <a:lumMod val="50000"/>
-            <a:lumOff val="50000"/>
-            <a:alpha val="90000"/>
-          </a:schemeClr>
-        </a:solidFill>
-        <a:ln w="19050" cap="rnd" cmpd="sng" algn="ctr">
-          <a:solidFill>
-            <a:schemeClr val="accent1">
-              <a:alpha val="90000"/>
-              <a:tint val="40000"/>
-              <a:hueOff val="0"/>
-              <a:satOff val="0"/>
-              <a:lumOff val="0"/>
-              <a:alphaOff val="0"/>
-            </a:schemeClr>
-          </a:solidFill>
-          <a:prstDash val="solid"/>
-        </a:ln>
-        <a:effectLst/>
-      </dsp:spPr>
-      <dsp:style>
-        <a:lnRef idx="2">
-          <a:scrgbClr r="0" g="0" b="0"/>
-        </a:lnRef>
-        <a:fillRef idx="1">
-          <a:scrgbClr r="0" g="0" b="0"/>
-        </a:fillRef>
-        <a:effectRef idx="0">
-          <a:scrgbClr r="0" g="0" b="0"/>
-        </a:effectRef>
-        <a:fontRef idx="minor"/>
-      </dsp:style>
-      <dsp:txBody>
-        <a:bodyPr spcFirstLastPara="0" vert="horz" wrap="square" lIns="25400" tIns="25400" rIns="25400" bIns="25400" numCol="1" spcCol="1270" anchor="ctr" anchorCtr="0">
-          <a:noAutofit/>
-        </a:bodyPr>
-        <a:lstStyle/>
-        <a:p>
-          <a:pPr lvl="0" algn="ctr" defTabSz="889000">
-            <a:lnSpc>
-              <a:spcPct val="90000"/>
-            </a:lnSpc>
-            <a:spcBef>
-              <a:spcPct val="0"/>
-            </a:spcBef>
-            <a:spcAft>
-              <a:spcPct val="35000"/>
-            </a:spcAft>
-          </a:pPr>
-          <a:endParaRPr lang="en-AU" sz="2000" kern="1200"/>
-        </a:p>
-      </dsp:txBody>
-      <dsp:txXfrm>
-        <a:off x="4089947" y="1306025"/>
-        <a:ext cx="249756" cy="341710"/>
-      </dsp:txXfrm>
-    </dsp:sp>
-    <dsp:sp modelId="{94FDD53F-9ABA-4238-8C87-E414C334E987}">
-      <dsp:nvSpPr>
-        <dsp:cNvPr id="0" name=""/>
-        <dsp:cNvSpPr/>
-      </dsp:nvSpPr>
-      <dsp:spPr>
-        <a:xfrm>
-          <a:off x="4296426" y="2090028"/>
-          <a:ext cx="454100" cy="454100"/>
-        </a:xfrm>
-        <a:prstGeom prst="downArrow">
-          <a:avLst>
-            <a:gd name="adj1" fmla="val 55000"/>
-            <a:gd name="adj2" fmla="val 45000"/>
-          </a:avLst>
-        </a:prstGeom>
-        <a:solidFill>
-          <a:schemeClr val="bg2">
-            <a:lumMod val="50000"/>
-            <a:lumOff val="50000"/>
-            <a:alpha val="90000"/>
-          </a:schemeClr>
-        </a:solidFill>
-        <a:ln w="19050" cap="rnd" cmpd="sng" algn="ctr">
-          <a:solidFill>
-            <a:schemeClr val="accent1">
-              <a:alpha val="90000"/>
-              <a:tint val="40000"/>
-              <a:hueOff val="0"/>
-              <a:satOff val="0"/>
-              <a:lumOff val="0"/>
-              <a:alphaOff val="0"/>
-            </a:schemeClr>
-          </a:solidFill>
-          <a:prstDash val="solid"/>
-        </a:ln>
-        <a:effectLst/>
-      </dsp:spPr>
-      <dsp:style>
-        <a:lnRef idx="2">
-          <a:scrgbClr r="0" g="0" b="0"/>
-        </a:lnRef>
-        <a:fillRef idx="1">
-          <a:scrgbClr r="0" g="0" b="0"/>
-        </a:fillRef>
-        <a:effectRef idx="0">
-          <a:scrgbClr r="0" g="0" b="0"/>
-        </a:effectRef>
-        <a:fontRef idx="minor"/>
-      </dsp:style>
-      <dsp:txBody>
-        <a:bodyPr spcFirstLastPara="0" vert="horz" wrap="square" lIns="25400" tIns="25400" rIns="25400" bIns="25400" numCol="1" spcCol="1270" anchor="ctr" anchorCtr="0">
-          <a:noAutofit/>
-        </a:bodyPr>
-        <a:lstStyle/>
-        <a:p>
-          <a:pPr lvl="0" algn="ctr" defTabSz="889000">
-            <a:lnSpc>
-              <a:spcPct val="90000"/>
-            </a:lnSpc>
-            <a:spcBef>
-              <a:spcPct val="0"/>
-            </a:spcBef>
-            <a:spcAft>
-              <a:spcPct val="35000"/>
-            </a:spcAft>
-          </a:pPr>
-          <a:endParaRPr lang="en-AU" sz="2000" kern="1200"/>
-        </a:p>
-      </dsp:txBody>
-      <dsp:txXfrm>
-        <a:off x="4398598" y="2090028"/>
-        <a:ext cx="249756" cy="341710"/>
-      </dsp:txXfrm>
-    </dsp:sp>
-    <dsp:sp modelId="{112B86F2-18EA-41BC-AA1E-EB607F094174}">
-      <dsp:nvSpPr>
-        <dsp:cNvPr id="0" name=""/>
-        <dsp:cNvSpPr/>
-      </dsp:nvSpPr>
-      <dsp:spPr>
-        <a:xfrm>
-          <a:off x="4605076" y="2893437"/>
-          <a:ext cx="454100" cy="454100"/>
-        </a:xfrm>
-        <a:prstGeom prst="downArrow">
-          <a:avLst>
-            <a:gd name="adj1" fmla="val 55000"/>
-            <a:gd name="adj2" fmla="val 45000"/>
-          </a:avLst>
-        </a:prstGeom>
-        <a:solidFill>
-          <a:schemeClr val="bg2">
-            <a:lumMod val="50000"/>
-            <a:lumOff val="50000"/>
-            <a:alpha val="90000"/>
-          </a:schemeClr>
-        </a:solidFill>
-        <a:ln w="19050" cap="rnd" cmpd="sng" algn="ctr">
-          <a:solidFill>
-            <a:schemeClr val="accent1">
-              <a:alpha val="90000"/>
-              <a:tint val="40000"/>
-              <a:hueOff val="0"/>
-              <a:satOff val="0"/>
-              <a:lumOff val="0"/>
-              <a:alphaOff val="0"/>
-            </a:schemeClr>
-          </a:solidFill>
-          <a:prstDash val="solid"/>
-        </a:ln>
-        <a:effectLst/>
-      </dsp:spPr>
-      <dsp:style>
-        <a:lnRef idx="2">
-          <a:scrgbClr r="0" g="0" b="0"/>
-        </a:lnRef>
-        <a:fillRef idx="1">
-          <a:scrgbClr r="0" g="0" b="0"/>
-        </a:fillRef>
-        <a:effectRef idx="0">
-          <a:scrgbClr r="0" g="0" b="0"/>
-        </a:effectRef>
-        <a:fontRef idx="minor"/>
-      </dsp:style>
-      <dsp:txBody>
-        <a:bodyPr spcFirstLastPara="0" vert="horz" wrap="square" lIns="25400" tIns="25400" rIns="25400" bIns="25400" numCol="1" spcCol="1270" anchor="ctr" anchorCtr="0">
-          <a:noAutofit/>
-        </a:bodyPr>
-        <a:lstStyle/>
-        <a:p>
-          <a:pPr lvl="0" algn="ctr" defTabSz="889000">
-            <a:lnSpc>
-              <a:spcPct val="90000"/>
-            </a:lnSpc>
-            <a:spcBef>
-              <a:spcPct val="0"/>
-            </a:spcBef>
-            <a:spcAft>
-              <a:spcPct val="35000"/>
-            </a:spcAft>
-          </a:pPr>
-          <a:endParaRPr lang="en-AU" sz="2000" kern="1200"/>
-        </a:p>
-      </dsp:txBody>
-      <dsp:txXfrm>
-        <a:off x="4707248" y="2893437"/>
-        <a:ext cx="249756" cy="341710"/>
-      </dsp:txXfrm>
-    </dsp:sp>
   </dsp:spTree>
 </dsp:drawing>
 </file>
@@ -4544,7 +3793,7 @@
           <a:p>
             <a:fld id="{7DE09EE5-A3A6-46CD-82C4-C5653BD8F5FF}" type="datetimeFigureOut">
               <a:rPr lang="en-AU" smtClean="0"/>
-              <a:t>29/10/2016</a:t>
+              <a:t>31/10/2016</a:t>
             </a:fld>
             <a:endParaRPr lang="en-AU"/>
           </a:p>
@@ -5034,11 +4283,11 @@
           <a:p>
             <a:r>
               <a:rPr lang="en-US" dirty="0" smtClean="0"/>
-              <a:t>Next we</a:t>
+              <a:t>… We now</a:t>
             </a:r>
             <a:r>
               <a:rPr lang="en-US" baseline="0" dirty="0" smtClean="0"/>
-              <a:t> looked at potential proteins that could be interacting with those selectively exported </a:t>
+              <a:t> know which </a:t>
             </a:r>
             <a:r>
               <a:rPr lang="en-US" baseline="0" dirty="0" err="1" smtClean="0"/>
@@ -5046,7 +4295,7 @@
             </a:r>
             <a:r>
               <a:rPr lang="en-US" baseline="0" dirty="0" smtClean="0"/>
-              <a:t>… Based on this criteria… From this analysis we found 5 proteins that could be potential export proteins. We then assessed these further by looking into the literature to determine if any of these proteins are more suited for the position.    </a:t>
+              <a:t> are being selectively exported from this system, some of which are validated, that can be used to understand mechanism overall. Next we wanted to understand whether these microRNAs possess similarities to explain their export.  </a:t>
             </a:r>
             <a:endParaRPr lang="en-AU" dirty="0"/>
           </a:p>
@@ -5078,7 +4327,7 @@
     </p:spTree>
     <p:extLst>
       <p:ext uri="{BB962C8B-B14F-4D97-AF65-F5344CB8AC3E}">
-        <p14:creationId xmlns:p14="http://schemas.microsoft.com/office/powerpoint/2010/main" val="3922168260"/>
+        <p14:creationId xmlns:p14="http://schemas.microsoft.com/office/powerpoint/2010/main" val="1561023482"/>
       </p:ext>
     </p:extLst>
   </p:cSld>
@@ -5133,44 +4382,40 @@
           <a:lstStyle/>
           <a:p>
             <a:r>
+              <a:rPr lang="en-US" dirty="0" smtClean="0"/>
+              <a:t>Used the 19 </a:t>
+            </a:r>
+            <a:r>
               <a:rPr lang="en-US" dirty="0" err="1" smtClean="0"/>
-              <a:t>Memebers</a:t>
+              <a:t>micrornas</a:t>
+            </a:r>
+            <a:r>
+              <a:rPr lang="en-US" dirty="0" smtClean="0"/>
+              <a:t> that were selectively</a:t>
             </a:r>
             <a:r>
               <a:rPr lang="en-US" baseline="0" dirty="0" smtClean="0"/>
-              <a:t> of the </a:t>
+              <a:t> exported, from last analysis. </a:t>
+            </a:r>
+          </a:p>
+          <a:p>
+            <a:r>
+              <a:rPr lang="en-US" baseline="0" dirty="0" smtClean="0"/>
+              <a:t>MEME: 4-10 nucleotides in length.</a:t>
+            </a:r>
+          </a:p>
+          <a:p>
+            <a:r>
+              <a:rPr lang="en-US" baseline="0" dirty="0" smtClean="0"/>
+              <a:t>x/19 is how many of the </a:t>
             </a:r>
             <a:r>
               <a:rPr lang="en-US" baseline="0" dirty="0" err="1" smtClean="0"/>
-              <a:t>hnRNP</a:t>
+              <a:t>miRs</a:t>
             </a:r>
             <a:r>
               <a:rPr lang="en-US" baseline="0" dirty="0" smtClean="0"/>
-              <a:t> family appear to be involved with the export of </a:t>
-            </a:r>
-            <a:r>
-              <a:rPr lang="en-US" baseline="0" dirty="0" err="1" smtClean="0"/>
-              <a:t>mirs</a:t>
-            </a:r>
-            <a:r>
-              <a:rPr lang="en-US" baseline="0" dirty="0" smtClean="0"/>
-              <a:t> in other cell lines, which indicates that FUS or </a:t>
-            </a:r>
-            <a:r>
-              <a:rPr lang="en-US" baseline="0" dirty="0" err="1" smtClean="0"/>
-              <a:t>hnrnpk</a:t>
-            </a:r>
-            <a:r>
-              <a:rPr lang="en-US" baseline="0" dirty="0" smtClean="0"/>
-              <a:t> may be better suited for this role… Linker: together, this indicates that </a:t>
-            </a:r>
-            <a:r>
-              <a:rPr lang="en-US" baseline="0" dirty="0" err="1" smtClean="0"/>
-              <a:t>hnRNPK</a:t>
-            </a:r>
-            <a:r>
-              <a:rPr lang="en-US" baseline="0" dirty="0" smtClean="0"/>
-              <a:t> fulfills the criteria for export protein. </a:t>
+              <a:t> contained that motif. </a:t>
             </a:r>
             <a:endParaRPr lang="en-AU" dirty="0"/>
           </a:p>
@@ -5202,7 +4447,7 @@
     </p:spTree>
     <p:extLst>
       <p:ext uri="{BB962C8B-B14F-4D97-AF65-F5344CB8AC3E}">
-        <p14:creationId xmlns:p14="http://schemas.microsoft.com/office/powerpoint/2010/main" val="2711405270"/>
+        <p14:creationId xmlns:p14="http://schemas.microsoft.com/office/powerpoint/2010/main" val="1012700514"/>
       </p:ext>
     </p:extLst>
   </p:cSld>
@@ -5258,11 +4503,11 @@
           <a:p>
             <a:r>
               <a:rPr lang="en-US" dirty="0" smtClean="0"/>
-              <a:t>… We now</a:t>
+              <a:t>Next we</a:t>
             </a:r>
             <a:r>
               <a:rPr lang="en-US" baseline="0" dirty="0" smtClean="0"/>
-              <a:t> know which </a:t>
+              <a:t> looked at potential proteins that could be interacting with those selectively exported </a:t>
             </a:r>
             <a:r>
               <a:rPr lang="en-US" baseline="0" dirty="0" err="1" smtClean="0"/>
@@ -5270,7 +4515,7 @@
             </a:r>
             <a:r>
               <a:rPr lang="en-US" baseline="0" dirty="0" smtClean="0"/>
-              <a:t> are being selectively exported from this system, some of which are validated, that can be used to understand mechanism overall. Next we wanted to understand whether these microRNAs possess similarities to explain their export.  </a:t>
+              <a:t>… Based on this criteria… From this analysis we found 5 proteins that could be potential export proteins. We then assessed these further by looking into the literature to determine if any of these proteins are more suited for the position.    </a:t>
             </a:r>
             <a:endParaRPr lang="en-AU" dirty="0"/>
           </a:p>
@@ -5302,7 +4547,7 @@
     </p:spTree>
     <p:extLst>
       <p:ext uri="{BB962C8B-B14F-4D97-AF65-F5344CB8AC3E}">
-        <p14:creationId xmlns:p14="http://schemas.microsoft.com/office/powerpoint/2010/main" val="1561023482"/>
+        <p14:creationId xmlns:p14="http://schemas.microsoft.com/office/powerpoint/2010/main" val="3922168260"/>
       </p:ext>
     </p:extLst>
   </p:cSld>
@@ -5357,40 +4602,44 @@
           <a:lstStyle/>
           <a:p>
             <a:r>
-              <a:rPr lang="en-US" dirty="0" smtClean="0"/>
-              <a:t>Used the 19 </a:t>
-            </a:r>
-            <a:r>
               <a:rPr lang="en-US" dirty="0" err="1" smtClean="0"/>
-              <a:t>micrornas</a:t>
-            </a:r>
-            <a:r>
-              <a:rPr lang="en-US" dirty="0" smtClean="0"/>
-              <a:t> that were selectively</a:t>
+              <a:t>Memebers</a:t>
             </a:r>
             <a:r>
               <a:rPr lang="en-US" baseline="0" dirty="0" smtClean="0"/>
-              <a:t> exported, from last analysis. </a:t>
-            </a:r>
-          </a:p>
-          <a:p>
+              <a:t> of the </a:t>
+            </a:r>
+            <a:r>
+              <a:rPr lang="en-US" baseline="0" dirty="0" err="1" smtClean="0"/>
+              <a:t>hnRNP</a:t>
+            </a:r>
             <a:r>
               <a:rPr lang="en-US" baseline="0" dirty="0" smtClean="0"/>
-              <a:t>MEME: 4-10 nucleotides in length.</a:t>
-            </a:r>
-          </a:p>
-          <a:p>
+              <a:t> family appear to be involved with the export of </a:t>
+            </a:r>
+            <a:r>
+              <a:rPr lang="en-US" baseline="0" dirty="0" err="1" smtClean="0"/>
+              <a:t>mirs</a:t>
+            </a:r>
             <a:r>
               <a:rPr lang="en-US" baseline="0" dirty="0" smtClean="0"/>
-              <a:t>x/19 is how many of the </a:t>
+              <a:t> in other cell lines, which indicates that FUS or </a:t>
             </a:r>
             <a:r>
               <a:rPr lang="en-US" baseline="0" dirty="0" err="1" smtClean="0"/>
-              <a:t>miRs</a:t>
+              <a:t>hnrnpk</a:t>
             </a:r>
             <a:r>
               <a:rPr lang="en-US" baseline="0" dirty="0" smtClean="0"/>
-              <a:t> contained that motif. </a:t>
+              <a:t> may be better suited for this role… Linker: together, this indicates that </a:t>
+            </a:r>
+            <a:r>
+              <a:rPr lang="en-US" baseline="0" dirty="0" err="1" smtClean="0"/>
+              <a:t>hnRNPK</a:t>
+            </a:r>
+            <a:r>
+              <a:rPr lang="en-US" baseline="0" dirty="0" smtClean="0"/>
+              <a:t> fulfills the criteria for export protein. </a:t>
             </a:r>
             <a:endParaRPr lang="en-AU" dirty="0"/>
           </a:p>
@@ -5422,7 +4671,7 @@
     </p:spTree>
     <p:extLst>
       <p:ext uri="{BB962C8B-B14F-4D97-AF65-F5344CB8AC3E}">
-        <p14:creationId xmlns:p14="http://schemas.microsoft.com/office/powerpoint/2010/main" val="1012700514"/>
+        <p14:creationId xmlns:p14="http://schemas.microsoft.com/office/powerpoint/2010/main" val="2711405270"/>
       </p:ext>
     </p:extLst>
   </p:cSld>
@@ -6907,7 +6156,7 @@
           <a:p>
             <a:fld id="{1644BD7C-F7E4-4602-B4BA-7731E171C526}" type="datetimeFigureOut">
               <a:rPr lang="en-AU" smtClean="0"/>
-              <a:t>29/10/2016</a:t>
+              <a:t>31/10/2016</a:t>
             </a:fld>
             <a:endParaRPr lang="en-AU"/>
           </a:p>
@@ -7187,7 +6436,7 @@
           <a:p>
             <a:fld id="{1644BD7C-F7E4-4602-B4BA-7731E171C526}" type="datetimeFigureOut">
               <a:rPr lang="en-AU" smtClean="0"/>
-              <a:t>29/10/2016</a:t>
+              <a:t>31/10/2016</a:t>
             </a:fld>
             <a:endParaRPr lang="en-AU"/>
           </a:p>
@@ -7381,7 +6630,7 @@
           <a:p>
             <a:fld id="{1644BD7C-F7E4-4602-B4BA-7731E171C526}" type="datetimeFigureOut">
               <a:rPr lang="en-AU" smtClean="0"/>
-              <a:t>29/10/2016</a:t>
+              <a:t>31/10/2016</a:t>
             </a:fld>
             <a:endParaRPr lang="en-AU"/>
           </a:p>
@@ -7649,7 +6898,7 @@
           <a:p>
             <a:fld id="{1644BD7C-F7E4-4602-B4BA-7731E171C526}" type="datetimeFigureOut">
               <a:rPr lang="en-AU" smtClean="0"/>
-              <a:t>29/10/2016</a:t>
+              <a:t>31/10/2016</a:t>
             </a:fld>
             <a:endParaRPr lang="en-AU"/>
           </a:p>
@@ -7981,7 +7230,7 @@
           <a:p>
             <a:fld id="{1644BD7C-F7E4-4602-B4BA-7731E171C526}" type="datetimeFigureOut">
               <a:rPr lang="en-AU" smtClean="0"/>
-              <a:t>29/10/2016</a:t>
+              <a:t>31/10/2016</a:t>
             </a:fld>
             <a:endParaRPr lang="en-AU"/>
           </a:p>
@@ -8591,7 +7840,7 @@
           <a:p>
             <a:fld id="{1644BD7C-F7E4-4602-B4BA-7731E171C526}" type="datetimeFigureOut">
               <a:rPr lang="en-AU" smtClean="0"/>
-              <a:t>29/10/2016</a:t>
+              <a:t>31/10/2016</a:t>
             </a:fld>
             <a:endParaRPr lang="en-AU"/>
           </a:p>
@@ -9438,7 +8687,7 @@
           <a:p>
             <a:fld id="{1644BD7C-F7E4-4602-B4BA-7731E171C526}" type="datetimeFigureOut">
               <a:rPr lang="en-AU" smtClean="0"/>
-              <a:t>29/10/2016</a:t>
+              <a:t>31/10/2016</a:t>
             </a:fld>
             <a:endParaRPr lang="en-AU"/>
           </a:p>
@@ -9608,7 +8857,7 @@
           <a:p>
             <a:fld id="{1644BD7C-F7E4-4602-B4BA-7731E171C526}" type="datetimeFigureOut">
               <a:rPr lang="en-AU" smtClean="0"/>
-              <a:t>29/10/2016</a:t>
+              <a:t>31/10/2016</a:t>
             </a:fld>
             <a:endParaRPr lang="en-AU"/>
           </a:p>
@@ -9788,7 +9037,7 @@
           <a:p>
             <a:fld id="{1644BD7C-F7E4-4602-B4BA-7731E171C526}" type="datetimeFigureOut">
               <a:rPr lang="en-AU" smtClean="0"/>
-              <a:t>29/10/2016</a:t>
+              <a:t>31/10/2016</a:t>
             </a:fld>
             <a:endParaRPr lang="en-AU"/>
           </a:p>
@@ -9963,7 +9212,7 @@
           <a:p>
             <a:fld id="{1644BD7C-F7E4-4602-B4BA-7731E171C526}" type="datetimeFigureOut">
               <a:rPr lang="en-AU" smtClean="0"/>
-              <a:t>29/10/2016</a:t>
+              <a:t>31/10/2016</a:t>
             </a:fld>
             <a:endParaRPr lang="en-AU"/>
           </a:p>
@@ -10207,7 +9456,7 @@
           <a:p>
             <a:fld id="{1644BD7C-F7E4-4602-B4BA-7731E171C526}" type="datetimeFigureOut">
               <a:rPr lang="en-AU" smtClean="0"/>
-              <a:t>29/10/2016</a:t>
+              <a:t>31/10/2016</a:t>
             </a:fld>
             <a:endParaRPr lang="en-AU"/>
           </a:p>
@@ -10504,7 +9753,7 @@
           <a:p>
             <a:fld id="{1644BD7C-F7E4-4602-B4BA-7731E171C526}" type="datetimeFigureOut">
               <a:rPr lang="en-AU" smtClean="0"/>
-              <a:t>29/10/2016</a:t>
+              <a:t>31/10/2016</a:t>
             </a:fld>
             <a:endParaRPr lang="en-AU"/>
           </a:p>
@@ -10947,7 +10196,7 @@
           <a:p>
             <a:fld id="{1644BD7C-F7E4-4602-B4BA-7731E171C526}" type="datetimeFigureOut">
               <a:rPr lang="en-AU" smtClean="0"/>
-              <a:t>29/10/2016</a:t>
+              <a:t>31/10/2016</a:t>
             </a:fld>
             <a:endParaRPr lang="en-AU"/>
           </a:p>
@@ -11070,7 +10319,7 @@
           <a:p>
             <a:fld id="{1644BD7C-F7E4-4602-B4BA-7731E171C526}" type="datetimeFigureOut">
               <a:rPr lang="en-AU" smtClean="0"/>
-              <a:t>29/10/2016</a:t>
+              <a:t>31/10/2016</a:t>
             </a:fld>
             <a:endParaRPr lang="en-AU"/>
           </a:p>
@@ -11165,7 +10414,7 @@
           <a:p>
             <a:fld id="{1644BD7C-F7E4-4602-B4BA-7731E171C526}" type="datetimeFigureOut">
               <a:rPr lang="en-AU" smtClean="0"/>
-              <a:t>29/10/2016</a:t>
+              <a:t>31/10/2016</a:t>
             </a:fld>
             <a:endParaRPr lang="en-AU"/>
           </a:p>
@@ -11449,7 +10698,7 @@
           <a:p>
             <a:fld id="{1644BD7C-F7E4-4602-B4BA-7731E171C526}" type="datetimeFigureOut">
               <a:rPr lang="en-AU" smtClean="0"/>
-              <a:t>29/10/2016</a:t>
+              <a:t>31/10/2016</a:t>
             </a:fld>
             <a:endParaRPr lang="en-AU"/>
           </a:p>
@@ -11729,7 +10978,7 @@
           <a:p>
             <a:fld id="{1644BD7C-F7E4-4602-B4BA-7731E171C526}" type="datetimeFigureOut">
               <a:rPr lang="en-AU" smtClean="0"/>
-              <a:t>29/10/2016</a:t>
+              <a:t>31/10/2016</a:t>
             </a:fld>
             <a:endParaRPr lang="en-AU"/>
           </a:p>
@@ -12158,7 +11407,7 @@
           <a:p>
             <a:fld id="{1644BD7C-F7E4-4602-B4BA-7731E171C526}" type="datetimeFigureOut">
               <a:rPr lang="en-AU" smtClean="0"/>
-              <a:t>29/10/2016</a:t>
+              <a:t>31/10/2016</a:t>
             </a:fld>
             <a:endParaRPr lang="en-AU"/>
           </a:p>
@@ -13230,437 +12479,6 @@
         </p:nvSpPr>
         <p:spPr>
           <a:xfrm>
-            <a:off x="646111" y="452718"/>
-            <a:ext cx="9912352" cy="1400530"/>
-          </a:xfrm>
-        </p:spPr>
-        <p:txBody>
-          <a:bodyPr/>
-          <a:lstStyle/>
-          <a:p>
-            <a:r>
-              <a:rPr lang="en-AU" sz="3600" dirty="0" smtClean="0"/>
-              <a:t>Quantitative proteomics of EVs</a:t>
-            </a:r>
-            <a:endParaRPr lang="en-AU" sz="3600" dirty="0"/>
-          </a:p>
-        </p:txBody>
-      </p:sp>
-      <p:sp>
-        <p:nvSpPr>
-          <p:cNvPr id="3" name="Content Placeholder 2"/>
-          <p:cNvSpPr>
-            <a:spLocks noGrp="1"/>
-          </p:cNvSpPr>
-          <p:nvPr>
-            <p:ph idx="1"/>
-          </p:nvPr>
-        </p:nvSpPr>
-        <p:spPr>
-          <a:xfrm>
-            <a:off x="646111" y="1853248"/>
-            <a:ext cx="5645643" cy="4195481"/>
-          </a:xfrm>
-        </p:spPr>
-        <p:txBody>
-          <a:bodyPr>
-            <a:normAutofit/>
-          </a:bodyPr>
-          <a:lstStyle/>
-          <a:p>
-            <a:pPr marL="0" indent="0">
-              <a:buNone/>
-            </a:pPr>
-            <a:r>
-              <a:rPr lang="en-US" dirty="0" smtClean="0"/>
-              <a:t>Export proteins should:</a:t>
-            </a:r>
-          </a:p>
-          <a:p>
-            <a:pPr lvl="1"/>
-            <a:r>
-              <a:rPr lang="en-US" dirty="0" smtClean="0">
-                <a:solidFill>
-                  <a:srgbClr val="FFFF00"/>
-                </a:solidFill>
-              </a:rPr>
-              <a:t>Possess differential export due to cavin-1</a:t>
-            </a:r>
-          </a:p>
-          <a:p>
-            <a:pPr lvl="1"/>
-            <a:r>
-              <a:rPr lang="en-US" dirty="0" smtClean="0">
-                <a:solidFill>
-                  <a:srgbClr val="FFFF00"/>
-                </a:solidFill>
-              </a:rPr>
-              <a:t>Possess RNA binding ability</a:t>
-            </a:r>
-            <a:endParaRPr lang="en-AU" dirty="0">
-              <a:solidFill>
-                <a:srgbClr val="FFFF00"/>
-              </a:solidFill>
-            </a:endParaRPr>
-          </a:p>
-          <a:p>
-            <a:pPr lvl="1"/>
-            <a:r>
-              <a:rPr lang="en-US" dirty="0" smtClean="0"/>
-              <a:t>Predicted to bind the exported </a:t>
-            </a:r>
-            <a:r>
-              <a:rPr lang="en-US" dirty="0" err="1" smtClean="0"/>
-              <a:t>miRs</a:t>
-            </a:r>
-            <a:r>
-              <a:rPr lang="en-US" dirty="0" smtClean="0"/>
-              <a:t>. </a:t>
-            </a:r>
-          </a:p>
-          <a:p>
-            <a:pPr marL="0" lvl="1" indent="0">
-              <a:buNone/>
-            </a:pPr>
-            <a:endParaRPr lang="en-US" dirty="0"/>
-          </a:p>
-          <a:p>
-            <a:pPr marL="0" lvl="1" indent="0">
-              <a:buNone/>
-            </a:pPr>
-            <a:r>
-              <a:rPr lang="en-US" dirty="0" smtClean="0"/>
-              <a:t>MS/MS compared proteomic content of EVs from PC3 and PC3-cavin-1 cells. 				</a:t>
-            </a:r>
-            <a:r>
-              <a:rPr lang="en-US" sz="1200" dirty="0" smtClean="0"/>
-              <a:t>(</a:t>
-            </a:r>
-            <a:r>
-              <a:rPr lang="en-US" sz="1200" dirty="0" err="1" smtClean="0"/>
-              <a:t>Inder</a:t>
-            </a:r>
-            <a:r>
-              <a:rPr lang="en-US" sz="1200" dirty="0" smtClean="0"/>
-              <a:t> 2012)</a:t>
-            </a:r>
-          </a:p>
-          <a:p>
-            <a:pPr marL="0" lvl="1" indent="0">
-              <a:buNone/>
-            </a:pPr>
-            <a:endParaRPr lang="en-US" dirty="0" smtClean="0"/>
-          </a:p>
-          <a:p>
-            <a:pPr marL="0" lvl="1" indent="0">
-              <a:buNone/>
-            </a:pPr>
-            <a:r>
-              <a:rPr lang="en-US" dirty="0" smtClean="0"/>
-              <a:t>Gene Ontology analysis for RNA binding. </a:t>
-            </a:r>
-          </a:p>
-          <a:p>
-            <a:pPr marL="457200" lvl="1" indent="0">
-              <a:buNone/>
-            </a:pPr>
-            <a:endParaRPr lang="en-US" dirty="0"/>
-          </a:p>
-        </p:txBody>
-      </p:sp>
-      <p:pic>
-        <p:nvPicPr>
-          <p:cNvPr id="4" name="Picture 3"/>
-          <p:cNvPicPr/>
-          <p:nvPr/>
-        </p:nvPicPr>
-        <p:blipFill rotWithShape="1">
-          <a:blip r:embed="rId3"/>
-          <a:srcRect t="6033" r="339" b="972"/>
-          <a:stretch/>
-        </p:blipFill>
-        <p:spPr bwMode="auto">
-          <a:xfrm>
-            <a:off x="6291754" y="2059111"/>
-            <a:ext cx="5437183" cy="3246999"/>
-          </a:xfrm>
-          <a:prstGeom prst="rect">
-            <a:avLst/>
-          </a:prstGeom>
-          <a:ln>
-            <a:noFill/>
-          </a:ln>
-          <a:extLst>
-            <a:ext uri="{53640926-AAD7-44D8-BBD7-CCE9431645EC}">
-              <a14:shadowObscured xmlns:a14="http://schemas.microsoft.com/office/drawing/2010/main"/>
-            </a:ext>
-          </a:extLst>
-        </p:spPr>
-      </p:pic>
-    </p:spTree>
-    <p:extLst>
-      <p:ext uri="{BB962C8B-B14F-4D97-AF65-F5344CB8AC3E}">
-        <p14:creationId xmlns:p14="http://schemas.microsoft.com/office/powerpoint/2010/main" val="1526522927"/>
-      </p:ext>
-    </p:extLst>
-  </p:cSld>
-  <p:clrMapOvr>
-    <a:masterClrMapping/>
-  </p:clrMapOvr>
-</p:sld>
-</file>
-
-<file path=ppt/slides/slide13.xml><?xml version="1.0" encoding="utf-8"?>
-<p:sld xmlns:a="http://schemas.openxmlformats.org/drawingml/2006/main" xmlns:r="http://schemas.openxmlformats.org/officeDocument/2006/relationships" xmlns:p="http://schemas.openxmlformats.org/presentationml/2006/main">
-  <p:cSld>
-    <p:spTree>
-      <p:nvGrpSpPr>
-        <p:cNvPr id="1" name=""/>
-        <p:cNvGrpSpPr/>
-        <p:nvPr/>
-      </p:nvGrpSpPr>
-      <p:grpSpPr>
-        <a:xfrm>
-          <a:off x="0" y="0"/>
-          <a:ext cx="0" cy="0"/>
-          <a:chOff x="0" y="0"/>
-          <a:chExt cx="0" cy="0"/>
-        </a:xfrm>
-      </p:grpSpPr>
-      <p:sp>
-        <p:nvSpPr>
-          <p:cNvPr id="2" name="Title 1"/>
-          <p:cNvSpPr>
-            <a:spLocks noGrp="1"/>
-          </p:cNvSpPr>
-          <p:nvPr>
-            <p:ph type="title"/>
-          </p:nvPr>
-        </p:nvSpPr>
-        <p:spPr>
-          <a:xfrm>
-            <a:off x="875201" y="553744"/>
-            <a:ext cx="9404723" cy="1400530"/>
-          </a:xfrm>
-        </p:spPr>
-        <p:txBody>
-          <a:bodyPr/>
-          <a:lstStyle/>
-          <a:p>
-            <a:r>
-              <a:rPr lang="en-US" dirty="0" err="1" smtClean="0"/>
-              <a:t>hnRNPK</a:t>
-            </a:r>
-            <a:r>
-              <a:rPr lang="en-US" dirty="0" smtClean="0"/>
-              <a:t>: viable export protein</a:t>
-            </a:r>
-            <a:endParaRPr lang="en-AU" dirty="0"/>
-          </a:p>
-        </p:txBody>
-      </p:sp>
-      <p:sp>
-        <p:nvSpPr>
-          <p:cNvPr id="3" name="Content Placeholder 2"/>
-          <p:cNvSpPr>
-            <a:spLocks noGrp="1"/>
-          </p:cNvSpPr>
-          <p:nvPr>
-            <p:ph idx="1"/>
-          </p:nvPr>
-        </p:nvSpPr>
-        <p:spPr>
-          <a:xfrm>
-            <a:off x="1333383" y="1954274"/>
-            <a:ext cx="8946541" cy="4195481"/>
-          </a:xfrm>
-        </p:spPr>
-        <p:txBody>
-          <a:bodyPr/>
-          <a:lstStyle/>
-          <a:p>
-            <a:r>
-              <a:rPr lang="en-US" dirty="0" smtClean="0"/>
-              <a:t>hnRNPA2B1 mediates export of </a:t>
-            </a:r>
-            <a:r>
-              <a:rPr lang="en-US" dirty="0" err="1" smtClean="0"/>
-              <a:t>miRs</a:t>
-            </a:r>
-            <a:r>
-              <a:rPr lang="en-US" dirty="0" smtClean="0"/>
-              <a:t> in T-lymphocytes		</a:t>
-            </a:r>
-          </a:p>
-          <a:p>
-            <a:pPr marL="457200" lvl="1" indent="0">
-              <a:buNone/>
-            </a:pPr>
-            <a:r>
-              <a:rPr lang="en-US" sz="1200" dirty="0" smtClean="0"/>
-              <a:t>										(</a:t>
-            </a:r>
-            <a:r>
-              <a:rPr lang="en-US" sz="1200" dirty="0" err="1" smtClean="0"/>
-              <a:t>Villarroya-Beltri</a:t>
-            </a:r>
-            <a:r>
-              <a:rPr lang="en-US" sz="1200" dirty="0" smtClean="0"/>
-              <a:t> 2013)</a:t>
-            </a:r>
-          </a:p>
-          <a:p>
-            <a:pPr marL="457200" lvl="1" indent="0">
-              <a:buNone/>
-            </a:pPr>
-            <a:endParaRPr lang="en-US" sz="1200" dirty="0" smtClean="0"/>
-          </a:p>
-          <a:p>
-            <a:r>
-              <a:rPr lang="en-US" dirty="0" err="1"/>
-              <a:t>hnRNPK</a:t>
-            </a:r>
-            <a:r>
-              <a:rPr lang="en-US" dirty="0"/>
-              <a:t> commonly exported in cancer derived EVs </a:t>
-            </a:r>
-          </a:p>
-          <a:p>
-            <a:pPr marL="457200" lvl="1" indent="0">
-              <a:buNone/>
-            </a:pPr>
-            <a:r>
-              <a:rPr lang="en-US" sz="1400" dirty="0"/>
-              <a:t>                                          (Zhang 2015, Ji 2013, </a:t>
-            </a:r>
-            <a:r>
-              <a:rPr lang="en-US" sz="1400" dirty="0" err="1"/>
-              <a:t>Welton</a:t>
-            </a:r>
-            <a:r>
-              <a:rPr lang="en-US" sz="1400" dirty="0"/>
-              <a:t> 2010, </a:t>
-            </a:r>
-            <a:r>
-              <a:rPr lang="en-US" sz="1400" dirty="0" err="1"/>
-              <a:t>Remteke</a:t>
-            </a:r>
-            <a:r>
-              <a:rPr lang="en-US" sz="1400" dirty="0"/>
-              <a:t> 2015)</a:t>
-            </a:r>
-          </a:p>
-          <a:p>
-            <a:pPr marL="0" indent="0">
-              <a:buNone/>
-            </a:pPr>
-            <a:endParaRPr lang="en-US" dirty="0" smtClean="0"/>
-          </a:p>
-          <a:p>
-            <a:r>
-              <a:rPr lang="en-US" dirty="0" err="1" smtClean="0"/>
-              <a:t>hnRNPK</a:t>
-            </a:r>
-            <a:r>
-              <a:rPr lang="en-US" dirty="0" smtClean="0"/>
-              <a:t> binds to miR-122 at AGUGUG region. 		</a:t>
-            </a:r>
-            <a:r>
-              <a:rPr lang="en-US" sz="1200" dirty="0" smtClean="0"/>
-              <a:t>(Fan 2015)</a:t>
-            </a:r>
-            <a:endParaRPr lang="en-US" sz="1600" dirty="0" smtClean="0"/>
-          </a:p>
-          <a:p>
-            <a:pPr lvl="1"/>
-            <a:r>
-              <a:rPr lang="en-US" dirty="0" smtClean="0"/>
-              <a:t>FIMO prediction matches motif to this region (p=0.0435)</a:t>
-            </a:r>
-          </a:p>
-          <a:p>
-            <a:pPr marL="285750" lvl="1"/>
-            <a:endParaRPr lang="en-US" dirty="0" smtClean="0"/>
-          </a:p>
-          <a:p>
-            <a:pPr marL="285750" lvl="1"/>
-            <a:r>
-              <a:rPr lang="en-US" sz="2000" dirty="0" err="1" smtClean="0"/>
-              <a:t>hnRNPK</a:t>
-            </a:r>
-            <a:r>
-              <a:rPr lang="en-US" sz="2000" dirty="0" smtClean="0"/>
-              <a:t> fulfils all criteria for the candidate export protein</a:t>
-            </a:r>
-            <a:endParaRPr lang="en-US" sz="2000" dirty="0"/>
-          </a:p>
-        </p:txBody>
-      </p:sp>
-      <p:pic>
-        <p:nvPicPr>
-          <p:cNvPr id="4" name="Content Placeholder 3"/>
-          <p:cNvPicPr>
-            <a:picLocks/>
-          </p:cNvPicPr>
-          <p:nvPr/>
-        </p:nvPicPr>
-        <p:blipFill rotWithShape="1">
-          <a:blip r:embed="rId3"/>
-          <a:srcRect l="29272" t="7167" r="22958" b="51050"/>
-          <a:stretch/>
-        </p:blipFill>
-        <p:spPr>
-          <a:xfrm>
-            <a:off x="9186864" y="3354804"/>
-            <a:ext cx="2900362" cy="1854022"/>
-          </a:xfrm>
-          <a:prstGeom prst="rect">
-            <a:avLst/>
-          </a:prstGeom>
-        </p:spPr>
-      </p:pic>
-    </p:spTree>
-    <p:extLst>
-      <p:ext uri="{BB962C8B-B14F-4D97-AF65-F5344CB8AC3E}">
-        <p14:creationId xmlns:p14="http://schemas.microsoft.com/office/powerpoint/2010/main" val="2921461513"/>
-      </p:ext>
-    </p:extLst>
-  </p:cSld>
-  <p:clrMapOvr>
-    <a:masterClrMapping/>
-  </p:clrMapOvr>
-</p:sld>
-</file>
-
-<file path=ppt/slides/slide14.xml><?xml version="1.0" encoding="utf-8"?>
-<p:sld xmlns:a="http://schemas.openxmlformats.org/drawingml/2006/main" xmlns:r="http://schemas.openxmlformats.org/officeDocument/2006/relationships" xmlns:p="http://schemas.openxmlformats.org/presentationml/2006/main">
-  <p:cSld>
-    <p:spTree>
-      <p:nvGrpSpPr>
-        <p:cNvPr id="1" name=""/>
-        <p:cNvGrpSpPr/>
-        <p:nvPr/>
-      </p:nvGrpSpPr>
-      <p:grpSpPr>
-        <a:xfrm>
-          <a:off x="0" y="0"/>
-          <a:ext cx="0" cy="0"/>
-          <a:chOff x="0" y="0"/>
-          <a:chExt cx="0" cy="0"/>
-        </a:xfrm>
-      </p:grpSpPr>
-      <p:sp>
-        <p:nvSpPr>
-          <p:cNvPr id="2" name="Title 1"/>
-          <p:cNvSpPr>
-            <a:spLocks noGrp="1"/>
-          </p:cNvSpPr>
-          <p:nvPr>
-            <p:ph type="title"/>
-          </p:nvPr>
-        </p:nvSpPr>
-        <p:spPr>
-          <a:xfrm>
             <a:off x="646111" y="415716"/>
             <a:ext cx="9404723" cy="1400530"/>
           </a:xfrm>
@@ -14336,7 +13154,7 @@
 </p:sld>
 </file>
 
-<file path=ppt/slides/slide15.xml><?xml version="1.0" encoding="utf-8"?>
+<file path=ppt/slides/slide13.xml><?xml version="1.0" encoding="utf-8"?>
 <p:sld xmlns:a="http://schemas.openxmlformats.org/drawingml/2006/main" xmlns:r="http://schemas.openxmlformats.org/officeDocument/2006/relationships" xmlns:p="http://schemas.openxmlformats.org/presentationml/2006/main">
   <p:cSld>
     <p:spTree>
@@ -14574,6 +13392,437 @@
     <p:extLst>
       <p:ext uri="{BB962C8B-B14F-4D97-AF65-F5344CB8AC3E}">
         <p14:creationId xmlns:p14="http://schemas.microsoft.com/office/powerpoint/2010/main" val="3705903832"/>
+      </p:ext>
+    </p:extLst>
+  </p:cSld>
+  <p:clrMapOvr>
+    <a:masterClrMapping/>
+  </p:clrMapOvr>
+</p:sld>
+</file>
+
+<file path=ppt/slides/slide14.xml><?xml version="1.0" encoding="utf-8"?>
+<p:sld xmlns:a="http://schemas.openxmlformats.org/drawingml/2006/main" xmlns:r="http://schemas.openxmlformats.org/officeDocument/2006/relationships" xmlns:p="http://schemas.openxmlformats.org/presentationml/2006/main">
+  <p:cSld>
+    <p:spTree>
+      <p:nvGrpSpPr>
+        <p:cNvPr id="1" name=""/>
+        <p:cNvGrpSpPr/>
+        <p:nvPr/>
+      </p:nvGrpSpPr>
+      <p:grpSpPr>
+        <a:xfrm>
+          <a:off x="0" y="0"/>
+          <a:ext cx="0" cy="0"/>
+          <a:chOff x="0" y="0"/>
+          <a:chExt cx="0" cy="0"/>
+        </a:xfrm>
+      </p:grpSpPr>
+      <p:sp>
+        <p:nvSpPr>
+          <p:cNvPr id="2" name="Title 1"/>
+          <p:cNvSpPr>
+            <a:spLocks noGrp="1"/>
+          </p:cNvSpPr>
+          <p:nvPr>
+            <p:ph type="title"/>
+          </p:nvPr>
+        </p:nvSpPr>
+        <p:spPr>
+          <a:xfrm>
+            <a:off x="646111" y="452718"/>
+            <a:ext cx="9912352" cy="1400530"/>
+          </a:xfrm>
+        </p:spPr>
+        <p:txBody>
+          <a:bodyPr/>
+          <a:lstStyle/>
+          <a:p>
+            <a:r>
+              <a:rPr lang="en-AU" sz="3600" dirty="0" smtClean="0"/>
+              <a:t>Quantitative proteomics of EVs</a:t>
+            </a:r>
+            <a:endParaRPr lang="en-AU" sz="3600" dirty="0"/>
+          </a:p>
+        </p:txBody>
+      </p:sp>
+      <p:sp>
+        <p:nvSpPr>
+          <p:cNvPr id="3" name="Content Placeholder 2"/>
+          <p:cNvSpPr>
+            <a:spLocks noGrp="1"/>
+          </p:cNvSpPr>
+          <p:nvPr>
+            <p:ph idx="1"/>
+          </p:nvPr>
+        </p:nvSpPr>
+        <p:spPr>
+          <a:xfrm>
+            <a:off x="646111" y="1853248"/>
+            <a:ext cx="5645643" cy="4195481"/>
+          </a:xfrm>
+        </p:spPr>
+        <p:txBody>
+          <a:bodyPr>
+            <a:normAutofit/>
+          </a:bodyPr>
+          <a:lstStyle/>
+          <a:p>
+            <a:pPr marL="0" indent="0">
+              <a:buNone/>
+            </a:pPr>
+            <a:r>
+              <a:rPr lang="en-US" dirty="0" smtClean="0"/>
+              <a:t>Export proteins should:</a:t>
+            </a:r>
+          </a:p>
+          <a:p>
+            <a:pPr lvl="1"/>
+            <a:r>
+              <a:rPr lang="en-US" dirty="0" smtClean="0">
+                <a:solidFill>
+                  <a:srgbClr val="FFFF00"/>
+                </a:solidFill>
+              </a:rPr>
+              <a:t>Possess differential export due to cavin-1</a:t>
+            </a:r>
+          </a:p>
+          <a:p>
+            <a:pPr lvl="1"/>
+            <a:r>
+              <a:rPr lang="en-US" dirty="0" smtClean="0">
+                <a:solidFill>
+                  <a:srgbClr val="FFFF00"/>
+                </a:solidFill>
+              </a:rPr>
+              <a:t>Possess RNA binding ability</a:t>
+            </a:r>
+            <a:endParaRPr lang="en-AU" dirty="0">
+              <a:solidFill>
+                <a:srgbClr val="FFFF00"/>
+              </a:solidFill>
+            </a:endParaRPr>
+          </a:p>
+          <a:p>
+            <a:pPr lvl="1"/>
+            <a:r>
+              <a:rPr lang="en-US" dirty="0" smtClean="0"/>
+              <a:t>Predicted to bind the exported </a:t>
+            </a:r>
+            <a:r>
+              <a:rPr lang="en-US" dirty="0" err="1" smtClean="0"/>
+              <a:t>miRs</a:t>
+            </a:r>
+            <a:r>
+              <a:rPr lang="en-US" dirty="0" smtClean="0"/>
+              <a:t>. </a:t>
+            </a:r>
+          </a:p>
+          <a:p>
+            <a:pPr marL="0" lvl="1" indent="0">
+              <a:buNone/>
+            </a:pPr>
+            <a:endParaRPr lang="en-US" dirty="0"/>
+          </a:p>
+          <a:p>
+            <a:pPr marL="0" lvl="1" indent="0">
+              <a:buNone/>
+            </a:pPr>
+            <a:r>
+              <a:rPr lang="en-US" dirty="0" smtClean="0"/>
+              <a:t>MS/MS compared proteomic content of EVs from PC3 and PC3-cavin-1 cells. 				</a:t>
+            </a:r>
+            <a:r>
+              <a:rPr lang="en-US" sz="1200" dirty="0" smtClean="0"/>
+              <a:t>(</a:t>
+            </a:r>
+            <a:r>
+              <a:rPr lang="en-US" sz="1200" dirty="0" err="1" smtClean="0"/>
+              <a:t>Inder</a:t>
+            </a:r>
+            <a:r>
+              <a:rPr lang="en-US" sz="1200" dirty="0" smtClean="0"/>
+              <a:t> 2012)</a:t>
+            </a:r>
+          </a:p>
+          <a:p>
+            <a:pPr marL="0" lvl="1" indent="0">
+              <a:buNone/>
+            </a:pPr>
+            <a:endParaRPr lang="en-US" dirty="0" smtClean="0"/>
+          </a:p>
+          <a:p>
+            <a:pPr marL="0" lvl="1" indent="0">
+              <a:buNone/>
+            </a:pPr>
+            <a:r>
+              <a:rPr lang="en-US" dirty="0" smtClean="0"/>
+              <a:t>Gene Ontology analysis for RNA binding. </a:t>
+            </a:r>
+          </a:p>
+          <a:p>
+            <a:pPr marL="457200" lvl="1" indent="0">
+              <a:buNone/>
+            </a:pPr>
+            <a:endParaRPr lang="en-US" dirty="0"/>
+          </a:p>
+        </p:txBody>
+      </p:sp>
+      <p:pic>
+        <p:nvPicPr>
+          <p:cNvPr id="4" name="Picture 3"/>
+          <p:cNvPicPr/>
+          <p:nvPr/>
+        </p:nvPicPr>
+        <p:blipFill rotWithShape="1">
+          <a:blip r:embed="rId3"/>
+          <a:srcRect t="6033" r="339" b="972"/>
+          <a:stretch/>
+        </p:blipFill>
+        <p:spPr bwMode="auto">
+          <a:xfrm>
+            <a:off x="6291754" y="2059111"/>
+            <a:ext cx="5437183" cy="3246999"/>
+          </a:xfrm>
+          <a:prstGeom prst="rect">
+            <a:avLst/>
+          </a:prstGeom>
+          <a:ln>
+            <a:noFill/>
+          </a:ln>
+          <a:extLst>
+            <a:ext uri="{53640926-AAD7-44D8-BBD7-CCE9431645EC}">
+              <a14:shadowObscured xmlns:a14="http://schemas.microsoft.com/office/drawing/2010/main"/>
+            </a:ext>
+          </a:extLst>
+        </p:spPr>
+      </p:pic>
+    </p:spTree>
+    <p:extLst>
+      <p:ext uri="{BB962C8B-B14F-4D97-AF65-F5344CB8AC3E}">
+        <p14:creationId xmlns:p14="http://schemas.microsoft.com/office/powerpoint/2010/main" val="1526522927"/>
+      </p:ext>
+    </p:extLst>
+  </p:cSld>
+  <p:clrMapOvr>
+    <a:masterClrMapping/>
+  </p:clrMapOvr>
+</p:sld>
+</file>
+
+<file path=ppt/slides/slide15.xml><?xml version="1.0" encoding="utf-8"?>
+<p:sld xmlns:a="http://schemas.openxmlformats.org/drawingml/2006/main" xmlns:r="http://schemas.openxmlformats.org/officeDocument/2006/relationships" xmlns:p="http://schemas.openxmlformats.org/presentationml/2006/main">
+  <p:cSld>
+    <p:spTree>
+      <p:nvGrpSpPr>
+        <p:cNvPr id="1" name=""/>
+        <p:cNvGrpSpPr/>
+        <p:nvPr/>
+      </p:nvGrpSpPr>
+      <p:grpSpPr>
+        <a:xfrm>
+          <a:off x="0" y="0"/>
+          <a:ext cx="0" cy="0"/>
+          <a:chOff x="0" y="0"/>
+          <a:chExt cx="0" cy="0"/>
+        </a:xfrm>
+      </p:grpSpPr>
+      <p:sp>
+        <p:nvSpPr>
+          <p:cNvPr id="2" name="Title 1"/>
+          <p:cNvSpPr>
+            <a:spLocks noGrp="1"/>
+          </p:cNvSpPr>
+          <p:nvPr>
+            <p:ph type="title"/>
+          </p:nvPr>
+        </p:nvSpPr>
+        <p:spPr>
+          <a:xfrm>
+            <a:off x="875201" y="553744"/>
+            <a:ext cx="9404723" cy="1400530"/>
+          </a:xfrm>
+        </p:spPr>
+        <p:txBody>
+          <a:bodyPr/>
+          <a:lstStyle/>
+          <a:p>
+            <a:r>
+              <a:rPr lang="en-US" dirty="0" err="1" smtClean="0"/>
+              <a:t>hnRNPK</a:t>
+            </a:r>
+            <a:r>
+              <a:rPr lang="en-US" dirty="0" smtClean="0"/>
+              <a:t>: viable export protein</a:t>
+            </a:r>
+            <a:endParaRPr lang="en-AU" dirty="0"/>
+          </a:p>
+        </p:txBody>
+      </p:sp>
+      <p:sp>
+        <p:nvSpPr>
+          <p:cNvPr id="3" name="Content Placeholder 2"/>
+          <p:cNvSpPr>
+            <a:spLocks noGrp="1"/>
+          </p:cNvSpPr>
+          <p:nvPr>
+            <p:ph idx="1"/>
+          </p:nvPr>
+        </p:nvSpPr>
+        <p:spPr>
+          <a:xfrm>
+            <a:off x="1333383" y="1954274"/>
+            <a:ext cx="8946541" cy="4195481"/>
+          </a:xfrm>
+        </p:spPr>
+        <p:txBody>
+          <a:bodyPr/>
+          <a:lstStyle/>
+          <a:p>
+            <a:r>
+              <a:rPr lang="en-US" dirty="0" smtClean="0"/>
+              <a:t>hnRNPA2B1 mediates export of </a:t>
+            </a:r>
+            <a:r>
+              <a:rPr lang="en-US" dirty="0" err="1" smtClean="0"/>
+              <a:t>miRs</a:t>
+            </a:r>
+            <a:r>
+              <a:rPr lang="en-US" dirty="0" smtClean="0"/>
+              <a:t> in T-lymphocytes		</a:t>
+            </a:r>
+          </a:p>
+          <a:p>
+            <a:pPr marL="457200" lvl="1" indent="0">
+              <a:buNone/>
+            </a:pPr>
+            <a:r>
+              <a:rPr lang="en-US" sz="1200" dirty="0" smtClean="0"/>
+              <a:t>										(</a:t>
+            </a:r>
+            <a:r>
+              <a:rPr lang="en-US" sz="1200" dirty="0" err="1" smtClean="0"/>
+              <a:t>Villarroya-Beltri</a:t>
+            </a:r>
+            <a:r>
+              <a:rPr lang="en-US" sz="1200" dirty="0" smtClean="0"/>
+              <a:t> 2013)</a:t>
+            </a:r>
+          </a:p>
+          <a:p>
+            <a:pPr marL="457200" lvl="1" indent="0">
+              <a:buNone/>
+            </a:pPr>
+            <a:endParaRPr lang="en-US" sz="1200" dirty="0" smtClean="0"/>
+          </a:p>
+          <a:p>
+            <a:r>
+              <a:rPr lang="en-US" dirty="0" err="1"/>
+              <a:t>hnRNPK</a:t>
+            </a:r>
+            <a:r>
+              <a:rPr lang="en-US" dirty="0"/>
+              <a:t> commonly exported in cancer derived EVs </a:t>
+            </a:r>
+          </a:p>
+          <a:p>
+            <a:pPr marL="457200" lvl="1" indent="0">
+              <a:buNone/>
+            </a:pPr>
+            <a:r>
+              <a:rPr lang="en-US" sz="1400" dirty="0"/>
+              <a:t>                                          (Zhang 2015, Ji 2013, </a:t>
+            </a:r>
+            <a:r>
+              <a:rPr lang="en-US" sz="1400" dirty="0" err="1"/>
+              <a:t>Welton</a:t>
+            </a:r>
+            <a:r>
+              <a:rPr lang="en-US" sz="1400" dirty="0"/>
+              <a:t> 2010, </a:t>
+            </a:r>
+            <a:r>
+              <a:rPr lang="en-US" sz="1400" dirty="0" err="1"/>
+              <a:t>Remteke</a:t>
+            </a:r>
+            <a:r>
+              <a:rPr lang="en-US" sz="1400" dirty="0"/>
+              <a:t> 2015)</a:t>
+            </a:r>
+          </a:p>
+          <a:p>
+            <a:pPr marL="0" indent="0">
+              <a:buNone/>
+            </a:pPr>
+            <a:endParaRPr lang="en-US" dirty="0" smtClean="0"/>
+          </a:p>
+          <a:p>
+            <a:r>
+              <a:rPr lang="en-US" dirty="0" err="1" smtClean="0"/>
+              <a:t>hnRNPK</a:t>
+            </a:r>
+            <a:r>
+              <a:rPr lang="en-US" dirty="0" smtClean="0"/>
+              <a:t> binds to miR-122 at AGUGUG region. 		</a:t>
+            </a:r>
+            <a:r>
+              <a:rPr lang="en-US" sz="1200" dirty="0" smtClean="0"/>
+              <a:t>(Fan 2015)</a:t>
+            </a:r>
+            <a:endParaRPr lang="en-US" sz="1600" dirty="0" smtClean="0"/>
+          </a:p>
+          <a:p>
+            <a:pPr lvl="1"/>
+            <a:r>
+              <a:rPr lang="en-US" dirty="0" smtClean="0"/>
+              <a:t>FIMO prediction matches motif to this region (p=0.0435)</a:t>
+            </a:r>
+          </a:p>
+          <a:p>
+            <a:pPr marL="285750" lvl="1"/>
+            <a:endParaRPr lang="en-US" dirty="0" smtClean="0"/>
+          </a:p>
+          <a:p>
+            <a:pPr marL="285750" lvl="1"/>
+            <a:r>
+              <a:rPr lang="en-US" sz="2000" dirty="0" err="1" smtClean="0"/>
+              <a:t>hnRNPK</a:t>
+            </a:r>
+            <a:r>
+              <a:rPr lang="en-US" sz="2000" dirty="0" smtClean="0"/>
+              <a:t> fulfils all criteria for the candidate export protein</a:t>
+            </a:r>
+            <a:endParaRPr lang="en-US" sz="2000" dirty="0"/>
+          </a:p>
+        </p:txBody>
+      </p:sp>
+      <p:pic>
+        <p:nvPicPr>
+          <p:cNvPr id="4" name="Content Placeholder 3"/>
+          <p:cNvPicPr>
+            <a:picLocks/>
+          </p:cNvPicPr>
+          <p:nvPr/>
+        </p:nvPicPr>
+        <p:blipFill rotWithShape="1">
+          <a:blip r:embed="rId3"/>
+          <a:srcRect l="29272" t="7167" r="22958" b="51050"/>
+          <a:stretch/>
+        </p:blipFill>
+        <p:spPr>
+          <a:xfrm>
+            <a:off x="9186864" y="3354804"/>
+            <a:ext cx="2900362" cy="1854022"/>
+          </a:xfrm>
+          <a:prstGeom prst="rect">
+            <a:avLst/>
+          </a:prstGeom>
+        </p:spPr>
+      </p:pic>
+    </p:spTree>
+    <p:extLst>
+      <p:ext uri="{BB962C8B-B14F-4D97-AF65-F5344CB8AC3E}">
+        <p14:creationId xmlns:p14="http://schemas.microsoft.com/office/powerpoint/2010/main" val="2921461513"/>
       </p:ext>
     </p:extLst>
   </p:cSld>
@@ -19413,7 +18662,6 @@
               <a:rPr lang="en-US" dirty="0" smtClean="0"/>
               <a:t>Selective vs sampling export.</a:t>
             </a:r>
-            <a:endParaRPr lang="en-US" dirty="0" smtClean="0"/>
           </a:p>
           <a:p>
             <a:endParaRPr lang="en-US" dirty="0" smtClean="0"/>

--- a/CollCompBiol.pptx
+++ b/CollCompBiol.pptx
@@ -5,7 +5,7 @@
     <p:sldMasterId id="2147484232" r:id="rId1"/>
   </p:sldMasterIdLst>
   <p:notesMasterIdLst>
-    <p:notesMasterId r:id="rId26"/>
+    <p:notesMasterId r:id="rId25"/>
   </p:notesMasterIdLst>
   <p:sldIdLst>
     <p:sldId id="256" r:id="rId2"/>
@@ -29,9 +29,8 @@
     <p:sldId id="275" r:id="rId20"/>
     <p:sldId id="266" r:id="rId21"/>
     <p:sldId id="277" r:id="rId22"/>
-    <p:sldId id="276" r:id="rId23"/>
-    <p:sldId id="267" r:id="rId24"/>
-    <p:sldId id="278" r:id="rId25"/>
+    <p:sldId id="267" r:id="rId23"/>
+    <p:sldId id="278" r:id="rId24"/>
   </p:sldIdLst>
   <p:sldSz cx="12192000" cy="6858000"/>
   <p:notesSz cx="6858000" cy="9144000"/>
@@ -3793,7 +3792,7 @@
           <a:p>
             <a:fld id="{7DE09EE5-A3A6-46CD-82C4-C5653BD8F5FF}" type="datetimeFigureOut">
               <a:rPr lang="en-AU" smtClean="0"/>
-              <a:t>31/10/2016</a:t>
+              <a:t>1/11/2016</a:t>
             </a:fld>
             <a:endParaRPr lang="en-AU"/>
           </a:p>
@@ -6156,7 +6155,7 @@
           <a:p>
             <a:fld id="{1644BD7C-F7E4-4602-B4BA-7731E171C526}" type="datetimeFigureOut">
               <a:rPr lang="en-AU" smtClean="0"/>
-              <a:t>31/10/2016</a:t>
+              <a:t>1/11/2016</a:t>
             </a:fld>
             <a:endParaRPr lang="en-AU"/>
           </a:p>
@@ -6436,7 +6435,7 @@
           <a:p>
             <a:fld id="{1644BD7C-F7E4-4602-B4BA-7731E171C526}" type="datetimeFigureOut">
               <a:rPr lang="en-AU" smtClean="0"/>
-              <a:t>31/10/2016</a:t>
+              <a:t>1/11/2016</a:t>
             </a:fld>
             <a:endParaRPr lang="en-AU"/>
           </a:p>
@@ -6630,7 +6629,7 @@
           <a:p>
             <a:fld id="{1644BD7C-F7E4-4602-B4BA-7731E171C526}" type="datetimeFigureOut">
               <a:rPr lang="en-AU" smtClean="0"/>
-              <a:t>31/10/2016</a:t>
+              <a:t>1/11/2016</a:t>
             </a:fld>
             <a:endParaRPr lang="en-AU"/>
           </a:p>
@@ -6898,7 +6897,7 @@
           <a:p>
             <a:fld id="{1644BD7C-F7E4-4602-B4BA-7731E171C526}" type="datetimeFigureOut">
               <a:rPr lang="en-AU" smtClean="0"/>
-              <a:t>31/10/2016</a:t>
+              <a:t>1/11/2016</a:t>
             </a:fld>
             <a:endParaRPr lang="en-AU"/>
           </a:p>
@@ -7230,7 +7229,7 @@
           <a:p>
             <a:fld id="{1644BD7C-F7E4-4602-B4BA-7731E171C526}" type="datetimeFigureOut">
               <a:rPr lang="en-AU" smtClean="0"/>
-              <a:t>31/10/2016</a:t>
+              <a:t>1/11/2016</a:t>
             </a:fld>
             <a:endParaRPr lang="en-AU"/>
           </a:p>
@@ -7840,7 +7839,7 @@
           <a:p>
             <a:fld id="{1644BD7C-F7E4-4602-B4BA-7731E171C526}" type="datetimeFigureOut">
               <a:rPr lang="en-AU" smtClean="0"/>
-              <a:t>31/10/2016</a:t>
+              <a:t>1/11/2016</a:t>
             </a:fld>
             <a:endParaRPr lang="en-AU"/>
           </a:p>
@@ -8687,7 +8686,7 @@
           <a:p>
             <a:fld id="{1644BD7C-F7E4-4602-B4BA-7731E171C526}" type="datetimeFigureOut">
               <a:rPr lang="en-AU" smtClean="0"/>
-              <a:t>31/10/2016</a:t>
+              <a:t>1/11/2016</a:t>
             </a:fld>
             <a:endParaRPr lang="en-AU"/>
           </a:p>
@@ -8857,7 +8856,7 @@
           <a:p>
             <a:fld id="{1644BD7C-F7E4-4602-B4BA-7731E171C526}" type="datetimeFigureOut">
               <a:rPr lang="en-AU" smtClean="0"/>
-              <a:t>31/10/2016</a:t>
+              <a:t>1/11/2016</a:t>
             </a:fld>
             <a:endParaRPr lang="en-AU"/>
           </a:p>
@@ -9037,7 +9036,7 @@
           <a:p>
             <a:fld id="{1644BD7C-F7E4-4602-B4BA-7731E171C526}" type="datetimeFigureOut">
               <a:rPr lang="en-AU" smtClean="0"/>
-              <a:t>31/10/2016</a:t>
+              <a:t>1/11/2016</a:t>
             </a:fld>
             <a:endParaRPr lang="en-AU"/>
           </a:p>
@@ -9212,7 +9211,7 @@
           <a:p>
             <a:fld id="{1644BD7C-F7E4-4602-B4BA-7731E171C526}" type="datetimeFigureOut">
               <a:rPr lang="en-AU" smtClean="0"/>
-              <a:t>31/10/2016</a:t>
+              <a:t>1/11/2016</a:t>
             </a:fld>
             <a:endParaRPr lang="en-AU"/>
           </a:p>
@@ -9456,7 +9455,7 @@
           <a:p>
             <a:fld id="{1644BD7C-F7E4-4602-B4BA-7731E171C526}" type="datetimeFigureOut">
               <a:rPr lang="en-AU" smtClean="0"/>
-              <a:t>31/10/2016</a:t>
+              <a:t>1/11/2016</a:t>
             </a:fld>
             <a:endParaRPr lang="en-AU"/>
           </a:p>
@@ -9753,7 +9752,7 @@
           <a:p>
             <a:fld id="{1644BD7C-F7E4-4602-B4BA-7731E171C526}" type="datetimeFigureOut">
               <a:rPr lang="en-AU" smtClean="0"/>
-              <a:t>31/10/2016</a:t>
+              <a:t>1/11/2016</a:t>
             </a:fld>
             <a:endParaRPr lang="en-AU"/>
           </a:p>
@@ -10196,7 +10195,7 @@
           <a:p>
             <a:fld id="{1644BD7C-F7E4-4602-B4BA-7731E171C526}" type="datetimeFigureOut">
               <a:rPr lang="en-AU" smtClean="0"/>
-              <a:t>31/10/2016</a:t>
+              <a:t>1/11/2016</a:t>
             </a:fld>
             <a:endParaRPr lang="en-AU"/>
           </a:p>
@@ -10319,7 +10318,7 @@
           <a:p>
             <a:fld id="{1644BD7C-F7E4-4602-B4BA-7731E171C526}" type="datetimeFigureOut">
               <a:rPr lang="en-AU" smtClean="0"/>
-              <a:t>31/10/2016</a:t>
+              <a:t>1/11/2016</a:t>
             </a:fld>
             <a:endParaRPr lang="en-AU"/>
           </a:p>
@@ -10414,7 +10413,7 @@
           <a:p>
             <a:fld id="{1644BD7C-F7E4-4602-B4BA-7731E171C526}" type="datetimeFigureOut">
               <a:rPr lang="en-AU" smtClean="0"/>
-              <a:t>31/10/2016</a:t>
+              <a:t>1/11/2016</a:t>
             </a:fld>
             <a:endParaRPr lang="en-AU"/>
           </a:p>
@@ -10698,7 +10697,7 @@
           <a:p>
             <a:fld id="{1644BD7C-F7E4-4602-B4BA-7731E171C526}" type="datetimeFigureOut">
               <a:rPr lang="en-AU" smtClean="0"/>
-              <a:t>31/10/2016</a:t>
+              <a:t>1/11/2016</a:t>
             </a:fld>
             <a:endParaRPr lang="en-AU"/>
           </a:p>
@@ -10978,7 +10977,7 @@
           <a:p>
             <a:fld id="{1644BD7C-F7E4-4602-B4BA-7731E171C526}" type="datetimeFigureOut">
               <a:rPr lang="en-AU" smtClean="0"/>
-              <a:t>31/10/2016</a:t>
+              <a:t>1/11/2016</a:t>
             </a:fld>
             <a:endParaRPr lang="en-AU"/>
           </a:p>
@@ -11407,7 +11406,7 @@
           <a:p>
             <a:fld id="{1644BD7C-F7E4-4602-B4BA-7731E171C526}" type="datetimeFigureOut">
               <a:rPr lang="en-AU" smtClean="0"/>
-              <a:t>31/10/2016</a:t>
+              <a:t>1/11/2016</a:t>
             </a:fld>
             <a:endParaRPr lang="en-AU"/>
           </a:p>
@@ -13676,12 +13675,43 @@
           </a:xfrm>
         </p:spPr>
         <p:txBody>
-          <a:bodyPr/>
+          <a:bodyPr>
+            <a:normAutofit/>
+          </a:bodyPr>
           <a:lstStyle/>
           <a:p>
             <a:r>
+              <a:rPr lang="en-US" dirty="0" err="1"/>
+              <a:t>hnRNPK</a:t>
+            </a:r>
+            <a:r>
+              <a:rPr lang="en-US" dirty="0"/>
+              <a:t> binds to miR-122 at AGUGUG region. 		</a:t>
+            </a:r>
+            <a:r>
+              <a:rPr lang="en-US" sz="1200" dirty="0"/>
+              <a:t>(Fan 2015)</a:t>
+            </a:r>
+            <a:endParaRPr lang="en-US" sz="1600" dirty="0"/>
+          </a:p>
+          <a:p>
+            <a:pPr lvl="1"/>
+            <a:r>
+              <a:rPr lang="en-US" dirty="0"/>
+              <a:t>FIMO prediction matches motif to this region (p=0.0435)</a:t>
+            </a:r>
+          </a:p>
+          <a:p>
+            <a:endParaRPr lang="en-US" dirty="0" smtClean="0"/>
+          </a:p>
+          <a:p>
+            <a:r>
               <a:rPr lang="en-US" dirty="0" smtClean="0"/>
-              <a:t>hnRNPA2B1 mediates export of </a:t>
+              <a:t>hnRNPA2B1 </a:t>
+            </a:r>
+            <a:r>
+              <a:rPr lang="en-US" dirty="0" smtClean="0"/>
+              <a:t>mediates export of </a:t>
             </a:r>
             <a:r>
               <a:rPr lang="en-US" dirty="0" err="1" smtClean="0"/>
@@ -13751,35 +13781,9 @@
             </a:r>
           </a:p>
           <a:p>
-            <a:pPr marL="0" indent="0">
+            <a:pPr marL="0" lvl="1" indent="0">
               <a:buNone/>
             </a:pPr>
-            <a:endParaRPr lang="en-US" dirty="0" smtClean="0"/>
-          </a:p>
-          <a:p>
-            <a:r>
-              <a:rPr lang="en-US" dirty="0" err="1" smtClean="0"/>
-              <a:t>hnRNPK</a:t>
-            </a:r>
-            <a:r>
-              <a:rPr lang="en-US" dirty="0" smtClean="0"/>
-              <a:t> binds to miR-122 at AGUGUG region. 		</a:t>
-            </a:r>
-            <a:r>
-              <a:rPr lang="en-US" sz="1200" dirty="0" smtClean="0"/>
-              <a:t>(Fan 2015)</a:t>
-            </a:r>
-            <a:endParaRPr lang="en-US" sz="1600" dirty="0" smtClean="0"/>
-          </a:p>
-          <a:p>
-            <a:pPr lvl="1"/>
-            <a:r>
-              <a:rPr lang="en-US" dirty="0" smtClean="0"/>
-              <a:t>FIMO prediction matches motif to this region (p=0.0435)</a:t>
-            </a:r>
-          </a:p>
-          <a:p>
-            <a:pPr marL="285750" lvl="1"/>
             <a:endParaRPr lang="en-US" dirty="0" smtClean="0"/>
           </a:p>
           <a:p>
@@ -13811,7 +13815,7 @@
         </p:blipFill>
         <p:spPr>
           <a:xfrm>
-            <a:off x="9186864" y="3354804"/>
+            <a:off x="9151695" y="1954274"/>
             <a:ext cx="2900362" cy="1854022"/>
           </a:xfrm>
           <a:prstGeom prst="rect">
@@ -15044,6 +15048,13 @@
   <p:clrMapOvr>
     <a:masterClrMapping/>
   </p:clrMapOvr>
+  <p:timing>
+    <p:tnLst>
+      <p:par>
+        <p:cTn id="1" dur="indefinite" restart="never" nodeType="tmRoot"/>
+      </p:par>
+    </p:tnLst>
+  </p:timing>
 </p:sld>
 </file>
 
@@ -15066,53 +15077,107 @@
       </p:grpSpPr>
       <p:sp>
         <p:nvSpPr>
-          <p:cNvPr id="2" name="Title 1"/>
-          <p:cNvSpPr>
-            <a:spLocks noGrp="1"/>
-          </p:cNvSpPr>
-          <p:nvPr>
-            <p:ph type="title"/>
-          </p:nvPr>
+          <p:cNvPr id="19" name="Rectangle 18"/>
+          <p:cNvSpPr/>
+          <p:nvPr/>
         </p:nvSpPr>
         <p:spPr>
           <a:xfrm>
-            <a:off x="8735036" y="2158425"/>
-            <a:ext cx="3257672" cy="1400530"/>
+            <a:off x="6088002" y="528917"/>
+            <a:ext cx="369333" cy="3744000"/>
           </a:xfrm>
+          <a:prstGeom prst="rect">
+            <a:avLst/>
+          </a:prstGeom>
+          <a:solidFill>
+            <a:schemeClr val="tx1"/>
+          </a:solidFill>
+          <a:ln>
+            <a:solidFill>
+              <a:schemeClr val="tx1"/>
+            </a:solidFill>
+          </a:ln>
         </p:spPr>
-        <p:txBody>
-          <a:bodyPr/>
+        <p:style>
+          <a:lnRef idx="2">
+            <a:schemeClr val="accent1">
+              <a:shade val="50000"/>
+            </a:schemeClr>
+          </a:lnRef>
+          <a:fillRef idx="1">
+            <a:schemeClr val="accent1"/>
+          </a:fillRef>
+          <a:effectRef idx="0">
+            <a:schemeClr val="accent1"/>
+          </a:effectRef>
+          <a:fontRef idx="minor">
+            <a:schemeClr val="lt1"/>
+          </a:fontRef>
+        </p:style>
+        <p:txBody>
+          <a:bodyPr rtlCol="0" anchor="ctr"/>
           <a:lstStyle/>
           <a:p>
-            <a:r>
-              <a:rPr lang="en-US" sz="2400" dirty="0" smtClean="0"/>
-              <a:t>Scrambled 148a as control. Won’t bind </a:t>
-            </a:r>
-            <a:r>
-              <a:rPr lang="en-US" sz="2400" dirty="0" err="1" smtClean="0"/>
-              <a:t>hnRNPK</a:t>
-            </a:r>
-            <a:r>
-              <a:rPr lang="en-US" sz="2400" dirty="0"/>
-              <a:t> </a:t>
-            </a:r>
-            <a:r>
-              <a:rPr lang="en-US" sz="2400" dirty="0" smtClean="0"/>
-              <a:t>or localize to nucleolus </a:t>
-            </a:r>
-            <a:endParaRPr lang="en-AU" sz="2400" dirty="0"/>
+            <a:pPr algn="ctr"/>
+            <a:endParaRPr lang="en-AU"/>
+          </a:p>
+        </p:txBody>
+      </p:sp>
+      <p:sp>
+        <p:nvSpPr>
+          <p:cNvPr id="18" name="Rectangle 17"/>
+          <p:cNvSpPr/>
+          <p:nvPr/>
+        </p:nvSpPr>
+        <p:spPr>
+          <a:xfrm>
+            <a:off x="611488" y="528918"/>
+            <a:ext cx="369333" cy="3768283"/>
+          </a:xfrm>
+          <a:prstGeom prst="rect">
+            <a:avLst/>
+          </a:prstGeom>
+          <a:solidFill>
+            <a:schemeClr val="tx1"/>
+          </a:solidFill>
+          <a:ln>
+            <a:solidFill>
+              <a:schemeClr val="tx1"/>
+            </a:solidFill>
+          </a:ln>
+        </p:spPr>
+        <p:style>
+          <a:lnRef idx="2">
+            <a:schemeClr val="accent1">
+              <a:shade val="50000"/>
+            </a:schemeClr>
+          </a:lnRef>
+          <a:fillRef idx="1">
+            <a:schemeClr val="accent1"/>
+          </a:fillRef>
+          <a:effectRef idx="0">
+            <a:schemeClr val="accent1"/>
+          </a:effectRef>
+          <a:fontRef idx="minor">
+            <a:schemeClr val="lt1"/>
+          </a:fontRef>
+        </p:style>
+        <p:txBody>
+          <a:bodyPr rtlCol="0" anchor="ctr"/>
+          <a:lstStyle/>
+          <a:p>
+            <a:pPr algn="ctr"/>
+            <a:endParaRPr lang="en-AU"/>
           </a:p>
         </p:txBody>
       </p:sp>
       <p:pic>
         <p:nvPicPr>
-          <p:cNvPr id="4" name="Content Placeholder 3"/>
+          <p:cNvPr id="9" name="Content Placeholder 3"/>
           <p:cNvPicPr>
-            <a:picLocks noGrp="1" noChangeAspect="1"/>
+            <a:picLocks noChangeAspect="1"/>
           </p:cNvPicPr>
-          <p:nvPr>
-            <p:ph idx="1"/>
-          </p:nvPr>
+          <p:nvPr/>
         </p:nvPicPr>
         <p:blipFill>
           <a:blip r:embed="rId2"/>
@@ -15122,8 +15187,86 @@
         </p:blipFill>
         <p:spPr>
           <a:xfrm>
-            <a:off x="823911" y="528918"/>
-            <a:ext cx="7746756" cy="5559602"/>
+            <a:off x="6176869" y="869544"/>
+            <a:ext cx="5302665" cy="3427657"/>
+          </a:xfrm>
+          <a:prstGeom prst="rect">
+            <a:avLst/>
+          </a:prstGeom>
+        </p:spPr>
+      </p:pic>
+      <p:sp>
+        <p:nvSpPr>
+          <p:cNvPr id="2" name="Title 1"/>
+          <p:cNvSpPr>
+            <a:spLocks noGrp="1"/>
+          </p:cNvSpPr>
+          <p:nvPr>
+            <p:ph type="title"/>
+          </p:nvPr>
+        </p:nvSpPr>
+        <p:spPr>
+          <a:xfrm>
+            <a:off x="1073156" y="4779558"/>
+            <a:ext cx="4544515" cy="1400530"/>
+          </a:xfrm>
+        </p:spPr>
+        <p:txBody>
+          <a:bodyPr/>
+          <a:lstStyle/>
+          <a:p>
+            <a:r>
+              <a:rPr lang="en-US" sz="2400" dirty="0" smtClean="0"/>
+              <a:t>Scrambled 148a </a:t>
+            </a:r>
+            <a:r>
+              <a:rPr lang="en-US" sz="2400" dirty="0" smtClean="0"/>
+              <a:t>as control</a:t>
+            </a:r>
+            <a:r>
+              <a:rPr lang="en-US" sz="2400" dirty="0" smtClean="0"/>
+              <a:t>. Won’t </a:t>
+            </a:r>
+            <a:r>
+              <a:rPr lang="en-US" sz="2400" dirty="0" smtClean="0"/>
+              <a:t>bind </a:t>
+            </a:r>
+            <a:r>
+              <a:rPr lang="en-US" sz="2400" dirty="0" err="1" smtClean="0"/>
+              <a:t>hnRNPK</a:t>
+            </a:r>
+            <a:r>
+              <a:rPr lang="en-US" sz="2400" dirty="0" smtClean="0"/>
+              <a:t> </a:t>
+            </a:r>
+            <a:r>
+              <a:rPr lang="en-US" sz="2400" dirty="0" smtClean="0"/>
+              <a:t>or localize to nucleolus </a:t>
+            </a:r>
+            <a:endParaRPr lang="en-AU" sz="2400" dirty="0"/>
+          </a:p>
+        </p:txBody>
+      </p:sp>
+      <p:pic>
+        <p:nvPicPr>
+          <p:cNvPr id="4" name="Content Placeholder 3"/>
+          <p:cNvPicPr>
+            <a:picLocks noGrp="1" noChangeAspect="1"/>
+          </p:cNvPicPr>
+          <p:nvPr>
+            <p:ph idx="1"/>
+          </p:nvPr>
+        </p:nvPicPr>
+        <p:blipFill>
+          <a:blip r:embed="rId3"/>
+          <a:stretch>
+            <a:fillRect/>
+          </a:stretch>
+        </p:blipFill>
+        <p:spPr>
+          <a:xfrm>
+            <a:off x="982175" y="634428"/>
+            <a:ext cx="5103713" cy="3662773"/>
           </a:xfrm>
           <a:prstGeom prst="rect">
             <a:avLst/>
@@ -15139,15 +15282,15 @@
           <p:nvPr/>
         </p:nvPicPr>
         <p:blipFill>
-          <a:blip r:embed="rId3"/>
+          <a:blip r:embed="rId4"/>
           <a:stretch>
             <a:fillRect/>
           </a:stretch>
         </p:blipFill>
         <p:spPr>
           <a:xfrm>
-            <a:off x="957284" y="3537321"/>
-            <a:ext cx="7515180" cy="2447312"/>
+            <a:off x="1073156" y="2645428"/>
+            <a:ext cx="4951146" cy="1612336"/>
           </a:xfrm>
           <a:prstGeom prst="rect">
             <a:avLst/>
@@ -15156,74 +15299,14 @@
       </p:pic>
       <p:sp>
         <p:nvSpPr>
-          <p:cNvPr id="5" name="TextBox 4"/>
-          <p:cNvSpPr txBox="1"/>
-          <p:nvPr/>
-        </p:nvSpPr>
-        <p:spPr>
-          <a:xfrm rot="16200000">
-            <a:off x="317796" y="2123844"/>
-            <a:ext cx="642898" cy="369332"/>
-          </a:xfrm>
-          <a:prstGeom prst="rect">
-            <a:avLst/>
-          </a:prstGeom>
-          <a:noFill/>
-        </p:spPr>
-        <p:txBody>
-          <a:bodyPr wrap="square" rtlCol="0">
-            <a:spAutoFit/>
-          </a:bodyPr>
-          <a:lstStyle/>
-          <a:p>
-            <a:r>
-              <a:rPr lang="en-AU" dirty="0" smtClean="0"/>
-              <a:t>GFP</a:t>
-            </a:r>
-            <a:endParaRPr lang="en-AU" dirty="0"/>
-          </a:p>
-        </p:txBody>
-      </p:sp>
-      <p:sp>
-        <p:nvSpPr>
-          <p:cNvPr id="6" name="TextBox 5"/>
-          <p:cNvSpPr txBox="1"/>
-          <p:nvPr/>
-        </p:nvSpPr>
-        <p:spPr>
-          <a:xfrm rot="16200000">
-            <a:off x="85466" y="4576311"/>
-            <a:ext cx="1050288" cy="369332"/>
-          </a:xfrm>
-          <a:prstGeom prst="rect">
-            <a:avLst/>
-          </a:prstGeom>
-          <a:noFill/>
-        </p:spPr>
-        <p:txBody>
-          <a:bodyPr wrap="none" rtlCol="0">
-            <a:spAutoFit/>
-          </a:bodyPr>
-          <a:lstStyle/>
-          <a:p>
-            <a:r>
-              <a:rPr lang="en-AU" dirty="0" smtClean="0"/>
-              <a:t>Cavin-1</a:t>
-            </a:r>
-            <a:endParaRPr lang="en-AU" dirty="0"/>
-          </a:p>
-        </p:txBody>
-      </p:sp>
-      <p:sp>
-        <p:nvSpPr>
           <p:cNvPr id="7" name="TextBox 6"/>
           <p:cNvSpPr txBox="1"/>
           <p:nvPr/>
         </p:nvSpPr>
         <p:spPr>
           <a:xfrm rot="16200000">
-            <a:off x="268864" y="2078987"/>
-            <a:ext cx="636713" cy="369332"/>
+            <a:off x="438837" y="1409075"/>
+            <a:ext cx="714635" cy="369332"/>
           </a:xfrm>
           <a:prstGeom prst="rect">
             <a:avLst/>
@@ -15233,7 +15316,7 @@
           </a:solidFill>
         </p:spPr>
         <p:txBody>
-          <a:bodyPr wrap="none" rtlCol="0">
+          <a:bodyPr wrap="square" rtlCol="0">
             <a:spAutoFit/>
           </a:bodyPr>
           <a:lstStyle/>
@@ -15262,8 +15345,8 @@
         </p:nvSpPr>
         <p:spPr>
           <a:xfrm rot="16200000">
-            <a:off x="-180049" y="4673646"/>
-            <a:ext cx="1579278" cy="369332"/>
+            <a:off x="4988" y="3229176"/>
+            <a:ext cx="1582333" cy="369332"/>
           </a:xfrm>
           <a:prstGeom prst="rect">
             <a:avLst/>
@@ -15273,7 +15356,7 @@
           </a:solidFill>
         </p:spPr>
         <p:txBody>
-          <a:bodyPr wrap="none" rtlCol="0">
+          <a:bodyPr wrap="square" rtlCol="0">
             <a:spAutoFit/>
           </a:bodyPr>
           <a:lstStyle/>
@@ -15291,6 +15374,306 @@
                 <a:schemeClr val="bg1"/>
               </a:solidFill>
             </a:endParaRPr>
+          </a:p>
+        </p:txBody>
+      </p:sp>
+      <p:sp>
+        <p:nvSpPr>
+          <p:cNvPr id="12" name="TextBox 11"/>
+          <p:cNvSpPr txBox="1"/>
+          <p:nvPr/>
+        </p:nvSpPr>
+        <p:spPr>
+          <a:xfrm rot="16200000">
+            <a:off x="5942632" y="1409075"/>
+            <a:ext cx="714635" cy="369332"/>
+          </a:xfrm>
+          <a:prstGeom prst="rect">
+            <a:avLst/>
+          </a:prstGeom>
+          <a:solidFill>
+            <a:schemeClr val="tx1"/>
+          </a:solidFill>
+        </p:spPr>
+        <p:txBody>
+          <a:bodyPr wrap="square" rtlCol="0">
+            <a:spAutoFit/>
+          </a:bodyPr>
+          <a:lstStyle/>
+          <a:p>
+            <a:r>
+              <a:rPr lang="en-US" dirty="0" smtClean="0">
+                <a:solidFill>
+                  <a:schemeClr val="bg1"/>
+                </a:solidFill>
+              </a:rPr>
+              <a:t>PC3</a:t>
+            </a:r>
+            <a:endParaRPr lang="en-AU" dirty="0">
+              <a:solidFill>
+                <a:schemeClr val="bg1"/>
+              </a:solidFill>
+            </a:endParaRPr>
+          </a:p>
+        </p:txBody>
+      </p:sp>
+      <p:sp>
+        <p:nvSpPr>
+          <p:cNvPr id="13" name="TextBox 12"/>
+          <p:cNvSpPr txBox="1"/>
+          <p:nvPr/>
+        </p:nvSpPr>
+        <p:spPr>
+          <a:xfrm rot="16200000">
+            <a:off x="5508783" y="3229176"/>
+            <a:ext cx="1582333" cy="369332"/>
+          </a:xfrm>
+          <a:prstGeom prst="rect">
+            <a:avLst/>
+          </a:prstGeom>
+          <a:solidFill>
+            <a:schemeClr val="tx1"/>
+          </a:solidFill>
+        </p:spPr>
+        <p:txBody>
+          <a:bodyPr wrap="square" rtlCol="0">
+            <a:spAutoFit/>
+          </a:bodyPr>
+          <a:lstStyle/>
+          <a:p>
+            <a:r>
+              <a:rPr lang="en-US" dirty="0" smtClean="0">
+                <a:solidFill>
+                  <a:schemeClr val="bg1"/>
+                </a:solidFill>
+              </a:rPr>
+              <a:t>PC3-Cavin-1</a:t>
+            </a:r>
+            <a:endParaRPr lang="en-AU" dirty="0">
+              <a:solidFill>
+                <a:schemeClr val="bg1"/>
+              </a:solidFill>
+            </a:endParaRPr>
+          </a:p>
+        </p:txBody>
+      </p:sp>
+      <p:sp>
+        <p:nvSpPr>
+          <p:cNvPr id="14" name="Title 1"/>
+          <p:cNvSpPr txBox="1">
+            <a:spLocks/>
+          </p:cNvSpPr>
+          <p:nvPr/>
+        </p:nvSpPr>
+        <p:spPr>
+          <a:xfrm>
+            <a:off x="6484616" y="4713376"/>
+            <a:ext cx="5341070" cy="1400530"/>
+          </a:xfrm>
+          <a:prstGeom prst="rect">
+            <a:avLst/>
+          </a:prstGeom>
+        </p:spPr>
+        <p:txBody>
+          <a:bodyPr vert="horz" lIns="91440" tIns="45720" rIns="91440" bIns="45720" rtlCol="0" anchor="t">
+            <a:noAutofit/>
+          </a:bodyPr>
+          <a:lstStyle>
+            <a:lvl1pPr algn="l" defTabSz="457200" rtl="0" eaLnBrk="1" latinLnBrk="0" hangingPunct="1">
+              <a:spcBef>
+                <a:spcPct val="0"/>
+              </a:spcBef>
+              <a:buNone/>
+              <a:defRPr sz="4200" b="0" i="0" kern="1200">
+                <a:solidFill>
+                  <a:schemeClr val="tx2"/>
+                </a:solidFill>
+                <a:latin typeface="+mj-lt"/>
+                <a:ea typeface="+mj-ea"/>
+                <a:cs typeface="+mj-cs"/>
+              </a:defRPr>
+            </a:lvl1pPr>
+            <a:lvl2pPr eaLnBrk="1" hangingPunct="1">
+              <a:defRPr>
+                <a:solidFill>
+                  <a:schemeClr val="tx2"/>
+                </a:solidFill>
+              </a:defRPr>
+            </a:lvl2pPr>
+            <a:lvl3pPr eaLnBrk="1" hangingPunct="1">
+              <a:defRPr>
+                <a:solidFill>
+                  <a:schemeClr val="tx2"/>
+                </a:solidFill>
+              </a:defRPr>
+            </a:lvl3pPr>
+            <a:lvl4pPr eaLnBrk="1" hangingPunct="1">
+              <a:defRPr>
+                <a:solidFill>
+                  <a:schemeClr val="tx2"/>
+                </a:solidFill>
+              </a:defRPr>
+            </a:lvl4pPr>
+            <a:lvl5pPr eaLnBrk="1" hangingPunct="1">
+              <a:defRPr>
+                <a:solidFill>
+                  <a:schemeClr val="tx2"/>
+                </a:solidFill>
+              </a:defRPr>
+            </a:lvl5pPr>
+            <a:lvl6pPr eaLnBrk="1" hangingPunct="1">
+              <a:defRPr>
+                <a:solidFill>
+                  <a:schemeClr val="tx2"/>
+                </a:solidFill>
+              </a:defRPr>
+            </a:lvl6pPr>
+            <a:lvl7pPr eaLnBrk="1" hangingPunct="1">
+              <a:defRPr>
+                <a:solidFill>
+                  <a:schemeClr val="tx2"/>
+                </a:solidFill>
+              </a:defRPr>
+            </a:lvl7pPr>
+            <a:lvl8pPr eaLnBrk="1" hangingPunct="1">
+              <a:defRPr>
+                <a:solidFill>
+                  <a:schemeClr val="tx2"/>
+                </a:solidFill>
+              </a:defRPr>
+            </a:lvl8pPr>
+            <a:lvl9pPr eaLnBrk="1" hangingPunct="1">
+              <a:defRPr>
+                <a:solidFill>
+                  <a:schemeClr val="tx2"/>
+                </a:solidFill>
+              </a:defRPr>
+            </a:lvl9pPr>
+          </a:lstStyle>
+          <a:p>
+            <a:r>
+              <a:rPr lang="en-US" sz="2400" dirty="0" smtClean="0"/>
+              <a:t>miR-589: ‘sampling’. </a:t>
+            </a:r>
+          </a:p>
+          <a:p>
+            <a:r>
+              <a:rPr lang="en-US" sz="2400" dirty="0" smtClean="0"/>
+              <a:t>No co-localization with </a:t>
+            </a:r>
+            <a:r>
+              <a:rPr lang="en-US" sz="2400" dirty="0" err="1" smtClean="0"/>
+              <a:t>hnRNPK</a:t>
+            </a:r>
+            <a:r>
+              <a:rPr lang="en-US" sz="2400" dirty="0" smtClean="0"/>
+              <a:t> or be found in puncta.</a:t>
+            </a:r>
+            <a:endParaRPr lang="en-AU" sz="2400" dirty="0"/>
+          </a:p>
+        </p:txBody>
+      </p:sp>
+      <p:sp>
+        <p:nvSpPr>
+          <p:cNvPr id="15" name="TextBox 14"/>
+          <p:cNvSpPr txBox="1"/>
+          <p:nvPr/>
+        </p:nvSpPr>
+        <p:spPr>
+          <a:xfrm>
+            <a:off x="6176869" y="528918"/>
+            <a:ext cx="5302665" cy="369332"/>
+          </a:xfrm>
+          <a:prstGeom prst="rect">
+            <a:avLst/>
+          </a:prstGeom>
+          <a:solidFill>
+            <a:schemeClr val="tx1"/>
+          </a:solidFill>
+        </p:spPr>
+        <p:txBody>
+          <a:bodyPr wrap="square" rtlCol="0">
+            <a:spAutoFit/>
+          </a:bodyPr>
+          <a:lstStyle/>
+          <a:p>
+            <a:r>
+              <a:rPr lang="en-US" dirty="0"/>
+              <a:t> </a:t>
+            </a:r>
+            <a:r>
+              <a:rPr lang="en-US" dirty="0" smtClean="0"/>
+              <a:t>         </a:t>
+            </a:r>
+            <a:r>
+              <a:rPr lang="en-US" dirty="0" err="1" smtClean="0">
+                <a:solidFill>
+                  <a:sysClr val="windowText" lastClr="000000"/>
+                </a:solidFill>
+              </a:rPr>
+              <a:t>hnRNPK</a:t>
+            </a:r>
+            <a:r>
+              <a:rPr lang="en-US" dirty="0" smtClean="0">
+                <a:solidFill>
+                  <a:sysClr val="windowText" lastClr="000000"/>
+                </a:solidFill>
+              </a:rPr>
+              <a:t>	   Cy5-antimiR	     Merge</a:t>
+            </a:r>
+            <a:endParaRPr lang="en-AU" dirty="0"/>
+          </a:p>
+        </p:txBody>
+      </p:sp>
+      <p:sp>
+        <p:nvSpPr>
+          <p:cNvPr id="17" name="TextBox 16"/>
+          <p:cNvSpPr txBox="1"/>
+          <p:nvPr/>
+        </p:nvSpPr>
+        <p:spPr>
+          <a:xfrm>
+            <a:off x="980821" y="531283"/>
+            <a:ext cx="5117998" cy="369332"/>
+          </a:xfrm>
+          <a:prstGeom prst="rect">
+            <a:avLst/>
+          </a:prstGeom>
+          <a:solidFill>
+            <a:schemeClr val="tx1"/>
+          </a:solidFill>
+        </p:spPr>
+        <p:txBody>
+          <a:bodyPr wrap="square" rtlCol="0">
+            <a:spAutoFit/>
+          </a:bodyPr>
+          <a:lstStyle/>
+          <a:p>
+            <a:r>
+              <a:rPr lang="en-US" dirty="0"/>
+              <a:t> </a:t>
+            </a:r>
+            <a:r>
+              <a:rPr lang="en-US" dirty="0" smtClean="0"/>
+              <a:t>         </a:t>
+            </a:r>
+            <a:r>
+              <a:rPr lang="en-US" dirty="0" err="1" smtClean="0">
+                <a:solidFill>
+                  <a:sysClr val="windowText" lastClr="000000"/>
+                </a:solidFill>
+              </a:rPr>
+              <a:t>hnRNPK</a:t>
+            </a:r>
+            <a:r>
+              <a:rPr lang="en-US" dirty="0" smtClean="0">
+                <a:solidFill>
+                  <a:sysClr val="windowText" lastClr="000000"/>
+                </a:solidFill>
+              </a:rPr>
+              <a:t>	   Cy5-antimiR	     Merge</a:t>
+            </a:r>
+            <a:endParaRPr lang="en-AU" dirty="0"/>
           </a:p>
         </p:txBody>
       </p:sp>
@@ -15304,244 +15687,17 @@
   <p:clrMapOvr>
     <a:masterClrMapping/>
   </p:clrMapOvr>
+  <p:timing>
+    <p:tnLst>
+      <p:par>
+        <p:cTn id="1" dur="indefinite" restart="never" nodeType="tmRoot"/>
+      </p:par>
+    </p:tnLst>
+  </p:timing>
 </p:sld>
 </file>
 
 <file path=ppt/slides/slide22.xml><?xml version="1.0" encoding="utf-8"?>
-<p:sld xmlns:a="http://schemas.openxmlformats.org/drawingml/2006/main" xmlns:r="http://schemas.openxmlformats.org/officeDocument/2006/relationships" xmlns:p="http://schemas.openxmlformats.org/presentationml/2006/main">
-  <p:cSld>
-    <p:spTree>
-      <p:nvGrpSpPr>
-        <p:cNvPr id="1" name=""/>
-        <p:cNvGrpSpPr/>
-        <p:nvPr/>
-      </p:nvGrpSpPr>
-      <p:grpSpPr>
-        <a:xfrm>
-          <a:off x="0" y="0"/>
-          <a:ext cx="0" cy="0"/>
-          <a:chOff x="0" y="0"/>
-          <a:chExt cx="0" cy="0"/>
-        </a:xfrm>
-      </p:grpSpPr>
-      <p:sp>
-        <p:nvSpPr>
-          <p:cNvPr id="2" name="Title 1"/>
-          <p:cNvSpPr>
-            <a:spLocks noGrp="1"/>
-          </p:cNvSpPr>
-          <p:nvPr>
-            <p:ph type="title"/>
-          </p:nvPr>
-        </p:nvSpPr>
-        <p:spPr>
-          <a:xfrm>
-            <a:off x="364758" y="1786951"/>
-            <a:ext cx="3073402" cy="1400530"/>
-          </a:xfrm>
-        </p:spPr>
-        <p:txBody>
-          <a:bodyPr/>
-          <a:lstStyle/>
-          <a:p>
-            <a:r>
-              <a:rPr lang="en-US" sz="2400" dirty="0" smtClean="0"/>
-              <a:t>miR-589 is believed </a:t>
-            </a:r>
-            <a:br>
-              <a:rPr lang="en-US" sz="2400" dirty="0" smtClean="0"/>
-            </a:br>
-            <a:r>
-              <a:rPr lang="en-US" sz="2400" dirty="0" smtClean="0"/>
-              <a:t>to be exported </a:t>
-            </a:r>
-            <a:br>
-              <a:rPr lang="en-US" sz="2400" dirty="0" smtClean="0"/>
-            </a:br>
-            <a:r>
-              <a:rPr lang="en-US" sz="2400" dirty="0" smtClean="0"/>
-              <a:t>due to sampling</a:t>
-            </a:r>
-            <a:endParaRPr lang="en-AU" sz="2400" dirty="0"/>
-          </a:p>
-        </p:txBody>
-      </p:sp>
-      <p:pic>
-        <p:nvPicPr>
-          <p:cNvPr id="4" name="Content Placeholder 3"/>
-          <p:cNvPicPr>
-            <a:picLocks noGrp="1" noChangeAspect="1"/>
-          </p:cNvPicPr>
-          <p:nvPr>
-            <p:ph idx="1"/>
-          </p:nvPr>
-        </p:nvPicPr>
-        <p:blipFill>
-          <a:blip r:embed="rId2"/>
-          <a:stretch>
-            <a:fillRect/>
-          </a:stretch>
-        </p:blipFill>
-        <p:spPr>
-          <a:xfrm>
-            <a:off x="3438160" y="861646"/>
-            <a:ext cx="8340058" cy="5373749"/>
-          </a:xfrm>
-          <a:prstGeom prst="rect">
-            <a:avLst/>
-          </a:prstGeom>
-        </p:spPr>
-      </p:pic>
-      <p:pic>
-        <p:nvPicPr>
-          <p:cNvPr id="5" name="Picture 4"/>
-          <p:cNvPicPr/>
-          <p:nvPr/>
-        </p:nvPicPr>
-        <p:blipFill rotWithShape="1">
-          <a:blip r:embed="rId3"/>
-          <a:srcRect l="10303" t="17128"/>
-          <a:stretch/>
-        </p:blipFill>
-        <p:spPr>
-          <a:xfrm>
-            <a:off x="364758" y="3548520"/>
-            <a:ext cx="2835642" cy="2526970"/>
-          </a:xfrm>
-          <a:prstGeom prst="rect">
-            <a:avLst/>
-          </a:prstGeom>
-        </p:spPr>
-      </p:pic>
-      <p:cxnSp>
-        <p:nvCxnSpPr>
-          <p:cNvPr id="6" name="Straight Connector 5"/>
-          <p:cNvCxnSpPr/>
-          <p:nvPr/>
-        </p:nvCxnSpPr>
-        <p:spPr>
-          <a:xfrm>
-            <a:off x="1557338" y="2971800"/>
-            <a:ext cx="271462" cy="1843088"/>
-          </a:xfrm>
-          <a:prstGeom prst="line">
-            <a:avLst/>
-          </a:prstGeom>
-          <a:ln w="38100">
-            <a:solidFill>
-              <a:srgbClr val="FF0000"/>
-            </a:solidFill>
-          </a:ln>
-        </p:spPr>
-        <p:style>
-          <a:lnRef idx="1">
-            <a:schemeClr val="accent1"/>
-          </a:lnRef>
-          <a:fillRef idx="0">
-            <a:schemeClr val="accent1"/>
-          </a:fillRef>
-          <a:effectRef idx="0">
-            <a:schemeClr val="accent1"/>
-          </a:effectRef>
-          <a:fontRef idx="minor">
-            <a:schemeClr val="tx1"/>
-          </a:fontRef>
-        </p:style>
-      </p:cxnSp>
-      <p:sp>
-        <p:nvSpPr>
-          <p:cNvPr id="7" name="TextBox 6"/>
-          <p:cNvSpPr txBox="1"/>
-          <p:nvPr/>
-        </p:nvSpPr>
-        <p:spPr>
-          <a:xfrm rot="16200000">
-            <a:off x="3357564" y="2015443"/>
-            <a:ext cx="636713" cy="369332"/>
-          </a:xfrm>
-          <a:prstGeom prst="rect">
-            <a:avLst/>
-          </a:prstGeom>
-          <a:solidFill>
-            <a:schemeClr val="tx1"/>
-          </a:solidFill>
-        </p:spPr>
-        <p:txBody>
-          <a:bodyPr wrap="none" rtlCol="0">
-            <a:spAutoFit/>
-          </a:bodyPr>
-          <a:lstStyle/>
-          <a:p>
-            <a:r>
-              <a:rPr lang="en-US" dirty="0" smtClean="0">
-                <a:solidFill>
-                  <a:schemeClr val="bg1"/>
-                </a:solidFill>
-              </a:rPr>
-              <a:t>PC3</a:t>
-            </a:r>
-            <a:endParaRPr lang="en-AU" dirty="0">
-              <a:solidFill>
-                <a:schemeClr val="bg1"/>
-              </a:solidFill>
-            </a:endParaRPr>
-          </a:p>
-        </p:txBody>
-      </p:sp>
-      <p:sp>
-        <p:nvSpPr>
-          <p:cNvPr id="8" name="TextBox 7"/>
-          <p:cNvSpPr txBox="1"/>
-          <p:nvPr/>
-        </p:nvSpPr>
-        <p:spPr>
-          <a:xfrm rot="16200000">
-            <a:off x="2908651" y="4610102"/>
-            <a:ext cx="1579278" cy="369332"/>
-          </a:xfrm>
-          <a:prstGeom prst="rect">
-            <a:avLst/>
-          </a:prstGeom>
-          <a:solidFill>
-            <a:schemeClr val="tx1"/>
-          </a:solidFill>
-        </p:spPr>
-        <p:txBody>
-          <a:bodyPr wrap="none" rtlCol="0">
-            <a:spAutoFit/>
-          </a:bodyPr>
-          <a:lstStyle/>
-          <a:p>
-            <a:r>
-              <a:rPr lang="en-US" dirty="0" smtClean="0">
-                <a:solidFill>
-                  <a:schemeClr val="bg1"/>
-                </a:solidFill>
-              </a:rPr>
-              <a:t>PC3-Cavin-1</a:t>
-            </a:r>
-            <a:endParaRPr lang="en-AU" dirty="0">
-              <a:solidFill>
-                <a:schemeClr val="bg1"/>
-              </a:solidFill>
-            </a:endParaRPr>
-          </a:p>
-        </p:txBody>
-      </p:sp>
-    </p:spTree>
-    <p:extLst>
-      <p:ext uri="{BB962C8B-B14F-4D97-AF65-F5344CB8AC3E}">
-        <p14:creationId xmlns:p14="http://schemas.microsoft.com/office/powerpoint/2010/main" val="1333127456"/>
-      </p:ext>
-    </p:extLst>
-  </p:cSld>
-  <p:clrMapOvr>
-    <a:masterClrMapping/>
-  </p:clrMapOvr>
-</p:sld>
-</file>
-
-<file path=ppt/slides/slide23.xml><?xml version="1.0" encoding="utf-8"?>
 <p:sld xmlns:a="http://schemas.openxmlformats.org/drawingml/2006/main" xmlns:r="http://schemas.openxmlformats.org/officeDocument/2006/relationships" xmlns:p="http://schemas.openxmlformats.org/presentationml/2006/main">
   <p:cSld>
     <p:spTree>
@@ -16778,7 +16934,7 @@
 </p:sld>
 </file>
 
-<file path=ppt/slides/slide24.xml><?xml version="1.0" encoding="utf-8"?>
+<file path=ppt/slides/slide23.xml><?xml version="1.0" encoding="utf-8"?>
 <p:sld xmlns:a="http://schemas.openxmlformats.org/drawingml/2006/main" xmlns:r="http://schemas.openxmlformats.org/officeDocument/2006/relationships" xmlns:p="http://schemas.openxmlformats.org/presentationml/2006/main">
   <p:cSld>
     <p:spTree>

--- a/CollCompBiol.pptx
+++ b/CollCompBiol.pptx
@@ -1010,7 +1010,7 @@
                 <a:schemeClr val="bg1"/>
               </a:solidFill>
             </a:rPr>
-            <a:t>cDNA and poly-A tailing</a:t>
+            <a:t>cDNA synthesis and poly-A tailing</a:t>
           </a:r>
           <a:endParaRPr lang="en-AU" dirty="0">
             <a:solidFill>
@@ -1446,6 +1446,757 @@
       <dsp:cNvGrpSpPr/>
     </dsp:nvGrpSpPr>
     <dsp:grpSpPr/>
+    <dsp:sp modelId="{B5AB1BF9-4ACD-4891-81A7-FE6469FA1B42}">
+      <dsp:nvSpPr>
+        <dsp:cNvPr id="0" name=""/>
+        <dsp:cNvSpPr/>
+      </dsp:nvSpPr>
+      <dsp:spPr>
+        <a:xfrm>
+          <a:off x="0" y="0"/>
+          <a:ext cx="4133226" cy="698616"/>
+        </a:xfrm>
+        <a:prstGeom prst="roundRect">
+          <a:avLst>
+            <a:gd name="adj" fmla="val 10000"/>
+          </a:avLst>
+        </a:prstGeom>
+        <a:solidFill>
+          <a:schemeClr val="accent1">
+            <a:hueOff val="0"/>
+            <a:satOff val="0"/>
+            <a:lumOff val="0"/>
+            <a:alphaOff val="0"/>
+          </a:schemeClr>
+        </a:solidFill>
+        <a:ln w="19050" cap="rnd" cmpd="sng" algn="ctr">
+          <a:solidFill>
+            <a:schemeClr val="lt1">
+              <a:hueOff val="0"/>
+              <a:satOff val="0"/>
+              <a:lumOff val="0"/>
+              <a:alphaOff val="0"/>
+            </a:schemeClr>
+          </a:solidFill>
+          <a:prstDash val="solid"/>
+        </a:ln>
+        <a:effectLst/>
+      </dsp:spPr>
+      <dsp:style>
+        <a:lnRef idx="2">
+          <a:scrgbClr r="0" g="0" b="0"/>
+        </a:lnRef>
+        <a:fillRef idx="1">
+          <a:scrgbClr r="0" g="0" b="0"/>
+        </a:fillRef>
+        <a:effectRef idx="0">
+          <a:scrgbClr r="0" g="0" b="0"/>
+        </a:effectRef>
+        <a:fontRef idx="minor">
+          <a:schemeClr val="lt1"/>
+        </a:fontRef>
+      </dsp:style>
+      <dsp:txBody>
+        <a:bodyPr spcFirstLastPara="0" vert="horz" wrap="square" lIns="68580" tIns="68580" rIns="68580" bIns="68580" numCol="1" spcCol="1270" anchor="ctr" anchorCtr="0">
+          <a:noAutofit/>
+        </a:bodyPr>
+        <a:lstStyle/>
+        <a:p>
+          <a:pPr lvl="0" algn="l" defTabSz="800100">
+            <a:lnSpc>
+              <a:spcPct val="90000"/>
+            </a:lnSpc>
+            <a:spcBef>
+              <a:spcPct val="0"/>
+            </a:spcBef>
+            <a:spcAft>
+              <a:spcPct val="35000"/>
+            </a:spcAft>
+          </a:pPr>
+          <a:r>
+            <a:rPr lang="en-US" sz="1800" kern="1200" dirty="0" smtClean="0">
+              <a:solidFill>
+                <a:schemeClr val="bg1"/>
+              </a:solidFill>
+            </a:rPr>
+            <a:t>EV and cell collection</a:t>
+          </a:r>
+          <a:endParaRPr lang="en-AU" sz="1800" kern="1200" dirty="0">
+            <a:solidFill>
+              <a:schemeClr val="bg1"/>
+            </a:solidFill>
+          </a:endParaRPr>
+        </a:p>
+      </dsp:txBody>
+      <dsp:txXfrm>
+        <a:off x="20462" y="20462"/>
+        <a:ext cx="3297626" cy="657692"/>
+      </dsp:txXfrm>
+    </dsp:sp>
+    <dsp:sp modelId="{142466EF-5655-42A9-8BF0-F1624F077F06}">
+      <dsp:nvSpPr>
+        <dsp:cNvPr id="0" name=""/>
+        <dsp:cNvSpPr/>
+      </dsp:nvSpPr>
+      <dsp:spPr>
+        <a:xfrm>
+          <a:off x="308650" y="795646"/>
+          <a:ext cx="4133226" cy="698616"/>
+        </a:xfrm>
+        <a:prstGeom prst="roundRect">
+          <a:avLst>
+            <a:gd name="adj" fmla="val 10000"/>
+          </a:avLst>
+        </a:prstGeom>
+        <a:solidFill>
+          <a:schemeClr val="accent1">
+            <a:hueOff val="0"/>
+            <a:satOff val="0"/>
+            <a:lumOff val="0"/>
+            <a:alphaOff val="0"/>
+          </a:schemeClr>
+        </a:solidFill>
+        <a:ln w="19050" cap="rnd" cmpd="sng" algn="ctr">
+          <a:solidFill>
+            <a:schemeClr val="lt1">
+              <a:hueOff val="0"/>
+              <a:satOff val="0"/>
+              <a:lumOff val="0"/>
+              <a:alphaOff val="0"/>
+            </a:schemeClr>
+          </a:solidFill>
+          <a:prstDash val="solid"/>
+        </a:ln>
+        <a:effectLst/>
+      </dsp:spPr>
+      <dsp:style>
+        <a:lnRef idx="2">
+          <a:scrgbClr r="0" g="0" b="0"/>
+        </a:lnRef>
+        <a:fillRef idx="1">
+          <a:scrgbClr r="0" g="0" b="0"/>
+        </a:fillRef>
+        <a:effectRef idx="0">
+          <a:scrgbClr r="0" g="0" b="0"/>
+        </a:effectRef>
+        <a:fontRef idx="minor">
+          <a:schemeClr val="lt1"/>
+        </a:fontRef>
+      </dsp:style>
+      <dsp:txBody>
+        <a:bodyPr spcFirstLastPara="0" vert="horz" wrap="square" lIns="68580" tIns="68580" rIns="68580" bIns="68580" numCol="1" spcCol="1270" anchor="ctr" anchorCtr="0">
+          <a:noAutofit/>
+        </a:bodyPr>
+        <a:lstStyle/>
+        <a:p>
+          <a:pPr lvl="0" algn="l" defTabSz="800100">
+            <a:lnSpc>
+              <a:spcPct val="90000"/>
+            </a:lnSpc>
+            <a:spcBef>
+              <a:spcPct val="0"/>
+            </a:spcBef>
+            <a:spcAft>
+              <a:spcPct val="35000"/>
+            </a:spcAft>
+          </a:pPr>
+          <a:r>
+            <a:rPr lang="en-US" sz="1800" kern="1200" dirty="0" smtClean="0">
+              <a:solidFill>
+                <a:schemeClr val="bg1"/>
+              </a:solidFill>
+            </a:rPr>
+            <a:t>RNA extraction</a:t>
+          </a:r>
+          <a:endParaRPr lang="en-AU" sz="1800" kern="1200" dirty="0">
+            <a:solidFill>
+              <a:schemeClr val="bg1"/>
+            </a:solidFill>
+          </a:endParaRPr>
+        </a:p>
+      </dsp:txBody>
+      <dsp:txXfrm>
+        <a:off x="329112" y="816108"/>
+        <a:ext cx="3329551" cy="657692"/>
+      </dsp:txXfrm>
+    </dsp:sp>
+    <dsp:sp modelId="{537E957E-2D49-43EA-8008-F973EA99ED84}">
+      <dsp:nvSpPr>
+        <dsp:cNvPr id="0" name=""/>
+        <dsp:cNvSpPr/>
+      </dsp:nvSpPr>
+      <dsp:spPr>
+        <a:xfrm>
+          <a:off x="617300" y="1591293"/>
+          <a:ext cx="4133226" cy="698616"/>
+        </a:xfrm>
+        <a:prstGeom prst="roundRect">
+          <a:avLst>
+            <a:gd name="adj" fmla="val 10000"/>
+          </a:avLst>
+        </a:prstGeom>
+        <a:solidFill>
+          <a:schemeClr val="accent1">
+            <a:hueOff val="0"/>
+            <a:satOff val="0"/>
+            <a:lumOff val="0"/>
+            <a:alphaOff val="0"/>
+          </a:schemeClr>
+        </a:solidFill>
+        <a:ln w="19050" cap="rnd" cmpd="sng" algn="ctr">
+          <a:solidFill>
+            <a:schemeClr val="lt1">
+              <a:hueOff val="0"/>
+              <a:satOff val="0"/>
+              <a:lumOff val="0"/>
+              <a:alphaOff val="0"/>
+            </a:schemeClr>
+          </a:solidFill>
+          <a:prstDash val="solid"/>
+        </a:ln>
+        <a:effectLst/>
+      </dsp:spPr>
+      <dsp:style>
+        <a:lnRef idx="2">
+          <a:scrgbClr r="0" g="0" b="0"/>
+        </a:lnRef>
+        <a:fillRef idx="1">
+          <a:scrgbClr r="0" g="0" b="0"/>
+        </a:fillRef>
+        <a:effectRef idx="0">
+          <a:scrgbClr r="0" g="0" b="0"/>
+        </a:effectRef>
+        <a:fontRef idx="minor">
+          <a:schemeClr val="lt1"/>
+        </a:fontRef>
+      </dsp:style>
+      <dsp:txBody>
+        <a:bodyPr spcFirstLastPara="0" vert="horz" wrap="square" lIns="68580" tIns="68580" rIns="68580" bIns="68580" numCol="1" spcCol="1270" anchor="ctr" anchorCtr="0">
+          <a:noAutofit/>
+        </a:bodyPr>
+        <a:lstStyle/>
+        <a:p>
+          <a:pPr lvl="0" algn="l" defTabSz="800100">
+            <a:lnSpc>
+              <a:spcPct val="90000"/>
+            </a:lnSpc>
+            <a:spcBef>
+              <a:spcPct val="0"/>
+            </a:spcBef>
+            <a:spcAft>
+              <a:spcPct val="35000"/>
+            </a:spcAft>
+          </a:pPr>
+          <a:r>
+            <a:rPr lang="en-US" sz="1800" kern="1200" dirty="0" smtClean="0">
+              <a:solidFill>
+                <a:schemeClr val="bg1"/>
+              </a:solidFill>
+            </a:rPr>
+            <a:t>cDNA synthesis and poly-A tailing</a:t>
+          </a:r>
+          <a:endParaRPr lang="en-AU" sz="1800" kern="1200" dirty="0">
+            <a:solidFill>
+              <a:schemeClr val="bg1"/>
+            </a:solidFill>
+          </a:endParaRPr>
+        </a:p>
+      </dsp:txBody>
+      <dsp:txXfrm>
+        <a:off x="637762" y="1611755"/>
+        <a:ext cx="3329551" cy="657692"/>
+      </dsp:txXfrm>
+    </dsp:sp>
+    <dsp:sp modelId="{6EF6A664-D7FA-4909-AC1A-B05262E61B69}">
+      <dsp:nvSpPr>
+        <dsp:cNvPr id="0" name=""/>
+        <dsp:cNvSpPr/>
+      </dsp:nvSpPr>
+      <dsp:spPr>
+        <a:xfrm>
+          <a:off x="925950" y="2386940"/>
+          <a:ext cx="4133226" cy="698616"/>
+        </a:xfrm>
+        <a:prstGeom prst="roundRect">
+          <a:avLst>
+            <a:gd name="adj" fmla="val 10000"/>
+          </a:avLst>
+        </a:prstGeom>
+        <a:solidFill>
+          <a:schemeClr val="accent1">
+            <a:hueOff val="0"/>
+            <a:satOff val="0"/>
+            <a:lumOff val="0"/>
+            <a:alphaOff val="0"/>
+          </a:schemeClr>
+        </a:solidFill>
+        <a:ln w="19050" cap="rnd" cmpd="sng" algn="ctr">
+          <a:solidFill>
+            <a:schemeClr val="lt1">
+              <a:hueOff val="0"/>
+              <a:satOff val="0"/>
+              <a:lumOff val="0"/>
+              <a:alphaOff val="0"/>
+            </a:schemeClr>
+          </a:solidFill>
+          <a:prstDash val="solid"/>
+        </a:ln>
+        <a:effectLst/>
+      </dsp:spPr>
+      <dsp:style>
+        <a:lnRef idx="2">
+          <a:scrgbClr r="0" g="0" b="0"/>
+        </a:lnRef>
+        <a:fillRef idx="1">
+          <a:scrgbClr r="0" g="0" b="0"/>
+        </a:fillRef>
+        <a:effectRef idx="0">
+          <a:scrgbClr r="0" g="0" b="0"/>
+        </a:effectRef>
+        <a:fontRef idx="minor">
+          <a:schemeClr val="lt1"/>
+        </a:fontRef>
+      </dsp:style>
+      <dsp:txBody>
+        <a:bodyPr spcFirstLastPara="0" vert="horz" wrap="square" lIns="68580" tIns="68580" rIns="68580" bIns="68580" numCol="1" spcCol="1270" anchor="ctr" anchorCtr="0">
+          <a:noAutofit/>
+        </a:bodyPr>
+        <a:lstStyle/>
+        <a:p>
+          <a:pPr lvl="0" algn="l" defTabSz="800100">
+            <a:lnSpc>
+              <a:spcPct val="90000"/>
+            </a:lnSpc>
+            <a:spcBef>
+              <a:spcPct val="0"/>
+            </a:spcBef>
+            <a:spcAft>
+              <a:spcPct val="35000"/>
+            </a:spcAft>
+          </a:pPr>
+          <a:r>
+            <a:rPr lang="en-US" sz="1800" kern="1200" dirty="0" smtClean="0">
+              <a:solidFill>
+                <a:schemeClr val="bg1"/>
+              </a:solidFill>
+            </a:rPr>
+            <a:t>RT-qPCR</a:t>
+          </a:r>
+          <a:endParaRPr lang="en-AU" sz="1800" kern="1200" dirty="0">
+            <a:solidFill>
+              <a:schemeClr val="bg1"/>
+            </a:solidFill>
+          </a:endParaRPr>
+        </a:p>
+      </dsp:txBody>
+      <dsp:txXfrm>
+        <a:off x="946412" y="2407402"/>
+        <a:ext cx="3329551" cy="657692"/>
+      </dsp:txXfrm>
+    </dsp:sp>
+    <dsp:sp modelId="{1F4391CF-DC44-49F5-9A28-B44F80DF4D55}">
+      <dsp:nvSpPr>
+        <dsp:cNvPr id="0" name=""/>
+        <dsp:cNvSpPr/>
+      </dsp:nvSpPr>
+      <dsp:spPr>
+        <a:xfrm>
+          <a:off x="1234600" y="3182587"/>
+          <a:ext cx="4133226" cy="698616"/>
+        </a:xfrm>
+        <a:prstGeom prst="roundRect">
+          <a:avLst>
+            <a:gd name="adj" fmla="val 10000"/>
+          </a:avLst>
+        </a:prstGeom>
+        <a:solidFill>
+          <a:schemeClr val="accent1">
+            <a:hueOff val="0"/>
+            <a:satOff val="0"/>
+            <a:lumOff val="0"/>
+            <a:alphaOff val="0"/>
+          </a:schemeClr>
+        </a:solidFill>
+        <a:ln w="19050" cap="rnd" cmpd="sng" algn="ctr">
+          <a:solidFill>
+            <a:schemeClr val="lt1">
+              <a:hueOff val="0"/>
+              <a:satOff val="0"/>
+              <a:lumOff val="0"/>
+              <a:alphaOff val="0"/>
+            </a:schemeClr>
+          </a:solidFill>
+          <a:prstDash val="solid"/>
+        </a:ln>
+        <a:effectLst/>
+      </dsp:spPr>
+      <dsp:style>
+        <a:lnRef idx="2">
+          <a:scrgbClr r="0" g="0" b="0"/>
+        </a:lnRef>
+        <a:fillRef idx="1">
+          <a:scrgbClr r="0" g="0" b="0"/>
+        </a:fillRef>
+        <a:effectRef idx="0">
+          <a:scrgbClr r="0" g="0" b="0"/>
+        </a:effectRef>
+        <a:fontRef idx="minor">
+          <a:schemeClr val="lt1"/>
+        </a:fontRef>
+      </dsp:style>
+      <dsp:txBody>
+        <a:bodyPr spcFirstLastPara="0" vert="horz" wrap="square" lIns="68580" tIns="68580" rIns="68580" bIns="68580" numCol="1" spcCol="1270" anchor="ctr" anchorCtr="0">
+          <a:noAutofit/>
+        </a:bodyPr>
+        <a:lstStyle/>
+        <a:p>
+          <a:pPr lvl="0" algn="l" defTabSz="800100">
+            <a:lnSpc>
+              <a:spcPct val="90000"/>
+            </a:lnSpc>
+            <a:spcBef>
+              <a:spcPct val="0"/>
+            </a:spcBef>
+            <a:spcAft>
+              <a:spcPct val="35000"/>
+            </a:spcAft>
+          </a:pPr>
+          <a:r>
+            <a:rPr lang="en-US" sz="1800" kern="1200" dirty="0" smtClean="0">
+              <a:solidFill>
+                <a:schemeClr val="bg1"/>
+              </a:solidFill>
+            </a:rPr>
+            <a:t>Delta </a:t>
+          </a:r>
+          <a:r>
+            <a:rPr lang="en-US" sz="1800" kern="1200" dirty="0" err="1" smtClean="0">
+              <a:solidFill>
+                <a:schemeClr val="bg1"/>
+              </a:solidFill>
+            </a:rPr>
+            <a:t>delta</a:t>
+          </a:r>
+          <a:r>
+            <a:rPr lang="en-US" sz="1800" kern="1200" dirty="0" smtClean="0">
+              <a:solidFill>
+                <a:schemeClr val="bg1"/>
+              </a:solidFill>
+            </a:rPr>
+            <a:t> CT analysis</a:t>
+          </a:r>
+          <a:endParaRPr lang="en-AU" sz="1800" kern="1200" dirty="0">
+            <a:solidFill>
+              <a:schemeClr val="bg1"/>
+            </a:solidFill>
+          </a:endParaRPr>
+        </a:p>
+      </dsp:txBody>
+      <dsp:txXfrm>
+        <a:off x="1255062" y="3203049"/>
+        <a:ext cx="3329551" cy="657692"/>
+      </dsp:txXfrm>
+    </dsp:sp>
+    <dsp:sp modelId="{7C7A3F0C-3A09-40A9-B3A8-9BCA2A046C7A}">
+      <dsp:nvSpPr>
+        <dsp:cNvPr id="0" name=""/>
+        <dsp:cNvSpPr/>
+      </dsp:nvSpPr>
+      <dsp:spPr>
+        <a:xfrm>
+          <a:off x="3679125" y="510378"/>
+          <a:ext cx="454100" cy="454100"/>
+        </a:xfrm>
+        <a:prstGeom prst="downArrow">
+          <a:avLst>
+            <a:gd name="adj1" fmla="val 55000"/>
+            <a:gd name="adj2" fmla="val 45000"/>
+          </a:avLst>
+        </a:prstGeom>
+        <a:solidFill>
+          <a:schemeClr val="bg2">
+            <a:lumMod val="50000"/>
+            <a:lumOff val="50000"/>
+            <a:alpha val="90000"/>
+          </a:schemeClr>
+        </a:solidFill>
+        <a:ln w="19050" cap="rnd" cmpd="sng" algn="ctr">
+          <a:solidFill>
+            <a:schemeClr val="accent1">
+              <a:alpha val="90000"/>
+              <a:tint val="40000"/>
+              <a:hueOff val="0"/>
+              <a:satOff val="0"/>
+              <a:lumOff val="0"/>
+              <a:alphaOff val="0"/>
+            </a:schemeClr>
+          </a:solidFill>
+          <a:prstDash val="solid"/>
+        </a:ln>
+        <a:effectLst/>
+      </dsp:spPr>
+      <dsp:style>
+        <a:lnRef idx="2">
+          <a:scrgbClr r="0" g="0" b="0"/>
+        </a:lnRef>
+        <a:fillRef idx="1">
+          <a:scrgbClr r="0" g="0" b="0"/>
+        </a:fillRef>
+        <a:effectRef idx="0">
+          <a:scrgbClr r="0" g="0" b="0"/>
+        </a:effectRef>
+        <a:fontRef idx="minor"/>
+      </dsp:style>
+      <dsp:txBody>
+        <a:bodyPr spcFirstLastPara="0" vert="horz" wrap="square" lIns="25400" tIns="25400" rIns="25400" bIns="25400" numCol="1" spcCol="1270" anchor="ctr" anchorCtr="0">
+          <a:noAutofit/>
+        </a:bodyPr>
+        <a:lstStyle/>
+        <a:p>
+          <a:pPr lvl="0" algn="ctr" defTabSz="889000">
+            <a:lnSpc>
+              <a:spcPct val="90000"/>
+            </a:lnSpc>
+            <a:spcBef>
+              <a:spcPct val="0"/>
+            </a:spcBef>
+            <a:spcAft>
+              <a:spcPct val="35000"/>
+            </a:spcAft>
+          </a:pPr>
+          <a:endParaRPr lang="en-AU" sz="2000" kern="1200"/>
+        </a:p>
+      </dsp:txBody>
+      <dsp:txXfrm>
+        <a:off x="3781297" y="510378"/>
+        <a:ext cx="249756" cy="341710"/>
+      </dsp:txXfrm>
+    </dsp:sp>
+    <dsp:sp modelId="{09B2B401-8928-462C-B29D-38127C77AA4D}">
+      <dsp:nvSpPr>
+        <dsp:cNvPr id="0" name=""/>
+        <dsp:cNvSpPr/>
+      </dsp:nvSpPr>
+      <dsp:spPr>
+        <a:xfrm>
+          <a:off x="3987775" y="1306025"/>
+          <a:ext cx="454100" cy="454100"/>
+        </a:xfrm>
+        <a:prstGeom prst="downArrow">
+          <a:avLst>
+            <a:gd name="adj1" fmla="val 55000"/>
+            <a:gd name="adj2" fmla="val 45000"/>
+          </a:avLst>
+        </a:prstGeom>
+        <a:solidFill>
+          <a:schemeClr val="bg2">
+            <a:lumMod val="50000"/>
+            <a:lumOff val="50000"/>
+            <a:alpha val="90000"/>
+          </a:schemeClr>
+        </a:solidFill>
+        <a:ln w="19050" cap="rnd" cmpd="sng" algn="ctr">
+          <a:solidFill>
+            <a:schemeClr val="accent1">
+              <a:alpha val="90000"/>
+              <a:tint val="40000"/>
+              <a:hueOff val="0"/>
+              <a:satOff val="0"/>
+              <a:lumOff val="0"/>
+              <a:alphaOff val="0"/>
+            </a:schemeClr>
+          </a:solidFill>
+          <a:prstDash val="solid"/>
+        </a:ln>
+        <a:effectLst/>
+      </dsp:spPr>
+      <dsp:style>
+        <a:lnRef idx="2">
+          <a:scrgbClr r="0" g="0" b="0"/>
+        </a:lnRef>
+        <a:fillRef idx="1">
+          <a:scrgbClr r="0" g="0" b="0"/>
+        </a:fillRef>
+        <a:effectRef idx="0">
+          <a:scrgbClr r="0" g="0" b="0"/>
+        </a:effectRef>
+        <a:fontRef idx="minor"/>
+      </dsp:style>
+      <dsp:txBody>
+        <a:bodyPr spcFirstLastPara="0" vert="horz" wrap="square" lIns="25400" tIns="25400" rIns="25400" bIns="25400" numCol="1" spcCol="1270" anchor="ctr" anchorCtr="0">
+          <a:noAutofit/>
+        </a:bodyPr>
+        <a:lstStyle/>
+        <a:p>
+          <a:pPr lvl="0" algn="ctr" defTabSz="889000">
+            <a:lnSpc>
+              <a:spcPct val="90000"/>
+            </a:lnSpc>
+            <a:spcBef>
+              <a:spcPct val="0"/>
+            </a:spcBef>
+            <a:spcAft>
+              <a:spcPct val="35000"/>
+            </a:spcAft>
+          </a:pPr>
+          <a:endParaRPr lang="en-AU" sz="2000" kern="1200"/>
+        </a:p>
+      </dsp:txBody>
+      <dsp:txXfrm>
+        <a:off x="4089947" y="1306025"/>
+        <a:ext cx="249756" cy="341710"/>
+      </dsp:txXfrm>
+    </dsp:sp>
+    <dsp:sp modelId="{94FDD53F-9ABA-4238-8C87-E414C334E987}">
+      <dsp:nvSpPr>
+        <dsp:cNvPr id="0" name=""/>
+        <dsp:cNvSpPr/>
+      </dsp:nvSpPr>
+      <dsp:spPr>
+        <a:xfrm>
+          <a:off x="4296426" y="2090028"/>
+          <a:ext cx="454100" cy="454100"/>
+        </a:xfrm>
+        <a:prstGeom prst="downArrow">
+          <a:avLst>
+            <a:gd name="adj1" fmla="val 55000"/>
+            <a:gd name="adj2" fmla="val 45000"/>
+          </a:avLst>
+        </a:prstGeom>
+        <a:solidFill>
+          <a:schemeClr val="bg2">
+            <a:lumMod val="50000"/>
+            <a:lumOff val="50000"/>
+            <a:alpha val="90000"/>
+          </a:schemeClr>
+        </a:solidFill>
+        <a:ln w="19050" cap="rnd" cmpd="sng" algn="ctr">
+          <a:solidFill>
+            <a:schemeClr val="accent1">
+              <a:alpha val="90000"/>
+              <a:tint val="40000"/>
+              <a:hueOff val="0"/>
+              <a:satOff val="0"/>
+              <a:lumOff val="0"/>
+              <a:alphaOff val="0"/>
+            </a:schemeClr>
+          </a:solidFill>
+          <a:prstDash val="solid"/>
+        </a:ln>
+        <a:effectLst/>
+      </dsp:spPr>
+      <dsp:style>
+        <a:lnRef idx="2">
+          <a:scrgbClr r="0" g="0" b="0"/>
+        </a:lnRef>
+        <a:fillRef idx="1">
+          <a:scrgbClr r="0" g="0" b="0"/>
+        </a:fillRef>
+        <a:effectRef idx="0">
+          <a:scrgbClr r="0" g="0" b="0"/>
+        </a:effectRef>
+        <a:fontRef idx="minor"/>
+      </dsp:style>
+      <dsp:txBody>
+        <a:bodyPr spcFirstLastPara="0" vert="horz" wrap="square" lIns="25400" tIns="25400" rIns="25400" bIns="25400" numCol="1" spcCol="1270" anchor="ctr" anchorCtr="0">
+          <a:noAutofit/>
+        </a:bodyPr>
+        <a:lstStyle/>
+        <a:p>
+          <a:pPr lvl="0" algn="ctr" defTabSz="889000">
+            <a:lnSpc>
+              <a:spcPct val="90000"/>
+            </a:lnSpc>
+            <a:spcBef>
+              <a:spcPct val="0"/>
+            </a:spcBef>
+            <a:spcAft>
+              <a:spcPct val="35000"/>
+            </a:spcAft>
+          </a:pPr>
+          <a:endParaRPr lang="en-AU" sz="2000" kern="1200"/>
+        </a:p>
+      </dsp:txBody>
+      <dsp:txXfrm>
+        <a:off x="4398598" y="2090028"/>
+        <a:ext cx="249756" cy="341710"/>
+      </dsp:txXfrm>
+    </dsp:sp>
+    <dsp:sp modelId="{112B86F2-18EA-41BC-AA1E-EB607F094174}">
+      <dsp:nvSpPr>
+        <dsp:cNvPr id="0" name=""/>
+        <dsp:cNvSpPr/>
+      </dsp:nvSpPr>
+      <dsp:spPr>
+        <a:xfrm>
+          <a:off x="4605076" y="2893437"/>
+          <a:ext cx="454100" cy="454100"/>
+        </a:xfrm>
+        <a:prstGeom prst="downArrow">
+          <a:avLst>
+            <a:gd name="adj1" fmla="val 55000"/>
+            <a:gd name="adj2" fmla="val 45000"/>
+          </a:avLst>
+        </a:prstGeom>
+        <a:solidFill>
+          <a:schemeClr val="bg2">
+            <a:lumMod val="50000"/>
+            <a:lumOff val="50000"/>
+            <a:alpha val="90000"/>
+          </a:schemeClr>
+        </a:solidFill>
+        <a:ln w="19050" cap="rnd" cmpd="sng" algn="ctr">
+          <a:solidFill>
+            <a:schemeClr val="accent1">
+              <a:alpha val="90000"/>
+              <a:tint val="40000"/>
+              <a:hueOff val="0"/>
+              <a:satOff val="0"/>
+              <a:lumOff val="0"/>
+              <a:alphaOff val="0"/>
+            </a:schemeClr>
+          </a:solidFill>
+          <a:prstDash val="solid"/>
+        </a:ln>
+        <a:effectLst/>
+      </dsp:spPr>
+      <dsp:style>
+        <a:lnRef idx="2">
+          <a:scrgbClr r="0" g="0" b="0"/>
+        </a:lnRef>
+        <a:fillRef idx="1">
+          <a:scrgbClr r="0" g="0" b="0"/>
+        </a:fillRef>
+        <a:effectRef idx="0">
+          <a:scrgbClr r="0" g="0" b="0"/>
+        </a:effectRef>
+        <a:fontRef idx="minor"/>
+      </dsp:style>
+      <dsp:txBody>
+        <a:bodyPr spcFirstLastPara="0" vert="horz" wrap="square" lIns="25400" tIns="25400" rIns="25400" bIns="25400" numCol="1" spcCol="1270" anchor="ctr" anchorCtr="0">
+          <a:noAutofit/>
+        </a:bodyPr>
+        <a:lstStyle/>
+        <a:p>
+          <a:pPr lvl="0" algn="ctr" defTabSz="889000">
+            <a:lnSpc>
+              <a:spcPct val="90000"/>
+            </a:lnSpc>
+            <a:spcBef>
+              <a:spcPct val="0"/>
+            </a:spcBef>
+            <a:spcAft>
+              <a:spcPct val="35000"/>
+            </a:spcAft>
+          </a:pPr>
+          <a:endParaRPr lang="en-AU" sz="2000" kern="1200"/>
+        </a:p>
+      </dsp:txBody>
+      <dsp:txXfrm>
+        <a:off x="4707248" y="2893437"/>
+        <a:ext cx="249756" cy="341710"/>
+      </dsp:txXfrm>
+    </dsp:sp>
   </dsp:spTree>
 </dsp:drawing>
 </file>
@@ -3792,7 +4543,7 @@
           <a:p>
             <a:fld id="{7DE09EE5-A3A6-46CD-82C4-C5653BD8F5FF}" type="datetimeFigureOut">
               <a:rPr lang="en-AU" smtClean="0"/>
-              <a:t>1/11/2016</a:t>
+              <a:t>3/11/2016</a:t>
             </a:fld>
             <a:endParaRPr lang="en-AU"/>
           </a:p>
@@ -4106,11 +4857,11 @@
           <a:p>
             <a:r>
               <a:rPr lang="en-AU" dirty="0" smtClean="0"/>
-              <a:t>Linker.. This highlights</a:t>
+              <a:t>Diagnostics,</a:t>
             </a:r>
             <a:r>
               <a:rPr lang="en-AU" baseline="0" dirty="0" smtClean="0"/>
-              <a:t> the need to identify biomarkers or biological phenomena that are involved with the metastatic phenotype. </a:t>
+              <a:t> advanced= increased mortalities due to additional comorbidities. Need to identify biomarkers and processes that contribute to metastatic progression. </a:t>
             </a:r>
             <a:endParaRPr lang="en-AU" dirty="0"/>
           </a:p>
@@ -5413,12 +6164,32 @@
           <a:lstStyle/>
           <a:p>
             <a:r>
-              <a:rPr lang="en-AU" dirty="0" smtClean="0"/>
-              <a:t>.. Specifically, cavin-1 added</a:t>
-            </a:r>
-            <a:r>
               <a:rPr lang="en-AU" baseline="0" dirty="0" smtClean="0"/>
-              <a:t> to PC3 cell lines. PC3 cell lines are pro-metastatic prostate cells, derived from a patient with bone metastasis, therefore are suitable cell lines for cancer progression. …. Linker: This establishes </a:t>
+              <a:t>We’ve used this information to generate a cell model to assess </a:t>
+            </a:r>
+            <a:r>
+              <a:rPr lang="en-AU" baseline="0" dirty="0" err="1" smtClean="0"/>
+              <a:t>abnormabilies</a:t>
+            </a:r>
+            <a:r>
+              <a:rPr lang="en-AU" baseline="0" dirty="0" smtClean="0"/>
+              <a:t> underpinning advanced prostate cancer, PC3 cell lines. This cell line possesses the aberrant </a:t>
+            </a:r>
+            <a:r>
+              <a:rPr lang="en-AU" baseline="0" dirty="0" err="1" smtClean="0"/>
+              <a:t>caveolin</a:t>
+            </a:r>
+            <a:r>
+              <a:rPr lang="en-AU" baseline="0" dirty="0" smtClean="0"/>
+              <a:t> activity, which can be reduced upon expression of cavin-1. Hereby, comparing PC3 cells with the less </a:t>
+            </a:r>
+            <a:r>
+              <a:rPr lang="en-AU" baseline="0" dirty="0" err="1" smtClean="0"/>
+              <a:t>tumourgenic</a:t>
+            </a:r>
+            <a:r>
+              <a:rPr lang="en-AU" baseline="0" dirty="0" smtClean="0"/>
+              <a:t> form with cavin-1 expression can reveal pathways contributing to metastasis. </a:t>
             </a:r>
             <a:endParaRPr lang="en-AU" dirty="0"/>
           </a:p>
@@ -5596,6 +6367,106 @@
           <a:bodyPr/>
           <a:lstStyle/>
           <a:p>
+            <a:pPr marL="0" marR="0" lvl="0" indent="0" algn="l" defTabSz="914400" rtl="0" eaLnBrk="1" fontAlgn="auto" latinLnBrk="0" hangingPunct="1">
+              <a:lnSpc>
+                <a:spcPct val="100000"/>
+              </a:lnSpc>
+              <a:spcBef>
+                <a:spcPts val="0"/>
+              </a:spcBef>
+              <a:spcAft>
+                <a:spcPts val="0"/>
+              </a:spcAft>
+              <a:buClrTx/>
+              <a:buSzTx/>
+              <a:buFontTx/>
+              <a:buNone/>
+              <a:tabLst/>
+              <a:defRPr/>
+            </a:pPr>
+            <a:r>
+              <a:rPr lang="en-AU" sz="1200" kern="1200" dirty="0" smtClean="0">
+                <a:solidFill>
+                  <a:schemeClr val="tx1"/>
+                </a:solidFill>
+                <a:effectLst/>
+                <a:latin typeface="+mn-lt"/>
+                <a:ea typeface="+mn-ea"/>
+                <a:cs typeface="+mn-cs"/>
+              </a:rPr>
+              <a:t>Recently, vesicle contained microRNAs had been implemented in cancer progression. Alike protein, the EV transported microRNAs have been reported to modulate microenvironments and pre-metastatic niche formation, but through their canonical function. MicroRNAs are small non-coding RNAs that mediate post-transcriptional gene silencing through complementary base pairing to target protein transcripts or messenger RNA for degradation. This is particularly important when you consider that a single microRNA can target hundreds of protein transcripts and therefore modulates many vital cellular pathways. Hereby, being transported between cells could be viable from of intercellular communication, or a major source of disarray in disease states. Previous work using the PC3-cavin-1 cell model found that the prostate cancer cells did secrete oncogenic material, namely mir-148a, whereas the less tumorigenic cell did not. Interesting, this modification was not reflected by a change in cellular expression. This indicates that there is some form of export mechanism that populates the microRNA content of the EVs in prostate cancer. However what this</a:t>
+            </a:r>
+            <a:r>
+              <a:rPr lang="en-AU" sz="1200" kern="1200" baseline="0" dirty="0" smtClean="0">
+                <a:solidFill>
+                  <a:schemeClr val="tx1"/>
+                </a:solidFill>
+                <a:effectLst/>
+                <a:latin typeface="+mn-lt"/>
+                <a:ea typeface="+mn-ea"/>
+                <a:cs typeface="+mn-cs"/>
+              </a:rPr>
+              <a:t> is </a:t>
+            </a:r>
+            <a:r>
+              <a:rPr lang="en-AU" sz="1200" kern="1200" baseline="0" dirty="0" err="1" smtClean="0">
+                <a:solidFill>
+                  <a:schemeClr val="tx1"/>
+                </a:solidFill>
+                <a:effectLst/>
+                <a:latin typeface="+mn-lt"/>
+                <a:ea typeface="+mn-ea"/>
+                <a:cs typeface="+mn-cs"/>
+              </a:rPr>
+              <a:t>is</a:t>
+            </a:r>
+            <a:r>
+              <a:rPr lang="en-AU" sz="1200" kern="1200" baseline="0" dirty="0" smtClean="0">
+                <a:solidFill>
+                  <a:schemeClr val="tx1"/>
+                </a:solidFill>
+                <a:effectLst/>
+                <a:latin typeface="+mn-lt"/>
+                <a:ea typeface="+mn-ea"/>
+                <a:cs typeface="+mn-cs"/>
+              </a:rPr>
+              <a:t> </a:t>
+            </a:r>
+            <a:r>
+              <a:rPr lang="en-AU" sz="1200" kern="1200" baseline="0" dirty="0" err="1" smtClean="0">
+                <a:solidFill>
+                  <a:schemeClr val="tx1"/>
+                </a:solidFill>
+                <a:effectLst/>
+                <a:latin typeface="+mn-lt"/>
+                <a:ea typeface="+mn-ea"/>
+                <a:cs typeface="+mn-cs"/>
+              </a:rPr>
+              <a:t>unknwn</a:t>
+            </a:r>
+            <a:r>
+              <a:rPr lang="en-AU" sz="1200" kern="1200" baseline="0" dirty="0" smtClean="0">
+                <a:solidFill>
+                  <a:schemeClr val="tx1"/>
+                </a:solidFill>
+                <a:effectLst/>
+                <a:latin typeface="+mn-lt"/>
+                <a:ea typeface="+mn-ea"/>
+                <a:cs typeface="+mn-cs"/>
+              </a:rPr>
+              <a:t>. </a:t>
+            </a:r>
+            <a:endParaRPr lang="en-AU" sz="1200" kern="1200" dirty="0" smtClean="0">
+              <a:solidFill>
+                <a:schemeClr val="tx1"/>
+              </a:solidFill>
+              <a:effectLst/>
+              <a:latin typeface="+mn-lt"/>
+              <a:ea typeface="+mn-ea"/>
+              <a:cs typeface="+mn-cs"/>
+            </a:endParaRPr>
+          </a:p>
+          <a:p>
             <a:endParaRPr lang="en-AU" dirty="0"/>
           </a:p>
         </p:txBody>
@@ -6155,7 +7026,7 @@
           <a:p>
             <a:fld id="{1644BD7C-F7E4-4602-B4BA-7731E171C526}" type="datetimeFigureOut">
               <a:rPr lang="en-AU" smtClean="0"/>
-              <a:t>1/11/2016</a:t>
+              <a:t>3/11/2016</a:t>
             </a:fld>
             <a:endParaRPr lang="en-AU"/>
           </a:p>
@@ -6435,7 +7306,7 @@
           <a:p>
             <a:fld id="{1644BD7C-F7E4-4602-B4BA-7731E171C526}" type="datetimeFigureOut">
               <a:rPr lang="en-AU" smtClean="0"/>
-              <a:t>1/11/2016</a:t>
+              <a:t>3/11/2016</a:t>
             </a:fld>
             <a:endParaRPr lang="en-AU"/>
           </a:p>
@@ -6629,7 +7500,7 @@
           <a:p>
             <a:fld id="{1644BD7C-F7E4-4602-B4BA-7731E171C526}" type="datetimeFigureOut">
               <a:rPr lang="en-AU" smtClean="0"/>
-              <a:t>1/11/2016</a:t>
+              <a:t>3/11/2016</a:t>
             </a:fld>
             <a:endParaRPr lang="en-AU"/>
           </a:p>
@@ -6897,7 +7768,7 @@
           <a:p>
             <a:fld id="{1644BD7C-F7E4-4602-B4BA-7731E171C526}" type="datetimeFigureOut">
               <a:rPr lang="en-AU" smtClean="0"/>
-              <a:t>1/11/2016</a:t>
+              <a:t>3/11/2016</a:t>
             </a:fld>
             <a:endParaRPr lang="en-AU"/>
           </a:p>
@@ -7229,7 +8100,7 @@
           <a:p>
             <a:fld id="{1644BD7C-F7E4-4602-B4BA-7731E171C526}" type="datetimeFigureOut">
               <a:rPr lang="en-AU" smtClean="0"/>
-              <a:t>1/11/2016</a:t>
+              <a:t>3/11/2016</a:t>
             </a:fld>
             <a:endParaRPr lang="en-AU"/>
           </a:p>
@@ -7839,7 +8710,7 @@
           <a:p>
             <a:fld id="{1644BD7C-F7E4-4602-B4BA-7731E171C526}" type="datetimeFigureOut">
               <a:rPr lang="en-AU" smtClean="0"/>
-              <a:t>1/11/2016</a:t>
+              <a:t>3/11/2016</a:t>
             </a:fld>
             <a:endParaRPr lang="en-AU"/>
           </a:p>
@@ -8686,7 +9557,7 @@
           <a:p>
             <a:fld id="{1644BD7C-F7E4-4602-B4BA-7731E171C526}" type="datetimeFigureOut">
               <a:rPr lang="en-AU" smtClean="0"/>
-              <a:t>1/11/2016</a:t>
+              <a:t>3/11/2016</a:t>
             </a:fld>
             <a:endParaRPr lang="en-AU"/>
           </a:p>
@@ -8856,7 +9727,7 @@
           <a:p>
             <a:fld id="{1644BD7C-F7E4-4602-B4BA-7731E171C526}" type="datetimeFigureOut">
               <a:rPr lang="en-AU" smtClean="0"/>
-              <a:t>1/11/2016</a:t>
+              <a:t>3/11/2016</a:t>
             </a:fld>
             <a:endParaRPr lang="en-AU"/>
           </a:p>
@@ -9036,7 +9907,7 @@
           <a:p>
             <a:fld id="{1644BD7C-F7E4-4602-B4BA-7731E171C526}" type="datetimeFigureOut">
               <a:rPr lang="en-AU" smtClean="0"/>
-              <a:t>1/11/2016</a:t>
+              <a:t>3/11/2016</a:t>
             </a:fld>
             <a:endParaRPr lang="en-AU"/>
           </a:p>
@@ -9211,7 +10082,7 @@
           <a:p>
             <a:fld id="{1644BD7C-F7E4-4602-B4BA-7731E171C526}" type="datetimeFigureOut">
               <a:rPr lang="en-AU" smtClean="0"/>
-              <a:t>1/11/2016</a:t>
+              <a:t>3/11/2016</a:t>
             </a:fld>
             <a:endParaRPr lang="en-AU"/>
           </a:p>
@@ -9455,7 +10326,7 @@
           <a:p>
             <a:fld id="{1644BD7C-F7E4-4602-B4BA-7731E171C526}" type="datetimeFigureOut">
               <a:rPr lang="en-AU" smtClean="0"/>
-              <a:t>1/11/2016</a:t>
+              <a:t>3/11/2016</a:t>
             </a:fld>
             <a:endParaRPr lang="en-AU"/>
           </a:p>
@@ -9752,7 +10623,7 @@
           <a:p>
             <a:fld id="{1644BD7C-F7E4-4602-B4BA-7731E171C526}" type="datetimeFigureOut">
               <a:rPr lang="en-AU" smtClean="0"/>
-              <a:t>1/11/2016</a:t>
+              <a:t>3/11/2016</a:t>
             </a:fld>
             <a:endParaRPr lang="en-AU"/>
           </a:p>
@@ -10195,7 +11066,7 @@
           <a:p>
             <a:fld id="{1644BD7C-F7E4-4602-B4BA-7731E171C526}" type="datetimeFigureOut">
               <a:rPr lang="en-AU" smtClean="0"/>
-              <a:t>1/11/2016</a:t>
+              <a:t>3/11/2016</a:t>
             </a:fld>
             <a:endParaRPr lang="en-AU"/>
           </a:p>
@@ -10318,7 +11189,7 @@
           <a:p>
             <a:fld id="{1644BD7C-F7E4-4602-B4BA-7731E171C526}" type="datetimeFigureOut">
               <a:rPr lang="en-AU" smtClean="0"/>
-              <a:t>1/11/2016</a:t>
+              <a:t>3/11/2016</a:t>
             </a:fld>
             <a:endParaRPr lang="en-AU"/>
           </a:p>
@@ -10413,7 +11284,7 @@
           <a:p>
             <a:fld id="{1644BD7C-F7E4-4602-B4BA-7731E171C526}" type="datetimeFigureOut">
               <a:rPr lang="en-AU" smtClean="0"/>
-              <a:t>1/11/2016</a:t>
+              <a:t>3/11/2016</a:t>
             </a:fld>
             <a:endParaRPr lang="en-AU"/>
           </a:p>
@@ -10697,7 +11568,7 @@
           <a:p>
             <a:fld id="{1644BD7C-F7E4-4602-B4BA-7731E171C526}" type="datetimeFigureOut">
               <a:rPr lang="en-AU" smtClean="0"/>
-              <a:t>1/11/2016</a:t>
+              <a:t>3/11/2016</a:t>
             </a:fld>
             <a:endParaRPr lang="en-AU"/>
           </a:p>
@@ -10977,7 +11848,7 @@
           <a:p>
             <a:fld id="{1644BD7C-F7E4-4602-B4BA-7731E171C526}" type="datetimeFigureOut">
               <a:rPr lang="en-AU" smtClean="0"/>
-              <a:t>1/11/2016</a:t>
+              <a:t>3/11/2016</a:t>
             </a:fld>
             <a:endParaRPr lang="en-AU"/>
           </a:p>
@@ -11406,7 +12277,7 @@
           <a:p>
             <a:fld id="{1644BD7C-F7E4-4602-B4BA-7731E171C526}" type="datetimeFigureOut">
               <a:rPr lang="en-AU" smtClean="0"/>
-              <a:t>1/11/2016</a:t>
+              <a:t>3/11/2016</a:t>
             </a:fld>
             <a:endParaRPr lang="en-AU"/>
           </a:p>
@@ -12100,7 +12971,7 @@
           <p:nvPr>
             <p:extLst>
               <p:ext uri="{D42A27DB-BD31-4B8C-83A1-F6EECF244321}">
-                <p14:modId xmlns:p14="http://schemas.microsoft.com/office/powerpoint/2010/main" val="587995364"/>
+                <p14:modId xmlns:p14="http://schemas.microsoft.com/office/powerpoint/2010/main" val="1406263077"/>
               </p:ext>
             </p:extLst>
           </p:nvPr>
@@ -12153,6 +13024,82 @@
           </a:fontRef>
         </p:style>
       </p:cxnSp>
+      <p:sp>
+        <p:nvSpPr>
+          <p:cNvPr id="3" name="TextBox 2"/>
+          <p:cNvSpPr txBox="1"/>
+          <p:nvPr/>
+        </p:nvSpPr>
+        <p:spPr>
+          <a:xfrm>
+            <a:off x="8604504" y="5642274"/>
+            <a:ext cx="2491388" cy="646331"/>
+          </a:xfrm>
+          <a:prstGeom prst="rect">
+            <a:avLst/>
+          </a:prstGeom>
+          <a:noFill/>
+        </p:spPr>
+        <p:txBody>
+          <a:bodyPr wrap="none" rtlCol="0">
+            <a:spAutoFit/>
+          </a:bodyPr>
+          <a:lstStyle/>
+          <a:p>
+            <a:pPr algn="r"/>
+            <a:r>
+              <a:rPr lang="en-AU" dirty="0" smtClean="0"/>
+              <a:t>n ≤ 3</a:t>
+            </a:r>
+          </a:p>
+          <a:p>
+            <a:pPr algn="r"/>
+            <a:r>
+              <a:rPr lang="en-AU" dirty="0" smtClean="0"/>
+              <a:t>Mann-</a:t>
+            </a:r>
+            <a:r>
+              <a:rPr lang="en-AU" dirty="0"/>
+              <a:t>W</a:t>
+            </a:r>
+            <a:r>
+              <a:rPr lang="en-AU" dirty="0" smtClean="0"/>
+              <a:t>hitney U test</a:t>
+            </a:r>
+            <a:endParaRPr lang="en-AU" dirty="0"/>
+          </a:p>
+        </p:txBody>
+      </p:sp>
+      <p:sp>
+        <p:nvSpPr>
+          <p:cNvPr id="6" name="TextBox 5"/>
+          <p:cNvSpPr txBox="1"/>
+          <p:nvPr/>
+        </p:nvSpPr>
+        <p:spPr>
+          <a:xfrm>
+            <a:off x="1863969" y="5662583"/>
+            <a:ext cx="3190297" cy="369332"/>
+          </a:xfrm>
+          <a:prstGeom prst="rect">
+            <a:avLst/>
+          </a:prstGeom>
+          <a:noFill/>
+        </p:spPr>
+        <p:txBody>
+          <a:bodyPr wrap="none" rtlCol="0">
+            <a:spAutoFit/>
+          </a:bodyPr>
+          <a:lstStyle/>
+          <a:p>
+            <a:r>
+              <a:rPr lang="en-AU" dirty="0" smtClean="0"/>
+              <a:t>Normalized to miR-125a-3p</a:t>
+            </a:r>
+            <a:endParaRPr lang="en-AU" dirty="0"/>
+          </a:p>
+        </p:txBody>
+      </p:sp>
     </p:spTree>
     <p:extLst>
       <p:ext uri="{BB962C8B-B14F-4D97-AF65-F5344CB8AC3E}">
@@ -12190,31 +13137,6 @@
           <a:chExt cx="0" cy="0"/>
         </a:xfrm>
       </p:grpSpPr>
-      <p:pic>
-        <p:nvPicPr>
-          <p:cNvPr id="4" name="Content Placeholder 3"/>
-          <p:cNvPicPr>
-            <a:picLocks noGrp="1" noChangeAspect="1"/>
-          </p:cNvPicPr>
-          <p:nvPr>
-            <p:ph idx="1"/>
-          </p:nvPr>
-        </p:nvPicPr>
-        <p:blipFill rotWithShape="1">
-          <a:blip r:embed="rId3"/>
-          <a:srcRect l="5134" t="8537"/>
-          <a:stretch/>
-        </p:blipFill>
-        <p:spPr>
-          <a:xfrm>
-            <a:off x="646111" y="1404198"/>
-            <a:ext cx="4806355" cy="4332841"/>
-          </a:xfrm>
-          <a:prstGeom prst="rect">
-            <a:avLst/>
-          </a:prstGeom>
-        </p:spPr>
-      </p:pic>
       <p:sp>
         <p:nvSpPr>
           <p:cNvPr id="5" name="TextBox 4"/>
@@ -12224,7 +13146,7 @@
         <p:spPr>
           <a:xfrm>
             <a:off x="5882186" y="1695962"/>
-            <a:ext cx="5390866" cy="4031873"/>
+            <a:ext cx="5390866" cy="3662541"/>
           </a:xfrm>
           <a:prstGeom prst="rect">
             <a:avLst/>
@@ -12273,40 +13195,20 @@
             <a:endParaRPr lang="en-US" sz="2000" dirty="0"/>
           </a:p>
           <a:p>
-            <a:r>
-              <a:rPr lang="en-US" dirty="0"/>
-              <a:t>Export proteins should:</a:t>
-            </a:r>
-          </a:p>
-          <a:p>
-            <a:pPr lvl="1"/>
-            <a:r>
-              <a:rPr lang="en-US" dirty="0"/>
-              <a:t>Possess differential export due to cavin-1</a:t>
-            </a:r>
-          </a:p>
-          <a:p>
-            <a:pPr lvl="1"/>
-            <a:r>
-              <a:rPr lang="en-US" dirty="0"/>
-              <a:t>Possess RNA binding ability</a:t>
-            </a:r>
-            <a:endParaRPr lang="en-AU" dirty="0"/>
-          </a:p>
-          <a:p>
-            <a:pPr lvl="1"/>
-            <a:r>
-              <a:rPr lang="en-US" dirty="0"/>
-              <a:t>Predicted to bind the exported </a:t>
-            </a:r>
-            <a:r>
-              <a:rPr lang="en-US" dirty="0" err="1"/>
-              <a:t>miRs</a:t>
-            </a:r>
-            <a:r>
-              <a:rPr lang="en-US" dirty="0"/>
-              <a:t>. </a:t>
-            </a:r>
+            <a:pPr algn="ctr"/>
+            <a:r>
+              <a:rPr lang="en-AU" sz="2400" dirty="0" smtClean="0">
+                <a:solidFill>
+                  <a:srgbClr val="FFFF00"/>
+                </a:solidFill>
+              </a:rPr>
+              <a:t>RNA-binding proteins bind to conserved RNA regions. </a:t>
+            </a:r>
+            <a:endParaRPr lang="en-US" sz="2400" dirty="0">
+              <a:solidFill>
+                <a:srgbClr val="FFFF00"/>
+              </a:solidFill>
+            </a:endParaRPr>
           </a:p>
           <a:p>
             <a:pPr algn="ctr"/>
@@ -12383,52 +13285,28 @@
           </a:p>
         </p:txBody>
       </p:sp>
-      <p:sp>
-        <p:nvSpPr>
-          <p:cNvPr id="7" name="Rectangle 6"/>
-          <p:cNvSpPr/>
+      <p:pic>
+        <p:nvPicPr>
+          <p:cNvPr id="8" name="Picture 7"/>
+          <p:cNvPicPr/>
           <p:nvPr/>
-        </p:nvSpPr>
+        </p:nvPicPr>
+        <p:blipFill>
+          <a:blip r:embed="rId3"/>
+          <a:stretch>
+            <a:fillRect/>
+          </a:stretch>
+        </p:blipFill>
         <p:spPr>
           <a:xfrm>
-            <a:off x="5802086" y="4038600"/>
-            <a:ext cx="5279571" cy="1689235"/>
+            <a:off x="772807" y="1444624"/>
+            <a:ext cx="4803775" cy="4803775"/>
           </a:xfrm>
           <a:prstGeom prst="rect">
             <a:avLst/>
           </a:prstGeom>
-          <a:noFill/>
-          <a:ln>
-            <a:solidFill>
-              <a:srgbClr val="FFFF00"/>
-            </a:solidFill>
-          </a:ln>
         </p:spPr>
-        <p:style>
-          <a:lnRef idx="2">
-            <a:schemeClr val="accent1">
-              <a:shade val="50000"/>
-            </a:schemeClr>
-          </a:lnRef>
-          <a:fillRef idx="1">
-            <a:schemeClr val="accent1"/>
-          </a:fillRef>
-          <a:effectRef idx="0">
-            <a:schemeClr val="accent1"/>
-          </a:effectRef>
-          <a:fontRef idx="minor">
-            <a:schemeClr val="lt1"/>
-          </a:fontRef>
-        </p:style>
-        <p:txBody>
-          <a:bodyPr rtlCol="0" anchor="ctr"/>
-          <a:lstStyle/>
-          <a:p>
-            <a:pPr algn="ctr"/>
-            <a:endParaRPr lang="en-AU"/>
-          </a:p>
-        </p:txBody>
-      </p:sp>
+      </p:pic>
     </p:spTree>
     <p:extLst>
       <p:ext uri="{BB962C8B-B14F-4D97-AF65-F5344CB8AC3E}">
@@ -12488,15 +13366,7 @@
           <a:p>
             <a:r>
               <a:rPr lang="en-AU" sz="3600" dirty="0" smtClean="0"/>
-              <a:t>Distribution of </a:t>
-            </a:r>
-            <a:r>
-              <a:rPr lang="en-AU" sz="3600" dirty="0" err="1" smtClean="0"/>
-              <a:t>miR</a:t>
-            </a:r>
-            <a:r>
-              <a:rPr lang="en-AU" sz="3600" dirty="0" smtClean="0"/>
-              <a:t> export</a:t>
+              <a:t>Expanding the sample set</a:t>
             </a:r>
             <a:endParaRPr lang="en-AU" sz="3600" dirty="0"/>
           </a:p>
@@ -12515,8 +13385,8 @@
         </p:blipFill>
         <p:spPr>
           <a:xfrm>
-            <a:off x="6420022" y="2016003"/>
-            <a:ext cx="4325816" cy="3540369"/>
+            <a:off x="5965187" y="1736603"/>
+            <a:ext cx="4998779" cy="4102868"/>
           </a:xfrm>
           <a:prstGeom prst="rect">
             <a:avLst/>
@@ -13073,8 +13943,8 @@
         </p:nvSpPr>
         <p:spPr>
           <a:xfrm>
-            <a:off x="5773302" y="5707080"/>
-            <a:ext cx="3312125" cy="369332"/>
+            <a:off x="3894668" y="6137715"/>
+            <a:ext cx="7274748" cy="400110"/>
           </a:xfrm>
           <a:prstGeom prst="rect">
             <a:avLst/>
@@ -13088,16 +13958,12 @@
           <a:lstStyle/>
           <a:p>
             <a:r>
+              <a:rPr lang="en-AU" sz="2000" dirty="0" smtClean="0"/>
+              <a:t>19 miRNAs selectively exported, most with links to cancer</a:t>
+            </a:r>
+            <a:r>
               <a:rPr lang="en-AU" dirty="0" smtClean="0"/>
-              <a:t>19 </a:t>
-            </a:r>
-            <a:r>
-              <a:rPr lang="en-AU" dirty="0" err="1" smtClean="0"/>
-              <a:t>miRs</a:t>
-            </a:r>
-            <a:r>
-              <a:rPr lang="en-AU" dirty="0" smtClean="0"/>
-              <a:t> selectively exported</a:t>
+              <a:t>.</a:t>
             </a:r>
             <a:endParaRPr lang="en-AU" dirty="0"/>
           </a:p>
@@ -13105,31 +13971,47 @@
       </p:sp>
       <p:sp>
         <p:nvSpPr>
-          <p:cNvPr id="6" name="TextBox 5"/>
-          <p:cNvSpPr txBox="1"/>
+          <p:cNvPr id="18" name="Rectangle 17"/>
+          <p:cNvSpPr/>
           <p:nvPr/>
         </p:nvSpPr>
         <p:spPr>
           <a:xfrm>
-            <a:off x="4614520" y="1180810"/>
-            <a:ext cx="7047122" cy="369332"/>
+            <a:off x="6066787" y="3221454"/>
+            <a:ext cx="1756413" cy="2137946"/>
           </a:xfrm>
           <a:prstGeom prst="rect">
             <a:avLst/>
           </a:prstGeom>
           <a:noFill/>
+          <a:ln w="38100">
+            <a:solidFill>
+              <a:srgbClr val="FF0000"/>
+            </a:solidFill>
+          </a:ln>
         </p:spPr>
-        <p:txBody>
-          <a:bodyPr wrap="none" rtlCol="0">
-            <a:spAutoFit/>
-          </a:bodyPr>
+        <p:style>
+          <a:lnRef idx="2">
+            <a:schemeClr val="accent1">
+              <a:shade val="50000"/>
+            </a:schemeClr>
+          </a:lnRef>
+          <a:fillRef idx="1">
+            <a:schemeClr val="accent1"/>
+          </a:fillRef>
+          <a:effectRef idx="0">
+            <a:schemeClr val="accent1"/>
+          </a:effectRef>
+          <a:fontRef idx="minor">
+            <a:schemeClr val="lt1"/>
+          </a:fontRef>
+        </p:style>
+        <p:txBody>
+          <a:bodyPr rtlCol="0" anchor="ctr"/>
           <a:lstStyle/>
           <a:p>
-            <a:r>
-              <a:rPr lang="en-US" dirty="0" smtClean="0"/>
-              <a:t>How prevalent is each form of export (sampling vs selective)?</a:t>
-            </a:r>
-            <a:endParaRPr lang="en-AU" dirty="0"/>
+            <a:pPr algn="ctr"/>
+            <a:endParaRPr lang="en-AU"/>
           </a:p>
         </p:txBody>
       </p:sp>
@@ -13146,9 +14028,80 @@
   <p:timing>
     <p:tnLst>
       <p:par>
-        <p:cTn id="1" dur="indefinite" restart="never" nodeType="tmRoot"/>
+        <p:cTn id="1" dur="indefinite" restart="never" nodeType="tmRoot">
+          <p:childTnLst>
+            <p:seq concurrent="1" nextAc="seek">
+              <p:cTn id="2" dur="indefinite" nodeType="mainSeq">
+                <p:childTnLst>
+                  <p:par>
+                    <p:cTn id="3" fill="hold">
+                      <p:stCondLst>
+                        <p:cond delay="indefinite"/>
+                      </p:stCondLst>
+                      <p:childTnLst>
+                        <p:par>
+                          <p:cTn id="4" fill="hold">
+                            <p:stCondLst>
+                              <p:cond delay="0"/>
+                            </p:stCondLst>
+                            <p:childTnLst>
+                              <p:par>
+                                <p:cTn id="5" presetID="1" presetClass="entr" presetSubtype="0" fill="hold" grpId="0" nodeType="clickEffect">
+                                  <p:stCondLst>
+                                    <p:cond delay="0"/>
+                                  </p:stCondLst>
+                                  <p:childTnLst>
+                                    <p:set>
+                                      <p:cBhvr>
+                                        <p:cTn id="6" dur="1" fill="hold">
+                                          <p:stCondLst>
+                                            <p:cond delay="0"/>
+                                          </p:stCondLst>
+                                        </p:cTn>
+                                        <p:tgtEl>
+                                          <p:spTgt spid="18"/>
+                                        </p:tgtEl>
+                                        <p:attrNameLst>
+                                          <p:attrName>style.visibility</p:attrName>
+                                        </p:attrNameLst>
+                                      </p:cBhvr>
+                                      <p:to>
+                                        <p:strVal val="visible"/>
+                                      </p:to>
+                                    </p:set>
+                                  </p:childTnLst>
+                                </p:cTn>
+                              </p:par>
+                            </p:childTnLst>
+                          </p:cTn>
+                        </p:par>
+                      </p:childTnLst>
+                    </p:cTn>
+                  </p:par>
+                </p:childTnLst>
+              </p:cTn>
+              <p:prevCondLst>
+                <p:cond evt="onPrev" delay="0">
+                  <p:tgtEl>
+                    <p:sldTgt/>
+                  </p:tgtEl>
+                </p:cond>
+              </p:prevCondLst>
+              <p:nextCondLst>
+                <p:cond evt="onNext" delay="0">
+                  <p:tgtEl>
+                    <p:sldTgt/>
+                  </p:tgtEl>
+                </p:cond>
+              </p:nextCondLst>
+            </p:seq>
+          </p:childTnLst>
+        </p:cTn>
       </p:par>
     </p:tnLst>
+    <p:bldLst>
+      <p:bldP spid="18" grpId="0" animBg="1"/>
+    </p:bldLst>
   </p:timing>
 </p:sld>
 </file>
@@ -13255,8 +14208,8 @@
         </p:nvSpPr>
         <p:spPr>
           <a:xfrm>
-            <a:off x="6457228" y="5575636"/>
-            <a:ext cx="4373313" cy="369332"/>
+            <a:off x="6528372" y="5739068"/>
+            <a:ext cx="4780476" cy="646331"/>
           </a:xfrm>
           <a:prstGeom prst="rect">
             <a:avLst/>
@@ -13271,11 +14224,13 @@
           <a:p>
             <a:r>
               <a:rPr lang="en-US" dirty="0" smtClean="0"/>
-              <a:t>Together, match 14/19 exported </a:t>
-            </a:r>
-            <a:r>
-              <a:rPr lang="en-US" dirty="0" err="1" smtClean="0"/>
-              <a:t>miRs</a:t>
+              <a:t>Together, match 14/19 exported miRNAs.</a:t>
+            </a:r>
+          </a:p>
+          <a:p>
+            <a:r>
+              <a:rPr lang="en-US" dirty="0" smtClean="0"/>
+              <a:t>No matches to sampled microRNAs. </a:t>
             </a:r>
             <a:endParaRPr lang="en-AU" dirty="0"/>
           </a:p>
@@ -13397,6 +14352,13 @@
   <p:clrMapOvr>
     <a:masterClrMapping/>
   </p:clrMapOvr>
+  <p:timing>
+    <p:tnLst>
+      <p:par>
+        <p:cTn id="1" dur="indefinite" restart="never" nodeType="tmRoot"/>
+      </p:par>
+    </p:tnLst>
+  </p:timing>
 </p:sld>
 </file>
 
@@ -13606,6 +14568,13 @@
   <p:clrMapOvr>
     <a:masterClrMapping/>
   </p:clrMapOvr>
+  <p:timing>
+    <p:tnLst>
+      <p:par>
+        <p:cTn id="1" dur="indefinite" restart="never" nodeType="tmRoot"/>
+      </p:par>
+    </p:tnLst>
+  </p:timing>
 </p:sld>
 </file>
 
@@ -13707,11 +14676,7 @@
           <a:p>
             <a:r>
               <a:rPr lang="en-US" dirty="0" smtClean="0"/>
-              <a:t>hnRNPA2B1 </a:t>
-            </a:r>
-            <a:r>
-              <a:rPr lang="en-US" dirty="0" smtClean="0"/>
-              <a:t>mediates export of </a:t>
+              <a:t>hnRNPA2B1 mediates export of </a:t>
             </a:r>
             <a:r>
               <a:rPr lang="en-US" dirty="0" err="1" smtClean="0"/>
@@ -13833,6 +14798,13 @@
   <p:clrMapOvr>
     <a:masterClrMapping/>
   </p:clrMapOvr>
+  <p:timing>
+    <p:tnLst>
+      <p:par>
+        <p:cTn id="1" dur="indefinite" restart="never" nodeType="tmRoot"/>
+      </p:par>
+    </p:tnLst>
+  </p:timing>
 </p:sld>
 </file>
 
@@ -13957,6 +14929,13 @@
   <p:clrMapOvr>
     <a:masterClrMapping/>
   </p:clrMapOvr>
+  <p:timing>
+    <p:tnLst>
+      <p:par>
+        <p:cTn id="1" dur="indefinite" restart="never" nodeType="tmRoot"/>
+      </p:par>
+    </p:tnLst>
+  </p:timing>
 </p:sld>
 </file>
 
@@ -14156,6 +15135,13 @@
   <p:clrMapOvr>
     <a:masterClrMapping/>
   </p:clrMapOvr>
+  <p:timing>
+    <p:tnLst>
+      <p:par>
+        <p:cTn id="1" dur="indefinite" restart="never" nodeType="tmRoot"/>
+      </p:par>
+    </p:tnLst>
+  </p:timing>
 </p:sld>
 </file>
 
@@ -14359,6 +15345,13 @@
   <p:clrMapOvr>
     <a:masterClrMapping/>
   </p:clrMapOvr>
+  <p:timing>
+    <p:tnLst>
+      <p:par>
+        <p:cTn id="1" dur="indefinite" restart="never" nodeType="tmRoot"/>
+      </p:par>
+    </p:tnLst>
+  </p:timing>
 </p:sld>
 </file>
 
@@ -14517,6 +15510,13 @@
   <p:clrMapOvr>
     <a:masterClrMapping/>
   </p:clrMapOvr>
+  <p:timing>
+    <p:tnLst>
+      <p:par>
+        <p:cTn id="1" dur="indefinite" restart="never" nodeType="tmRoot"/>
+      </p:par>
+    </p:tnLst>
+  </p:timing>
 </p:sld>
 </file>
 
@@ -15217,19 +16217,7 @@
           <a:p>
             <a:r>
               <a:rPr lang="en-US" sz="2400" dirty="0" smtClean="0"/>
-              <a:t>Scrambled 148a </a:t>
-            </a:r>
-            <a:r>
-              <a:rPr lang="en-US" sz="2400" dirty="0" smtClean="0"/>
-              <a:t>as control</a:t>
-            </a:r>
-            <a:r>
-              <a:rPr lang="en-US" sz="2400" dirty="0" smtClean="0"/>
-              <a:t>. Won’t </a:t>
-            </a:r>
-            <a:r>
-              <a:rPr lang="en-US" sz="2400" dirty="0" smtClean="0"/>
-              <a:t>bind </a:t>
+              <a:t>Scrambled 148a as control. Won’t bind </a:t>
             </a:r>
             <a:r>
               <a:rPr lang="en-US" sz="2400" dirty="0" err="1" smtClean="0"/>
@@ -15237,11 +16225,7 @@
             </a:r>
             <a:r>
               <a:rPr lang="en-US" sz="2400" dirty="0" smtClean="0"/>
-              <a:t> </a:t>
-            </a:r>
-            <a:r>
-              <a:rPr lang="en-US" sz="2400" dirty="0" smtClean="0"/>
-              <a:t>or localize to nucleolus </a:t>
+              <a:t> or localize to nucleolus </a:t>
             </a:r>
             <a:endParaRPr lang="en-AU" sz="2400" dirty="0"/>
           </a:p>
@@ -15810,13 +16794,13 @@
           <p:nvPr>
             <p:extLst>
               <p:ext uri="{D42A27DB-BD31-4B8C-83A1-F6EECF244321}">
-                <p14:modId xmlns:p14="http://schemas.microsoft.com/office/powerpoint/2010/main" val="2263008760"/>
+                <p14:modId xmlns:p14="http://schemas.microsoft.com/office/powerpoint/2010/main" val="969606834"/>
               </p:ext>
             </p:extLst>
           </p:nvPr>
         </p:nvGraphicFramePr>
         <p:xfrm>
-          <a:off x="6847115" y="1610560"/>
+          <a:off x="6440715" y="2600257"/>
           <a:ext cx="4837607" cy="2383985"/>
         </p:xfrm>
         <a:graphic>
@@ -16931,6 +17915,13 @@
   <p:clrMapOvr>
     <a:masterClrMapping/>
   </p:clrMapOvr>
+  <p:timing>
+    <p:tnLst>
+      <p:par>
+        <p:cTn id="1" dur="indefinite" restart="never" nodeType="tmRoot"/>
+      </p:par>
+    </p:tnLst>
+  </p:timing>
 </p:sld>
 </file>
 
@@ -16986,7 +17977,7 @@
         </p:nvSpPr>
         <p:spPr>
           <a:xfrm>
-            <a:off x="4954402" y="4023094"/>
+            <a:off x="4901648" y="4132791"/>
             <a:ext cx="6838580" cy="1993287"/>
           </a:xfrm>
         </p:spPr>
@@ -17026,7 +18017,11 @@
             </a:r>
             <a:r>
               <a:rPr lang="en-US" dirty="0" smtClean="0"/>
-              <a:t> subcellular localization?</a:t>
+              <a:t> subcellular </a:t>
+            </a:r>
+            <a:r>
+              <a:rPr lang="en-US" dirty="0" smtClean="0"/>
+              <a:t>localization</a:t>
             </a:r>
             <a:endParaRPr lang="en-AU" dirty="0"/>
           </a:p>
@@ -17152,15 +18147,15 @@
                   <a:srgbClr val="FFFF00"/>
                 </a:solidFill>
               </a:rPr>
-              <a:t> brings </a:t>
-            </a:r>
-            <a:r>
-              <a:rPr lang="en-AU" sz="2200" dirty="0" err="1">
+              <a:t> </a:t>
+            </a:r>
+            <a:r>
+              <a:rPr lang="en-AU" sz="2200" dirty="0" smtClean="0">
                 <a:solidFill>
                   <a:srgbClr val="FFFF00"/>
                 </a:solidFill>
               </a:rPr>
-              <a:t>miR</a:t>
+              <a:t>brings target miRNAs </a:t>
             </a:r>
             <a:r>
               <a:rPr lang="en-AU" sz="2200" dirty="0">
@@ -17168,7 +18163,7 @@
                   <a:srgbClr val="FFFF00"/>
                 </a:solidFill>
               </a:rPr>
-              <a:t> targets with it</a:t>
+              <a:t>with it</a:t>
             </a:r>
           </a:p>
           <a:p>
@@ -17233,12 +18228,12 @@
               <a:t>- Therefore reduces </a:t>
             </a:r>
             <a:r>
-              <a:rPr lang="en-AU" sz="2200" dirty="0" err="1">
+              <a:rPr lang="en-AU" sz="2200" dirty="0" smtClean="0">
                 <a:solidFill>
                   <a:srgbClr val="FFFF00"/>
                 </a:solidFill>
               </a:rPr>
-              <a:t>miR</a:t>
+              <a:t>miRNA </a:t>
             </a:r>
             <a:r>
               <a:rPr lang="en-AU" sz="2200" dirty="0">
@@ -17246,7 +18241,7 @@
                   <a:srgbClr val="FFFF00"/>
                 </a:solidFill>
               </a:rPr>
-              <a:t> export</a:t>
+              <a:t>export</a:t>
             </a:r>
           </a:p>
         </p:txBody>
@@ -17261,6 +18256,13 @@
   <p:clrMapOvr>
     <a:masterClrMapping/>
   </p:clrMapOvr>
+  <p:timing>
+    <p:tnLst>
+      <p:par>
+        <p:cTn id="1" dur="indefinite" restart="never" nodeType="tmRoot"/>
+      </p:par>
+    </p:tnLst>
+  </p:timing>
 </p:sld>
 </file>
 
@@ -17346,8 +18348,12 @@
           </a:p>
           <a:p>
             <a:r>
+              <a:rPr lang="en-AU" dirty="0" smtClean="0"/>
+              <a:t>Co-expressed </a:t>
+            </a:r>
+            <a:r>
               <a:rPr lang="en-AU" dirty="0"/>
-              <a:t>Co-expression with cavin-1 in healthy cells. </a:t>
+              <a:t>with cavin-1 in healthy cells. </a:t>
             </a:r>
             <a:endParaRPr lang="en-AU" dirty="0" smtClean="0"/>
           </a:p>
@@ -17398,7 +18404,7 @@
           <a:p>
             <a:r>
               <a:rPr lang="en-US" dirty="0" smtClean="0"/>
-              <a:t>Knock down or addition of cavin-1 reduces metastasis.						</a:t>
+              <a:t>Knockdown or addition of cavin-1 reduces metastasis.						</a:t>
             </a:r>
             <a:r>
               <a:rPr lang="en-US" sz="1400" dirty="0" smtClean="0"/>
@@ -18341,7 +19347,7 @@
           <a:p>
             <a:r>
               <a:rPr lang="en-US" dirty="0" smtClean="0"/>
-              <a:t>Alike protein, EV contained </a:t>
+              <a:t>EV contained </a:t>
             </a:r>
             <a:r>
               <a:rPr lang="en-US" dirty="0" err="1" smtClean="0"/>
@@ -18400,20 +19406,7 @@
           <a:p>
             <a:r>
               <a:rPr lang="en-AU" dirty="0" smtClean="0"/>
-              <a:t>Indicates some form of export mechanism</a:t>
-            </a:r>
-          </a:p>
-          <a:p>
-            <a:pPr marL="0" indent="0">
-              <a:buNone/>
-            </a:pPr>
-            <a:r>
-              <a:rPr lang="en-AU" dirty="0"/>
-              <a:t>	</a:t>
-            </a:r>
-            <a:r>
-              <a:rPr lang="en-AU" dirty="0" smtClean="0"/>
-              <a:t>	rather than sampling. </a:t>
+              <a:t>Indicates some form of export mechanism rather than sampling. </a:t>
             </a:r>
           </a:p>
           <a:p>
@@ -18545,31 +19538,6 @@
           </a:p>
         </p:txBody>
       </p:sp>
-      <p:pic>
-        <p:nvPicPr>
-          <p:cNvPr id="4" name="Content Placeholder 3"/>
-          <p:cNvPicPr>
-            <a:picLocks noGrp="1" noChangeAspect="1"/>
-          </p:cNvPicPr>
-          <p:nvPr>
-            <p:ph idx="1"/>
-          </p:nvPr>
-        </p:nvPicPr>
-        <p:blipFill rotWithShape="1">
-          <a:blip r:embed="rId3"/>
-          <a:srcRect l="5134" t="8537"/>
-          <a:stretch/>
-        </p:blipFill>
-        <p:spPr>
-          <a:xfrm>
-            <a:off x="646111" y="1404198"/>
-            <a:ext cx="4806355" cy="4332841"/>
-          </a:xfrm>
-          <a:prstGeom prst="rect">
-            <a:avLst/>
-          </a:prstGeom>
-        </p:spPr>
-      </p:pic>
       <p:sp>
         <p:nvSpPr>
           <p:cNvPr id="5" name="TextBox 4"/>
@@ -18686,6 +19654,28 @@
           </a:p>
         </p:txBody>
       </p:sp>
+      <p:pic>
+        <p:nvPicPr>
+          <p:cNvPr id="7" name="Picture 6"/>
+          <p:cNvPicPr/>
+          <p:nvPr/>
+        </p:nvPicPr>
+        <p:blipFill>
+          <a:blip r:embed="rId3"/>
+          <a:stretch>
+            <a:fillRect/>
+          </a:stretch>
+        </p:blipFill>
+        <p:spPr>
+          <a:xfrm>
+            <a:off x="544697" y="1229183"/>
+            <a:ext cx="4803775" cy="4803775"/>
+          </a:xfrm>
+          <a:prstGeom prst="rect">
+            <a:avLst/>
+          </a:prstGeom>
+        </p:spPr>
+      </p:pic>
       <p:sp>
         <p:nvSpPr>
           <p:cNvPr id="3" name="TextBox 2"/>
@@ -18694,7 +19684,7 @@
         </p:nvSpPr>
         <p:spPr>
           <a:xfrm>
-            <a:off x="3772557" y="5180113"/>
+            <a:off x="682622" y="1777048"/>
             <a:ext cx="1301959" cy="369332"/>
           </a:xfrm>
           <a:prstGeom prst="rect">
@@ -19076,8 +20066,8 @@
         </p:nvSpPr>
         <p:spPr>
           <a:xfrm>
-            <a:off x="6108795" y="1682958"/>
-            <a:ext cx="4817659" cy="2759730"/>
+            <a:off x="6389222" y="2368758"/>
+            <a:ext cx="4817659" cy="3631763"/>
           </a:xfrm>
           <a:prstGeom prst="rect">
             <a:avLst/>
@@ -19267,6 +20257,19 @@
               </a:rPr>
               <a:t>Both sampling and selective export occurring. </a:t>
             </a:r>
+          </a:p>
+          <a:p>
+            <a:pPr marL="342900" lvl="0" indent="-342900" defTabSz="457200">
+              <a:spcBef>
+                <a:spcPts val="1000"/>
+              </a:spcBef>
+              <a:buClr>
+                <a:srgbClr val="DDDDDD"/>
+              </a:buClr>
+              <a:buSzPct val="80000"/>
+              <a:buFont typeface="Wingdings 3" charset="2"/>
+              <a:buChar char=""/>
+            </a:pPr>
             <a:endParaRPr lang="en-AU" sz="2000" dirty="0">
               <a:solidFill>
                 <a:prstClr val="white"/>
@@ -19274,6 +20277,62 @@
               <a:ea typeface="+mj-ea"/>
               <a:cs typeface="+mj-cs"/>
             </a:endParaRPr>
+          </a:p>
+          <a:p>
+            <a:pPr marL="342900" lvl="0" indent="-342900" defTabSz="457200">
+              <a:spcBef>
+                <a:spcPts val="1000"/>
+              </a:spcBef>
+              <a:buClr>
+                <a:srgbClr val="DDDDDD"/>
+              </a:buClr>
+              <a:buSzPct val="80000"/>
+              <a:buFont typeface="Wingdings 3" charset="2"/>
+              <a:buChar char=""/>
+            </a:pPr>
+            <a:endParaRPr lang="en-AU" sz="2000" dirty="0">
+              <a:solidFill>
+                <a:prstClr val="white"/>
+              </a:solidFill>
+              <a:ea typeface="+mj-ea"/>
+              <a:cs typeface="+mj-cs"/>
+            </a:endParaRPr>
+          </a:p>
+        </p:txBody>
+      </p:sp>
+      <p:sp>
+        <p:nvSpPr>
+          <p:cNvPr id="3" name="TextBox 2"/>
+          <p:cNvSpPr txBox="1"/>
+          <p:nvPr/>
+        </p:nvSpPr>
+        <p:spPr>
+          <a:xfrm>
+            <a:off x="1246010" y="5924321"/>
+            <a:ext cx="4222631" cy="646331"/>
+          </a:xfrm>
+          <a:prstGeom prst="rect">
+            <a:avLst/>
+          </a:prstGeom>
+          <a:noFill/>
+        </p:spPr>
+        <p:txBody>
+          <a:bodyPr wrap="none" rtlCol="0">
+            <a:spAutoFit/>
+          </a:bodyPr>
+          <a:lstStyle/>
+          <a:p>
+            <a:r>
+              <a:rPr lang="en-AU" dirty="0" smtClean="0"/>
+              <a:t>* p ≤ 0.05 from Wald p-value test</a:t>
+            </a:r>
+          </a:p>
+          <a:p>
+            <a:r>
+              <a:rPr lang="en-AU" dirty="0" smtClean="0"/>
+              <a:t>Used to compare between cell lines</a:t>
+            </a:r>
+            <a:endParaRPr lang="en-AU" dirty="0"/>
           </a:p>
         </p:txBody>
       </p:sp>

--- a/CollCompBiol.pptx
+++ b/CollCompBiol.pptx
@@ -1446,757 +1446,6 @@
       <dsp:cNvGrpSpPr/>
     </dsp:nvGrpSpPr>
     <dsp:grpSpPr/>
-    <dsp:sp modelId="{B5AB1BF9-4ACD-4891-81A7-FE6469FA1B42}">
-      <dsp:nvSpPr>
-        <dsp:cNvPr id="0" name=""/>
-        <dsp:cNvSpPr/>
-      </dsp:nvSpPr>
-      <dsp:spPr>
-        <a:xfrm>
-          <a:off x="0" y="0"/>
-          <a:ext cx="4133226" cy="698616"/>
-        </a:xfrm>
-        <a:prstGeom prst="roundRect">
-          <a:avLst>
-            <a:gd name="adj" fmla="val 10000"/>
-          </a:avLst>
-        </a:prstGeom>
-        <a:solidFill>
-          <a:schemeClr val="accent1">
-            <a:hueOff val="0"/>
-            <a:satOff val="0"/>
-            <a:lumOff val="0"/>
-            <a:alphaOff val="0"/>
-          </a:schemeClr>
-        </a:solidFill>
-        <a:ln w="19050" cap="rnd" cmpd="sng" algn="ctr">
-          <a:solidFill>
-            <a:schemeClr val="lt1">
-              <a:hueOff val="0"/>
-              <a:satOff val="0"/>
-              <a:lumOff val="0"/>
-              <a:alphaOff val="0"/>
-            </a:schemeClr>
-          </a:solidFill>
-          <a:prstDash val="solid"/>
-        </a:ln>
-        <a:effectLst/>
-      </dsp:spPr>
-      <dsp:style>
-        <a:lnRef idx="2">
-          <a:scrgbClr r="0" g="0" b="0"/>
-        </a:lnRef>
-        <a:fillRef idx="1">
-          <a:scrgbClr r="0" g="0" b="0"/>
-        </a:fillRef>
-        <a:effectRef idx="0">
-          <a:scrgbClr r="0" g="0" b="0"/>
-        </a:effectRef>
-        <a:fontRef idx="minor">
-          <a:schemeClr val="lt1"/>
-        </a:fontRef>
-      </dsp:style>
-      <dsp:txBody>
-        <a:bodyPr spcFirstLastPara="0" vert="horz" wrap="square" lIns="68580" tIns="68580" rIns="68580" bIns="68580" numCol="1" spcCol="1270" anchor="ctr" anchorCtr="0">
-          <a:noAutofit/>
-        </a:bodyPr>
-        <a:lstStyle/>
-        <a:p>
-          <a:pPr lvl="0" algn="l" defTabSz="800100">
-            <a:lnSpc>
-              <a:spcPct val="90000"/>
-            </a:lnSpc>
-            <a:spcBef>
-              <a:spcPct val="0"/>
-            </a:spcBef>
-            <a:spcAft>
-              <a:spcPct val="35000"/>
-            </a:spcAft>
-          </a:pPr>
-          <a:r>
-            <a:rPr lang="en-US" sz="1800" kern="1200" dirty="0" smtClean="0">
-              <a:solidFill>
-                <a:schemeClr val="bg1"/>
-              </a:solidFill>
-            </a:rPr>
-            <a:t>EV and cell collection</a:t>
-          </a:r>
-          <a:endParaRPr lang="en-AU" sz="1800" kern="1200" dirty="0">
-            <a:solidFill>
-              <a:schemeClr val="bg1"/>
-            </a:solidFill>
-          </a:endParaRPr>
-        </a:p>
-      </dsp:txBody>
-      <dsp:txXfrm>
-        <a:off x="20462" y="20462"/>
-        <a:ext cx="3297626" cy="657692"/>
-      </dsp:txXfrm>
-    </dsp:sp>
-    <dsp:sp modelId="{142466EF-5655-42A9-8BF0-F1624F077F06}">
-      <dsp:nvSpPr>
-        <dsp:cNvPr id="0" name=""/>
-        <dsp:cNvSpPr/>
-      </dsp:nvSpPr>
-      <dsp:spPr>
-        <a:xfrm>
-          <a:off x="308650" y="795646"/>
-          <a:ext cx="4133226" cy="698616"/>
-        </a:xfrm>
-        <a:prstGeom prst="roundRect">
-          <a:avLst>
-            <a:gd name="adj" fmla="val 10000"/>
-          </a:avLst>
-        </a:prstGeom>
-        <a:solidFill>
-          <a:schemeClr val="accent1">
-            <a:hueOff val="0"/>
-            <a:satOff val="0"/>
-            <a:lumOff val="0"/>
-            <a:alphaOff val="0"/>
-          </a:schemeClr>
-        </a:solidFill>
-        <a:ln w="19050" cap="rnd" cmpd="sng" algn="ctr">
-          <a:solidFill>
-            <a:schemeClr val="lt1">
-              <a:hueOff val="0"/>
-              <a:satOff val="0"/>
-              <a:lumOff val="0"/>
-              <a:alphaOff val="0"/>
-            </a:schemeClr>
-          </a:solidFill>
-          <a:prstDash val="solid"/>
-        </a:ln>
-        <a:effectLst/>
-      </dsp:spPr>
-      <dsp:style>
-        <a:lnRef idx="2">
-          <a:scrgbClr r="0" g="0" b="0"/>
-        </a:lnRef>
-        <a:fillRef idx="1">
-          <a:scrgbClr r="0" g="0" b="0"/>
-        </a:fillRef>
-        <a:effectRef idx="0">
-          <a:scrgbClr r="0" g="0" b="0"/>
-        </a:effectRef>
-        <a:fontRef idx="minor">
-          <a:schemeClr val="lt1"/>
-        </a:fontRef>
-      </dsp:style>
-      <dsp:txBody>
-        <a:bodyPr spcFirstLastPara="0" vert="horz" wrap="square" lIns="68580" tIns="68580" rIns="68580" bIns="68580" numCol="1" spcCol="1270" anchor="ctr" anchorCtr="0">
-          <a:noAutofit/>
-        </a:bodyPr>
-        <a:lstStyle/>
-        <a:p>
-          <a:pPr lvl="0" algn="l" defTabSz="800100">
-            <a:lnSpc>
-              <a:spcPct val="90000"/>
-            </a:lnSpc>
-            <a:spcBef>
-              <a:spcPct val="0"/>
-            </a:spcBef>
-            <a:spcAft>
-              <a:spcPct val="35000"/>
-            </a:spcAft>
-          </a:pPr>
-          <a:r>
-            <a:rPr lang="en-US" sz="1800" kern="1200" dirty="0" smtClean="0">
-              <a:solidFill>
-                <a:schemeClr val="bg1"/>
-              </a:solidFill>
-            </a:rPr>
-            <a:t>RNA extraction</a:t>
-          </a:r>
-          <a:endParaRPr lang="en-AU" sz="1800" kern="1200" dirty="0">
-            <a:solidFill>
-              <a:schemeClr val="bg1"/>
-            </a:solidFill>
-          </a:endParaRPr>
-        </a:p>
-      </dsp:txBody>
-      <dsp:txXfrm>
-        <a:off x="329112" y="816108"/>
-        <a:ext cx="3329551" cy="657692"/>
-      </dsp:txXfrm>
-    </dsp:sp>
-    <dsp:sp modelId="{537E957E-2D49-43EA-8008-F973EA99ED84}">
-      <dsp:nvSpPr>
-        <dsp:cNvPr id="0" name=""/>
-        <dsp:cNvSpPr/>
-      </dsp:nvSpPr>
-      <dsp:spPr>
-        <a:xfrm>
-          <a:off x="617300" y="1591293"/>
-          <a:ext cx="4133226" cy="698616"/>
-        </a:xfrm>
-        <a:prstGeom prst="roundRect">
-          <a:avLst>
-            <a:gd name="adj" fmla="val 10000"/>
-          </a:avLst>
-        </a:prstGeom>
-        <a:solidFill>
-          <a:schemeClr val="accent1">
-            <a:hueOff val="0"/>
-            <a:satOff val="0"/>
-            <a:lumOff val="0"/>
-            <a:alphaOff val="0"/>
-          </a:schemeClr>
-        </a:solidFill>
-        <a:ln w="19050" cap="rnd" cmpd="sng" algn="ctr">
-          <a:solidFill>
-            <a:schemeClr val="lt1">
-              <a:hueOff val="0"/>
-              <a:satOff val="0"/>
-              <a:lumOff val="0"/>
-              <a:alphaOff val="0"/>
-            </a:schemeClr>
-          </a:solidFill>
-          <a:prstDash val="solid"/>
-        </a:ln>
-        <a:effectLst/>
-      </dsp:spPr>
-      <dsp:style>
-        <a:lnRef idx="2">
-          <a:scrgbClr r="0" g="0" b="0"/>
-        </a:lnRef>
-        <a:fillRef idx="1">
-          <a:scrgbClr r="0" g="0" b="0"/>
-        </a:fillRef>
-        <a:effectRef idx="0">
-          <a:scrgbClr r="0" g="0" b="0"/>
-        </a:effectRef>
-        <a:fontRef idx="minor">
-          <a:schemeClr val="lt1"/>
-        </a:fontRef>
-      </dsp:style>
-      <dsp:txBody>
-        <a:bodyPr spcFirstLastPara="0" vert="horz" wrap="square" lIns="68580" tIns="68580" rIns="68580" bIns="68580" numCol="1" spcCol="1270" anchor="ctr" anchorCtr="0">
-          <a:noAutofit/>
-        </a:bodyPr>
-        <a:lstStyle/>
-        <a:p>
-          <a:pPr lvl="0" algn="l" defTabSz="800100">
-            <a:lnSpc>
-              <a:spcPct val="90000"/>
-            </a:lnSpc>
-            <a:spcBef>
-              <a:spcPct val="0"/>
-            </a:spcBef>
-            <a:spcAft>
-              <a:spcPct val="35000"/>
-            </a:spcAft>
-          </a:pPr>
-          <a:r>
-            <a:rPr lang="en-US" sz="1800" kern="1200" dirty="0" smtClean="0">
-              <a:solidFill>
-                <a:schemeClr val="bg1"/>
-              </a:solidFill>
-            </a:rPr>
-            <a:t>cDNA synthesis and poly-A tailing</a:t>
-          </a:r>
-          <a:endParaRPr lang="en-AU" sz="1800" kern="1200" dirty="0">
-            <a:solidFill>
-              <a:schemeClr val="bg1"/>
-            </a:solidFill>
-          </a:endParaRPr>
-        </a:p>
-      </dsp:txBody>
-      <dsp:txXfrm>
-        <a:off x="637762" y="1611755"/>
-        <a:ext cx="3329551" cy="657692"/>
-      </dsp:txXfrm>
-    </dsp:sp>
-    <dsp:sp modelId="{6EF6A664-D7FA-4909-AC1A-B05262E61B69}">
-      <dsp:nvSpPr>
-        <dsp:cNvPr id="0" name=""/>
-        <dsp:cNvSpPr/>
-      </dsp:nvSpPr>
-      <dsp:spPr>
-        <a:xfrm>
-          <a:off x="925950" y="2386940"/>
-          <a:ext cx="4133226" cy="698616"/>
-        </a:xfrm>
-        <a:prstGeom prst="roundRect">
-          <a:avLst>
-            <a:gd name="adj" fmla="val 10000"/>
-          </a:avLst>
-        </a:prstGeom>
-        <a:solidFill>
-          <a:schemeClr val="accent1">
-            <a:hueOff val="0"/>
-            <a:satOff val="0"/>
-            <a:lumOff val="0"/>
-            <a:alphaOff val="0"/>
-          </a:schemeClr>
-        </a:solidFill>
-        <a:ln w="19050" cap="rnd" cmpd="sng" algn="ctr">
-          <a:solidFill>
-            <a:schemeClr val="lt1">
-              <a:hueOff val="0"/>
-              <a:satOff val="0"/>
-              <a:lumOff val="0"/>
-              <a:alphaOff val="0"/>
-            </a:schemeClr>
-          </a:solidFill>
-          <a:prstDash val="solid"/>
-        </a:ln>
-        <a:effectLst/>
-      </dsp:spPr>
-      <dsp:style>
-        <a:lnRef idx="2">
-          <a:scrgbClr r="0" g="0" b="0"/>
-        </a:lnRef>
-        <a:fillRef idx="1">
-          <a:scrgbClr r="0" g="0" b="0"/>
-        </a:fillRef>
-        <a:effectRef idx="0">
-          <a:scrgbClr r="0" g="0" b="0"/>
-        </a:effectRef>
-        <a:fontRef idx="minor">
-          <a:schemeClr val="lt1"/>
-        </a:fontRef>
-      </dsp:style>
-      <dsp:txBody>
-        <a:bodyPr spcFirstLastPara="0" vert="horz" wrap="square" lIns="68580" tIns="68580" rIns="68580" bIns="68580" numCol="1" spcCol="1270" anchor="ctr" anchorCtr="0">
-          <a:noAutofit/>
-        </a:bodyPr>
-        <a:lstStyle/>
-        <a:p>
-          <a:pPr lvl="0" algn="l" defTabSz="800100">
-            <a:lnSpc>
-              <a:spcPct val="90000"/>
-            </a:lnSpc>
-            <a:spcBef>
-              <a:spcPct val="0"/>
-            </a:spcBef>
-            <a:spcAft>
-              <a:spcPct val="35000"/>
-            </a:spcAft>
-          </a:pPr>
-          <a:r>
-            <a:rPr lang="en-US" sz="1800" kern="1200" dirty="0" smtClean="0">
-              <a:solidFill>
-                <a:schemeClr val="bg1"/>
-              </a:solidFill>
-            </a:rPr>
-            <a:t>RT-qPCR</a:t>
-          </a:r>
-          <a:endParaRPr lang="en-AU" sz="1800" kern="1200" dirty="0">
-            <a:solidFill>
-              <a:schemeClr val="bg1"/>
-            </a:solidFill>
-          </a:endParaRPr>
-        </a:p>
-      </dsp:txBody>
-      <dsp:txXfrm>
-        <a:off x="946412" y="2407402"/>
-        <a:ext cx="3329551" cy="657692"/>
-      </dsp:txXfrm>
-    </dsp:sp>
-    <dsp:sp modelId="{1F4391CF-DC44-49F5-9A28-B44F80DF4D55}">
-      <dsp:nvSpPr>
-        <dsp:cNvPr id="0" name=""/>
-        <dsp:cNvSpPr/>
-      </dsp:nvSpPr>
-      <dsp:spPr>
-        <a:xfrm>
-          <a:off x="1234600" y="3182587"/>
-          <a:ext cx="4133226" cy="698616"/>
-        </a:xfrm>
-        <a:prstGeom prst="roundRect">
-          <a:avLst>
-            <a:gd name="adj" fmla="val 10000"/>
-          </a:avLst>
-        </a:prstGeom>
-        <a:solidFill>
-          <a:schemeClr val="accent1">
-            <a:hueOff val="0"/>
-            <a:satOff val="0"/>
-            <a:lumOff val="0"/>
-            <a:alphaOff val="0"/>
-          </a:schemeClr>
-        </a:solidFill>
-        <a:ln w="19050" cap="rnd" cmpd="sng" algn="ctr">
-          <a:solidFill>
-            <a:schemeClr val="lt1">
-              <a:hueOff val="0"/>
-              <a:satOff val="0"/>
-              <a:lumOff val="0"/>
-              <a:alphaOff val="0"/>
-            </a:schemeClr>
-          </a:solidFill>
-          <a:prstDash val="solid"/>
-        </a:ln>
-        <a:effectLst/>
-      </dsp:spPr>
-      <dsp:style>
-        <a:lnRef idx="2">
-          <a:scrgbClr r="0" g="0" b="0"/>
-        </a:lnRef>
-        <a:fillRef idx="1">
-          <a:scrgbClr r="0" g="0" b="0"/>
-        </a:fillRef>
-        <a:effectRef idx="0">
-          <a:scrgbClr r="0" g="0" b="0"/>
-        </a:effectRef>
-        <a:fontRef idx="minor">
-          <a:schemeClr val="lt1"/>
-        </a:fontRef>
-      </dsp:style>
-      <dsp:txBody>
-        <a:bodyPr spcFirstLastPara="0" vert="horz" wrap="square" lIns="68580" tIns="68580" rIns="68580" bIns="68580" numCol="1" spcCol="1270" anchor="ctr" anchorCtr="0">
-          <a:noAutofit/>
-        </a:bodyPr>
-        <a:lstStyle/>
-        <a:p>
-          <a:pPr lvl="0" algn="l" defTabSz="800100">
-            <a:lnSpc>
-              <a:spcPct val="90000"/>
-            </a:lnSpc>
-            <a:spcBef>
-              <a:spcPct val="0"/>
-            </a:spcBef>
-            <a:spcAft>
-              <a:spcPct val="35000"/>
-            </a:spcAft>
-          </a:pPr>
-          <a:r>
-            <a:rPr lang="en-US" sz="1800" kern="1200" dirty="0" smtClean="0">
-              <a:solidFill>
-                <a:schemeClr val="bg1"/>
-              </a:solidFill>
-            </a:rPr>
-            <a:t>Delta </a:t>
-          </a:r>
-          <a:r>
-            <a:rPr lang="en-US" sz="1800" kern="1200" dirty="0" err="1" smtClean="0">
-              <a:solidFill>
-                <a:schemeClr val="bg1"/>
-              </a:solidFill>
-            </a:rPr>
-            <a:t>delta</a:t>
-          </a:r>
-          <a:r>
-            <a:rPr lang="en-US" sz="1800" kern="1200" dirty="0" smtClean="0">
-              <a:solidFill>
-                <a:schemeClr val="bg1"/>
-              </a:solidFill>
-            </a:rPr>
-            <a:t> CT analysis</a:t>
-          </a:r>
-          <a:endParaRPr lang="en-AU" sz="1800" kern="1200" dirty="0">
-            <a:solidFill>
-              <a:schemeClr val="bg1"/>
-            </a:solidFill>
-          </a:endParaRPr>
-        </a:p>
-      </dsp:txBody>
-      <dsp:txXfrm>
-        <a:off x="1255062" y="3203049"/>
-        <a:ext cx="3329551" cy="657692"/>
-      </dsp:txXfrm>
-    </dsp:sp>
-    <dsp:sp modelId="{7C7A3F0C-3A09-40A9-B3A8-9BCA2A046C7A}">
-      <dsp:nvSpPr>
-        <dsp:cNvPr id="0" name=""/>
-        <dsp:cNvSpPr/>
-      </dsp:nvSpPr>
-      <dsp:spPr>
-        <a:xfrm>
-          <a:off x="3679125" y="510378"/>
-          <a:ext cx="454100" cy="454100"/>
-        </a:xfrm>
-        <a:prstGeom prst="downArrow">
-          <a:avLst>
-            <a:gd name="adj1" fmla="val 55000"/>
-            <a:gd name="adj2" fmla="val 45000"/>
-          </a:avLst>
-        </a:prstGeom>
-        <a:solidFill>
-          <a:schemeClr val="bg2">
-            <a:lumMod val="50000"/>
-            <a:lumOff val="50000"/>
-            <a:alpha val="90000"/>
-          </a:schemeClr>
-        </a:solidFill>
-        <a:ln w="19050" cap="rnd" cmpd="sng" algn="ctr">
-          <a:solidFill>
-            <a:schemeClr val="accent1">
-              <a:alpha val="90000"/>
-              <a:tint val="40000"/>
-              <a:hueOff val="0"/>
-              <a:satOff val="0"/>
-              <a:lumOff val="0"/>
-              <a:alphaOff val="0"/>
-            </a:schemeClr>
-          </a:solidFill>
-          <a:prstDash val="solid"/>
-        </a:ln>
-        <a:effectLst/>
-      </dsp:spPr>
-      <dsp:style>
-        <a:lnRef idx="2">
-          <a:scrgbClr r="0" g="0" b="0"/>
-        </a:lnRef>
-        <a:fillRef idx="1">
-          <a:scrgbClr r="0" g="0" b="0"/>
-        </a:fillRef>
-        <a:effectRef idx="0">
-          <a:scrgbClr r="0" g="0" b="0"/>
-        </a:effectRef>
-        <a:fontRef idx="minor"/>
-      </dsp:style>
-      <dsp:txBody>
-        <a:bodyPr spcFirstLastPara="0" vert="horz" wrap="square" lIns="25400" tIns="25400" rIns="25400" bIns="25400" numCol="1" spcCol="1270" anchor="ctr" anchorCtr="0">
-          <a:noAutofit/>
-        </a:bodyPr>
-        <a:lstStyle/>
-        <a:p>
-          <a:pPr lvl="0" algn="ctr" defTabSz="889000">
-            <a:lnSpc>
-              <a:spcPct val="90000"/>
-            </a:lnSpc>
-            <a:spcBef>
-              <a:spcPct val="0"/>
-            </a:spcBef>
-            <a:spcAft>
-              <a:spcPct val="35000"/>
-            </a:spcAft>
-          </a:pPr>
-          <a:endParaRPr lang="en-AU" sz="2000" kern="1200"/>
-        </a:p>
-      </dsp:txBody>
-      <dsp:txXfrm>
-        <a:off x="3781297" y="510378"/>
-        <a:ext cx="249756" cy="341710"/>
-      </dsp:txXfrm>
-    </dsp:sp>
-    <dsp:sp modelId="{09B2B401-8928-462C-B29D-38127C77AA4D}">
-      <dsp:nvSpPr>
-        <dsp:cNvPr id="0" name=""/>
-        <dsp:cNvSpPr/>
-      </dsp:nvSpPr>
-      <dsp:spPr>
-        <a:xfrm>
-          <a:off x="3987775" y="1306025"/>
-          <a:ext cx="454100" cy="454100"/>
-        </a:xfrm>
-        <a:prstGeom prst="downArrow">
-          <a:avLst>
-            <a:gd name="adj1" fmla="val 55000"/>
-            <a:gd name="adj2" fmla="val 45000"/>
-          </a:avLst>
-        </a:prstGeom>
-        <a:solidFill>
-          <a:schemeClr val="bg2">
-            <a:lumMod val="50000"/>
-            <a:lumOff val="50000"/>
-            <a:alpha val="90000"/>
-          </a:schemeClr>
-        </a:solidFill>
-        <a:ln w="19050" cap="rnd" cmpd="sng" algn="ctr">
-          <a:solidFill>
-            <a:schemeClr val="accent1">
-              <a:alpha val="90000"/>
-              <a:tint val="40000"/>
-              <a:hueOff val="0"/>
-              <a:satOff val="0"/>
-              <a:lumOff val="0"/>
-              <a:alphaOff val="0"/>
-            </a:schemeClr>
-          </a:solidFill>
-          <a:prstDash val="solid"/>
-        </a:ln>
-        <a:effectLst/>
-      </dsp:spPr>
-      <dsp:style>
-        <a:lnRef idx="2">
-          <a:scrgbClr r="0" g="0" b="0"/>
-        </a:lnRef>
-        <a:fillRef idx="1">
-          <a:scrgbClr r="0" g="0" b="0"/>
-        </a:fillRef>
-        <a:effectRef idx="0">
-          <a:scrgbClr r="0" g="0" b="0"/>
-        </a:effectRef>
-        <a:fontRef idx="minor"/>
-      </dsp:style>
-      <dsp:txBody>
-        <a:bodyPr spcFirstLastPara="0" vert="horz" wrap="square" lIns="25400" tIns="25400" rIns="25400" bIns="25400" numCol="1" spcCol="1270" anchor="ctr" anchorCtr="0">
-          <a:noAutofit/>
-        </a:bodyPr>
-        <a:lstStyle/>
-        <a:p>
-          <a:pPr lvl="0" algn="ctr" defTabSz="889000">
-            <a:lnSpc>
-              <a:spcPct val="90000"/>
-            </a:lnSpc>
-            <a:spcBef>
-              <a:spcPct val="0"/>
-            </a:spcBef>
-            <a:spcAft>
-              <a:spcPct val="35000"/>
-            </a:spcAft>
-          </a:pPr>
-          <a:endParaRPr lang="en-AU" sz="2000" kern="1200"/>
-        </a:p>
-      </dsp:txBody>
-      <dsp:txXfrm>
-        <a:off x="4089947" y="1306025"/>
-        <a:ext cx="249756" cy="341710"/>
-      </dsp:txXfrm>
-    </dsp:sp>
-    <dsp:sp modelId="{94FDD53F-9ABA-4238-8C87-E414C334E987}">
-      <dsp:nvSpPr>
-        <dsp:cNvPr id="0" name=""/>
-        <dsp:cNvSpPr/>
-      </dsp:nvSpPr>
-      <dsp:spPr>
-        <a:xfrm>
-          <a:off x="4296426" y="2090028"/>
-          <a:ext cx="454100" cy="454100"/>
-        </a:xfrm>
-        <a:prstGeom prst="downArrow">
-          <a:avLst>
-            <a:gd name="adj1" fmla="val 55000"/>
-            <a:gd name="adj2" fmla="val 45000"/>
-          </a:avLst>
-        </a:prstGeom>
-        <a:solidFill>
-          <a:schemeClr val="bg2">
-            <a:lumMod val="50000"/>
-            <a:lumOff val="50000"/>
-            <a:alpha val="90000"/>
-          </a:schemeClr>
-        </a:solidFill>
-        <a:ln w="19050" cap="rnd" cmpd="sng" algn="ctr">
-          <a:solidFill>
-            <a:schemeClr val="accent1">
-              <a:alpha val="90000"/>
-              <a:tint val="40000"/>
-              <a:hueOff val="0"/>
-              <a:satOff val="0"/>
-              <a:lumOff val="0"/>
-              <a:alphaOff val="0"/>
-            </a:schemeClr>
-          </a:solidFill>
-          <a:prstDash val="solid"/>
-        </a:ln>
-        <a:effectLst/>
-      </dsp:spPr>
-      <dsp:style>
-        <a:lnRef idx="2">
-          <a:scrgbClr r="0" g="0" b="0"/>
-        </a:lnRef>
-        <a:fillRef idx="1">
-          <a:scrgbClr r="0" g="0" b="0"/>
-        </a:fillRef>
-        <a:effectRef idx="0">
-          <a:scrgbClr r="0" g="0" b="0"/>
-        </a:effectRef>
-        <a:fontRef idx="minor"/>
-      </dsp:style>
-      <dsp:txBody>
-        <a:bodyPr spcFirstLastPara="0" vert="horz" wrap="square" lIns="25400" tIns="25400" rIns="25400" bIns="25400" numCol="1" spcCol="1270" anchor="ctr" anchorCtr="0">
-          <a:noAutofit/>
-        </a:bodyPr>
-        <a:lstStyle/>
-        <a:p>
-          <a:pPr lvl="0" algn="ctr" defTabSz="889000">
-            <a:lnSpc>
-              <a:spcPct val="90000"/>
-            </a:lnSpc>
-            <a:spcBef>
-              <a:spcPct val="0"/>
-            </a:spcBef>
-            <a:spcAft>
-              <a:spcPct val="35000"/>
-            </a:spcAft>
-          </a:pPr>
-          <a:endParaRPr lang="en-AU" sz="2000" kern="1200"/>
-        </a:p>
-      </dsp:txBody>
-      <dsp:txXfrm>
-        <a:off x="4398598" y="2090028"/>
-        <a:ext cx="249756" cy="341710"/>
-      </dsp:txXfrm>
-    </dsp:sp>
-    <dsp:sp modelId="{112B86F2-18EA-41BC-AA1E-EB607F094174}">
-      <dsp:nvSpPr>
-        <dsp:cNvPr id="0" name=""/>
-        <dsp:cNvSpPr/>
-      </dsp:nvSpPr>
-      <dsp:spPr>
-        <a:xfrm>
-          <a:off x="4605076" y="2893437"/>
-          <a:ext cx="454100" cy="454100"/>
-        </a:xfrm>
-        <a:prstGeom prst="downArrow">
-          <a:avLst>
-            <a:gd name="adj1" fmla="val 55000"/>
-            <a:gd name="adj2" fmla="val 45000"/>
-          </a:avLst>
-        </a:prstGeom>
-        <a:solidFill>
-          <a:schemeClr val="bg2">
-            <a:lumMod val="50000"/>
-            <a:lumOff val="50000"/>
-            <a:alpha val="90000"/>
-          </a:schemeClr>
-        </a:solidFill>
-        <a:ln w="19050" cap="rnd" cmpd="sng" algn="ctr">
-          <a:solidFill>
-            <a:schemeClr val="accent1">
-              <a:alpha val="90000"/>
-              <a:tint val="40000"/>
-              <a:hueOff val="0"/>
-              <a:satOff val="0"/>
-              <a:lumOff val="0"/>
-              <a:alphaOff val="0"/>
-            </a:schemeClr>
-          </a:solidFill>
-          <a:prstDash val="solid"/>
-        </a:ln>
-        <a:effectLst/>
-      </dsp:spPr>
-      <dsp:style>
-        <a:lnRef idx="2">
-          <a:scrgbClr r="0" g="0" b="0"/>
-        </a:lnRef>
-        <a:fillRef idx="1">
-          <a:scrgbClr r="0" g="0" b="0"/>
-        </a:fillRef>
-        <a:effectRef idx="0">
-          <a:scrgbClr r="0" g="0" b="0"/>
-        </a:effectRef>
-        <a:fontRef idx="minor"/>
-      </dsp:style>
-      <dsp:txBody>
-        <a:bodyPr spcFirstLastPara="0" vert="horz" wrap="square" lIns="25400" tIns="25400" rIns="25400" bIns="25400" numCol="1" spcCol="1270" anchor="ctr" anchorCtr="0">
-          <a:noAutofit/>
-        </a:bodyPr>
-        <a:lstStyle/>
-        <a:p>
-          <a:pPr lvl="0" algn="ctr" defTabSz="889000">
-            <a:lnSpc>
-              <a:spcPct val="90000"/>
-            </a:lnSpc>
-            <a:spcBef>
-              <a:spcPct val="0"/>
-            </a:spcBef>
-            <a:spcAft>
-              <a:spcPct val="35000"/>
-            </a:spcAft>
-          </a:pPr>
-          <a:endParaRPr lang="en-AU" sz="2000" kern="1200"/>
-        </a:p>
-      </dsp:txBody>
-      <dsp:txXfrm>
-        <a:off x="4707248" y="2893437"/>
-        <a:ext cx="249756" cy="341710"/>
-      </dsp:txXfrm>
-    </dsp:sp>
   </dsp:spTree>
 </dsp:drawing>
 </file>
@@ -18017,11 +17266,7 @@
             </a:r>
             <a:r>
               <a:rPr lang="en-US" dirty="0" smtClean="0"/>
-              <a:t> subcellular </a:t>
-            </a:r>
-            <a:r>
-              <a:rPr lang="en-US" dirty="0" smtClean="0"/>
-              <a:t>localization</a:t>
+              <a:t> subcellular localization</a:t>
             </a:r>
             <a:endParaRPr lang="en-AU" dirty="0"/>
           </a:p>
